--- a/绘图.pptx
+++ b/绘图.pptx
@@ -12,6 +12,7 @@
     <p:sldId id="259" r:id="rId6"/>
     <p:sldId id="260" r:id="rId7"/>
     <p:sldId id="261" r:id="rId8"/>
+    <p:sldId id="263" r:id="rId9"/>
   </p:sldIdLst>
   <p:sldSz cx="9144000" cy="5143500" type="screen16x9"/>
   <p:notesSz cx="6858000" cy="9144000"/>
@@ -272,7 +273,7 @@
           <a:p>
             <a:fld id="{84F26EE9-193A-4963-9AF3-364A384F1BF7}" type="datetimeFigureOut">
               <a:rPr lang="zh-CN" altLang="en-US" smtClean="0"/>
-              <a:t>2021/9/22</a:t>
+              <a:t>2021/9/28</a:t>
             </a:fld>
             <a:endParaRPr lang="zh-CN" altLang="en-US"/>
           </a:p>
@@ -442,7 +443,7 @@
           <a:p>
             <a:fld id="{84F26EE9-193A-4963-9AF3-364A384F1BF7}" type="datetimeFigureOut">
               <a:rPr lang="zh-CN" altLang="en-US" smtClean="0"/>
-              <a:t>2021/9/22</a:t>
+              <a:t>2021/9/28</a:t>
             </a:fld>
             <a:endParaRPr lang="zh-CN" altLang="en-US"/>
           </a:p>
@@ -622,7 +623,7 @@
           <a:p>
             <a:fld id="{84F26EE9-193A-4963-9AF3-364A384F1BF7}" type="datetimeFigureOut">
               <a:rPr lang="zh-CN" altLang="en-US" smtClean="0"/>
-              <a:t>2021/9/22</a:t>
+              <a:t>2021/9/28</a:t>
             </a:fld>
             <a:endParaRPr lang="zh-CN" altLang="en-US"/>
           </a:p>
@@ -792,7 +793,7 @@
           <a:p>
             <a:fld id="{84F26EE9-193A-4963-9AF3-364A384F1BF7}" type="datetimeFigureOut">
               <a:rPr lang="zh-CN" altLang="en-US" smtClean="0"/>
-              <a:t>2021/9/22</a:t>
+              <a:t>2021/9/28</a:t>
             </a:fld>
             <a:endParaRPr lang="zh-CN" altLang="en-US"/>
           </a:p>
@@ -1038,7 +1039,7 @@
           <a:p>
             <a:fld id="{84F26EE9-193A-4963-9AF3-364A384F1BF7}" type="datetimeFigureOut">
               <a:rPr lang="zh-CN" altLang="en-US" smtClean="0"/>
-              <a:t>2021/9/22</a:t>
+              <a:t>2021/9/28</a:t>
             </a:fld>
             <a:endParaRPr lang="zh-CN" altLang="en-US"/>
           </a:p>
@@ -1270,7 +1271,7 @@
           <a:p>
             <a:fld id="{84F26EE9-193A-4963-9AF3-364A384F1BF7}" type="datetimeFigureOut">
               <a:rPr lang="zh-CN" altLang="en-US" smtClean="0"/>
-              <a:t>2021/9/22</a:t>
+              <a:t>2021/9/28</a:t>
             </a:fld>
             <a:endParaRPr lang="zh-CN" altLang="en-US"/>
           </a:p>
@@ -1637,7 +1638,7 @@
           <a:p>
             <a:fld id="{84F26EE9-193A-4963-9AF3-364A384F1BF7}" type="datetimeFigureOut">
               <a:rPr lang="zh-CN" altLang="en-US" smtClean="0"/>
-              <a:t>2021/9/22</a:t>
+              <a:t>2021/9/28</a:t>
             </a:fld>
             <a:endParaRPr lang="zh-CN" altLang="en-US"/>
           </a:p>
@@ -1755,7 +1756,7 @@
           <a:p>
             <a:fld id="{84F26EE9-193A-4963-9AF3-364A384F1BF7}" type="datetimeFigureOut">
               <a:rPr lang="zh-CN" altLang="en-US" smtClean="0"/>
-              <a:t>2021/9/22</a:t>
+              <a:t>2021/9/28</a:t>
             </a:fld>
             <a:endParaRPr lang="zh-CN" altLang="en-US"/>
           </a:p>
@@ -1850,7 +1851,7 @@
           <a:p>
             <a:fld id="{84F26EE9-193A-4963-9AF3-364A384F1BF7}" type="datetimeFigureOut">
               <a:rPr lang="zh-CN" altLang="en-US" smtClean="0"/>
-              <a:t>2021/9/22</a:t>
+              <a:t>2021/9/28</a:t>
             </a:fld>
             <a:endParaRPr lang="zh-CN" altLang="en-US"/>
           </a:p>
@@ -2127,7 +2128,7 @@
           <a:p>
             <a:fld id="{84F26EE9-193A-4963-9AF3-364A384F1BF7}" type="datetimeFigureOut">
               <a:rPr lang="zh-CN" altLang="en-US" smtClean="0"/>
-              <a:t>2021/9/22</a:t>
+              <a:t>2021/9/28</a:t>
             </a:fld>
             <a:endParaRPr lang="zh-CN" altLang="en-US"/>
           </a:p>
@@ -2384,7 +2385,7 @@
           <a:p>
             <a:fld id="{84F26EE9-193A-4963-9AF3-364A384F1BF7}" type="datetimeFigureOut">
               <a:rPr lang="zh-CN" altLang="en-US" smtClean="0"/>
-              <a:t>2021/9/22</a:t>
+              <a:t>2021/9/28</a:t>
             </a:fld>
             <a:endParaRPr lang="zh-CN" altLang="en-US"/>
           </a:p>
@@ -2597,7 +2598,7 @@
           <a:p>
             <a:fld id="{84F26EE9-193A-4963-9AF3-364A384F1BF7}" type="datetimeFigureOut">
               <a:rPr lang="zh-CN" altLang="en-US" smtClean="0"/>
-              <a:t>2021/9/22</a:t>
+              <a:t>2021/9/28</a:t>
             </a:fld>
             <a:endParaRPr lang="zh-CN" altLang="en-US"/>
           </a:p>
@@ -3088,8 +3089,8 @@
           </a:fontRef>
         </p:style>
       </p:cxnSp>
-      <mc:AlternateContent xmlns:mc="http://schemas.openxmlformats.org/markup-compatibility/2006">
-        <mc:Choice xmlns:a14="http://schemas.microsoft.com/office/drawing/2010/main" Requires="a14">
+      <mc:AlternateContent xmlns:mc="http://schemas.openxmlformats.org/markup-compatibility/2006" xmlns:a14="http://schemas.microsoft.com/office/drawing/2010/main">
+        <mc:Choice Requires="a14">
           <p:sp>
             <p:nvSpPr>
               <p:cNvPr id="12" name="文本框 11">
@@ -3151,7 +3152,7 @@
             </p:txBody>
           </p:sp>
         </mc:Choice>
-        <mc:Fallback>
+        <mc:Fallback xmlns="">
           <p:sp>
             <p:nvSpPr>
               <p:cNvPr id="12" name="文本框 11">
@@ -3420,8 +3421,8 @@
           </a:fontRef>
         </p:style>
       </p:cxnSp>
-      <mc:AlternateContent xmlns:mc="http://schemas.openxmlformats.org/markup-compatibility/2006">
-        <mc:Choice xmlns:a14="http://schemas.microsoft.com/office/drawing/2010/main" Requires="a14">
+      <mc:AlternateContent xmlns:mc="http://schemas.openxmlformats.org/markup-compatibility/2006" xmlns:a14="http://schemas.microsoft.com/office/drawing/2010/main">
+        <mc:Choice Requires="a14">
           <p:sp>
             <p:nvSpPr>
               <p:cNvPr id="20" name="矩形 19">
@@ -3547,7 +3548,7 @@
             </p:txBody>
           </p:sp>
         </mc:Choice>
-        <mc:Fallback>
+        <mc:Fallback xmlns="">
           <p:sp>
             <p:nvSpPr>
               <p:cNvPr id="20" name="矩形 19">
@@ -3713,8 +3714,8 @@
           </a:p>
         </p:txBody>
       </p:sp>
-      <mc:AlternateContent xmlns:mc="http://schemas.openxmlformats.org/markup-compatibility/2006">
-        <mc:Choice xmlns:a14="http://schemas.microsoft.com/office/drawing/2010/main" Requires="a14">
+      <mc:AlternateContent xmlns:mc="http://schemas.openxmlformats.org/markup-compatibility/2006" xmlns:a14="http://schemas.microsoft.com/office/drawing/2010/main">
+        <mc:Choice Requires="a14">
           <p:sp>
             <p:nvSpPr>
               <p:cNvPr id="26" name="矩形 25">
@@ -3840,7 +3841,7 @@
             </p:txBody>
           </p:sp>
         </mc:Choice>
-        <mc:Fallback>
+        <mc:Fallback xmlns="">
           <p:sp>
             <p:nvSpPr>
               <p:cNvPr id="26" name="矩形 25">
@@ -3920,8 +3921,8 @@
           </a:p>
         </p:txBody>
       </p:sp>
-      <mc:AlternateContent xmlns:mc="http://schemas.openxmlformats.org/markup-compatibility/2006">
-        <mc:Choice xmlns:a14="http://schemas.microsoft.com/office/drawing/2010/main" Requires="a14">
+      <mc:AlternateContent xmlns:mc="http://schemas.openxmlformats.org/markup-compatibility/2006" xmlns:a14="http://schemas.microsoft.com/office/drawing/2010/main">
+        <mc:Choice Requires="a14">
           <p:sp>
             <p:nvSpPr>
               <p:cNvPr id="28" name="文本框 27">
@@ -4002,7 +4003,7 @@
             </p:txBody>
           </p:sp>
         </mc:Choice>
-        <mc:Fallback>
+        <mc:Fallback xmlns="">
           <p:sp>
             <p:nvSpPr>
               <p:cNvPr id="28" name="文本框 27">
@@ -4047,8 +4048,8 @@
           </p:sp>
         </mc:Fallback>
       </mc:AlternateContent>
-      <mc:AlternateContent xmlns:mc="http://schemas.openxmlformats.org/markup-compatibility/2006">
-        <mc:Choice xmlns:a14="http://schemas.microsoft.com/office/drawing/2010/main" Requires="a14">
+      <mc:AlternateContent xmlns:mc="http://schemas.openxmlformats.org/markup-compatibility/2006" xmlns:a14="http://schemas.microsoft.com/office/drawing/2010/main">
+        <mc:Choice Requires="a14">
           <p:sp>
             <p:nvSpPr>
               <p:cNvPr id="29" name="文本框 28">
@@ -4116,7 +4117,7 @@
             </p:txBody>
           </p:sp>
         </mc:Choice>
-        <mc:Fallback>
+        <mc:Fallback xmlns="">
           <p:sp>
             <p:nvSpPr>
               <p:cNvPr id="29" name="文本框 28">
@@ -4341,8 +4342,8 @@
           </a:fontRef>
         </p:style>
       </p:cxnSp>
-      <mc:AlternateContent xmlns:mc="http://schemas.openxmlformats.org/markup-compatibility/2006">
-        <mc:Choice xmlns:a14="http://schemas.microsoft.com/office/drawing/2010/main" Requires="a14">
+      <mc:AlternateContent xmlns:mc="http://schemas.openxmlformats.org/markup-compatibility/2006" xmlns:a14="http://schemas.microsoft.com/office/drawing/2010/main">
+        <mc:Choice Requires="a14">
           <p:sp>
             <p:nvSpPr>
               <p:cNvPr id="34" name="文本框 33">
@@ -4404,7 +4405,7 @@
             </p:txBody>
           </p:sp>
         </mc:Choice>
-        <mc:Fallback>
+        <mc:Fallback xmlns="">
           <p:sp>
             <p:nvSpPr>
               <p:cNvPr id="34" name="文本框 33">
@@ -4673,8 +4674,8 @@
           </a:fontRef>
         </p:style>
       </p:cxnSp>
-      <mc:AlternateContent xmlns:mc="http://schemas.openxmlformats.org/markup-compatibility/2006">
-        <mc:Choice xmlns:a14="http://schemas.microsoft.com/office/drawing/2010/main" Requires="a14">
+      <mc:AlternateContent xmlns:mc="http://schemas.openxmlformats.org/markup-compatibility/2006" xmlns:a14="http://schemas.microsoft.com/office/drawing/2010/main">
+        <mc:Choice Requires="a14">
           <p:sp>
             <p:nvSpPr>
               <p:cNvPr id="40" name="矩形 39">
@@ -4800,7 +4801,7 @@
             </p:txBody>
           </p:sp>
         </mc:Choice>
-        <mc:Fallback>
+        <mc:Fallback xmlns="">
           <p:sp>
             <p:nvSpPr>
               <p:cNvPr id="40" name="矩形 39">
@@ -4966,8 +4967,8 @@
           </a:p>
         </p:txBody>
       </p:sp>
-      <mc:AlternateContent xmlns:mc="http://schemas.openxmlformats.org/markup-compatibility/2006">
-        <mc:Choice xmlns:a14="http://schemas.microsoft.com/office/drawing/2010/main" Requires="a14">
+      <mc:AlternateContent xmlns:mc="http://schemas.openxmlformats.org/markup-compatibility/2006" xmlns:a14="http://schemas.microsoft.com/office/drawing/2010/main">
+        <mc:Choice Requires="a14">
           <p:sp>
             <p:nvSpPr>
               <p:cNvPr id="44" name="矩形 43">
@@ -5093,7 +5094,7 @@
             </p:txBody>
           </p:sp>
         </mc:Choice>
-        <mc:Fallback>
+        <mc:Fallback xmlns="">
           <p:sp>
             <p:nvSpPr>
               <p:cNvPr id="44" name="矩形 43">
@@ -5173,8 +5174,8 @@
           </a:p>
         </p:txBody>
       </p:sp>
-      <mc:AlternateContent xmlns:mc="http://schemas.openxmlformats.org/markup-compatibility/2006">
-        <mc:Choice xmlns:a14="http://schemas.microsoft.com/office/drawing/2010/main" Requires="a14">
+      <mc:AlternateContent xmlns:mc="http://schemas.openxmlformats.org/markup-compatibility/2006" xmlns:a14="http://schemas.microsoft.com/office/drawing/2010/main">
+        <mc:Choice Requires="a14">
           <p:sp>
             <p:nvSpPr>
               <p:cNvPr id="46" name="文本框 45">
@@ -5255,7 +5256,7 @@
             </p:txBody>
           </p:sp>
         </mc:Choice>
-        <mc:Fallback>
+        <mc:Fallback xmlns="">
           <p:sp>
             <p:nvSpPr>
               <p:cNvPr id="46" name="文本框 45">
@@ -5300,8 +5301,8 @@
           </p:sp>
         </mc:Fallback>
       </mc:AlternateContent>
-      <mc:AlternateContent xmlns:mc="http://schemas.openxmlformats.org/markup-compatibility/2006">
-        <mc:Choice xmlns:a14="http://schemas.microsoft.com/office/drawing/2010/main" Requires="a14">
+      <mc:AlternateContent xmlns:mc="http://schemas.openxmlformats.org/markup-compatibility/2006" xmlns:a14="http://schemas.microsoft.com/office/drawing/2010/main">
+        <mc:Choice Requires="a14">
           <p:sp>
             <p:nvSpPr>
               <p:cNvPr id="47" name="文本框 46">
@@ -5369,7 +5370,7 @@
             </p:txBody>
           </p:sp>
         </mc:Choice>
-        <mc:Fallback>
+        <mc:Fallback xmlns="">
           <p:sp>
             <p:nvSpPr>
               <p:cNvPr id="47" name="文本框 46">
@@ -5665,8 +5666,8 @@
           </a:fontRef>
         </p:style>
       </p:cxnSp>
-      <mc:AlternateContent xmlns:mc="http://schemas.openxmlformats.org/markup-compatibility/2006">
-        <mc:Choice xmlns:a14="http://schemas.microsoft.com/office/drawing/2010/main" Requires="a14">
+      <mc:AlternateContent xmlns:mc="http://schemas.openxmlformats.org/markup-compatibility/2006" xmlns:a14="http://schemas.microsoft.com/office/drawing/2010/main">
+        <mc:Choice Requires="a14">
           <p:sp>
             <p:nvSpPr>
               <p:cNvPr id="6" name="文本框 5">
@@ -5728,7 +5729,7 @@
             </p:txBody>
           </p:sp>
         </mc:Choice>
-        <mc:Fallback>
+        <mc:Fallback xmlns="">
           <p:sp>
             <p:nvSpPr>
               <p:cNvPr id="6" name="文本框 5">
@@ -5997,8 +5998,8 @@
           </a:fontRef>
         </p:style>
       </p:cxnSp>
-      <mc:AlternateContent xmlns:mc="http://schemas.openxmlformats.org/markup-compatibility/2006">
-        <mc:Choice xmlns:a14="http://schemas.microsoft.com/office/drawing/2010/main" Requires="a14">
+      <mc:AlternateContent xmlns:mc="http://schemas.openxmlformats.org/markup-compatibility/2006" xmlns:a14="http://schemas.microsoft.com/office/drawing/2010/main">
+        <mc:Choice Requires="a14">
           <p:sp>
             <p:nvSpPr>
               <p:cNvPr id="12" name="矩形 11">
@@ -6124,7 +6125,7 @@
             </p:txBody>
           </p:sp>
         </mc:Choice>
-        <mc:Fallback>
+        <mc:Fallback xmlns="">
           <p:sp>
             <p:nvSpPr>
               <p:cNvPr id="12" name="矩形 11">
@@ -6204,8 +6205,8 @@
           </a:p>
         </p:txBody>
       </p:sp>
-      <mc:AlternateContent xmlns:mc="http://schemas.openxmlformats.org/markup-compatibility/2006">
-        <mc:Choice xmlns:a14="http://schemas.microsoft.com/office/drawing/2010/main" Requires="a14">
+      <mc:AlternateContent xmlns:mc="http://schemas.openxmlformats.org/markup-compatibility/2006" xmlns:a14="http://schemas.microsoft.com/office/drawing/2010/main">
+        <mc:Choice Requires="a14">
           <p:sp>
             <p:nvSpPr>
               <p:cNvPr id="18" name="文本框 17">
@@ -6286,7 +6287,7 @@
             </p:txBody>
           </p:sp>
         </mc:Choice>
-        <mc:Fallback>
+        <mc:Fallback xmlns="">
           <p:sp>
             <p:nvSpPr>
               <p:cNvPr id="18" name="文本框 17">
@@ -6468,8 +6469,8 @@
           </a:fontRef>
         </p:style>
       </p:cxnSp>
-      <mc:AlternateContent xmlns:mc="http://schemas.openxmlformats.org/markup-compatibility/2006">
-        <mc:Choice xmlns:a14="http://schemas.microsoft.com/office/drawing/2010/main" Requires="a14">
+      <mc:AlternateContent xmlns:mc="http://schemas.openxmlformats.org/markup-compatibility/2006" xmlns:a14="http://schemas.microsoft.com/office/drawing/2010/main">
+        <mc:Choice Requires="a14">
           <p:sp>
             <p:nvSpPr>
               <p:cNvPr id="24" name="文本框 23">
@@ -6525,7 +6526,7 @@
             </p:txBody>
           </p:sp>
         </mc:Choice>
-        <mc:Fallback>
+        <mc:Fallback xmlns="">
           <p:sp>
             <p:nvSpPr>
               <p:cNvPr id="24" name="文本框 23">
@@ -6794,8 +6795,8 @@
           </a:fontRef>
         </p:style>
       </p:cxnSp>
-      <mc:AlternateContent xmlns:mc="http://schemas.openxmlformats.org/markup-compatibility/2006">
-        <mc:Choice xmlns:a14="http://schemas.microsoft.com/office/drawing/2010/main" Requires="a14">
+      <mc:AlternateContent xmlns:mc="http://schemas.openxmlformats.org/markup-compatibility/2006" xmlns:a14="http://schemas.microsoft.com/office/drawing/2010/main">
+        <mc:Choice Requires="a14">
           <p:sp>
             <p:nvSpPr>
               <p:cNvPr id="30" name="矩形 29">
@@ -6921,7 +6922,7 @@
             </p:txBody>
           </p:sp>
         </mc:Choice>
-        <mc:Fallback>
+        <mc:Fallback xmlns="">
           <p:sp>
             <p:nvSpPr>
               <p:cNvPr id="30" name="矩形 29">
@@ -7202,8 +7203,8 @@
           </a:p>
         </p:txBody>
       </p:sp>
-      <mc:AlternateContent xmlns:mc="http://schemas.openxmlformats.org/markup-compatibility/2006">
-        <mc:Choice xmlns:a14="http://schemas.microsoft.com/office/drawing/2010/main" Requires="a14">
+      <mc:AlternateContent xmlns:mc="http://schemas.openxmlformats.org/markup-compatibility/2006" xmlns:a14="http://schemas.microsoft.com/office/drawing/2010/main">
+        <mc:Choice Requires="a14">
           <p:sp>
             <p:nvSpPr>
               <p:cNvPr id="8" name="文本框 7">
@@ -7335,7 +7336,7 @@
             </p:txBody>
           </p:sp>
         </mc:Choice>
-        <mc:Fallback>
+        <mc:Fallback xmlns="">
           <p:sp>
             <p:nvSpPr>
               <p:cNvPr id="8" name="文本框 7">
@@ -7380,8 +7381,8 @@
           </p:sp>
         </mc:Fallback>
       </mc:AlternateContent>
-      <mc:AlternateContent xmlns:mc="http://schemas.openxmlformats.org/markup-compatibility/2006">
-        <mc:Choice xmlns:a14="http://schemas.microsoft.com/office/drawing/2010/main" Requires="a14">
+      <mc:AlternateContent xmlns:mc="http://schemas.openxmlformats.org/markup-compatibility/2006" xmlns:a14="http://schemas.microsoft.com/office/drawing/2010/main">
+        <mc:Choice Requires="a14">
           <p:sp>
             <p:nvSpPr>
               <p:cNvPr id="9" name="文本框 8">
@@ -7513,7 +7514,7 @@
             </p:txBody>
           </p:sp>
         </mc:Choice>
-        <mc:Fallback>
+        <mc:Fallback xmlns="">
           <p:sp>
             <p:nvSpPr>
               <p:cNvPr id="9" name="文本框 8">
@@ -7558,8 +7559,8 @@
           </p:sp>
         </mc:Fallback>
       </mc:AlternateContent>
-      <mc:AlternateContent xmlns:mc="http://schemas.openxmlformats.org/markup-compatibility/2006">
-        <mc:Choice xmlns:a14="http://schemas.microsoft.com/office/drawing/2010/main" Requires="a14">
+      <mc:AlternateContent xmlns:mc="http://schemas.openxmlformats.org/markup-compatibility/2006" xmlns:a14="http://schemas.microsoft.com/office/drawing/2010/main">
+        <mc:Choice Requires="a14">
           <p:sp>
             <p:nvSpPr>
               <p:cNvPr id="10" name="文本框 9">
@@ -7628,7 +7629,7 @@
             </p:txBody>
           </p:sp>
         </mc:Choice>
-        <mc:Fallback>
+        <mc:Fallback xmlns="">
           <p:sp>
             <p:nvSpPr>
               <p:cNvPr id="10" name="文本框 9">
@@ -7673,8 +7674,8 @@
           </p:sp>
         </mc:Fallback>
       </mc:AlternateContent>
-      <mc:AlternateContent xmlns:mc="http://schemas.openxmlformats.org/markup-compatibility/2006">
-        <mc:Choice xmlns:a14="http://schemas.microsoft.com/office/drawing/2010/main" Requires="a14">
+      <mc:AlternateContent xmlns:mc="http://schemas.openxmlformats.org/markup-compatibility/2006" xmlns:a14="http://schemas.microsoft.com/office/drawing/2010/main">
+        <mc:Choice Requires="a14">
           <p:sp>
             <p:nvSpPr>
               <p:cNvPr id="13" name="文本框 12">
@@ -7743,7 +7744,7 @@
             </p:txBody>
           </p:sp>
         </mc:Choice>
-        <mc:Fallback>
+        <mc:Fallback xmlns="">
           <p:sp>
             <p:nvSpPr>
               <p:cNvPr id="13" name="文本框 12">
@@ -7973,8 +7974,8 @@
           </a:p>
         </p:txBody>
       </p:sp>
-      <mc:AlternateContent xmlns:mc="http://schemas.openxmlformats.org/markup-compatibility/2006">
-        <mc:Choice xmlns:a14="http://schemas.microsoft.com/office/drawing/2010/main" Requires="a14">
+      <mc:AlternateContent xmlns:mc="http://schemas.openxmlformats.org/markup-compatibility/2006" xmlns:a14="http://schemas.microsoft.com/office/drawing/2010/main">
+        <mc:Choice Requires="a14">
           <p:sp>
             <p:nvSpPr>
               <p:cNvPr id="20" name="文本框 19">
@@ -8106,7 +8107,7 @@
             </p:txBody>
           </p:sp>
         </mc:Choice>
-        <mc:Fallback>
+        <mc:Fallback xmlns="">
           <p:sp>
             <p:nvSpPr>
               <p:cNvPr id="20" name="文本框 19">
@@ -8359,8 +8360,8 @@
           </a:p>
         </p:txBody>
       </p:sp>
-      <mc:AlternateContent xmlns:mc="http://schemas.openxmlformats.org/markup-compatibility/2006">
-        <mc:Choice xmlns:a14="http://schemas.microsoft.com/office/drawing/2010/main" Requires="a14">
+      <mc:AlternateContent xmlns:mc="http://schemas.openxmlformats.org/markup-compatibility/2006" xmlns:a14="http://schemas.microsoft.com/office/drawing/2010/main">
+        <mc:Choice Requires="a14">
           <p:sp>
             <p:nvSpPr>
               <p:cNvPr id="4" name="文本框 3">
@@ -8490,7 +8491,7 @@
             </p:txBody>
           </p:sp>
         </mc:Choice>
-        <mc:Fallback>
+        <mc:Fallback xmlns="">
           <p:sp>
             <p:nvSpPr>
               <p:cNvPr id="4" name="文本框 3">
@@ -8535,8 +8536,8 @@
           </p:sp>
         </mc:Fallback>
       </mc:AlternateContent>
-      <mc:AlternateContent xmlns:mc="http://schemas.openxmlformats.org/markup-compatibility/2006">
-        <mc:Choice xmlns:a14="http://schemas.microsoft.com/office/drawing/2010/main" Requires="a14">
+      <mc:AlternateContent xmlns:mc="http://schemas.openxmlformats.org/markup-compatibility/2006" xmlns:a14="http://schemas.microsoft.com/office/drawing/2010/main">
+        <mc:Choice Requires="a14">
           <p:sp>
             <p:nvSpPr>
               <p:cNvPr id="5" name="文本框 4">
@@ -8704,7 +8705,7 @@
             </p:txBody>
           </p:sp>
         </mc:Choice>
-        <mc:Fallback>
+        <mc:Fallback xmlns="">
           <p:sp>
             <p:nvSpPr>
               <p:cNvPr id="5" name="文本框 4">
@@ -8749,8 +8750,8 @@
           </p:sp>
         </mc:Fallback>
       </mc:AlternateContent>
-      <mc:AlternateContent xmlns:mc="http://schemas.openxmlformats.org/markup-compatibility/2006">
-        <mc:Choice xmlns:a14="http://schemas.microsoft.com/office/drawing/2010/main" Requires="a14">
+      <mc:AlternateContent xmlns:mc="http://schemas.openxmlformats.org/markup-compatibility/2006" xmlns:a14="http://schemas.microsoft.com/office/drawing/2010/main">
+        <mc:Choice Requires="a14">
           <p:sp>
             <p:nvSpPr>
               <p:cNvPr id="7" name="文本框 6">
@@ -8855,7 +8856,7 @@
             </p:txBody>
           </p:sp>
         </mc:Choice>
-        <mc:Fallback>
+        <mc:Fallback xmlns="">
           <p:sp>
             <p:nvSpPr>
               <p:cNvPr id="7" name="文本框 6">
@@ -8900,8 +8901,8 @@
           </p:sp>
         </mc:Fallback>
       </mc:AlternateContent>
-      <mc:AlternateContent xmlns:mc="http://schemas.openxmlformats.org/markup-compatibility/2006">
-        <mc:Choice xmlns:a14="http://schemas.microsoft.com/office/drawing/2010/main" Requires="a14">
+      <mc:AlternateContent xmlns:mc="http://schemas.openxmlformats.org/markup-compatibility/2006" xmlns:a14="http://schemas.microsoft.com/office/drawing/2010/main">
+        <mc:Choice Requires="a14">
           <p:sp>
             <p:nvSpPr>
               <p:cNvPr id="8" name="文本框 7">
@@ -9064,7 +9065,7 @@
             </p:txBody>
           </p:sp>
         </mc:Choice>
-        <mc:Fallback>
+        <mc:Fallback xmlns="">
           <p:sp>
             <p:nvSpPr>
               <p:cNvPr id="8" name="文本框 7">
@@ -9109,8 +9110,8 @@
           </p:sp>
         </mc:Fallback>
       </mc:AlternateContent>
-      <mc:AlternateContent xmlns:mc="http://schemas.openxmlformats.org/markup-compatibility/2006">
-        <mc:Choice xmlns:a14="http://schemas.microsoft.com/office/drawing/2010/main" Requires="a14">
+      <mc:AlternateContent xmlns:mc="http://schemas.openxmlformats.org/markup-compatibility/2006" xmlns:a14="http://schemas.microsoft.com/office/drawing/2010/main">
+        <mc:Choice Requires="a14">
           <p:sp>
             <p:nvSpPr>
               <p:cNvPr id="9" name="文本框 8">
@@ -9346,7 +9347,7 @@
             </p:txBody>
           </p:sp>
         </mc:Choice>
-        <mc:Fallback>
+        <mc:Fallback xmlns="">
           <p:sp>
             <p:nvSpPr>
               <p:cNvPr id="9" name="文本框 8">
@@ -9391,8 +9392,8 @@
           </p:sp>
         </mc:Fallback>
       </mc:AlternateContent>
-      <mc:AlternateContent xmlns:mc="http://schemas.openxmlformats.org/markup-compatibility/2006">
-        <mc:Choice xmlns:a14="http://schemas.microsoft.com/office/drawing/2010/main" Requires="a14">
+      <mc:AlternateContent xmlns:mc="http://schemas.openxmlformats.org/markup-compatibility/2006" xmlns:a14="http://schemas.microsoft.com/office/drawing/2010/main">
+        <mc:Choice Requires="a14">
           <p:sp>
             <p:nvSpPr>
               <p:cNvPr id="11" name="文本框 10">
@@ -9541,7 +9542,7 @@
             </p:txBody>
           </p:sp>
         </mc:Choice>
-        <mc:Fallback>
+        <mc:Fallback xmlns="">
           <p:sp>
             <p:nvSpPr>
               <p:cNvPr id="11" name="文本框 10">
@@ -9586,8 +9587,8 @@
           </p:sp>
         </mc:Fallback>
       </mc:AlternateContent>
-      <mc:AlternateContent xmlns:mc="http://schemas.openxmlformats.org/markup-compatibility/2006">
-        <mc:Choice xmlns:a14="http://schemas.microsoft.com/office/drawing/2010/main" Requires="a14">
+      <mc:AlternateContent xmlns:mc="http://schemas.openxmlformats.org/markup-compatibility/2006" xmlns:a14="http://schemas.microsoft.com/office/drawing/2010/main">
+        <mc:Choice Requires="a14">
           <p:sp>
             <p:nvSpPr>
               <p:cNvPr id="12" name="文本框 11">
@@ -9723,7 +9724,7 @@
             </p:txBody>
           </p:sp>
         </mc:Choice>
-        <mc:Fallback>
+        <mc:Fallback xmlns="">
           <p:sp>
             <p:nvSpPr>
               <p:cNvPr id="12" name="文本框 11">
@@ -9768,8 +9769,8 @@
           </p:sp>
         </mc:Fallback>
       </mc:AlternateContent>
-      <mc:AlternateContent xmlns:mc="http://schemas.openxmlformats.org/markup-compatibility/2006">
-        <mc:Choice xmlns:a14="http://schemas.microsoft.com/office/drawing/2010/main" Requires="a14">
+      <mc:AlternateContent xmlns:mc="http://schemas.openxmlformats.org/markup-compatibility/2006" xmlns:a14="http://schemas.microsoft.com/office/drawing/2010/main">
+        <mc:Choice Requires="a14">
           <p:sp>
             <p:nvSpPr>
               <p:cNvPr id="13" name="文本框 12">
@@ -9972,7 +9973,7 @@
             </p:txBody>
           </p:sp>
         </mc:Choice>
-        <mc:Fallback>
+        <mc:Fallback xmlns="">
           <p:sp>
             <p:nvSpPr>
               <p:cNvPr id="13" name="文本框 12">
@@ -10095,8 +10096,8 @@
           </a:fontRef>
         </p:style>
       </p:cxnSp>
-      <mc:AlternateContent xmlns:mc="http://schemas.openxmlformats.org/markup-compatibility/2006">
-        <mc:Choice xmlns:a14="http://schemas.microsoft.com/office/drawing/2010/main" Requires="a14">
+      <mc:AlternateContent xmlns:mc="http://schemas.openxmlformats.org/markup-compatibility/2006" xmlns:a14="http://schemas.microsoft.com/office/drawing/2010/main">
+        <mc:Choice Requires="a14">
           <p:sp>
             <p:nvSpPr>
               <p:cNvPr id="21" name="文本框 20">
@@ -10233,7 +10234,7 @@
             </p:txBody>
           </p:sp>
         </mc:Choice>
-        <mc:Fallback>
+        <mc:Fallback xmlns="">
           <p:sp>
             <p:nvSpPr>
               <p:cNvPr id="21" name="文本框 20">
@@ -10356,8 +10357,8 @@
           </a:fontRef>
         </p:style>
       </p:cxnSp>
-      <mc:AlternateContent xmlns:mc="http://schemas.openxmlformats.org/markup-compatibility/2006">
-        <mc:Choice xmlns:a14="http://schemas.microsoft.com/office/drawing/2010/main" Requires="a14">
+      <mc:AlternateContent xmlns:mc="http://schemas.openxmlformats.org/markup-compatibility/2006" xmlns:a14="http://schemas.microsoft.com/office/drawing/2010/main">
+        <mc:Choice Requires="a14">
           <p:sp>
             <p:nvSpPr>
               <p:cNvPr id="24" name="文本框 23">
@@ -10513,7 +10514,7 @@
             </p:txBody>
           </p:sp>
         </mc:Choice>
-        <mc:Fallback>
+        <mc:Fallback xmlns="">
           <p:sp>
             <p:nvSpPr>
               <p:cNvPr id="24" name="文本框 23">
@@ -10558,8 +10559,8 @@
           </p:sp>
         </mc:Fallback>
       </mc:AlternateContent>
-      <mc:AlternateContent xmlns:mc="http://schemas.openxmlformats.org/markup-compatibility/2006">
-        <mc:Choice xmlns:a14="http://schemas.microsoft.com/office/drawing/2010/main" Requires="a14">
+      <mc:AlternateContent xmlns:mc="http://schemas.openxmlformats.org/markup-compatibility/2006" xmlns:a14="http://schemas.microsoft.com/office/drawing/2010/main">
+        <mc:Choice Requires="a14">
           <p:sp>
             <p:nvSpPr>
               <p:cNvPr id="27" name="文本框 26">
@@ -10696,7 +10697,7 @@
             </p:txBody>
           </p:sp>
         </mc:Choice>
-        <mc:Fallback>
+        <mc:Fallback xmlns="">
           <p:sp>
             <p:nvSpPr>
               <p:cNvPr id="27" name="文本框 26">
@@ -10741,8 +10742,8 @@
           </p:sp>
         </mc:Fallback>
       </mc:AlternateContent>
-      <mc:AlternateContent xmlns:mc="http://schemas.openxmlformats.org/markup-compatibility/2006">
-        <mc:Choice xmlns:a14="http://schemas.microsoft.com/office/drawing/2010/main" Requires="a14">
+      <mc:AlternateContent xmlns:mc="http://schemas.openxmlformats.org/markup-compatibility/2006" xmlns:a14="http://schemas.microsoft.com/office/drawing/2010/main">
+        <mc:Choice Requires="a14">
           <p:sp>
             <p:nvSpPr>
               <p:cNvPr id="35" name="文本框 34">
@@ -10985,7 +10986,7 @@
             </p:txBody>
           </p:sp>
         </mc:Choice>
-        <mc:Fallback>
+        <mc:Fallback xmlns="">
           <p:sp>
             <p:nvSpPr>
               <p:cNvPr id="35" name="文本框 34">
@@ -11071,8 +11072,8 @@
           </a:p>
         </p:txBody>
       </p:sp>
-      <mc:AlternateContent xmlns:mc="http://schemas.openxmlformats.org/markup-compatibility/2006">
-        <mc:Choice xmlns:a14="http://schemas.microsoft.com/office/drawing/2010/main" Requires="a14">
+      <mc:AlternateContent xmlns:mc="http://schemas.openxmlformats.org/markup-compatibility/2006" xmlns:a14="http://schemas.microsoft.com/office/drawing/2010/main">
+        <mc:Choice Requires="a14">
           <p:sp>
             <p:nvSpPr>
               <p:cNvPr id="37" name="文本框 36">
@@ -11246,7 +11247,7 @@
             </p:txBody>
           </p:sp>
         </mc:Choice>
-        <mc:Fallback>
+        <mc:Fallback xmlns="">
           <p:sp>
             <p:nvSpPr>
               <p:cNvPr id="37" name="文本框 36">
@@ -11369,8 +11370,8 @@
           </a:fontRef>
         </p:style>
       </p:cxnSp>
-      <mc:AlternateContent xmlns:mc="http://schemas.openxmlformats.org/markup-compatibility/2006">
-        <mc:Choice xmlns:a14="http://schemas.microsoft.com/office/drawing/2010/main" Requires="a14">
+      <mc:AlternateContent xmlns:mc="http://schemas.openxmlformats.org/markup-compatibility/2006" xmlns:a14="http://schemas.microsoft.com/office/drawing/2010/main">
+        <mc:Choice Requires="a14">
           <p:sp>
             <p:nvSpPr>
               <p:cNvPr id="40" name="文本框 39">
@@ -11575,7 +11576,7 @@
             </p:txBody>
           </p:sp>
         </mc:Choice>
-        <mc:Fallback>
+        <mc:Fallback xmlns="">
           <p:sp>
             <p:nvSpPr>
               <p:cNvPr id="40" name="文本框 39">
@@ -11659,8 +11660,8 @@
           </a:fontRef>
         </p:style>
       </p:cxnSp>
-      <mc:AlternateContent xmlns:mc="http://schemas.openxmlformats.org/markup-compatibility/2006">
-        <mc:Choice xmlns:a14="http://schemas.microsoft.com/office/drawing/2010/main" Requires="a14">
+      <mc:AlternateContent xmlns:mc="http://schemas.openxmlformats.org/markup-compatibility/2006" xmlns:a14="http://schemas.microsoft.com/office/drawing/2010/main">
+        <mc:Choice Requires="a14">
           <p:sp>
             <p:nvSpPr>
               <p:cNvPr id="44" name="文本框 43">
@@ -11853,7 +11854,7 @@
             </p:txBody>
           </p:sp>
         </mc:Choice>
-        <mc:Fallback>
+        <mc:Fallback xmlns="">
           <p:sp>
             <p:nvSpPr>
               <p:cNvPr id="44" name="文本框 43">
@@ -11898,8 +11899,8 @@
           </p:sp>
         </mc:Fallback>
       </mc:AlternateContent>
-      <mc:AlternateContent xmlns:mc="http://schemas.openxmlformats.org/markup-compatibility/2006">
-        <mc:Choice xmlns:a14="http://schemas.microsoft.com/office/drawing/2010/main" Requires="a14">
+      <mc:AlternateContent xmlns:mc="http://schemas.openxmlformats.org/markup-compatibility/2006" xmlns:a14="http://schemas.microsoft.com/office/drawing/2010/main">
+        <mc:Choice Requires="a14">
           <p:sp>
             <p:nvSpPr>
               <p:cNvPr id="45" name="文本框 44">
@@ -12102,7 +12103,7 @@
             </p:txBody>
           </p:sp>
         </mc:Choice>
-        <mc:Fallback>
+        <mc:Fallback xmlns="">
           <p:sp>
             <p:nvSpPr>
               <p:cNvPr id="45" name="文本框 44">
@@ -12231,8 +12232,8 @@
           </a:fontRef>
         </p:style>
       </p:cxnSp>
-      <mc:AlternateContent xmlns:mc="http://schemas.openxmlformats.org/markup-compatibility/2006">
-        <mc:Choice xmlns:a14="http://schemas.microsoft.com/office/drawing/2010/main" Requires="a14">
+      <mc:AlternateContent xmlns:mc="http://schemas.openxmlformats.org/markup-compatibility/2006" xmlns:a14="http://schemas.microsoft.com/office/drawing/2010/main">
+        <mc:Choice Requires="a14">
           <p:sp>
             <p:nvSpPr>
               <p:cNvPr id="52" name="文本框 51">
@@ -12425,7 +12426,7 @@
             </p:txBody>
           </p:sp>
         </mc:Choice>
-        <mc:Fallback>
+        <mc:Fallback xmlns="">
           <p:sp>
             <p:nvSpPr>
               <p:cNvPr id="52" name="文本框 51">
@@ -12509,8 +12510,8 @@
           </a:fontRef>
         </p:style>
       </p:cxnSp>
-      <mc:AlternateContent xmlns:mc="http://schemas.openxmlformats.org/markup-compatibility/2006">
-        <mc:Choice xmlns:a14="http://schemas.microsoft.com/office/drawing/2010/main" Requires="a14">
+      <mc:AlternateContent xmlns:mc="http://schemas.openxmlformats.org/markup-compatibility/2006" xmlns:a14="http://schemas.microsoft.com/office/drawing/2010/main">
+        <mc:Choice Requires="a14">
           <p:sp>
             <p:nvSpPr>
               <p:cNvPr id="55" name="文本框 54">
@@ -12713,7 +12714,7 @@
             </p:txBody>
           </p:sp>
         </mc:Choice>
-        <mc:Fallback>
+        <mc:Fallback xmlns="">
           <p:sp>
             <p:nvSpPr>
               <p:cNvPr id="55" name="文本框 54">
@@ -12788,8 +12789,8 @@
           <a:chExt cx="0" cy="0"/>
         </a:xfrm>
       </p:grpSpPr>
-      <mc:AlternateContent xmlns:mc="http://schemas.openxmlformats.org/markup-compatibility/2006">
-        <mc:Choice xmlns:a14="http://schemas.microsoft.com/office/drawing/2010/main" Requires="a14">
+      <mc:AlternateContent xmlns:mc="http://schemas.openxmlformats.org/markup-compatibility/2006" xmlns:a14="http://schemas.microsoft.com/office/drawing/2010/main">
+        <mc:Choice Requires="a14">
           <p:sp>
             <p:nvSpPr>
               <p:cNvPr id="4" name="文本框 3">
@@ -13046,7 +13047,7 @@
             </p:txBody>
           </p:sp>
         </mc:Choice>
-        <mc:Fallback>
+        <mc:Fallback xmlns="">
           <p:sp>
             <p:nvSpPr>
               <p:cNvPr id="4" name="文本框 3">
@@ -13091,8 +13092,8 @@
           </p:sp>
         </mc:Fallback>
       </mc:AlternateContent>
-      <mc:AlternateContent xmlns:mc="http://schemas.openxmlformats.org/markup-compatibility/2006">
-        <mc:Choice xmlns:a14="http://schemas.microsoft.com/office/drawing/2010/main" Requires="a14">
+      <mc:AlternateContent xmlns:mc="http://schemas.openxmlformats.org/markup-compatibility/2006" xmlns:a14="http://schemas.microsoft.com/office/drawing/2010/main">
+        <mc:Choice Requires="a14">
           <p:sp>
             <p:nvSpPr>
               <p:cNvPr id="5" name="文本框 4">
@@ -13278,7 +13279,7 @@
             </p:txBody>
           </p:sp>
         </mc:Choice>
-        <mc:Fallback>
+        <mc:Fallback xmlns="">
           <p:sp>
             <p:nvSpPr>
               <p:cNvPr id="5" name="文本框 4">
@@ -13439,8 +13440,8 @@
           </a:p>
         </p:txBody>
       </p:sp>
-      <mc:AlternateContent xmlns:mc="http://schemas.openxmlformats.org/markup-compatibility/2006">
-        <mc:Choice xmlns:a14="http://schemas.microsoft.com/office/drawing/2010/main" Requires="a14">
+      <mc:AlternateContent xmlns:mc="http://schemas.openxmlformats.org/markup-compatibility/2006" xmlns:a14="http://schemas.microsoft.com/office/drawing/2010/main">
+        <mc:Choice Requires="a14">
           <p:sp>
             <p:nvSpPr>
               <p:cNvPr id="11" name="文本框 10">
@@ -13627,7 +13628,7 @@
             </p:txBody>
           </p:sp>
         </mc:Choice>
-        <mc:Fallback>
+        <mc:Fallback xmlns="">
           <p:sp>
             <p:nvSpPr>
               <p:cNvPr id="11" name="文本框 10">
@@ -13707,8 +13708,8 @@
           </a:p>
         </p:txBody>
       </p:sp>
-      <mc:AlternateContent xmlns:mc="http://schemas.openxmlformats.org/markup-compatibility/2006">
-        <mc:Choice xmlns:a14="http://schemas.microsoft.com/office/drawing/2010/main" Requires="a14">
+      <mc:AlternateContent xmlns:mc="http://schemas.openxmlformats.org/markup-compatibility/2006" xmlns:a14="http://schemas.microsoft.com/office/drawing/2010/main">
+        <mc:Choice Requires="a14">
           <p:sp>
             <p:nvSpPr>
               <p:cNvPr id="12" name="文本框 11">
@@ -13947,7 +13948,7 @@
             </p:txBody>
           </p:sp>
         </mc:Choice>
-        <mc:Fallback>
+        <mc:Fallback xmlns="">
           <p:sp>
             <p:nvSpPr>
               <p:cNvPr id="12" name="文本框 11">
@@ -14247,8 +14248,8 @@
           </a:fontRef>
         </p:style>
       </p:cxnSp>
-      <mc:AlternateContent xmlns:mc="http://schemas.openxmlformats.org/markup-compatibility/2006">
-        <mc:Choice xmlns:a14="http://schemas.microsoft.com/office/drawing/2010/main" Requires="a14">
+      <mc:AlternateContent xmlns:mc="http://schemas.openxmlformats.org/markup-compatibility/2006" xmlns:a14="http://schemas.microsoft.com/office/drawing/2010/main">
+        <mc:Choice Requires="a14">
           <p:sp>
             <p:nvSpPr>
               <p:cNvPr id="18" name="文本框 17">
@@ -14517,7 +14518,7 @@
             </p:txBody>
           </p:sp>
         </mc:Choice>
-        <mc:Fallback>
+        <mc:Fallback xmlns="">
           <p:sp>
             <p:nvSpPr>
               <p:cNvPr id="18" name="文本框 17">
@@ -14562,8 +14563,8 @@
           </p:sp>
         </mc:Fallback>
       </mc:AlternateContent>
-      <mc:AlternateContent xmlns:mc="http://schemas.openxmlformats.org/markup-compatibility/2006">
-        <mc:Choice xmlns:a14="http://schemas.microsoft.com/office/drawing/2010/main" Requires="a14">
+      <mc:AlternateContent xmlns:mc="http://schemas.openxmlformats.org/markup-compatibility/2006" xmlns:a14="http://schemas.microsoft.com/office/drawing/2010/main">
+        <mc:Choice Requires="a14">
           <p:sp>
             <p:nvSpPr>
               <p:cNvPr id="19" name="文本框 18">
@@ -14844,7 +14845,7 @@
             </p:txBody>
           </p:sp>
         </mc:Choice>
-        <mc:Fallback>
+        <mc:Fallback xmlns="">
           <p:sp>
             <p:nvSpPr>
               <p:cNvPr id="19" name="文本框 18">
@@ -14964,8 +14965,8 @@
           </a:p>
         </p:txBody>
       </p:sp>
-      <mc:AlternateContent xmlns:mc="http://schemas.openxmlformats.org/markup-compatibility/2006">
-        <mc:Choice xmlns:a14="http://schemas.microsoft.com/office/drawing/2010/main" Requires="a14">
+      <mc:AlternateContent xmlns:mc="http://schemas.openxmlformats.org/markup-compatibility/2006" xmlns:a14="http://schemas.microsoft.com/office/drawing/2010/main">
+        <mc:Choice Requires="a14">
           <p:sp>
             <p:nvSpPr>
               <p:cNvPr id="22" name="文本框 21">
@@ -15176,7 +15177,7 @@
             </p:txBody>
           </p:sp>
         </mc:Choice>
-        <mc:Fallback>
+        <mc:Fallback xmlns="">
           <p:sp>
             <p:nvSpPr>
               <p:cNvPr id="22" name="文本框 21">
@@ -15273,8 +15274,8 @@
           </a:p>
         </p:txBody>
       </p:sp>
-      <mc:AlternateContent xmlns:mc="http://schemas.openxmlformats.org/markup-compatibility/2006">
-        <mc:Choice xmlns:a14="http://schemas.microsoft.com/office/drawing/2010/main" Requires="a14">
+      <mc:AlternateContent xmlns:mc="http://schemas.openxmlformats.org/markup-compatibility/2006" xmlns:a14="http://schemas.microsoft.com/office/drawing/2010/main">
+        <mc:Choice Requires="a14">
           <p:sp>
             <p:nvSpPr>
               <p:cNvPr id="25" name="文本框 24">
@@ -15415,7 +15416,7 @@
             </p:txBody>
           </p:sp>
         </mc:Choice>
-        <mc:Fallback>
+        <mc:Fallback xmlns="">
           <p:sp>
             <p:nvSpPr>
               <p:cNvPr id="25" name="文本框 24">
@@ -15638,8 +15639,8 @@
           </a:p>
         </p:txBody>
       </p:sp>
-      <mc:AlternateContent xmlns:mc="http://schemas.openxmlformats.org/markup-compatibility/2006">
-        <mc:Choice xmlns:a14="http://schemas.microsoft.com/office/drawing/2010/main" Requires="a14">
+      <mc:AlternateContent xmlns:mc="http://schemas.openxmlformats.org/markup-compatibility/2006" xmlns:a14="http://schemas.microsoft.com/office/drawing/2010/main">
+        <mc:Choice Requires="a14">
           <p:sp>
             <p:nvSpPr>
               <p:cNvPr id="28" name="文本框 27">
@@ -15764,7 +15765,7 @@
             </p:txBody>
           </p:sp>
         </mc:Choice>
-        <mc:Fallback>
+        <mc:Fallback xmlns="">
           <p:sp>
             <p:nvSpPr>
               <p:cNvPr id="28" name="文本框 27">
@@ -15809,8 +15810,8 @@
           </p:sp>
         </mc:Fallback>
       </mc:AlternateContent>
-      <mc:AlternateContent xmlns:mc="http://schemas.openxmlformats.org/markup-compatibility/2006">
-        <mc:Choice xmlns:a14="http://schemas.microsoft.com/office/drawing/2010/main" Requires="a14">
+      <mc:AlternateContent xmlns:mc="http://schemas.openxmlformats.org/markup-compatibility/2006" xmlns:a14="http://schemas.microsoft.com/office/drawing/2010/main">
+        <mc:Choice Requires="a14">
           <p:graphicFrame>
             <p:nvGraphicFramePr>
               <p:cNvPr id="31" name="表格 31">
@@ -16479,7 +16480,7 @@
             </a:graphic>
           </p:graphicFrame>
         </mc:Choice>
-        <mc:Fallback>
+        <mc:Fallback xmlns="">
           <p:graphicFrame>
             <p:nvGraphicFramePr>
               <p:cNvPr id="31" name="表格 31">
@@ -16759,8 +16760,8 @@
           </p:graphicFrame>
         </mc:Fallback>
       </mc:AlternateContent>
-      <mc:AlternateContent xmlns:mc="http://schemas.openxmlformats.org/markup-compatibility/2006">
-        <mc:Choice xmlns:a14="http://schemas.microsoft.com/office/drawing/2010/main" Requires="a14">
+      <mc:AlternateContent xmlns:mc="http://schemas.openxmlformats.org/markup-compatibility/2006" xmlns:a14="http://schemas.microsoft.com/office/drawing/2010/main">
+        <mc:Choice Requires="a14">
           <p:graphicFrame>
             <p:nvGraphicFramePr>
               <p:cNvPr id="32" name="表格 31">
@@ -17432,7 +17433,7 @@
             </a:graphic>
           </p:graphicFrame>
         </mc:Choice>
-        <mc:Fallback>
+        <mc:Fallback xmlns="">
           <p:graphicFrame>
             <p:nvGraphicFramePr>
               <p:cNvPr id="32" name="表格 31">
@@ -17717,8 +17718,8 @@
           </a:p>
         </p:txBody>
       </p:sp>
-      <mc:AlternateContent xmlns:mc="http://schemas.openxmlformats.org/markup-compatibility/2006">
-        <mc:Choice xmlns:a14="http://schemas.microsoft.com/office/drawing/2010/main" Requires="a14">
+      <mc:AlternateContent xmlns:mc="http://schemas.openxmlformats.org/markup-compatibility/2006" xmlns:a14="http://schemas.microsoft.com/office/drawing/2010/main">
+        <mc:Choice Requires="a14">
           <p:sp>
             <p:nvSpPr>
               <p:cNvPr id="36" name="文本框 35">
@@ -17972,7 +17973,7 @@
             </p:txBody>
           </p:sp>
         </mc:Choice>
-        <mc:Fallback>
+        <mc:Fallback xmlns="">
           <p:sp>
             <p:nvSpPr>
               <p:cNvPr id="36" name="文本框 35">
@@ -18017,8 +18018,8 @@
           </p:sp>
         </mc:Fallback>
       </mc:AlternateContent>
-      <mc:AlternateContent xmlns:mc="http://schemas.openxmlformats.org/markup-compatibility/2006">
-        <mc:Choice xmlns:a14="http://schemas.microsoft.com/office/drawing/2010/main" Requires="a14">
+      <mc:AlternateContent xmlns:mc="http://schemas.openxmlformats.org/markup-compatibility/2006" xmlns:a14="http://schemas.microsoft.com/office/drawing/2010/main">
+        <mc:Choice Requires="a14">
           <p:sp>
             <p:nvSpPr>
               <p:cNvPr id="37" name="文本框 36">
@@ -18153,7 +18154,7 @@
             </p:txBody>
           </p:sp>
         </mc:Choice>
-        <mc:Fallback>
+        <mc:Fallback xmlns="">
           <p:sp>
             <p:nvSpPr>
               <p:cNvPr id="37" name="文本框 36">
@@ -18233,8 +18234,8 @@
           </a:p>
         </p:txBody>
       </p:sp>
-      <mc:AlternateContent xmlns:mc="http://schemas.openxmlformats.org/markup-compatibility/2006">
-        <mc:Choice xmlns:a14="http://schemas.microsoft.com/office/drawing/2010/main" Requires="a14">
+      <mc:AlternateContent xmlns:mc="http://schemas.openxmlformats.org/markup-compatibility/2006" xmlns:a14="http://schemas.microsoft.com/office/drawing/2010/main">
+        <mc:Choice Requires="a14">
           <p:sp>
             <p:nvSpPr>
               <p:cNvPr id="41" name="文本框 40">
@@ -18361,7 +18362,7 @@
             </p:txBody>
           </p:sp>
         </mc:Choice>
-        <mc:Fallback>
+        <mc:Fallback xmlns="">
           <p:sp>
             <p:nvSpPr>
               <p:cNvPr id="41" name="文本框 40">
@@ -18659,8 +18660,8 @@
           </a:p>
         </p:txBody>
       </p:sp>
-      <mc:AlternateContent xmlns:mc="http://schemas.openxmlformats.org/markup-compatibility/2006">
-        <mc:Choice xmlns:a14="http://schemas.microsoft.com/office/drawing/2010/main" Requires="a14">
+      <mc:AlternateContent xmlns:mc="http://schemas.openxmlformats.org/markup-compatibility/2006" xmlns:a14="http://schemas.microsoft.com/office/drawing/2010/main">
+        <mc:Choice Requires="a14">
           <p:sp>
             <p:nvSpPr>
               <p:cNvPr id="5" name="文本框 4">
@@ -18760,7 +18761,7 @@
             </p:txBody>
           </p:sp>
         </mc:Choice>
-        <mc:Fallback>
+        <mc:Fallback xmlns="">
           <p:sp>
             <p:nvSpPr>
               <p:cNvPr id="5" name="文本框 4">
@@ -18872,8 +18873,8 @@
             </a:p>
           </p:txBody>
         </p:sp>
-        <mc:AlternateContent xmlns:mc="http://schemas.openxmlformats.org/markup-compatibility/2006">
-          <mc:Choice xmlns:a14="http://schemas.microsoft.com/office/drawing/2010/main" Requires="a14">
+        <mc:AlternateContent xmlns:mc="http://schemas.openxmlformats.org/markup-compatibility/2006" xmlns:a14="http://schemas.microsoft.com/office/drawing/2010/main">
+          <mc:Choice Requires="a14">
             <p:sp>
               <p:nvSpPr>
                 <p:cNvPr id="8" name="文本框 7">
@@ -19296,7 +19297,7 @@
               </p:txBody>
             </p:sp>
           </mc:Choice>
-          <mc:Fallback>
+          <mc:Fallback xmlns="">
             <p:sp>
               <p:nvSpPr>
                 <p:cNvPr id="8" name="文本框 7">
@@ -19425,8 +19426,8 @@
           </a:fontRef>
         </p:style>
       </p:cxnSp>
-      <mc:AlternateContent xmlns:mc="http://schemas.openxmlformats.org/markup-compatibility/2006">
-        <mc:Choice xmlns:a14="http://schemas.microsoft.com/office/drawing/2010/main" Requires="a14">
+      <mc:AlternateContent xmlns:mc="http://schemas.openxmlformats.org/markup-compatibility/2006" xmlns:a14="http://schemas.microsoft.com/office/drawing/2010/main">
+        <mc:Choice Requires="a14">
           <p:sp>
             <p:nvSpPr>
               <p:cNvPr id="11" name="文本框 10">
@@ -19671,7 +19672,7 @@
             </p:txBody>
           </p:sp>
         </mc:Choice>
-        <mc:Fallback>
+        <mc:Fallback xmlns="">
           <p:sp>
             <p:nvSpPr>
               <p:cNvPr id="11" name="文本框 10">
@@ -19716,8 +19717,8 @@
           </p:sp>
         </mc:Fallback>
       </mc:AlternateContent>
-      <mc:AlternateContent xmlns:mc="http://schemas.openxmlformats.org/markup-compatibility/2006">
-        <mc:Choice xmlns:a14="http://schemas.microsoft.com/office/drawing/2010/main" Requires="a14">
+      <mc:AlternateContent xmlns:mc="http://schemas.openxmlformats.org/markup-compatibility/2006" xmlns:a14="http://schemas.microsoft.com/office/drawing/2010/main">
+        <mc:Choice Requires="a14">
           <p:graphicFrame>
             <p:nvGraphicFramePr>
               <p:cNvPr id="12" name="表格 43">
@@ -20472,7 +20473,7 @@
             </a:graphic>
           </p:graphicFrame>
         </mc:Choice>
-        <mc:Fallback>
+        <mc:Fallback xmlns="">
           <p:graphicFrame>
             <p:nvGraphicFramePr>
               <p:cNvPr id="12" name="表格 43">
@@ -20804,8 +20805,8 @@
           </a:fontRef>
         </p:style>
       </p:cxnSp>
-      <mc:AlternateContent xmlns:mc="http://schemas.openxmlformats.org/markup-compatibility/2006">
-        <mc:Choice xmlns:a14="http://schemas.microsoft.com/office/drawing/2010/main" Requires="a14">
+      <mc:AlternateContent xmlns:mc="http://schemas.openxmlformats.org/markup-compatibility/2006" xmlns:a14="http://schemas.microsoft.com/office/drawing/2010/main">
+        <mc:Choice Requires="a14">
           <p:sp>
             <p:nvSpPr>
               <p:cNvPr id="20" name="文本框 19">
@@ -20905,7 +20906,7 @@
             </p:txBody>
           </p:sp>
         </mc:Choice>
-        <mc:Fallback>
+        <mc:Fallback xmlns="">
           <p:sp>
             <p:nvSpPr>
               <p:cNvPr id="20" name="文本框 19">
@@ -20950,8 +20951,8 @@
           </p:sp>
         </mc:Fallback>
       </mc:AlternateContent>
-      <mc:AlternateContent xmlns:mc="http://schemas.openxmlformats.org/markup-compatibility/2006">
-        <mc:Choice xmlns:a14="http://schemas.microsoft.com/office/drawing/2010/main" Requires="a14">
+      <mc:AlternateContent xmlns:mc="http://schemas.openxmlformats.org/markup-compatibility/2006" xmlns:a14="http://schemas.microsoft.com/office/drawing/2010/main">
+        <mc:Choice Requires="a14">
           <p:sp>
             <p:nvSpPr>
               <p:cNvPr id="22" name="文本框 21">
@@ -21071,7 +21072,7 @@
             </p:txBody>
           </p:sp>
         </mc:Choice>
-        <mc:Fallback>
+        <mc:Fallback xmlns="">
           <p:sp>
             <p:nvSpPr>
               <p:cNvPr id="22" name="文本框 21">
@@ -21116,8 +21117,8 @@
           </p:sp>
         </mc:Fallback>
       </mc:AlternateContent>
-      <mc:AlternateContent xmlns:mc="http://schemas.openxmlformats.org/markup-compatibility/2006">
-        <mc:Choice xmlns:a14="http://schemas.microsoft.com/office/drawing/2010/main" Requires="a14">
+      <mc:AlternateContent xmlns:mc="http://schemas.openxmlformats.org/markup-compatibility/2006" xmlns:a14="http://schemas.microsoft.com/office/drawing/2010/main">
+        <mc:Choice Requires="a14">
           <p:sp>
             <p:nvSpPr>
               <p:cNvPr id="33" name="文本框 32">
@@ -21201,7 +21202,7 @@
             </p:txBody>
           </p:sp>
         </mc:Choice>
-        <mc:Fallback>
+        <mc:Fallback xmlns="">
           <p:sp>
             <p:nvSpPr>
               <p:cNvPr id="33" name="文本框 32">
@@ -21280,6 +21281,672 @@
     <p:extLst>
       <p:ext uri="{BB962C8B-B14F-4D97-AF65-F5344CB8AC3E}">
         <p14:creationId xmlns:p14="http://schemas.microsoft.com/office/powerpoint/2010/main" val="471405216"/>
+      </p:ext>
+    </p:extLst>
+  </p:cSld>
+  <p:clrMapOvr>
+    <a:masterClrMapping/>
+  </p:clrMapOvr>
+</p:sld>
+</file>
+
+<file path=ppt/slides/slide8.xml><?xml version="1.0" encoding="utf-8"?>
+<p:sld xmlns:a="http://schemas.openxmlformats.org/drawingml/2006/main" xmlns:r="http://schemas.openxmlformats.org/officeDocument/2006/relationships" xmlns:p="http://schemas.openxmlformats.org/presentationml/2006/main">
+  <p:cSld>
+    <p:spTree>
+      <p:nvGrpSpPr>
+        <p:cNvPr id="1" name=""/>
+        <p:cNvGrpSpPr/>
+        <p:nvPr/>
+      </p:nvGrpSpPr>
+      <p:grpSpPr>
+        <a:xfrm>
+          <a:off x="0" y="0"/>
+          <a:ext cx="0" cy="0"/>
+          <a:chOff x="0" y="0"/>
+          <a:chExt cx="0" cy="0"/>
+        </a:xfrm>
+      </p:grpSpPr>
+      <p:pic>
+        <p:nvPicPr>
+          <p:cNvPr id="5" name="图片 4">
+            <a:extLst>
+              <a:ext uri="{FF2B5EF4-FFF2-40B4-BE49-F238E27FC236}">
+                <a16:creationId xmlns:a16="http://schemas.microsoft.com/office/drawing/2014/main" id="{C236BCCD-DB48-4415-8DE3-F483BC4B7F95}"/>
+              </a:ext>
+            </a:extLst>
+          </p:cNvPr>
+          <p:cNvPicPr>
+            <a:picLocks noChangeAspect="1"/>
+          </p:cNvPicPr>
+          <p:nvPr/>
+        </p:nvPicPr>
+        <p:blipFill>
+          <a:blip r:embed="rId2"/>
+          <a:stretch>
+            <a:fillRect/>
+          </a:stretch>
+        </p:blipFill>
+        <p:spPr>
+          <a:xfrm>
+            <a:off x="1246786" y="363708"/>
+            <a:ext cx="2506347" cy="2208042"/>
+          </a:xfrm>
+          <a:prstGeom prst="rect">
+            <a:avLst/>
+          </a:prstGeom>
+        </p:spPr>
+      </p:pic>
+      <mc:AlternateContent xmlns:mc="http://schemas.openxmlformats.org/markup-compatibility/2006">
+        <mc:Choice xmlns:a14="http://schemas.microsoft.com/office/drawing/2010/main" Requires="a14">
+          <p:sp>
+            <p:nvSpPr>
+              <p:cNvPr id="6" name="文本框 5">
+                <a:extLst>
+                  <a:ext uri="{FF2B5EF4-FFF2-40B4-BE49-F238E27FC236}">
+                    <a16:creationId xmlns:a16="http://schemas.microsoft.com/office/drawing/2014/main" id="{CC514C19-D2DD-4731-BFAA-FAFB70F36488}"/>
+                  </a:ext>
+                </a:extLst>
+              </p:cNvPr>
+              <p:cNvSpPr txBox="1"/>
+              <p:nvPr/>
+            </p:nvSpPr>
+            <p:spPr>
+              <a:xfrm>
+                <a:off x="1336951" y="2554609"/>
+                <a:ext cx="3105337" cy="991810"/>
+              </a:xfrm>
+              <a:prstGeom prst="rect">
+                <a:avLst/>
+              </a:prstGeom>
+              <a:noFill/>
+            </p:spPr>
+            <p:txBody>
+              <a:bodyPr wrap="none" rtlCol="0">
+                <a:spAutoFit/>
+              </a:bodyPr>
+              <a:lstStyle/>
+              <a:p>
+                <a:pPr>
+                  <a:lnSpc>
+                    <a:spcPct val="150000"/>
+                  </a:lnSpc>
+                </a:pPr>
+                <a:r>
+                  <a:rPr lang="zh-CN" altLang="en-US" sz="1000"/>
+                  <a:t>真实的 </a:t>
+                </a:r>
+                <a14:m>
+                  <m:oMath xmlns:m="http://schemas.openxmlformats.org/officeDocument/2006/math">
+                    <m:r>
+                      <a:rPr lang="en-US" altLang="zh-CN" sz="1000" b="0" i="1" smtClean="0">
+                        <a:latin typeface="Cambria Math" panose="02040503050406030204" pitchFamily="18" charset="0"/>
+                      </a:rPr>
+                      <m:t>𝑦</m:t>
+                    </m:r>
+                    <m:r>
+                      <a:rPr lang="en-US" altLang="zh-CN" sz="1000" b="0" i="1" smtClean="0">
+                        <a:latin typeface="Cambria Math" panose="02040503050406030204" pitchFamily="18" charset="0"/>
+                      </a:rPr>
+                      <m:t>=</m:t>
+                    </m:r>
+                    <m:r>
+                      <a:rPr lang="en-US" altLang="zh-CN" sz="1000" b="0" i="1" smtClean="0">
+                        <a:latin typeface="Cambria Math" panose="02040503050406030204" pitchFamily="18" charset="0"/>
+                      </a:rPr>
+                      <m:t>𝑤𝑥</m:t>
+                    </m:r>
+                    <m:r>
+                      <a:rPr lang="en-US" altLang="zh-CN" sz="1000" b="0" i="1" smtClean="0">
+                        <a:latin typeface="Cambria Math" panose="02040503050406030204" pitchFamily="18" charset="0"/>
+                      </a:rPr>
+                      <m:t>+</m:t>
+                    </m:r>
+                    <m:r>
+                      <a:rPr lang="en-US" altLang="zh-CN" sz="1000" b="0" i="1" smtClean="0">
+                        <a:latin typeface="Cambria Math" panose="02040503050406030204" pitchFamily="18" charset="0"/>
+                      </a:rPr>
+                      <m:t>𝑏</m:t>
+                    </m:r>
+                    <m:r>
+                      <a:rPr lang="en-US" altLang="zh-CN" sz="1000" b="0" i="1" smtClean="0">
+                        <a:latin typeface="Cambria Math" panose="02040503050406030204" pitchFamily="18" charset="0"/>
+                      </a:rPr>
+                      <m:t>,</m:t>
+                    </m:r>
+                    <m:r>
+                      <a:rPr lang="en-US" altLang="zh-CN" sz="1000" b="0" i="1" smtClean="0">
+                        <a:latin typeface="Cambria Math" panose="02040503050406030204" pitchFamily="18" charset="0"/>
+                      </a:rPr>
+                      <m:t>𝑤</m:t>
+                    </m:r>
+                    <m:r>
+                      <a:rPr lang="en-US" altLang="zh-CN" sz="1000" b="0" i="1" smtClean="0">
+                        <a:latin typeface="Cambria Math" panose="02040503050406030204" pitchFamily="18" charset="0"/>
+                      </a:rPr>
+                      <m:t>=0.292,</m:t>
+                    </m:r>
+                    <m:r>
+                      <a:rPr lang="en-US" altLang="zh-CN" sz="1000" b="0" i="1" smtClean="0">
+                        <a:latin typeface="Cambria Math" panose="02040503050406030204" pitchFamily="18" charset="0"/>
+                      </a:rPr>
+                      <m:t>𝑏</m:t>
+                    </m:r>
+                    <m:r>
+                      <a:rPr lang="en-US" altLang="zh-CN" sz="1000" b="0" i="1" smtClean="0">
+                        <a:latin typeface="Cambria Math" panose="02040503050406030204" pitchFamily="18" charset="0"/>
+                      </a:rPr>
+                      <m:t>=0</m:t>
+                    </m:r>
+                  </m:oMath>
+                </a14:m>
+                <a:endParaRPr lang="en-US" altLang="zh-CN" sz="1000"/>
+              </a:p>
+              <a:p>
+                <a:pPr>
+                  <a:lnSpc>
+                    <a:spcPct val="150000"/>
+                  </a:lnSpc>
+                </a:pPr>
+                <a:r>
+                  <a:rPr lang="zh-CN" altLang="en-US" sz="1000"/>
+                  <a:t>一开始假设</a:t>
+                </a:r>
+                <a14:m>
+                  <m:oMath xmlns:m="http://schemas.openxmlformats.org/officeDocument/2006/math">
+                    <m:r>
+                      <a:rPr lang="en-US" altLang="zh-CN" sz="1000" b="0" i="1" smtClean="0">
+                        <a:latin typeface="Cambria Math" panose="02040503050406030204" pitchFamily="18" charset="0"/>
+                      </a:rPr>
+                      <m:t>𝑤</m:t>
+                    </m:r>
+                    <m:r>
+                      <a:rPr lang="en-US" altLang="zh-CN" sz="1000" b="0" i="1" smtClean="0">
+                        <a:latin typeface="Cambria Math" panose="02040503050406030204" pitchFamily="18" charset="0"/>
+                      </a:rPr>
+                      <m:t>=0,</m:t>
+                    </m:r>
+                    <m:r>
+                      <a:rPr lang="en-US" altLang="zh-CN" sz="1000" b="0" i="1" smtClean="0">
+                        <a:latin typeface="Cambria Math" panose="02040503050406030204" pitchFamily="18" charset="0"/>
+                      </a:rPr>
+                      <m:t>𝑏</m:t>
+                    </m:r>
+                    <m:r>
+                      <a:rPr lang="en-US" altLang="zh-CN" sz="1000" b="0" i="1" smtClean="0">
+                        <a:latin typeface="Cambria Math" panose="02040503050406030204" pitchFamily="18" charset="0"/>
+                      </a:rPr>
+                      <m:t>=0</m:t>
+                    </m:r>
+                    <m:r>
+                      <a:rPr lang="en-US" altLang="zh-CN" sz="1000" b="0" i="0" smtClean="0">
+                        <a:latin typeface="Cambria Math" panose="02040503050406030204" pitchFamily="18" charset="0"/>
+                      </a:rPr>
+                      <m:t>, </m:t>
+                    </m:r>
+                    <m:r>
+                      <a:rPr lang="zh-CN" altLang="en-US" sz="1000" i="1">
+                        <a:latin typeface="Cambria Math" panose="02040503050406030204" pitchFamily="18" charset="0"/>
+                      </a:rPr>
+                      <m:t>则</m:t>
+                    </m:r>
+                  </m:oMath>
+                </a14:m>
+                <a:r>
+                  <a:rPr lang="zh-CN" altLang="en-US" sz="1000"/>
+                  <a:t>分割线就是</a:t>
+                </a:r>
+                <a14:m>
+                  <m:oMath xmlns:m="http://schemas.openxmlformats.org/officeDocument/2006/math">
+                    <m:r>
+                      <a:rPr lang="en-US" altLang="zh-CN" sz="1000" b="0" i="1" smtClean="0">
+                        <a:latin typeface="Cambria Math" panose="02040503050406030204" pitchFamily="18" charset="0"/>
+                      </a:rPr>
+                      <m:t>𝑦</m:t>
+                    </m:r>
+                    <m:r>
+                      <a:rPr lang="en-US" altLang="zh-CN" sz="1000" b="0" i="1" smtClean="0">
+                        <a:latin typeface="Cambria Math" panose="02040503050406030204" pitchFamily="18" charset="0"/>
+                      </a:rPr>
+                      <m:t>=0</m:t>
+                    </m:r>
+                  </m:oMath>
+                </a14:m>
+                <a:r>
+                  <a:rPr lang="zh-CN" altLang="en-US" sz="1000"/>
+                  <a:t>，即</a:t>
+                </a:r>
+                <a14:m>
+                  <m:oMath xmlns:m="http://schemas.openxmlformats.org/officeDocument/2006/math">
+                    <m:r>
+                      <a:rPr lang="en-US" altLang="zh-CN" sz="1000" b="0" i="1" smtClean="0">
+                        <a:latin typeface="Cambria Math" panose="02040503050406030204" pitchFamily="18" charset="0"/>
+                      </a:rPr>
+                      <m:t>𝑥</m:t>
+                    </m:r>
+                  </m:oMath>
+                </a14:m>
+                <a:r>
+                  <a:rPr lang="zh-CN" altLang="en-US" sz="1000"/>
+                  <a:t>轴</a:t>
+                </a:r>
+                <a:endParaRPr lang="en-US" altLang="zh-CN" sz="1000"/>
+              </a:p>
+              <a:p>
+                <a:pPr>
+                  <a:lnSpc>
+                    <a:spcPct val="150000"/>
+                  </a:lnSpc>
+                </a:pPr>
+                <a:r>
+                  <a:rPr lang="zh-CN" altLang="en-US" sz="1000"/>
+                  <a:t>此时对于被选中的蓝色点来说，</a:t>
+                </a:r>
+                <a:br>
+                  <a:rPr lang="en-US" altLang="zh-CN" sz="1000"/>
+                </a:br>
+                <a:endParaRPr lang="en-US" altLang="zh-CN" sz="1000"/>
+              </a:p>
+            </p:txBody>
+          </p:sp>
+        </mc:Choice>
+        <mc:Fallback>
+          <p:sp>
+            <p:nvSpPr>
+              <p:cNvPr id="6" name="文本框 5">
+                <a:extLst>
+                  <a:ext uri="{FF2B5EF4-FFF2-40B4-BE49-F238E27FC236}">
+                    <a16:creationId xmlns:a16="http://schemas.microsoft.com/office/drawing/2014/main" id="{CC514C19-D2DD-4731-BFAA-FAFB70F36488}"/>
+                  </a:ext>
+                </a:extLst>
+              </p:cNvPr>
+              <p:cNvSpPr txBox="1">
+                <a:spLocks noRot="1" noChangeAspect="1" noMove="1" noResize="1" noEditPoints="1" noAdjustHandles="1" noChangeArrowheads="1" noChangeShapeType="1" noTextEdit="1"/>
+              </p:cNvSpPr>
+              <p:nvPr/>
+            </p:nvSpPr>
+            <p:spPr>
+              <a:xfrm>
+                <a:off x="1336951" y="2554609"/>
+                <a:ext cx="3105337" cy="991810"/>
+              </a:xfrm>
+              <a:prstGeom prst="rect">
+                <a:avLst/>
+              </a:prstGeom>
+              <a:blipFill>
+                <a:blip r:embed="rId3"/>
+                <a:stretch>
+                  <a:fillRect/>
+                </a:stretch>
+              </a:blipFill>
+            </p:spPr>
+            <p:txBody>
+              <a:bodyPr/>
+              <a:lstStyle/>
+              <a:p>
+                <a:r>
+                  <a:rPr lang="zh-CN" altLang="en-US">
+                    <a:noFill/>
+                  </a:rPr>
+                  <a:t> </a:t>
+                </a:r>
+              </a:p>
+            </p:txBody>
+          </p:sp>
+        </mc:Fallback>
+      </mc:AlternateContent>
+      <p:pic>
+        <p:nvPicPr>
+          <p:cNvPr id="8" name="图片 7">
+            <a:extLst>
+              <a:ext uri="{FF2B5EF4-FFF2-40B4-BE49-F238E27FC236}">
+                <a16:creationId xmlns:a16="http://schemas.microsoft.com/office/drawing/2014/main" id="{0F4F889E-6445-45C3-95D4-C74A0D4698C2}"/>
+              </a:ext>
+            </a:extLst>
+          </p:cNvPr>
+          <p:cNvPicPr>
+            <a:picLocks noChangeAspect="1"/>
+          </p:cNvPicPr>
+          <p:nvPr/>
+        </p:nvPicPr>
+        <p:blipFill>
+          <a:blip r:embed="rId4"/>
+          <a:stretch>
+            <a:fillRect/>
+          </a:stretch>
+        </p:blipFill>
+        <p:spPr>
+          <a:xfrm>
+            <a:off x="4768551" y="274226"/>
+            <a:ext cx="2648725" cy="2387006"/>
+          </a:xfrm>
+          <a:prstGeom prst="rect">
+            <a:avLst/>
+          </a:prstGeom>
+        </p:spPr>
+      </p:pic>
+      <p:sp>
+        <p:nvSpPr>
+          <p:cNvPr id="9" name="文本框 8">
+            <a:extLst>
+              <a:ext uri="{FF2B5EF4-FFF2-40B4-BE49-F238E27FC236}">
+                <a16:creationId xmlns:a16="http://schemas.microsoft.com/office/drawing/2014/main" id="{4C5B2613-2010-484A-8BD2-9731F187C153}"/>
+              </a:ext>
+            </a:extLst>
+          </p:cNvPr>
+          <p:cNvSpPr txBox="1"/>
+          <p:nvPr/>
+        </p:nvSpPr>
+        <p:spPr>
+          <a:xfrm>
+            <a:off x="3660555" y="1177118"/>
+            <a:ext cx="1223412" cy="230832"/>
+          </a:xfrm>
+          <a:prstGeom prst="rect">
+            <a:avLst/>
+          </a:prstGeom>
+          <a:noFill/>
+        </p:spPr>
+        <p:txBody>
+          <a:bodyPr wrap="none" rtlCol="0">
+            <a:spAutoFit/>
+          </a:bodyPr>
+          <a:lstStyle/>
+          <a:p>
+            <a:r>
+              <a:rPr lang="zh-CN" altLang="en-US" sz="900">
+                <a:solidFill>
+                  <a:schemeClr val="accent2">
+                    <a:lumMod val="75000"/>
+                  </a:schemeClr>
+                </a:solidFill>
+              </a:rPr>
+              <a:t>根据蓝色点进行更新</a:t>
+            </a:r>
+            <a:endParaRPr lang="en-US" altLang="zh-CN" sz="900">
+              <a:solidFill>
+                <a:schemeClr val="accent2">
+                  <a:lumMod val="75000"/>
+                </a:schemeClr>
+              </a:solidFill>
+            </a:endParaRPr>
+          </a:p>
+        </p:txBody>
+      </p:sp>
+      <p:cxnSp>
+        <p:nvCxnSpPr>
+          <p:cNvPr id="11" name="直接箭头连接符 10">
+            <a:extLst>
+              <a:ext uri="{FF2B5EF4-FFF2-40B4-BE49-F238E27FC236}">
+                <a16:creationId xmlns:a16="http://schemas.microsoft.com/office/drawing/2014/main" id="{65B2C654-AA8C-4D3F-A4D8-AA2D6449DBD2}"/>
+              </a:ext>
+            </a:extLst>
+          </p:cNvPr>
+          <p:cNvCxnSpPr>
+            <a:stCxn id="5" idx="3"/>
+            <a:endCxn id="8" idx="1"/>
+          </p:cNvCxnSpPr>
+          <p:nvPr/>
+        </p:nvCxnSpPr>
+        <p:spPr>
+          <a:xfrm>
+            <a:off x="3753133" y="1467729"/>
+            <a:ext cx="1015418" cy="0"/>
+          </a:xfrm>
+          <a:prstGeom prst="straightConnector1">
+            <a:avLst/>
+          </a:prstGeom>
+          <a:ln>
+            <a:tailEnd type="triangle"/>
+          </a:ln>
+        </p:spPr>
+        <p:style>
+          <a:lnRef idx="2">
+            <a:schemeClr val="accent2"/>
+          </a:lnRef>
+          <a:fillRef idx="0">
+            <a:schemeClr val="accent2"/>
+          </a:fillRef>
+          <a:effectRef idx="1">
+            <a:schemeClr val="accent2"/>
+          </a:effectRef>
+          <a:fontRef idx="minor">
+            <a:schemeClr val="tx1"/>
+          </a:fontRef>
+        </p:style>
+      </p:cxnSp>
+      <mc:AlternateContent xmlns:mc="http://schemas.openxmlformats.org/markup-compatibility/2006">
+        <mc:Choice xmlns:a14="http://schemas.microsoft.com/office/drawing/2010/main" Requires="a14">
+          <p:sp>
+            <p:nvSpPr>
+              <p:cNvPr id="14" name="文本框 13">
+                <a:extLst>
+                  <a:ext uri="{FF2B5EF4-FFF2-40B4-BE49-F238E27FC236}">
+                    <a16:creationId xmlns:a16="http://schemas.microsoft.com/office/drawing/2014/main" id="{FE900C97-F438-4300-A8D8-5D98367CA138}"/>
+                  </a:ext>
+                </a:extLst>
+              </p:cNvPr>
+              <p:cNvSpPr txBox="1"/>
+              <p:nvPr/>
+            </p:nvSpPr>
+            <p:spPr>
+              <a:xfrm>
+                <a:off x="5109765" y="2661232"/>
+                <a:ext cx="985654" cy="334707"/>
+              </a:xfrm>
+              <a:prstGeom prst="rect">
+                <a:avLst/>
+              </a:prstGeom>
+              <a:noFill/>
+            </p:spPr>
+            <p:txBody>
+              <a:bodyPr wrap="none" rtlCol="0">
+                <a:spAutoFit/>
+              </a:bodyPr>
+              <a:lstStyle/>
+              <a:p>
+                <a:pPr>
+                  <a:lnSpc>
+                    <a:spcPct val="150000"/>
+                  </a:lnSpc>
+                </a:pPr>
+                <a14:m>
+                  <m:oMathPara xmlns:m="http://schemas.openxmlformats.org/officeDocument/2006/math">
+                    <m:oMathParaPr>
+                      <m:jc m:val="centerGroup"/>
+                    </m:oMathParaPr>
+                    <m:oMath xmlns:m="http://schemas.openxmlformats.org/officeDocument/2006/math">
+                      <m:r>
+                        <a:rPr lang="en-US" altLang="zh-CN" sz="1050" b="0" i="1" smtClean="0">
+                          <a:latin typeface="Cambria Math" panose="02040503050406030204" pitchFamily="18" charset="0"/>
+                        </a:rPr>
+                        <m:t>𝑤</m:t>
+                      </m:r>
+                      <m:r>
+                        <a:rPr lang="en-US" altLang="zh-CN" sz="1050" b="0" i="1" smtClean="0">
+                          <a:latin typeface="Cambria Math" panose="02040503050406030204" pitchFamily="18" charset="0"/>
+                        </a:rPr>
+                        <m:t>=</m:t>
+                      </m:r>
+                      <m:r>
+                        <a:rPr lang="en-US" altLang="zh-CN" sz="1050" b="0" i="1" smtClean="0">
+                          <a:latin typeface="Cambria Math" panose="02040503050406030204" pitchFamily="18" charset="0"/>
+                        </a:rPr>
+                        <m:t>𝑤</m:t>
+                      </m:r>
+                      <m:r>
+                        <a:rPr lang="en-US" altLang="zh-CN" sz="1050" b="0" i="1" smtClean="0">
+                          <a:latin typeface="Cambria Math" panose="02040503050406030204" pitchFamily="18" charset="0"/>
+                        </a:rPr>
+                        <m:t>+</m:t>
+                      </m:r>
+                      <m:sSub>
+                        <m:sSubPr>
+                          <m:ctrlPr>
+                            <a:rPr lang="en-US" altLang="zh-CN" sz="1050" b="0" i="1" smtClean="0">
+                              <a:latin typeface="Cambria Math" panose="02040503050406030204" pitchFamily="18" charset="0"/>
+                            </a:rPr>
+                          </m:ctrlPr>
+                        </m:sSubPr>
+                        <m:e>
+                          <m:r>
+                            <a:rPr lang="en-US" altLang="zh-CN" sz="1050" b="0" i="1" smtClean="0">
+                              <a:latin typeface="Cambria Math" panose="02040503050406030204" pitchFamily="18" charset="0"/>
+                            </a:rPr>
+                            <m:t>𝑦</m:t>
+                          </m:r>
+                        </m:e>
+                        <m:sub>
+                          <m:r>
+                            <a:rPr lang="en-US" altLang="zh-CN" sz="1050" b="0" i="1" smtClean="0">
+                              <a:latin typeface="Cambria Math" panose="02040503050406030204" pitchFamily="18" charset="0"/>
+                            </a:rPr>
+                            <m:t>𝑖</m:t>
+                          </m:r>
+                        </m:sub>
+                      </m:sSub>
+                      <m:sSub>
+                        <m:sSubPr>
+                          <m:ctrlPr>
+                            <a:rPr lang="en-US" altLang="zh-CN" sz="1050" b="0" i="1" smtClean="0">
+                              <a:latin typeface="Cambria Math" panose="02040503050406030204" pitchFamily="18" charset="0"/>
+                            </a:rPr>
+                          </m:ctrlPr>
+                        </m:sSubPr>
+                        <m:e>
+                          <m:r>
+                            <a:rPr lang="en-US" altLang="zh-CN" sz="1050" b="0" i="1" smtClean="0">
+                              <a:latin typeface="Cambria Math" panose="02040503050406030204" pitchFamily="18" charset="0"/>
+                            </a:rPr>
+                            <m:t>𝑥</m:t>
+                          </m:r>
+                        </m:e>
+                        <m:sub>
+                          <m:r>
+                            <a:rPr lang="en-US" altLang="zh-CN" sz="1050" b="0" i="1" smtClean="0">
+                              <a:latin typeface="Cambria Math" panose="02040503050406030204" pitchFamily="18" charset="0"/>
+                            </a:rPr>
+                            <m:t>𝑖</m:t>
+                          </m:r>
+                        </m:sub>
+                      </m:sSub>
+                    </m:oMath>
+                  </m:oMathPara>
+                </a14:m>
+                <a:endParaRPr lang="en-US" altLang="zh-CN" sz="1050"/>
+              </a:p>
+            </p:txBody>
+          </p:sp>
+        </mc:Choice>
+        <mc:Fallback>
+          <p:sp>
+            <p:nvSpPr>
+              <p:cNvPr id="14" name="文本框 13">
+                <a:extLst>
+                  <a:ext uri="{FF2B5EF4-FFF2-40B4-BE49-F238E27FC236}">
+                    <a16:creationId xmlns:a16="http://schemas.microsoft.com/office/drawing/2014/main" id="{FE900C97-F438-4300-A8D8-5D98367CA138}"/>
+                  </a:ext>
+                </a:extLst>
+              </p:cNvPr>
+              <p:cNvSpPr txBox="1">
+                <a:spLocks noRot="1" noChangeAspect="1" noMove="1" noResize="1" noEditPoints="1" noAdjustHandles="1" noChangeArrowheads="1" noChangeShapeType="1" noTextEdit="1"/>
+              </p:cNvSpPr>
+              <p:nvPr/>
+            </p:nvSpPr>
+            <p:spPr>
+              <a:xfrm>
+                <a:off x="5109765" y="2661232"/>
+                <a:ext cx="985654" cy="334707"/>
+              </a:xfrm>
+              <a:prstGeom prst="rect">
+                <a:avLst/>
+              </a:prstGeom>
+              <a:blipFill>
+                <a:blip r:embed="rId5"/>
+                <a:stretch>
+                  <a:fillRect/>
+                </a:stretch>
+              </a:blipFill>
+            </p:spPr>
+            <p:txBody>
+              <a:bodyPr/>
+              <a:lstStyle/>
+              <a:p>
+                <a:r>
+                  <a:rPr lang="zh-CN" altLang="en-US">
+                    <a:noFill/>
+                  </a:rPr>
+                  <a:t> </a:t>
+                </a:r>
+              </a:p>
+            </p:txBody>
+          </p:sp>
+        </mc:Fallback>
+      </mc:AlternateContent>
+      <p:pic>
+        <p:nvPicPr>
+          <p:cNvPr id="16" name="图片 15">
+            <a:extLst>
+              <a:ext uri="{FF2B5EF4-FFF2-40B4-BE49-F238E27FC236}">
+                <a16:creationId xmlns:a16="http://schemas.microsoft.com/office/drawing/2014/main" id="{3372C594-3561-46FD-BAB4-8EB46D48B085}"/>
+              </a:ext>
+            </a:extLst>
+          </p:cNvPr>
+          <p:cNvPicPr>
+            <a:picLocks noChangeAspect="1"/>
+          </p:cNvPicPr>
+          <p:nvPr/>
+        </p:nvPicPr>
+        <p:blipFill>
+          <a:blip r:embed="rId6"/>
+          <a:stretch>
+            <a:fillRect/>
+          </a:stretch>
+        </p:blipFill>
+        <p:spPr>
+          <a:xfrm>
+            <a:off x="3114804" y="39598"/>
+            <a:ext cx="1769163" cy="802813"/>
+          </a:xfrm>
+          <a:prstGeom prst="rect">
+            <a:avLst/>
+          </a:prstGeom>
+        </p:spPr>
+      </p:pic>
+      <p:pic>
+        <p:nvPicPr>
+          <p:cNvPr id="18" name="图片 17">
+            <a:extLst>
+              <a:ext uri="{FF2B5EF4-FFF2-40B4-BE49-F238E27FC236}">
+                <a16:creationId xmlns:a16="http://schemas.microsoft.com/office/drawing/2014/main" id="{DBFDC08F-0A32-4EAD-AEAD-00BBA9C6068D}"/>
+              </a:ext>
+            </a:extLst>
+          </p:cNvPr>
+          <p:cNvPicPr>
+            <a:picLocks noChangeAspect="1"/>
+          </p:cNvPicPr>
+          <p:nvPr/>
+        </p:nvPicPr>
+        <p:blipFill>
+          <a:blip r:embed="rId7"/>
+          <a:stretch>
+            <a:fillRect/>
+          </a:stretch>
+        </p:blipFill>
+        <p:spPr>
+          <a:xfrm>
+            <a:off x="6545337" y="2828585"/>
+            <a:ext cx="2328307" cy="2170909"/>
+          </a:xfrm>
+          <a:prstGeom prst="rect">
+            <a:avLst/>
+          </a:prstGeom>
+        </p:spPr>
+      </p:pic>
+    </p:spTree>
+    <p:extLst>
+      <p:ext uri="{BB962C8B-B14F-4D97-AF65-F5344CB8AC3E}">
+        <p14:creationId xmlns:p14="http://schemas.microsoft.com/office/powerpoint/2010/main" val="3622937476"/>
       </p:ext>
     </p:extLst>
   </p:cSld>

--- a/绘图.pptx
+++ b/绘图.pptx
@@ -13,6 +13,7 @@
     <p:sldId id="260" r:id="rId7"/>
     <p:sldId id="261" r:id="rId8"/>
     <p:sldId id="263" r:id="rId9"/>
+    <p:sldId id="264" r:id="rId10"/>
   </p:sldIdLst>
   <p:sldSz cx="9144000" cy="5143500" type="screen16x9"/>
   <p:notesSz cx="6858000" cy="9144000"/>
@@ -273,7 +274,7 @@
           <a:p>
             <a:fld id="{84F26EE9-193A-4963-9AF3-364A384F1BF7}" type="datetimeFigureOut">
               <a:rPr lang="zh-CN" altLang="en-US" smtClean="0"/>
-              <a:t>2021/9/28</a:t>
+              <a:t>2021/10/9</a:t>
             </a:fld>
             <a:endParaRPr lang="zh-CN" altLang="en-US"/>
           </a:p>
@@ -443,7 +444,7 @@
           <a:p>
             <a:fld id="{84F26EE9-193A-4963-9AF3-364A384F1BF7}" type="datetimeFigureOut">
               <a:rPr lang="zh-CN" altLang="en-US" smtClean="0"/>
-              <a:t>2021/9/28</a:t>
+              <a:t>2021/10/9</a:t>
             </a:fld>
             <a:endParaRPr lang="zh-CN" altLang="en-US"/>
           </a:p>
@@ -623,7 +624,7 @@
           <a:p>
             <a:fld id="{84F26EE9-193A-4963-9AF3-364A384F1BF7}" type="datetimeFigureOut">
               <a:rPr lang="zh-CN" altLang="en-US" smtClean="0"/>
-              <a:t>2021/9/28</a:t>
+              <a:t>2021/10/9</a:t>
             </a:fld>
             <a:endParaRPr lang="zh-CN" altLang="en-US"/>
           </a:p>
@@ -793,7 +794,7 @@
           <a:p>
             <a:fld id="{84F26EE9-193A-4963-9AF3-364A384F1BF7}" type="datetimeFigureOut">
               <a:rPr lang="zh-CN" altLang="en-US" smtClean="0"/>
-              <a:t>2021/9/28</a:t>
+              <a:t>2021/10/9</a:t>
             </a:fld>
             <a:endParaRPr lang="zh-CN" altLang="en-US"/>
           </a:p>
@@ -1039,7 +1040,7 @@
           <a:p>
             <a:fld id="{84F26EE9-193A-4963-9AF3-364A384F1BF7}" type="datetimeFigureOut">
               <a:rPr lang="zh-CN" altLang="en-US" smtClean="0"/>
-              <a:t>2021/9/28</a:t>
+              <a:t>2021/10/9</a:t>
             </a:fld>
             <a:endParaRPr lang="zh-CN" altLang="en-US"/>
           </a:p>
@@ -1271,7 +1272,7 @@
           <a:p>
             <a:fld id="{84F26EE9-193A-4963-9AF3-364A384F1BF7}" type="datetimeFigureOut">
               <a:rPr lang="zh-CN" altLang="en-US" smtClean="0"/>
-              <a:t>2021/9/28</a:t>
+              <a:t>2021/10/9</a:t>
             </a:fld>
             <a:endParaRPr lang="zh-CN" altLang="en-US"/>
           </a:p>
@@ -1638,7 +1639,7 @@
           <a:p>
             <a:fld id="{84F26EE9-193A-4963-9AF3-364A384F1BF7}" type="datetimeFigureOut">
               <a:rPr lang="zh-CN" altLang="en-US" smtClean="0"/>
-              <a:t>2021/9/28</a:t>
+              <a:t>2021/10/9</a:t>
             </a:fld>
             <a:endParaRPr lang="zh-CN" altLang="en-US"/>
           </a:p>
@@ -1756,7 +1757,7 @@
           <a:p>
             <a:fld id="{84F26EE9-193A-4963-9AF3-364A384F1BF7}" type="datetimeFigureOut">
               <a:rPr lang="zh-CN" altLang="en-US" smtClean="0"/>
-              <a:t>2021/9/28</a:t>
+              <a:t>2021/10/9</a:t>
             </a:fld>
             <a:endParaRPr lang="zh-CN" altLang="en-US"/>
           </a:p>
@@ -1851,7 +1852,7 @@
           <a:p>
             <a:fld id="{84F26EE9-193A-4963-9AF3-364A384F1BF7}" type="datetimeFigureOut">
               <a:rPr lang="zh-CN" altLang="en-US" smtClean="0"/>
-              <a:t>2021/9/28</a:t>
+              <a:t>2021/10/9</a:t>
             </a:fld>
             <a:endParaRPr lang="zh-CN" altLang="en-US"/>
           </a:p>
@@ -2128,7 +2129,7 @@
           <a:p>
             <a:fld id="{84F26EE9-193A-4963-9AF3-364A384F1BF7}" type="datetimeFigureOut">
               <a:rPr lang="zh-CN" altLang="en-US" smtClean="0"/>
-              <a:t>2021/9/28</a:t>
+              <a:t>2021/10/9</a:t>
             </a:fld>
             <a:endParaRPr lang="zh-CN" altLang="en-US"/>
           </a:p>
@@ -2385,7 +2386,7 @@
           <a:p>
             <a:fld id="{84F26EE9-193A-4963-9AF3-364A384F1BF7}" type="datetimeFigureOut">
               <a:rPr lang="zh-CN" altLang="en-US" smtClean="0"/>
-              <a:t>2021/9/28</a:t>
+              <a:t>2021/10/9</a:t>
             </a:fld>
             <a:endParaRPr lang="zh-CN" altLang="en-US"/>
           </a:p>
@@ -2598,7 +2599,7 @@
           <a:p>
             <a:fld id="{84F26EE9-193A-4963-9AF3-364A384F1BF7}" type="datetimeFigureOut">
               <a:rPr lang="zh-CN" altLang="en-US" smtClean="0"/>
-              <a:t>2021/9/28</a:t>
+              <a:t>2021/10/9</a:t>
             </a:fld>
             <a:endParaRPr lang="zh-CN" altLang="en-US"/>
           </a:p>
@@ -21337,8 +21338,8 @@
           </a:prstGeom>
         </p:spPr>
       </p:pic>
-      <mc:AlternateContent xmlns:mc="http://schemas.openxmlformats.org/markup-compatibility/2006">
-        <mc:Choice xmlns:a14="http://schemas.microsoft.com/office/drawing/2010/main" Requires="a14">
+      <mc:AlternateContent xmlns:mc="http://schemas.openxmlformats.org/markup-compatibility/2006" xmlns:a14="http://schemas.microsoft.com/office/drawing/2010/main">
+        <mc:Choice Requires="a14">
           <p:sp>
             <p:nvSpPr>
               <p:cNvPr id="6" name="文本框 5">
@@ -21550,7 +21551,7 @@
             </p:txBody>
           </p:sp>
         </mc:Choice>
-        <mc:Fallback>
+        <mc:Fallback xmlns="">
           <p:sp>
             <p:nvSpPr>
               <p:cNvPr id="6" name="文本框 5">
@@ -21715,8 +21716,8 @@
           </a:fontRef>
         </p:style>
       </p:cxnSp>
-      <mc:AlternateContent xmlns:mc="http://schemas.openxmlformats.org/markup-compatibility/2006">
-        <mc:Choice xmlns:a14="http://schemas.microsoft.com/office/drawing/2010/main" Requires="a14">
+      <mc:AlternateContent xmlns:mc="http://schemas.openxmlformats.org/markup-compatibility/2006" xmlns:a14="http://schemas.microsoft.com/office/drawing/2010/main">
+        <mc:Choice Requires="a14">
           <p:sp>
             <p:nvSpPr>
               <p:cNvPr id="14" name="文本框 13">
@@ -21838,7 +21839,7 @@
             </p:txBody>
           </p:sp>
         </mc:Choice>
-        <mc:Fallback>
+        <mc:Fallback xmlns="">
           <p:sp>
             <p:nvSpPr>
               <p:cNvPr id="14" name="文本框 13">
@@ -21947,6 +21948,1428 @@
     <p:extLst>
       <p:ext uri="{BB962C8B-B14F-4D97-AF65-F5344CB8AC3E}">
         <p14:creationId xmlns:p14="http://schemas.microsoft.com/office/powerpoint/2010/main" val="3622937476"/>
+      </p:ext>
+    </p:extLst>
+  </p:cSld>
+  <p:clrMapOvr>
+    <a:masterClrMapping/>
+  </p:clrMapOvr>
+</p:sld>
+</file>
+
+<file path=ppt/slides/slide9.xml><?xml version="1.0" encoding="utf-8"?>
+<p:sld xmlns:a="http://schemas.openxmlformats.org/drawingml/2006/main" xmlns:r="http://schemas.openxmlformats.org/officeDocument/2006/relationships" xmlns:p="http://schemas.openxmlformats.org/presentationml/2006/main">
+  <p:cSld>
+    <p:spTree>
+      <p:nvGrpSpPr>
+        <p:cNvPr id="1" name=""/>
+        <p:cNvGrpSpPr/>
+        <p:nvPr/>
+      </p:nvGrpSpPr>
+      <p:grpSpPr>
+        <a:xfrm>
+          <a:off x="0" y="0"/>
+          <a:ext cx="0" cy="0"/>
+          <a:chOff x="0" y="0"/>
+          <a:chExt cx="0" cy="0"/>
+        </a:xfrm>
+      </p:grpSpPr>
+      <p:cxnSp>
+        <p:nvCxnSpPr>
+          <p:cNvPr id="5" name="直接箭头连接符 4">
+            <a:extLst>
+              <a:ext uri="{FF2B5EF4-FFF2-40B4-BE49-F238E27FC236}">
+                <a16:creationId xmlns:a16="http://schemas.microsoft.com/office/drawing/2014/main" id="{A7C0FA17-41A2-4809-B6BD-515E2D5DF4DF}"/>
+              </a:ext>
+            </a:extLst>
+          </p:cNvPr>
+          <p:cNvCxnSpPr/>
+          <p:nvPr/>
+        </p:nvCxnSpPr>
+        <p:spPr>
+          <a:xfrm>
+            <a:off x="1071349" y="2043752"/>
+            <a:ext cx="3848669" cy="0"/>
+          </a:xfrm>
+          <a:prstGeom prst="straightConnector1">
+            <a:avLst/>
+          </a:prstGeom>
+          <a:ln>
+            <a:tailEnd type="triangle"/>
+          </a:ln>
+        </p:spPr>
+        <p:style>
+          <a:lnRef idx="3">
+            <a:schemeClr val="accent3"/>
+          </a:lnRef>
+          <a:fillRef idx="0">
+            <a:schemeClr val="accent3"/>
+          </a:fillRef>
+          <a:effectRef idx="2">
+            <a:schemeClr val="accent3"/>
+          </a:effectRef>
+          <a:fontRef idx="minor">
+            <a:schemeClr val="tx1"/>
+          </a:fontRef>
+        </p:style>
+      </p:cxnSp>
+      <p:cxnSp>
+        <p:nvCxnSpPr>
+          <p:cNvPr id="6" name="直接箭头连接符 5">
+            <a:extLst>
+              <a:ext uri="{FF2B5EF4-FFF2-40B4-BE49-F238E27FC236}">
+                <a16:creationId xmlns:a16="http://schemas.microsoft.com/office/drawing/2014/main" id="{56311551-BC89-4EAB-AB0D-430C33C4990B}"/>
+              </a:ext>
+            </a:extLst>
+          </p:cNvPr>
+          <p:cNvCxnSpPr>
+            <a:cxnSpLocks/>
+          </p:cNvCxnSpPr>
+          <p:nvPr/>
+        </p:nvCxnSpPr>
+        <p:spPr>
+          <a:xfrm rot="16200000">
+            <a:off x="872319" y="2100618"/>
+            <a:ext cx="3848669" cy="0"/>
+          </a:xfrm>
+          <a:prstGeom prst="straightConnector1">
+            <a:avLst/>
+          </a:prstGeom>
+          <a:ln>
+            <a:tailEnd type="triangle"/>
+          </a:ln>
+        </p:spPr>
+        <p:style>
+          <a:lnRef idx="3">
+            <a:schemeClr val="accent3"/>
+          </a:lnRef>
+          <a:fillRef idx="0">
+            <a:schemeClr val="accent3"/>
+          </a:fillRef>
+          <a:effectRef idx="2">
+            <a:schemeClr val="accent3"/>
+          </a:effectRef>
+          <a:fontRef idx="minor">
+            <a:schemeClr val="tx1"/>
+          </a:fontRef>
+        </p:style>
+      </p:cxnSp>
+      <p:sp>
+        <p:nvSpPr>
+          <p:cNvPr id="7" name="矩形 6">
+            <a:extLst>
+              <a:ext uri="{FF2B5EF4-FFF2-40B4-BE49-F238E27FC236}">
+                <a16:creationId xmlns:a16="http://schemas.microsoft.com/office/drawing/2014/main" id="{17AF2605-1DA9-4948-9EB2-A9D24A19B05E}"/>
+              </a:ext>
+            </a:extLst>
+          </p:cNvPr>
+          <p:cNvSpPr/>
+          <p:nvPr/>
+        </p:nvSpPr>
+        <p:spPr>
+          <a:xfrm>
+            <a:off x="2806888" y="590266"/>
+            <a:ext cx="1516039" cy="1446653"/>
+          </a:xfrm>
+          <a:prstGeom prst="rect">
+            <a:avLst/>
+          </a:prstGeom>
+          <a:solidFill>
+            <a:srgbClr val="D9EAD3"/>
+          </a:solidFill>
+          <a:ln>
+            <a:noFill/>
+          </a:ln>
+        </p:spPr>
+        <p:style>
+          <a:lnRef idx="0">
+            <a:scrgbClr r="0" g="0" b="0"/>
+          </a:lnRef>
+          <a:fillRef idx="0">
+            <a:scrgbClr r="0" g="0" b="0"/>
+          </a:fillRef>
+          <a:effectRef idx="0">
+            <a:scrgbClr r="0" g="0" b="0"/>
+          </a:effectRef>
+          <a:fontRef idx="minor">
+            <a:schemeClr val="lt1"/>
+          </a:fontRef>
+        </p:style>
+        <p:txBody>
+          <a:bodyPr rtlCol="0" anchor="ctr"/>
+          <a:lstStyle/>
+          <a:p>
+            <a:pPr algn="ctr"/>
+            <a:endParaRPr lang="zh-CN" altLang="en-US"/>
+          </a:p>
+        </p:txBody>
+      </p:sp>
+      <p:sp>
+        <p:nvSpPr>
+          <p:cNvPr id="8" name="矩形 7">
+            <a:extLst>
+              <a:ext uri="{FF2B5EF4-FFF2-40B4-BE49-F238E27FC236}">
+                <a16:creationId xmlns:a16="http://schemas.microsoft.com/office/drawing/2014/main" id="{5F5FBAA6-5665-4BF6-AD8D-61C0CC3E9FBD}"/>
+              </a:ext>
+            </a:extLst>
+          </p:cNvPr>
+          <p:cNvSpPr/>
+          <p:nvPr/>
+        </p:nvSpPr>
+        <p:spPr>
+          <a:xfrm>
+            <a:off x="1270377" y="2050567"/>
+            <a:ext cx="1516039" cy="1446653"/>
+          </a:xfrm>
+          <a:prstGeom prst="rect">
+            <a:avLst/>
+          </a:prstGeom>
+          <a:solidFill>
+            <a:srgbClr val="D9EAD3"/>
+          </a:solidFill>
+          <a:ln>
+            <a:noFill/>
+          </a:ln>
+        </p:spPr>
+        <p:style>
+          <a:lnRef idx="0">
+            <a:scrgbClr r="0" g="0" b="0"/>
+          </a:lnRef>
+          <a:fillRef idx="0">
+            <a:scrgbClr r="0" g="0" b="0"/>
+          </a:fillRef>
+          <a:effectRef idx="0">
+            <a:scrgbClr r="0" g="0" b="0"/>
+          </a:effectRef>
+          <a:fontRef idx="minor">
+            <a:schemeClr val="lt1"/>
+          </a:fontRef>
+        </p:style>
+        <p:txBody>
+          <a:bodyPr rtlCol="0" anchor="ctr"/>
+          <a:lstStyle/>
+          <a:p>
+            <a:pPr algn="ctr"/>
+            <a:endParaRPr lang="zh-CN" altLang="en-US"/>
+          </a:p>
+        </p:txBody>
+      </p:sp>
+      <p:cxnSp>
+        <p:nvCxnSpPr>
+          <p:cNvPr id="15" name="直接箭头连接符 14">
+            <a:extLst>
+              <a:ext uri="{FF2B5EF4-FFF2-40B4-BE49-F238E27FC236}">
+                <a16:creationId xmlns:a16="http://schemas.microsoft.com/office/drawing/2014/main" id="{402B97D9-5333-406B-9CED-C4AF5D58508D}"/>
+              </a:ext>
+            </a:extLst>
+          </p:cNvPr>
+          <p:cNvCxnSpPr>
+            <a:cxnSpLocks/>
+          </p:cNvCxnSpPr>
+          <p:nvPr/>
+        </p:nvCxnSpPr>
+        <p:spPr>
+          <a:xfrm>
+            <a:off x="2786416" y="2050567"/>
+            <a:ext cx="1406859" cy="1049181"/>
+          </a:xfrm>
+          <a:prstGeom prst="straightConnector1">
+            <a:avLst/>
+          </a:prstGeom>
+          <a:ln w="19050">
+            <a:solidFill>
+              <a:srgbClr val="0808FF"/>
+            </a:solidFill>
+            <a:tailEnd type="triangle"/>
+          </a:ln>
+        </p:spPr>
+        <p:style>
+          <a:lnRef idx="1">
+            <a:schemeClr val="accent1"/>
+          </a:lnRef>
+          <a:fillRef idx="0">
+            <a:schemeClr val="accent1"/>
+          </a:fillRef>
+          <a:effectRef idx="0">
+            <a:schemeClr val="accent1"/>
+          </a:effectRef>
+          <a:fontRef idx="minor">
+            <a:schemeClr val="tx1"/>
+          </a:fontRef>
+        </p:style>
+      </p:cxnSp>
+      <p:cxnSp>
+        <p:nvCxnSpPr>
+          <p:cNvPr id="19" name="直接箭头连接符 18">
+            <a:extLst>
+              <a:ext uri="{FF2B5EF4-FFF2-40B4-BE49-F238E27FC236}">
+                <a16:creationId xmlns:a16="http://schemas.microsoft.com/office/drawing/2014/main" id="{6EB6BAEE-E2D9-4EEB-A148-8EC087513160}"/>
+              </a:ext>
+            </a:extLst>
+          </p:cNvPr>
+          <p:cNvCxnSpPr/>
+          <p:nvPr/>
+        </p:nvCxnSpPr>
+        <p:spPr>
+          <a:xfrm flipH="1">
+            <a:off x="5838969" y="655092"/>
+            <a:ext cx="972403" cy="934872"/>
+          </a:xfrm>
+          <a:prstGeom prst="straightConnector1">
+            <a:avLst/>
+          </a:prstGeom>
+          <a:noFill/>
+          <a:ln>
+            <a:solidFill>
+              <a:srgbClr val="FF0000"/>
+            </a:solidFill>
+            <a:headEnd type="none" w="med" len="med"/>
+            <a:tailEnd type="arrow" w="med" len="med"/>
+          </a:ln>
+        </p:spPr>
+        <p:style>
+          <a:lnRef idx="2">
+            <a:schemeClr val="accent1">
+              <a:shade val="50000"/>
+            </a:schemeClr>
+          </a:lnRef>
+          <a:fillRef idx="1">
+            <a:schemeClr val="accent1"/>
+          </a:fillRef>
+          <a:effectRef idx="0">
+            <a:schemeClr val="accent1"/>
+          </a:effectRef>
+          <a:fontRef idx="minor">
+            <a:schemeClr val="lt1"/>
+          </a:fontRef>
+        </p:style>
+      </p:cxnSp>
+      <p:cxnSp>
+        <p:nvCxnSpPr>
+          <p:cNvPr id="20" name="直接箭头连接符 19">
+            <a:extLst>
+              <a:ext uri="{FF2B5EF4-FFF2-40B4-BE49-F238E27FC236}">
+                <a16:creationId xmlns:a16="http://schemas.microsoft.com/office/drawing/2014/main" id="{B1246175-25E5-46A6-9979-6E3593D7044E}"/>
+              </a:ext>
+            </a:extLst>
+          </p:cNvPr>
+          <p:cNvCxnSpPr>
+            <a:cxnSpLocks/>
+          </p:cNvCxnSpPr>
+          <p:nvPr/>
+        </p:nvCxnSpPr>
+        <p:spPr>
+          <a:xfrm flipV="1">
+            <a:off x="5856595" y="934871"/>
+            <a:ext cx="1411977" cy="661907"/>
+          </a:xfrm>
+          <a:prstGeom prst="straightConnector1">
+            <a:avLst/>
+          </a:prstGeom>
+          <a:noFill/>
+          <a:ln>
+            <a:solidFill>
+              <a:srgbClr val="FF0000"/>
+            </a:solidFill>
+            <a:headEnd type="none" w="med" len="med"/>
+            <a:tailEnd type="arrow" w="med" len="med"/>
+          </a:ln>
+        </p:spPr>
+        <p:style>
+          <a:lnRef idx="2">
+            <a:schemeClr val="accent1">
+              <a:shade val="50000"/>
+            </a:schemeClr>
+          </a:lnRef>
+          <a:fillRef idx="1">
+            <a:schemeClr val="accent1"/>
+          </a:fillRef>
+          <a:effectRef idx="0">
+            <a:schemeClr val="accent1"/>
+          </a:effectRef>
+          <a:fontRef idx="minor">
+            <a:schemeClr val="lt1"/>
+          </a:fontRef>
+        </p:style>
+      </p:cxnSp>
+      <p:cxnSp>
+        <p:nvCxnSpPr>
+          <p:cNvPr id="23" name="直接箭头连接符 22">
+            <a:extLst>
+              <a:ext uri="{FF2B5EF4-FFF2-40B4-BE49-F238E27FC236}">
+                <a16:creationId xmlns:a16="http://schemas.microsoft.com/office/drawing/2014/main" id="{5C417C5E-8250-4A11-9248-4B298F82E124}"/>
+              </a:ext>
+            </a:extLst>
+          </p:cNvPr>
+          <p:cNvCxnSpPr>
+            <a:cxnSpLocks/>
+          </p:cNvCxnSpPr>
+          <p:nvPr/>
+        </p:nvCxnSpPr>
+        <p:spPr>
+          <a:xfrm flipH="1">
+            <a:off x="6052784" y="934871"/>
+            <a:ext cx="1215788" cy="1128210"/>
+          </a:xfrm>
+          <a:prstGeom prst="straightConnector1">
+            <a:avLst/>
+          </a:prstGeom>
+          <a:noFill/>
+          <a:ln>
+            <a:solidFill>
+              <a:srgbClr val="FF0000"/>
+            </a:solidFill>
+            <a:headEnd type="none" w="med" len="med"/>
+            <a:tailEnd type="arrow" w="med" len="med"/>
+          </a:ln>
+        </p:spPr>
+        <p:style>
+          <a:lnRef idx="2">
+            <a:schemeClr val="accent1">
+              <a:shade val="50000"/>
+            </a:schemeClr>
+          </a:lnRef>
+          <a:fillRef idx="1">
+            <a:schemeClr val="accent1"/>
+          </a:fillRef>
+          <a:effectRef idx="0">
+            <a:schemeClr val="accent1"/>
+          </a:effectRef>
+          <a:fontRef idx="minor">
+            <a:schemeClr val="lt1"/>
+          </a:fontRef>
+        </p:style>
+      </p:cxnSp>
+      <p:cxnSp>
+        <p:nvCxnSpPr>
+          <p:cNvPr id="26" name="直接箭头连接符 25">
+            <a:extLst>
+              <a:ext uri="{FF2B5EF4-FFF2-40B4-BE49-F238E27FC236}">
+                <a16:creationId xmlns:a16="http://schemas.microsoft.com/office/drawing/2014/main" id="{9AE99D1D-C798-4E6E-BA23-9A24C5226DE6}"/>
+              </a:ext>
+            </a:extLst>
+          </p:cNvPr>
+          <p:cNvCxnSpPr>
+            <a:cxnSpLocks/>
+          </p:cNvCxnSpPr>
+          <p:nvPr/>
+        </p:nvCxnSpPr>
+        <p:spPr>
+          <a:xfrm flipV="1">
+            <a:off x="6088041" y="1040643"/>
+            <a:ext cx="1783305" cy="1022438"/>
+          </a:xfrm>
+          <a:prstGeom prst="straightConnector1">
+            <a:avLst/>
+          </a:prstGeom>
+          <a:noFill/>
+          <a:ln>
+            <a:solidFill>
+              <a:srgbClr val="FF0000"/>
+            </a:solidFill>
+            <a:headEnd type="none" w="med" len="med"/>
+            <a:tailEnd type="arrow" w="med" len="med"/>
+          </a:ln>
+        </p:spPr>
+        <p:style>
+          <a:lnRef idx="2">
+            <a:schemeClr val="accent1">
+              <a:shade val="50000"/>
+            </a:schemeClr>
+          </a:lnRef>
+          <a:fillRef idx="1">
+            <a:schemeClr val="accent1"/>
+          </a:fillRef>
+          <a:effectRef idx="0">
+            <a:schemeClr val="accent1"/>
+          </a:effectRef>
+          <a:fontRef idx="minor">
+            <a:schemeClr val="lt1"/>
+          </a:fontRef>
+        </p:style>
+      </p:cxnSp>
+      <p:cxnSp>
+        <p:nvCxnSpPr>
+          <p:cNvPr id="29" name="直接箭头连接符 28">
+            <a:extLst>
+              <a:ext uri="{FF2B5EF4-FFF2-40B4-BE49-F238E27FC236}">
+                <a16:creationId xmlns:a16="http://schemas.microsoft.com/office/drawing/2014/main" id="{8E436337-3C08-4A2E-8612-EE427F58881F}"/>
+              </a:ext>
+            </a:extLst>
+          </p:cNvPr>
+          <p:cNvCxnSpPr>
+            <a:cxnSpLocks/>
+          </p:cNvCxnSpPr>
+          <p:nvPr/>
+        </p:nvCxnSpPr>
+        <p:spPr>
+          <a:xfrm flipH="1">
+            <a:off x="6325170" y="1063396"/>
+            <a:ext cx="1530256" cy="1307902"/>
+          </a:xfrm>
+          <a:prstGeom prst="straightConnector1">
+            <a:avLst/>
+          </a:prstGeom>
+          <a:noFill/>
+          <a:ln>
+            <a:solidFill>
+              <a:srgbClr val="FF0000"/>
+            </a:solidFill>
+            <a:headEnd type="none" w="med" len="med"/>
+            <a:tailEnd type="arrow" w="med" len="med"/>
+          </a:ln>
+        </p:spPr>
+        <p:style>
+          <a:lnRef idx="2">
+            <a:schemeClr val="accent1">
+              <a:shade val="50000"/>
+            </a:schemeClr>
+          </a:lnRef>
+          <a:fillRef idx="1">
+            <a:schemeClr val="accent1"/>
+          </a:fillRef>
+          <a:effectRef idx="0">
+            <a:schemeClr val="accent1"/>
+          </a:effectRef>
+          <a:fontRef idx="minor">
+            <a:schemeClr val="lt1"/>
+          </a:fontRef>
+        </p:style>
+      </p:cxnSp>
+      <p:cxnSp>
+        <p:nvCxnSpPr>
+          <p:cNvPr id="33" name="直接箭头连接符 32">
+            <a:extLst>
+              <a:ext uri="{FF2B5EF4-FFF2-40B4-BE49-F238E27FC236}">
+                <a16:creationId xmlns:a16="http://schemas.microsoft.com/office/drawing/2014/main" id="{29A8153B-427F-4D46-8B2D-D538BBAE78BF}"/>
+              </a:ext>
+            </a:extLst>
+          </p:cNvPr>
+          <p:cNvCxnSpPr>
+            <a:cxnSpLocks/>
+          </p:cNvCxnSpPr>
+          <p:nvPr/>
+        </p:nvCxnSpPr>
+        <p:spPr>
+          <a:xfrm flipV="1">
+            <a:off x="6347348" y="1102057"/>
+            <a:ext cx="1828800" cy="1260143"/>
+          </a:xfrm>
+          <a:prstGeom prst="straightConnector1">
+            <a:avLst/>
+          </a:prstGeom>
+          <a:noFill/>
+          <a:ln>
+            <a:solidFill>
+              <a:srgbClr val="FF0000"/>
+            </a:solidFill>
+            <a:headEnd type="none" w="med" len="med"/>
+            <a:tailEnd type="arrow" w="med" len="med"/>
+          </a:ln>
+        </p:spPr>
+        <p:style>
+          <a:lnRef idx="2">
+            <a:schemeClr val="accent1">
+              <a:shade val="50000"/>
+            </a:schemeClr>
+          </a:lnRef>
+          <a:fillRef idx="1">
+            <a:schemeClr val="accent1"/>
+          </a:fillRef>
+          <a:effectRef idx="0">
+            <a:schemeClr val="accent1"/>
+          </a:effectRef>
+          <a:fontRef idx="minor">
+            <a:schemeClr val="lt1"/>
+          </a:fontRef>
+        </p:style>
+      </p:cxnSp>
+      <p:cxnSp>
+        <p:nvCxnSpPr>
+          <p:cNvPr id="36" name="直接箭头连接符 35">
+            <a:extLst>
+              <a:ext uri="{FF2B5EF4-FFF2-40B4-BE49-F238E27FC236}">
+                <a16:creationId xmlns:a16="http://schemas.microsoft.com/office/drawing/2014/main" id="{DFE4A50B-1633-4AE2-AA03-76ACFF451D46}"/>
+              </a:ext>
+            </a:extLst>
+          </p:cNvPr>
+          <p:cNvCxnSpPr>
+            <a:cxnSpLocks/>
+          </p:cNvCxnSpPr>
+          <p:nvPr/>
+        </p:nvCxnSpPr>
+        <p:spPr>
+          <a:xfrm flipH="1">
+            <a:off x="6347348" y="1102056"/>
+            <a:ext cx="1828800" cy="1709382"/>
+          </a:xfrm>
+          <a:prstGeom prst="straightConnector1">
+            <a:avLst/>
+          </a:prstGeom>
+          <a:noFill/>
+          <a:ln>
+            <a:solidFill>
+              <a:srgbClr val="FF0000"/>
+            </a:solidFill>
+            <a:headEnd type="none" w="med" len="med"/>
+            <a:tailEnd type="arrow" w="med" len="med"/>
+          </a:ln>
+        </p:spPr>
+        <p:style>
+          <a:lnRef idx="2">
+            <a:schemeClr val="accent1">
+              <a:shade val="50000"/>
+            </a:schemeClr>
+          </a:lnRef>
+          <a:fillRef idx="1">
+            <a:schemeClr val="accent1"/>
+          </a:fillRef>
+          <a:effectRef idx="0">
+            <a:schemeClr val="accent1"/>
+          </a:effectRef>
+          <a:fontRef idx="minor">
+            <a:schemeClr val="lt1"/>
+          </a:fontRef>
+        </p:style>
+      </p:cxnSp>
+      <p:cxnSp>
+        <p:nvCxnSpPr>
+          <p:cNvPr id="39" name="直接箭头连接符 38">
+            <a:extLst>
+              <a:ext uri="{FF2B5EF4-FFF2-40B4-BE49-F238E27FC236}">
+                <a16:creationId xmlns:a16="http://schemas.microsoft.com/office/drawing/2014/main" id="{CC30CA6B-037E-43FF-B012-2DEB40CE30B4}"/>
+              </a:ext>
+            </a:extLst>
+          </p:cNvPr>
+          <p:cNvCxnSpPr>
+            <a:cxnSpLocks/>
+          </p:cNvCxnSpPr>
+          <p:nvPr/>
+        </p:nvCxnSpPr>
+        <p:spPr>
+          <a:xfrm flipV="1">
+            <a:off x="6347348" y="2122226"/>
+            <a:ext cx="1589964" cy="675564"/>
+          </a:xfrm>
+          <a:prstGeom prst="straightConnector1">
+            <a:avLst/>
+          </a:prstGeom>
+          <a:noFill/>
+          <a:ln>
+            <a:solidFill>
+              <a:srgbClr val="FF0000"/>
+            </a:solidFill>
+            <a:headEnd type="none" w="med" len="med"/>
+            <a:tailEnd type="arrow" w="med" len="med"/>
+          </a:ln>
+        </p:spPr>
+        <p:style>
+          <a:lnRef idx="2">
+            <a:schemeClr val="accent1">
+              <a:shade val="50000"/>
+            </a:schemeClr>
+          </a:lnRef>
+          <a:fillRef idx="1">
+            <a:schemeClr val="accent1"/>
+          </a:fillRef>
+          <a:effectRef idx="0">
+            <a:schemeClr val="accent1"/>
+          </a:effectRef>
+          <a:fontRef idx="minor">
+            <a:schemeClr val="lt1"/>
+          </a:fontRef>
+        </p:style>
+      </p:cxnSp>
+      <p:sp>
+        <p:nvSpPr>
+          <p:cNvPr id="9" name="等腰三角形 8">
+            <a:extLst>
+              <a:ext uri="{FF2B5EF4-FFF2-40B4-BE49-F238E27FC236}">
+                <a16:creationId xmlns:a16="http://schemas.microsoft.com/office/drawing/2014/main" id="{A305E37E-C1D6-424A-A1F6-E68567E98C6C}"/>
+              </a:ext>
+            </a:extLst>
+          </p:cNvPr>
+          <p:cNvSpPr>
+            <a:spLocks noChangeAspect="1"/>
+          </p:cNvSpPr>
+          <p:nvPr/>
+        </p:nvSpPr>
+        <p:spPr>
+          <a:xfrm rot="7565757">
+            <a:off x="3072182" y="2243158"/>
+            <a:ext cx="72000" cy="72000"/>
+          </a:xfrm>
+          <a:prstGeom prst="triangle">
+            <a:avLst/>
+          </a:prstGeom>
+          <a:solidFill>
+            <a:srgbClr val="0808FF"/>
+          </a:solidFill>
+          <a:ln w="19050">
+            <a:solidFill>
+              <a:srgbClr val="0808FF"/>
+            </a:solidFill>
+            <a:tailEnd type="triangle"/>
+          </a:ln>
+        </p:spPr>
+        <p:style>
+          <a:lnRef idx="1">
+            <a:schemeClr val="accent1"/>
+          </a:lnRef>
+          <a:fillRef idx="0">
+            <a:schemeClr val="accent1"/>
+          </a:fillRef>
+          <a:effectRef idx="0">
+            <a:schemeClr val="accent1"/>
+          </a:effectRef>
+          <a:fontRef idx="minor">
+            <a:schemeClr val="tx1"/>
+          </a:fontRef>
+        </p:style>
+        <p:txBody>
+          <a:bodyPr rtlCol="0" anchor="ctr"/>
+          <a:lstStyle/>
+          <a:p>
+            <a:pPr algn="ctr"/>
+            <a:endParaRPr lang="zh-CN" altLang="en-US"/>
+          </a:p>
+        </p:txBody>
+      </p:sp>
+      <p:sp>
+        <p:nvSpPr>
+          <p:cNvPr id="21" name="等腰三角形 20">
+            <a:extLst>
+              <a:ext uri="{FF2B5EF4-FFF2-40B4-BE49-F238E27FC236}">
+                <a16:creationId xmlns:a16="http://schemas.microsoft.com/office/drawing/2014/main" id="{EA18AD56-FC2B-443D-9FD8-001695C9178E}"/>
+              </a:ext>
+            </a:extLst>
+          </p:cNvPr>
+          <p:cNvSpPr>
+            <a:spLocks noChangeAspect="1"/>
+          </p:cNvSpPr>
+          <p:nvPr/>
+        </p:nvSpPr>
+        <p:spPr>
+          <a:xfrm rot="7618047">
+            <a:off x="3223086" y="2357487"/>
+            <a:ext cx="75239" cy="75239"/>
+          </a:xfrm>
+          <a:prstGeom prst="triangle">
+            <a:avLst/>
+          </a:prstGeom>
+          <a:solidFill>
+            <a:srgbClr val="0808FF"/>
+          </a:solidFill>
+          <a:ln w="19050">
+            <a:solidFill>
+              <a:srgbClr val="0808FF"/>
+            </a:solidFill>
+            <a:tailEnd type="triangle"/>
+          </a:ln>
+        </p:spPr>
+        <p:style>
+          <a:lnRef idx="1">
+            <a:schemeClr val="accent1"/>
+          </a:lnRef>
+          <a:fillRef idx="0">
+            <a:schemeClr val="accent1"/>
+          </a:fillRef>
+          <a:effectRef idx="0">
+            <a:schemeClr val="accent1"/>
+          </a:effectRef>
+          <a:fontRef idx="minor">
+            <a:schemeClr val="tx1"/>
+          </a:fontRef>
+        </p:style>
+        <p:txBody>
+          <a:bodyPr rtlCol="0" anchor="ctr"/>
+          <a:lstStyle/>
+          <a:p>
+            <a:pPr algn="ctr"/>
+            <a:endParaRPr lang="zh-CN" altLang="en-US"/>
+          </a:p>
+        </p:txBody>
+      </p:sp>
+      <p:sp>
+        <p:nvSpPr>
+          <p:cNvPr id="22" name="等腰三角形 21">
+            <a:extLst>
+              <a:ext uri="{FF2B5EF4-FFF2-40B4-BE49-F238E27FC236}">
+                <a16:creationId xmlns:a16="http://schemas.microsoft.com/office/drawing/2014/main" id="{A0E68DF3-6B98-4ECC-B3D4-D48333244B84}"/>
+              </a:ext>
+            </a:extLst>
+          </p:cNvPr>
+          <p:cNvSpPr>
+            <a:spLocks noChangeAspect="1"/>
+          </p:cNvSpPr>
+          <p:nvPr/>
+        </p:nvSpPr>
+        <p:spPr>
+          <a:xfrm rot="7664794">
+            <a:off x="3447107" y="2534130"/>
+            <a:ext cx="75239" cy="75239"/>
+          </a:xfrm>
+          <a:prstGeom prst="triangle">
+            <a:avLst/>
+          </a:prstGeom>
+          <a:solidFill>
+            <a:srgbClr val="0808FF"/>
+          </a:solidFill>
+          <a:ln w="19050">
+            <a:solidFill>
+              <a:srgbClr val="0808FF"/>
+            </a:solidFill>
+            <a:tailEnd type="triangle"/>
+          </a:ln>
+        </p:spPr>
+        <p:style>
+          <a:lnRef idx="1">
+            <a:schemeClr val="accent1"/>
+          </a:lnRef>
+          <a:fillRef idx="0">
+            <a:schemeClr val="accent1"/>
+          </a:fillRef>
+          <a:effectRef idx="0">
+            <a:schemeClr val="accent1"/>
+          </a:effectRef>
+          <a:fontRef idx="minor">
+            <a:schemeClr val="tx1"/>
+          </a:fontRef>
+        </p:style>
+        <p:txBody>
+          <a:bodyPr rtlCol="0" anchor="ctr"/>
+          <a:lstStyle/>
+          <a:p>
+            <a:pPr algn="ctr"/>
+            <a:endParaRPr lang="zh-CN" altLang="en-US"/>
+          </a:p>
+        </p:txBody>
+      </p:sp>
+      <p:sp>
+        <p:nvSpPr>
+          <p:cNvPr id="24" name="等腰三角形 23">
+            <a:extLst>
+              <a:ext uri="{FF2B5EF4-FFF2-40B4-BE49-F238E27FC236}">
+                <a16:creationId xmlns:a16="http://schemas.microsoft.com/office/drawing/2014/main" id="{D5ECDDFE-44EE-4BA0-83CD-FDD946DC71B2}"/>
+              </a:ext>
+            </a:extLst>
+          </p:cNvPr>
+          <p:cNvSpPr>
+            <a:spLocks noChangeAspect="1"/>
+          </p:cNvSpPr>
+          <p:nvPr/>
+        </p:nvSpPr>
+        <p:spPr>
+          <a:xfrm rot="7664794">
+            <a:off x="3653641" y="2683496"/>
+            <a:ext cx="75239" cy="75239"/>
+          </a:xfrm>
+          <a:prstGeom prst="triangle">
+            <a:avLst/>
+          </a:prstGeom>
+          <a:solidFill>
+            <a:srgbClr val="0808FF"/>
+          </a:solidFill>
+          <a:ln w="19050">
+            <a:solidFill>
+              <a:srgbClr val="0808FF"/>
+            </a:solidFill>
+            <a:tailEnd type="triangle"/>
+          </a:ln>
+        </p:spPr>
+        <p:style>
+          <a:lnRef idx="1">
+            <a:schemeClr val="accent1"/>
+          </a:lnRef>
+          <a:fillRef idx="0">
+            <a:schemeClr val="accent1"/>
+          </a:fillRef>
+          <a:effectRef idx="0">
+            <a:schemeClr val="accent1"/>
+          </a:effectRef>
+          <a:fontRef idx="minor">
+            <a:schemeClr val="tx1"/>
+          </a:fontRef>
+        </p:style>
+        <p:txBody>
+          <a:bodyPr rtlCol="0" anchor="ctr"/>
+          <a:lstStyle/>
+          <a:p>
+            <a:pPr algn="ctr"/>
+            <a:endParaRPr lang="zh-CN" altLang="en-US"/>
+          </a:p>
+        </p:txBody>
+      </p:sp>
+      <p:sp>
+        <p:nvSpPr>
+          <p:cNvPr id="25" name="等腰三角形 24">
+            <a:extLst>
+              <a:ext uri="{FF2B5EF4-FFF2-40B4-BE49-F238E27FC236}">
+                <a16:creationId xmlns:a16="http://schemas.microsoft.com/office/drawing/2014/main" id="{8EBAB51D-5CA0-4991-9CD7-B4DD91C86E95}"/>
+              </a:ext>
+            </a:extLst>
+          </p:cNvPr>
+          <p:cNvSpPr>
+            <a:spLocks noChangeAspect="1"/>
+          </p:cNvSpPr>
+          <p:nvPr/>
+        </p:nvSpPr>
+        <p:spPr>
+          <a:xfrm rot="7664794">
+            <a:off x="3783293" y="2789049"/>
+            <a:ext cx="75239" cy="75239"/>
+          </a:xfrm>
+          <a:prstGeom prst="triangle">
+            <a:avLst/>
+          </a:prstGeom>
+          <a:solidFill>
+            <a:srgbClr val="0808FF"/>
+          </a:solidFill>
+          <a:ln w="19050">
+            <a:solidFill>
+              <a:srgbClr val="0808FF"/>
+            </a:solidFill>
+            <a:tailEnd type="triangle"/>
+          </a:ln>
+        </p:spPr>
+        <p:style>
+          <a:lnRef idx="1">
+            <a:schemeClr val="accent1"/>
+          </a:lnRef>
+          <a:fillRef idx="0">
+            <a:schemeClr val="accent1"/>
+          </a:fillRef>
+          <a:effectRef idx="0">
+            <a:schemeClr val="accent1"/>
+          </a:effectRef>
+          <a:fontRef idx="minor">
+            <a:schemeClr val="tx1"/>
+          </a:fontRef>
+        </p:style>
+        <p:txBody>
+          <a:bodyPr rtlCol="0" anchor="ctr"/>
+          <a:lstStyle/>
+          <a:p>
+            <a:pPr algn="ctr"/>
+            <a:endParaRPr lang="zh-CN" altLang="en-US"/>
+          </a:p>
+        </p:txBody>
+      </p:sp>
+      <p:sp>
+        <p:nvSpPr>
+          <p:cNvPr id="11" name="任意多边形: 形状 10">
+            <a:extLst>
+              <a:ext uri="{FF2B5EF4-FFF2-40B4-BE49-F238E27FC236}">
+                <a16:creationId xmlns:a16="http://schemas.microsoft.com/office/drawing/2014/main" id="{56FD1204-9135-4CD8-A31C-769592402C07}"/>
+              </a:ext>
+            </a:extLst>
+          </p:cNvPr>
+          <p:cNvSpPr/>
+          <p:nvPr/>
+        </p:nvSpPr>
+        <p:spPr>
+          <a:xfrm>
+            <a:off x="2722728" y="2050576"/>
+            <a:ext cx="1450075" cy="996287"/>
+          </a:xfrm>
+          <a:custGeom>
+            <a:avLst/>
+            <a:gdLst>
+              <a:gd name="connsiteX0" fmla="*/ 61415 w 1450075"/>
+              <a:gd name="connsiteY0" fmla="*/ 0 h 996287"/>
+              <a:gd name="connsiteX1" fmla="*/ 0 w 1450075"/>
+              <a:gd name="connsiteY1" fmla="*/ 341194 h 996287"/>
+              <a:gd name="connsiteX2" fmla="*/ 760863 w 1450075"/>
+              <a:gd name="connsiteY2" fmla="*/ 116006 h 996287"/>
+              <a:gd name="connsiteX3" fmla="*/ 242248 w 1450075"/>
+              <a:gd name="connsiteY3" fmla="*/ 655093 h 996287"/>
+              <a:gd name="connsiteX4" fmla="*/ 992875 w 1450075"/>
+              <a:gd name="connsiteY4" fmla="*/ 361666 h 996287"/>
+              <a:gd name="connsiteX5" fmla="*/ 597090 w 1450075"/>
+              <a:gd name="connsiteY5" fmla="*/ 975815 h 996287"/>
+              <a:gd name="connsiteX6" fmla="*/ 1450075 w 1450075"/>
+              <a:gd name="connsiteY6" fmla="*/ 573206 h 996287"/>
+              <a:gd name="connsiteX7" fmla="*/ 1436427 w 1450075"/>
+              <a:gd name="connsiteY7" fmla="*/ 996287 h 996287"/>
+            </a:gdLst>
+            <a:ahLst/>
+            <a:cxnLst>
+              <a:cxn ang="0">
+                <a:pos x="connsiteX0" y="connsiteY0"/>
+              </a:cxn>
+              <a:cxn ang="0">
+                <a:pos x="connsiteX1" y="connsiteY1"/>
+              </a:cxn>
+              <a:cxn ang="0">
+                <a:pos x="connsiteX2" y="connsiteY2"/>
+              </a:cxn>
+              <a:cxn ang="0">
+                <a:pos x="connsiteX3" y="connsiteY3"/>
+              </a:cxn>
+              <a:cxn ang="0">
+                <a:pos x="connsiteX4" y="connsiteY4"/>
+              </a:cxn>
+              <a:cxn ang="0">
+                <a:pos x="connsiteX5" y="connsiteY5"/>
+              </a:cxn>
+              <a:cxn ang="0">
+                <a:pos x="connsiteX6" y="connsiteY6"/>
+              </a:cxn>
+              <a:cxn ang="0">
+                <a:pos x="connsiteX7" y="connsiteY7"/>
+              </a:cxn>
+            </a:cxnLst>
+            <a:rect l="l" t="t" r="r" b="b"/>
+            <a:pathLst>
+              <a:path w="1450075" h="996287">
+                <a:moveTo>
+                  <a:pt x="61415" y="0"/>
+                </a:moveTo>
+                <a:lnTo>
+                  <a:pt x="0" y="341194"/>
+                </a:lnTo>
+                <a:lnTo>
+                  <a:pt x="760863" y="116006"/>
+                </a:lnTo>
+                <a:lnTo>
+                  <a:pt x="242248" y="655093"/>
+                </a:lnTo>
+                <a:lnTo>
+                  <a:pt x="992875" y="361666"/>
+                </a:lnTo>
+                <a:lnTo>
+                  <a:pt x="597090" y="975815"/>
+                </a:lnTo>
+                <a:lnTo>
+                  <a:pt x="1450075" y="573206"/>
+                </a:lnTo>
+                <a:lnTo>
+                  <a:pt x="1436427" y="996287"/>
+                </a:lnTo>
+              </a:path>
+            </a:pathLst>
+          </a:custGeom>
+          <a:noFill/>
+          <a:ln>
+            <a:solidFill>
+              <a:srgbClr val="FF0000"/>
+            </a:solidFill>
+          </a:ln>
+        </p:spPr>
+        <p:style>
+          <a:lnRef idx="2">
+            <a:schemeClr val="accent1">
+              <a:shade val="50000"/>
+            </a:schemeClr>
+          </a:lnRef>
+          <a:fillRef idx="1">
+            <a:schemeClr val="accent1"/>
+          </a:fillRef>
+          <a:effectRef idx="0">
+            <a:schemeClr val="accent1"/>
+          </a:effectRef>
+          <a:fontRef idx="minor">
+            <a:schemeClr val="lt1"/>
+          </a:fontRef>
+        </p:style>
+        <p:txBody>
+          <a:bodyPr rtlCol="0" anchor="ctr"/>
+          <a:lstStyle/>
+          <a:p>
+            <a:pPr algn="ctr"/>
+            <a:endParaRPr lang="zh-CN" altLang="en-US"/>
+          </a:p>
+        </p:txBody>
+      </p:sp>
+      <p:sp>
+        <p:nvSpPr>
+          <p:cNvPr id="27" name="等腰三角形 26">
+            <a:extLst>
+              <a:ext uri="{FF2B5EF4-FFF2-40B4-BE49-F238E27FC236}">
+                <a16:creationId xmlns:a16="http://schemas.microsoft.com/office/drawing/2014/main" id="{D03F9340-ECB2-4C21-9909-4D1BE8510D45}"/>
+              </a:ext>
+            </a:extLst>
+          </p:cNvPr>
+          <p:cNvSpPr>
+            <a:spLocks noChangeAspect="1"/>
+          </p:cNvSpPr>
+          <p:nvPr/>
+        </p:nvSpPr>
+        <p:spPr>
+          <a:xfrm rot="11706232">
+            <a:off x="2695623" y="2306620"/>
+            <a:ext cx="71612" cy="71612"/>
+          </a:xfrm>
+          <a:prstGeom prst="triangle">
+            <a:avLst/>
+          </a:prstGeom>
+          <a:solidFill>
+            <a:srgbClr val="FF0000"/>
+          </a:solidFill>
+          <a:ln w="19050">
+            <a:solidFill>
+              <a:srgbClr val="FF0000"/>
+            </a:solidFill>
+            <a:tailEnd type="triangle"/>
+          </a:ln>
+        </p:spPr>
+        <p:style>
+          <a:lnRef idx="1">
+            <a:schemeClr val="accent1"/>
+          </a:lnRef>
+          <a:fillRef idx="0">
+            <a:schemeClr val="accent1"/>
+          </a:fillRef>
+          <a:effectRef idx="0">
+            <a:schemeClr val="accent1"/>
+          </a:effectRef>
+          <a:fontRef idx="minor">
+            <a:schemeClr val="tx1"/>
+          </a:fontRef>
+        </p:style>
+        <p:txBody>
+          <a:bodyPr rtlCol="0" anchor="ctr"/>
+          <a:lstStyle/>
+          <a:p>
+            <a:pPr algn="ctr"/>
+            <a:endParaRPr lang="zh-CN" altLang="en-US"/>
+          </a:p>
+        </p:txBody>
+      </p:sp>
+      <p:sp>
+        <p:nvSpPr>
+          <p:cNvPr id="28" name="等腰三角形 27">
+            <a:extLst>
+              <a:ext uri="{FF2B5EF4-FFF2-40B4-BE49-F238E27FC236}">
+                <a16:creationId xmlns:a16="http://schemas.microsoft.com/office/drawing/2014/main" id="{0911FBDD-8AD5-4C14-ABBD-B32DAA5A0192}"/>
+              </a:ext>
+            </a:extLst>
+          </p:cNvPr>
+          <p:cNvSpPr>
+            <a:spLocks noChangeAspect="1"/>
+          </p:cNvSpPr>
+          <p:nvPr/>
+        </p:nvSpPr>
+        <p:spPr>
+          <a:xfrm rot="13357546">
+            <a:off x="2931332" y="2641409"/>
+            <a:ext cx="71612" cy="71612"/>
+          </a:xfrm>
+          <a:prstGeom prst="triangle">
+            <a:avLst/>
+          </a:prstGeom>
+          <a:solidFill>
+            <a:srgbClr val="FF0000"/>
+          </a:solidFill>
+          <a:ln w="19050">
+            <a:solidFill>
+              <a:srgbClr val="FF0000"/>
+            </a:solidFill>
+            <a:tailEnd type="triangle"/>
+          </a:ln>
+        </p:spPr>
+        <p:style>
+          <a:lnRef idx="1">
+            <a:schemeClr val="accent1"/>
+          </a:lnRef>
+          <a:fillRef idx="0">
+            <a:schemeClr val="accent1"/>
+          </a:fillRef>
+          <a:effectRef idx="0">
+            <a:schemeClr val="accent1"/>
+          </a:effectRef>
+          <a:fontRef idx="minor">
+            <a:schemeClr val="tx1"/>
+          </a:fontRef>
+        </p:style>
+        <p:txBody>
+          <a:bodyPr rtlCol="0" anchor="ctr"/>
+          <a:lstStyle/>
+          <a:p>
+            <a:pPr algn="ctr"/>
+            <a:endParaRPr lang="zh-CN" altLang="en-US"/>
+          </a:p>
+        </p:txBody>
+      </p:sp>
+      <p:sp>
+        <p:nvSpPr>
+          <p:cNvPr id="30" name="等腰三角形 29">
+            <a:extLst>
+              <a:ext uri="{FF2B5EF4-FFF2-40B4-BE49-F238E27FC236}">
+                <a16:creationId xmlns:a16="http://schemas.microsoft.com/office/drawing/2014/main" id="{38D4F739-8C58-4D5E-B74E-7544F40DBFFA}"/>
+              </a:ext>
+            </a:extLst>
+          </p:cNvPr>
+          <p:cNvSpPr>
+            <a:spLocks noChangeAspect="1"/>
+          </p:cNvSpPr>
+          <p:nvPr/>
+        </p:nvSpPr>
+        <p:spPr>
+          <a:xfrm rot="13357546">
+            <a:off x="3288463" y="2960463"/>
+            <a:ext cx="71612" cy="71612"/>
+          </a:xfrm>
+          <a:prstGeom prst="triangle">
+            <a:avLst/>
+          </a:prstGeom>
+          <a:solidFill>
+            <a:srgbClr val="FF0000"/>
+          </a:solidFill>
+          <a:ln w="19050">
+            <a:solidFill>
+              <a:srgbClr val="FF0000"/>
+            </a:solidFill>
+            <a:tailEnd type="triangle"/>
+          </a:ln>
+        </p:spPr>
+        <p:style>
+          <a:lnRef idx="1">
+            <a:schemeClr val="accent1"/>
+          </a:lnRef>
+          <a:fillRef idx="0">
+            <a:schemeClr val="accent1"/>
+          </a:fillRef>
+          <a:effectRef idx="0">
+            <a:schemeClr val="accent1"/>
+          </a:effectRef>
+          <a:fontRef idx="minor">
+            <a:schemeClr val="tx1"/>
+          </a:fontRef>
+        </p:style>
+        <p:txBody>
+          <a:bodyPr rtlCol="0" anchor="ctr"/>
+          <a:lstStyle/>
+          <a:p>
+            <a:pPr algn="ctr"/>
+            <a:endParaRPr lang="zh-CN" altLang="en-US"/>
+          </a:p>
+        </p:txBody>
+      </p:sp>
+      <p:sp>
+        <p:nvSpPr>
+          <p:cNvPr id="31" name="等腰三角形 30">
+            <a:extLst>
+              <a:ext uri="{FF2B5EF4-FFF2-40B4-BE49-F238E27FC236}">
+                <a16:creationId xmlns:a16="http://schemas.microsoft.com/office/drawing/2014/main" id="{C223D811-8269-475C-936A-40F03480A515}"/>
+              </a:ext>
+            </a:extLst>
+          </p:cNvPr>
+          <p:cNvSpPr>
+            <a:spLocks noChangeAspect="1"/>
+          </p:cNvSpPr>
+          <p:nvPr/>
+        </p:nvSpPr>
+        <p:spPr>
+          <a:xfrm rot="4244304">
+            <a:off x="3410816" y="2129611"/>
+            <a:ext cx="71612" cy="71612"/>
+          </a:xfrm>
+          <a:prstGeom prst="triangle">
+            <a:avLst/>
+          </a:prstGeom>
+          <a:solidFill>
+            <a:srgbClr val="FF0000"/>
+          </a:solidFill>
+          <a:ln w="19050">
+            <a:solidFill>
+              <a:srgbClr val="FF0000"/>
+            </a:solidFill>
+            <a:tailEnd type="triangle"/>
+          </a:ln>
+        </p:spPr>
+        <p:style>
+          <a:lnRef idx="1">
+            <a:schemeClr val="accent1"/>
+          </a:lnRef>
+          <a:fillRef idx="0">
+            <a:schemeClr val="accent1"/>
+          </a:fillRef>
+          <a:effectRef idx="0">
+            <a:schemeClr val="accent1"/>
+          </a:effectRef>
+          <a:fontRef idx="minor">
+            <a:schemeClr val="tx1"/>
+          </a:fontRef>
+        </p:style>
+        <p:txBody>
+          <a:bodyPr rtlCol="0" anchor="ctr"/>
+          <a:lstStyle/>
+          <a:p>
+            <a:pPr algn="ctr"/>
+            <a:endParaRPr lang="zh-CN" altLang="en-US"/>
+          </a:p>
+        </p:txBody>
+      </p:sp>
+      <p:sp>
+        <p:nvSpPr>
+          <p:cNvPr id="32" name="等腰三角形 31">
+            <a:extLst>
+              <a:ext uri="{FF2B5EF4-FFF2-40B4-BE49-F238E27FC236}">
+                <a16:creationId xmlns:a16="http://schemas.microsoft.com/office/drawing/2014/main" id="{C0D657D1-AA33-4730-BFF8-358B6C48D20C}"/>
+              </a:ext>
+            </a:extLst>
+          </p:cNvPr>
+          <p:cNvSpPr>
+            <a:spLocks noChangeAspect="1"/>
+          </p:cNvSpPr>
+          <p:nvPr/>
+        </p:nvSpPr>
+        <p:spPr>
+          <a:xfrm rot="4244304">
+            <a:off x="3634750" y="2382610"/>
+            <a:ext cx="71612" cy="71612"/>
+          </a:xfrm>
+          <a:prstGeom prst="triangle">
+            <a:avLst/>
+          </a:prstGeom>
+          <a:solidFill>
+            <a:srgbClr val="FF0000"/>
+          </a:solidFill>
+          <a:ln w="19050">
+            <a:solidFill>
+              <a:srgbClr val="FF0000"/>
+            </a:solidFill>
+            <a:tailEnd type="triangle"/>
+          </a:ln>
+        </p:spPr>
+        <p:style>
+          <a:lnRef idx="1">
+            <a:schemeClr val="accent1"/>
+          </a:lnRef>
+          <a:fillRef idx="0">
+            <a:schemeClr val="accent1"/>
+          </a:fillRef>
+          <a:effectRef idx="0">
+            <a:schemeClr val="accent1"/>
+          </a:effectRef>
+          <a:fontRef idx="minor">
+            <a:schemeClr val="tx1"/>
+          </a:fontRef>
+        </p:style>
+        <p:txBody>
+          <a:bodyPr rtlCol="0" anchor="ctr"/>
+          <a:lstStyle/>
+          <a:p>
+            <a:pPr algn="ctr"/>
+            <a:endParaRPr lang="zh-CN" altLang="en-US"/>
+          </a:p>
+        </p:txBody>
+      </p:sp>
+      <p:sp>
+        <p:nvSpPr>
+          <p:cNvPr id="34" name="等腰三角形 33">
+            <a:extLst>
+              <a:ext uri="{FF2B5EF4-FFF2-40B4-BE49-F238E27FC236}">
+                <a16:creationId xmlns:a16="http://schemas.microsoft.com/office/drawing/2014/main" id="{892C4975-378C-4FF9-8631-3FD3E717BABD}"/>
+              </a:ext>
+            </a:extLst>
+          </p:cNvPr>
+          <p:cNvSpPr>
+            <a:spLocks noChangeAspect="1"/>
+          </p:cNvSpPr>
+          <p:nvPr/>
+        </p:nvSpPr>
+        <p:spPr>
+          <a:xfrm rot="3755040">
+            <a:off x="4099621" y="2603358"/>
+            <a:ext cx="71612" cy="71612"/>
+          </a:xfrm>
+          <a:prstGeom prst="triangle">
+            <a:avLst/>
+          </a:prstGeom>
+          <a:solidFill>
+            <a:srgbClr val="FF0000"/>
+          </a:solidFill>
+          <a:ln w="19050">
+            <a:solidFill>
+              <a:srgbClr val="FF0000"/>
+            </a:solidFill>
+            <a:tailEnd type="triangle"/>
+          </a:ln>
+        </p:spPr>
+        <p:style>
+          <a:lnRef idx="1">
+            <a:schemeClr val="accent1"/>
+          </a:lnRef>
+          <a:fillRef idx="0">
+            <a:schemeClr val="accent1"/>
+          </a:fillRef>
+          <a:effectRef idx="0">
+            <a:schemeClr val="accent1"/>
+          </a:effectRef>
+          <a:fontRef idx="minor">
+            <a:schemeClr val="tx1"/>
+          </a:fontRef>
+        </p:style>
+        <p:txBody>
+          <a:bodyPr rtlCol="0" anchor="ctr"/>
+          <a:lstStyle/>
+          <a:p>
+            <a:pPr algn="ctr"/>
+            <a:endParaRPr lang="zh-CN" altLang="en-US"/>
+          </a:p>
+        </p:txBody>
+      </p:sp>
+      <p:sp>
+        <p:nvSpPr>
+          <p:cNvPr id="35" name="等腰三角形 34">
+            <a:extLst>
+              <a:ext uri="{FF2B5EF4-FFF2-40B4-BE49-F238E27FC236}">
+                <a16:creationId xmlns:a16="http://schemas.microsoft.com/office/drawing/2014/main" id="{89943302-52D6-43EE-A785-0DF938B7D350}"/>
+              </a:ext>
+            </a:extLst>
+          </p:cNvPr>
+          <p:cNvSpPr>
+            <a:spLocks noChangeAspect="1"/>
+          </p:cNvSpPr>
+          <p:nvPr/>
+        </p:nvSpPr>
+        <p:spPr>
+          <a:xfrm rot="10800000">
+            <a:off x="4131900" y="2944574"/>
+            <a:ext cx="71612" cy="71612"/>
+          </a:xfrm>
+          <a:prstGeom prst="triangle">
+            <a:avLst/>
+          </a:prstGeom>
+          <a:solidFill>
+            <a:srgbClr val="FF0000"/>
+          </a:solidFill>
+          <a:ln w="19050">
+            <a:solidFill>
+              <a:srgbClr val="FF0000"/>
+            </a:solidFill>
+            <a:tailEnd type="triangle"/>
+          </a:ln>
+        </p:spPr>
+        <p:style>
+          <a:lnRef idx="1">
+            <a:schemeClr val="accent1"/>
+          </a:lnRef>
+          <a:fillRef idx="0">
+            <a:schemeClr val="accent1"/>
+          </a:fillRef>
+          <a:effectRef idx="0">
+            <a:schemeClr val="accent1"/>
+          </a:effectRef>
+          <a:fontRef idx="minor">
+            <a:schemeClr val="tx1"/>
+          </a:fontRef>
+        </p:style>
+        <p:txBody>
+          <a:bodyPr rtlCol="0" anchor="ctr"/>
+          <a:lstStyle/>
+          <a:p>
+            <a:pPr algn="ctr"/>
+            <a:endParaRPr lang="zh-CN" altLang="en-US"/>
+          </a:p>
+        </p:txBody>
+      </p:sp>
+    </p:spTree>
+    <p:extLst>
+      <p:ext uri="{BB962C8B-B14F-4D97-AF65-F5344CB8AC3E}">
+        <p14:creationId xmlns:p14="http://schemas.microsoft.com/office/powerpoint/2010/main" val="2999374424"/>
       </p:ext>
     </p:extLst>
   </p:cSld>

--- a/绘图.pptx
+++ b/绘图.pptx
@@ -14,6 +14,7 @@
     <p:sldId id="261" r:id="rId8"/>
     <p:sldId id="263" r:id="rId9"/>
     <p:sldId id="264" r:id="rId10"/>
+    <p:sldId id="265" r:id="rId11"/>
   </p:sldIdLst>
   <p:sldSz cx="9144000" cy="5143500" type="screen16x9"/>
   <p:notesSz cx="6858000" cy="9144000"/>
@@ -274,7 +275,7 @@
           <a:p>
             <a:fld id="{84F26EE9-193A-4963-9AF3-364A384F1BF7}" type="datetimeFigureOut">
               <a:rPr lang="zh-CN" altLang="en-US" smtClean="0"/>
-              <a:t>2021/10/9</a:t>
+              <a:t>2021/11/2</a:t>
             </a:fld>
             <a:endParaRPr lang="zh-CN" altLang="en-US"/>
           </a:p>
@@ -444,7 +445,7 @@
           <a:p>
             <a:fld id="{84F26EE9-193A-4963-9AF3-364A384F1BF7}" type="datetimeFigureOut">
               <a:rPr lang="zh-CN" altLang="en-US" smtClean="0"/>
-              <a:t>2021/10/9</a:t>
+              <a:t>2021/11/2</a:t>
             </a:fld>
             <a:endParaRPr lang="zh-CN" altLang="en-US"/>
           </a:p>
@@ -624,7 +625,7 @@
           <a:p>
             <a:fld id="{84F26EE9-193A-4963-9AF3-364A384F1BF7}" type="datetimeFigureOut">
               <a:rPr lang="zh-CN" altLang="en-US" smtClean="0"/>
-              <a:t>2021/10/9</a:t>
+              <a:t>2021/11/2</a:t>
             </a:fld>
             <a:endParaRPr lang="zh-CN" altLang="en-US"/>
           </a:p>
@@ -794,7 +795,7 @@
           <a:p>
             <a:fld id="{84F26EE9-193A-4963-9AF3-364A384F1BF7}" type="datetimeFigureOut">
               <a:rPr lang="zh-CN" altLang="en-US" smtClean="0"/>
-              <a:t>2021/10/9</a:t>
+              <a:t>2021/11/2</a:t>
             </a:fld>
             <a:endParaRPr lang="zh-CN" altLang="en-US"/>
           </a:p>
@@ -1040,7 +1041,7 @@
           <a:p>
             <a:fld id="{84F26EE9-193A-4963-9AF3-364A384F1BF7}" type="datetimeFigureOut">
               <a:rPr lang="zh-CN" altLang="en-US" smtClean="0"/>
-              <a:t>2021/10/9</a:t>
+              <a:t>2021/11/2</a:t>
             </a:fld>
             <a:endParaRPr lang="zh-CN" altLang="en-US"/>
           </a:p>
@@ -1272,7 +1273,7 @@
           <a:p>
             <a:fld id="{84F26EE9-193A-4963-9AF3-364A384F1BF7}" type="datetimeFigureOut">
               <a:rPr lang="zh-CN" altLang="en-US" smtClean="0"/>
-              <a:t>2021/10/9</a:t>
+              <a:t>2021/11/2</a:t>
             </a:fld>
             <a:endParaRPr lang="zh-CN" altLang="en-US"/>
           </a:p>
@@ -1639,7 +1640,7 @@
           <a:p>
             <a:fld id="{84F26EE9-193A-4963-9AF3-364A384F1BF7}" type="datetimeFigureOut">
               <a:rPr lang="zh-CN" altLang="en-US" smtClean="0"/>
-              <a:t>2021/10/9</a:t>
+              <a:t>2021/11/2</a:t>
             </a:fld>
             <a:endParaRPr lang="zh-CN" altLang="en-US"/>
           </a:p>
@@ -1757,7 +1758,7 @@
           <a:p>
             <a:fld id="{84F26EE9-193A-4963-9AF3-364A384F1BF7}" type="datetimeFigureOut">
               <a:rPr lang="zh-CN" altLang="en-US" smtClean="0"/>
-              <a:t>2021/10/9</a:t>
+              <a:t>2021/11/2</a:t>
             </a:fld>
             <a:endParaRPr lang="zh-CN" altLang="en-US"/>
           </a:p>
@@ -1852,7 +1853,7 @@
           <a:p>
             <a:fld id="{84F26EE9-193A-4963-9AF3-364A384F1BF7}" type="datetimeFigureOut">
               <a:rPr lang="zh-CN" altLang="en-US" smtClean="0"/>
-              <a:t>2021/10/9</a:t>
+              <a:t>2021/11/2</a:t>
             </a:fld>
             <a:endParaRPr lang="zh-CN" altLang="en-US"/>
           </a:p>
@@ -2129,7 +2130,7 @@
           <a:p>
             <a:fld id="{84F26EE9-193A-4963-9AF3-364A384F1BF7}" type="datetimeFigureOut">
               <a:rPr lang="zh-CN" altLang="en-US" smtClean="0"/>
-              <a:t>2021/10/9</a:t>
+              <a:t>2021/11/2</a:t>
             </a:fld>
             <a:endParaRPr lang="zh-CN" altLang="en-US"/>
           </a:p>
@@ -2386,7 +2387,7 @@
           <a:p>
             <a:fld id="{84F26EE9-193A-4963-9AF3-364A384F1BF7}" type="datetimeFigureOut">
               <a:rPr lang="zh-CN" altLang="en-US" smtClean="0"/>
-              <a:t>2021/10/9</a:t>
+              <a:t>2021/11/2</a:t>
             </a:fld>
             <a:endParaRPr lang="zh-CN" altLang="en-US"/>
           </a:p>
@@ -2599,7 +2600,7 @@
           <a:p>
             <a:fld id="{84F26EE9-193A-4963-9AF3-364A384F1BF7}" type="datetimeFigureOut">
               <a:rPr lang="zh-CN" altLang="en-US" smtClean="0"/>
-              <a:t>2021/10/9</a:t>
+              <a:t>2021/11/2</a:t>
             </a:fld>
             <a:endParaRPr lang="zh-CN" altLang="en-US"/>
           </a:p>
@@ -5555,6 +5556,3612 @@
     <p:extLst>
       <p:ext uri="{BB962C8B-B14F-4D97-AF65-F5344CB8AC3E}">
         <p14:creationId xmlns:p14="http://schemas.microsoft.com/office/powerpoint/2010/main" val="3300483926"/>
+      </p:ext>
+    </p:extLst>
+  </p:cSld>
+  <p:clrMapOvr>
+    <a:masterClrMapping/>
+  </p:clrMapOvr>
+</p:sld>
+</file>
+
+<file path=ppt/slides/slide10.xml><?xml version="1.0" encoding="utf-8"?>
+<p:sld xmlns:a="http://schemas.openxmlformats.org/drawingml/2006/main" xmlns:r="http://schemas.openxmlformats.org/officeDocument/2006/relationships" xmlns:p="http://schemas.openxmlformats.org/presentationml/2006/main">
+  <p:cSld>
+    <p:spTree>
+      <p:nvGrpSpPr>
+        <p:cNvPr id="1" name=""/>
+        <p:cNvGrpSpPr/>
+        <p:nvPr/>
+      </p:nvGrpSpPr>
+      <p:grpSpPr>
+        <a:xfrm>
+          <a:off x="0" y="0"/>
+          <a:ext cx="0" cy="0"/>
+          <a:chOff x="0" y="0"/>
+          <a:chExt cx="0" cy="0"/>
+        </a:xfrm>
+      </p:grpSpPr>
+      <p:pic>
+        <p:nvPicPr>
+          <p:cNvPr id="5" name="图片 4">
+            <a:extLst>
+              <a:ext uri="{FF2B5EF4-FFF2-40B4-BE49-F238E27FC236}">
+                <a16:creationId xmlns:a16="http://schemas.microsoft.com/office/drawing/2014/main" id="{463C54CB-19D7-4D3B-9BC7-18FC5A03336F}"/>
+              </a:ext>
+            </a:extLst>
+          </p:cNvPr>
+          <p:cNvPicPr>
+            <a:picLocks noChangeAspect="1"/>
+          </p:cNvPicPr>
+          <p:nvPr/>
+        </p:nvPicPr>
+        <p:blipFill rotWithShape="1">
+          <a:blip r:embed="rId2"/>
+          <a:srcRect l="6979" t="27583" r="1767" b="38649"/>
+          <a:stretch/>
+        </p:blipFill>
+        <p:spPr>
+          <a:xfrm>
+            <a:off x="157946" y="389458"/>
+            <a:ext cx="2675607" cy="539041"/>
+          </a:xfrm>
+          <a:prstGeom prst="rect">
+            <a:avLst/>
+          </a:prstGeom>
+        </p:spPr>
+      </p:pic>
+      <mc:AlternateContent xmlns:mc="http://schemas.openxmlformats.org/markup-compatibility/2006">
+        <mc:Choice xmlns:a14="http://schemas.microsoft.com/office/drawing/2010/main" Requires="a14">
+          <p:sp>
+            <p:nvSpPr>
+              <p:cNvPr id="6" name="文本框 5">
+                <a:extLst>
+                  <a:ext uri="{FF2B5EF4-FFF2-40B4-BE49-F238E27FC236}">
+                    <a16:creationId xmlns:a16="http://schemas.microsoft.com/office/drawing/2014/main" id="{7BCE24A2-D581-40D7-ADE0-E971628C0361}"/>
+                  </a:ext>
+                </a:extLst>
+              </p:cNvPr>
+              <p:cNvSpPr txBox="1"/>
+              <p:nvPr/>
+            </p:nvSpPr>
+            <p:spPr>
+              <a:xfrm>
+                <a:off x="4070225" y="670833"/>
+                <a:ext cx="1316899" cy="263534"/>
+              </a:xfrm>
+              <a:prstGeom prst="rect">
+                <a:avLst/>
+              </a:prstGeom>
+              <a:noFill/>
+            </p:spPr>
+            <p:txBody>
+              <a:bodyPr wrap="none" rtlCol="0">
+                <a:spAutoFit/>
+              </a:bodyPr>
+              <a:lstStyle/>
+              <a:p>
+                <a14:m>
+                  <m:oMathPara xmlns:m="http://schemas.openxmlformats.org/officeDocument/2006/math">
+                    <m:oMathParaPr>
+                      <m:jc m:val="centerGroup"/>
+                    </m:oMathParaPr>
+                    <m:oMath xmlns:m="http://schemas.openxmlformats.org/officeDocument/2006/math">
+                      <m:sSup>
+                        <m:sSupPr>
+                          <m:ctrlPr>
+                            <a:rPr lang="en-US" altLang="zh-CN" sz="1100" i="1" smtClean="0">
+                              <a:latin typeface="Cambria Math" panose="02040503050406030204" pitchFamily="18" charset="0"/>
+                            </a:rPr>
+                          </m:ctrlPr>
+                        </m:sSupPr>
+                        <m:e>
+                          <m:r>
+                            <a:rPr lang="en-US" altLang="zh-CN" sz="1100" b="1" i="0" smtClean="0">
+                              <a:latin typeface="Cambria Math" panose="02040503050406030204" pitchFamily="18" charset="0"/>
+                            </a:rPr>
+                            <m:t>𝐖</m:t>
+                          </m:r>
+                        </m:e>
+                        <m:sup>
+                          <m:r>
+                            <a:rPr lang="en-US" altLang="zh-CN" sz="1100" b="0" i="1" smtClean="0">
+                              <a:latin typeface="Cambria Math" panose="02040503050406030204" pitchFamily="18" charset="0"/>
+                            </a:rPr>
+                            <m:t>𝑡</m:t>
+                          </m:r>
+                        </m:sup>
+                      </m:sSup>
+                      <m:r>
+                        <a:rPr lang="en-US" altLang="zh-CN" sz="1100" b="0" i="0" smtClean="0">
+                          <a:latin typeface="Cambria Math" panose="02040503050406030204" pitchFamily="18" charset="0"/>
+                        </a:rPr>
+                        <m:t>=</m:t>
+                      </m:r>
+                      <m:sSubSup>
+                        <m:sSubSupPr>
+                          <m:ctrlPr>
+                            <a:rPr lang="en-US" altLang="zh-CN" sz="1100" b="0" i="1" smtClean="0">
+                              <a:latin typeface="Cambria Math" panose="02040503050406030204" pitchFamily="18" charset="0"/>
+                            </a:rPr>
+                          </m:ctrlPr>
+                        </m:sSubSupPr>
+                        <m:e>
+                          <m:r>
+                            <a:rPr lang="en-US" altLang="zh-CN" sz="1100" b="0" i="1" smtClean="0">
+                              <a:latin typeface="Cambria Math" panose="02040503050406030204" pitchFamily="18" charset="0"/>
+                            </a:rPr>
+                            <m:t>(</m:t>
+                          </m:r>
+                          <m:r>
+                            <a:rPr lang="en-US" altLang="zh-CN" sz="1100" b="0" i="1" smtClean="0">
+                              <a:latin typeface="Cambria Math" panose="02040503050406030204" pitchFamily="18" charset="0"/>
+                            </a:rPr>
+                            <m:t>𝑤</m:t>
+                          </m:r>
+                        </m:e>
+                        <m:sub>
+                          <m:r>
+                            <a:rPr lang="en-US" altLang="zh-CN" sz="1100" b="0" i="1" smtClean="0">
+                              <a:latin typeface="Cambria Math" panose="02040503050406030204" pitchFamily="18" charset="0"/>
+                            </a:rPr>
+                            <m:t>1</m:t>
+                          </m:r>
+                        </m:sub>
+                        <m:sup>
+                          <m:r>
+                            <a:rPr lang="en-US" altLang="zh-CN" sz="1100" b="0" i="1" smtClean="0">
+                              <a:latin typeface="Cambria Math" panose="02040503050406030204" pitchFamily="18" charset="0"/>
+                            </a:rPr>
+                            <m:t>𝑡</m:t>
+                          </m:r>
+                        </m:sup>
+                      </m:sSubSup>
+                      <m:r>
+                        <a:rPr lang="en-US" altLang="zh-CN" sz="1100" b="0" i="1" smtClean="0">
+                          <a:latin typeface="Cambria Math" panose="02040503050406030204" pitchFamily="18" charset="0"/>
+                        </a:rPr>
+                        <m:t>,</m:t>
+                      </m:r>
+                      <m:sSubSup>
+                        <m:sSubSupPr>
+                          <m:ctrlPr>
+                            <a:rPr lang="en-US" altLang="zh-CN" sz="1100" b="0" i="1" smtClean="0">
+                              <a:latin typeface="Cambria Math" panose="02040503050406030204" pitchFamily="18" charset="0"/>
+                            </a:rPr>
+                          </m:ctrlPr>
+                        </m:sSubSupPr>
+                        <m:e>
+                          <m:r>
+                            <a:rPr lang="en-US" altLang="zh-CN" sz="1100" b="0" i="1" smtClean="0">
+                              <a:latin typeface="Cambria Math" panose="02040503050406030204" pitchFamily="18" charset="0"/>
+                            </a:rPr>
+                            <m:t>𝑤</m:t>
+                          </m:r>
+                        </m:e>
+                        <m:sub>
+                          <m:r>
+                            <a:rPr lang="en-US" altLang="zh-CN" sz="1100" b="0" i="1" smtClean="0">
+                              <a:latin typeface="Cambria Math" panose="02040503050406030204" pitchFamily="18" charset="0"/>
+                            </a:rPr>
+                            <m:t>2</m:t>
+                          </m:r>
+                        </m:sub>
+                        <m:sup>
+                          <m:r>
+                            <a:rPr lang="en-US" altLang="zh-CN" sz="1100" b="0" i="1" smtClean="0">
+                              <a:latin typeface="Cambria Math" panose="02040503050406030204" pitchFamily="18" charset="0"/>
+                            </a:rPr>
+                            <m:t>𝑡</m:t>
+                          </m:r>
+                        </m:sup>
+                      </m:sSubSup>
+                      <m:r>
+                        <a:rPr lang="en-US" altLang="zh-CN" sz="1100" b="0" i="1" smtClean="0">
+                          <a:latin typeface="Cambria Math" panose="02040503050406030204" pitchFamily="18" charset="0"/>
+                        </a:rPr>
+                        <m:t>,</m:t>
+                      </m:r>
+                      <m:sSubSup>
+                        <m:sSubSupPr>
+                          <m:ctrlPr>
+                            <a:rPr lang="en-US" altLang="zh-CN" sz="1100" i="1">
+                              <a:latin typeface="Cambria Math" panose="02040503050406030204" pitchFamily="18" charset="0"/>
+                            </a:rPr>
+                          </m:ctrlPr>
+                        </m:sSubSupPr>
+                        <m:e>
+                          <m:r>
+                            <a:rPr lang="en-US" altLang="zh-CN" sz="1100" i="1">
+                              <a:latin typeface="Cambria Math" panose="02040503050406030204" pitchFamily="18" charset="0"/>
+                            </a:rPr>
+                            <m:t>𝑤</m:t>
+                          </m:r>
+                        </m:e>
+                        <m:sub>
+                          <m:r>
+                            <a:rPr lang="en-US" altLang="zh-CN" sz="1100" b="0" i="1" smtClean="0">
+                              <a:latin typeface="Cambria Math" panose="02040503050406030204" pitchFamily="18" charset="0"/>
+                            </a:rPr>
+                            <m:t>3</m:t>
+                          </m:r>
+                        </m:sub>
+                        <m:sup>
+                          <m:r>
+                            <a:rPr lang="en-US" altLang="zh-CN" sz="1100" i="1">
+                              <a:latin typeface="Cambria Math" panose="02040503050406030204" pitchFamily="18" charset="0"/>
+                            </a:rPr>
+                            <m:t>𝑡</m:t>
+                          </m:r>
+                        </m:sup>
+                      </m:sSubSup>
+                      <m:r>
+                        <a:rPr lang="en-US" altLang="zh-CN" sz="1100" b="0" i="1" smtClean="0">
+                          <a:latin typeface="Cambria Math" panose="02040503050406030204" pitchFamily="18" charset="0"/>
+                        </a:rPr>
+                        <m:t>)</m:t>
+                      </m:r>
+                    </m:oMath>
+                  </m:oMathPara>
+                </a14:m>
+                <a:endParaRPr lang="zh-CN" altLang="en-US" sz="1400"/>
+              </a:p>
+            </p:txBody>
+          </p:sp>
+        </mc:Choice>
+        <mc:Fallback>
+          <p:sp>
+            <p:nvSpPr>
+              <p:cNvPr id="6" name="文本框 5">
+                <a:extLst>
+                  <a:ext uri="{FF2B5EF4-FFF2-40B4-BE49-F238E27FC236}">
+                    <a16:creationId xmlns:a16="http://schemas.microsoft.com/office/drawing/2014/main" id="{7BCE24A2-D581-40D7-ADE0-E971628C0361}"/>
+                  </a:ext>
+                </a:extLst>
+              </p:cNvPr>
+              <p:cNvSpPr txBox="1">
+                <a:spLocks noRot="1" noChangeAspect="1" noMove="1" noResize="1" noEditPoints="1" noAdjustHandles="1" noChangeArrowheads="1" noChangeShapeType="1" noTextEdit="1"/>
+              </p:cNvSpPr>
+              <p:nvPr/>
+            </p:nvSpPr>
+            <p:spPr>
+              <a:xfrm>
+                <a:off x="4070225" y="670833"/>
+                <a:ext cx="1316899" cy="263534"/>
+              </a:xfrm>
+              <a:prstGeom prst="rect">
+                <a:avLst/>
+              </a:prstGeom>
+              <a:blipFill>
+                <a:blip r:embed="rId3"/>
+                <a:stretch>
+                  <a:fillRect b="-6977"/>
+                </a:stretch>
+              </a:blipFill>
+            </p:spPr>
+            <p:txBody>
+              <a:bodyPr/>
+              <a:lstStyle/>
+              <a:p>
+                <a:r>
+                  <a:rPr lang="zh-CN" altLang="en-US">
+                    <a:noFill/>
+                  </a:rPr>
+                  <a:t> </a:t>
+                </a:r>
+              </a:p>
+            </p:txBody>
+          </p:sp>
+        </mc:Fallback>
+      </mc:AlternateContent>
+      <p:sp>
+        <p:nvSpPr>
+          <p:cNvPr id="7" name="文本框 6">
+            <a:extLst>
+              <a:ext uri="{FF2B5EF4-FFF2-40B4-BE49-F238E27FC236}">
+                <a16:creationId xmlns:a16="http://schemas.microsoft.com/office/drawing/2014/main" id="{712A5A00-FE29-478D-BD37-5CAFDE86BD69}"/>
+              </a:ext>
+            </a:extLst>
+          </p:cNvPr>
+          <p:cNvSpPr txBox="1"/>
+          <p:nvPr/>
+        </p:nvSpPr>
+        <p:spPr>
+          <a:xfrm>
+            <a:off x="3688719" y="372962"/>
+            <a:ext cx="4275529" cy="261610"/>
+          </a:xfrm>
+          <a:prstGeom prst="rect">
+            <a:avLst/>
+          </a:prstGeom>
+          <a:noFill/>
+        </p:spPr>
+        <p:txBody>
+          <a:bodyPr wrap="none" rtlCol="0">
+            <a:spAutoFit/>
+          </a:bodyPr>
+          <a:lstStyle/>
+          <a:p>
+            <a:r>
+              <a:rPr lang="zh-CN" altLang="en-US" sz="1100"/>
+              <a:t>假设权重向量为三维向量，隐藏层输出也是三维向量，表示如下：</a:t>
+            </a:r>
+          </a:p>
+        </p:txBody>
+      </p:sp>
+      <mc:AlternateContent xmlns:mc="http://schemas.openxmlformats.org/markup-compatibility/2006">
+        <mc:Choice xmlns:a14="http://schemas.microsoft.com/office/drawing/2010/main" Requires="a14">
+          <p:sp>
+            <p:nvSpPr>
+              <p:cNvPr id="8" name="文本框 7">
+                <a:extLst>
+                  <a:ext uri="{FF2B5EF4-FFF2-40B4-BE49-F238E27FC236}">
+                    <a16:creationId xmlns:a16="http://schemas.microsoft.com/office/drawing/2014/main" id="{AF65A536-5ADC-4E13-88CC-BE9015D6808C}"/>
+                  </a:ext>
+                </a:extLst>
+              </p:cNvPr>
+              <p:cNvSpPr txBox="1"/>
+              <p:nvPr/>
+            </p:nvSpPr>
+            <p:spPr>
+              <a:xfrm>
+                <a:off x="5387124" y="663234"/>
+                <a:ext cx="1706301" cy="265265"/>
+              </a:xfrm>
+              <a:prstGeom prst="rect">
+                <a:avLst/>
+              </a:prstGeom>
+              <a:noFill/>
+            </p:spPr>
+            <p:txBody>
+              <a:bodyPr wrap="none" rtlCol="0">
+                <a:spAutoFit/>
+              </a:bodyPr>
+              <a:lstStyle/>
+              <a:p>
+                <a14:m>
+                  <m:oMathPara xmlns:m="http://schemas.openxmlformats.org/officeDocument/2006/math">
+                    <m:oMathParaPr>
+                      <m:jc m:val="centerGroup"/>
+                    </m:oMathParaPr>
+                    <m:oMath xmlns:m="http://schemas.openxmlformats.org/officeDocument/2006/math">
+                      <m:sSup>
+                        <m:sSupPr>
+                          <m:ctrlPr>
+                            <a:rPr lang="en-US" altLang="zh-CN" sz="1100" i="1" smtClean="0">
+                              <a:latin typeface="Cambria Math" panose="02040503050406030204" pitchFamily="18" charset="0"/>
+                            </a:rPr>
+                          </m:ctrlPr>
+                        </m:sSupPr>
+                        <m:e>
+                          <m:r>
+                            <a:rPr lang="en-US" altLang="zh-CN" sz="1100" b="1" i="0" smtClean="0">
+                              <a:latin typeface="Cambria Math" panose="02040503050406030204" pitchFamily="18" charset="0"/>
+                            </a:rPr>
+                            <m:t>𝐡</m:t>
+                          </m:r>
+                        </m:e>
+                        <m:sup>
+                          <m:r>
+                            <a:rPr lang="en-US" altLang="zh-CN" sz="1100" b="0" i="1" smtClean="0">
+                              <a:latin typeface="Cambria Math" panose="02040503050406030204" pitchFamily="18" charset="0"/>
+                            </a:rPr>
+                            <m:t>𝑡</m:t>
+                          </m:r>
+                          <m:r>
+                            <a:rPr lang="en-US" altLang="zh-CN" sz="1100" b="0" i="1" smtClean="0">
+                              <a:latin typeface="Cambria Math" panose="02040503050406030204" pitchFamily="18" charset="0"/>
+                            </a:rPr>
+                            <m:t>−1</m:t>
+                          </m:r>
+                        </m:sup>
+                      </m:sSup>
+                      <m:r>
+                        <a:rPr lang="en-US" altLang="zh-CN" sz="1100" b="0" i="0" smtClean="0">
+                          <a:latin typeface="Cambria Math" panose="02040503050406030204" pitchFamily="18" charset="0"/>
+                        </a:rPr>
+                        <m:t>=</m:t>
+                      </m:r>
+                      <m:sSubSup>
+                        <m:sSubSupPr>
+                          <m:ctrlPr>
+                            <a:rPr lang="en-US" altLang="zh-CN" sz="1100" b="0" i="1" smtClean="0">
+                              <a:latin typeface="Cambria Math" panose="02040503050406030204" pitchFamily="18" charset="0"/>
+                            </a:rPr>
+                          </m:ctrlPr>
+                        </m:sSubSupPr>
+                        <m:e>
+                          <m:r>
+                            <a:rPr lang="en-US" altLang="zh-CN" sz="1100" b="0" i="1" smtClean="0">
+                              <a:latin typeface="Cambria Math" panose="02040503050406030204" pitchFamily="18" charset="0"/>
+                            </a:rPr>
+                            <m:t>(</m:t>
+                          </m:r>
+                          <m:r>
+                            <a:rPr lang="en-US" altLang="zh-CN" sz="1100" b="0" i="1" smtClean="0">
+                              <a:latin typeface="Cambria Math" panose="02040503050406030204" pitchFamily="18" charset="0"/>
+                            </a:rPr>
+                            <m:t>h</m:t>
+                          </m:r>
+                        </m:e>
+                        <m:sub>
+                          <m:r>
+                            <a:rPr lang="en-US" altLang="zh-CN" sz="1100" b="0" i="1" smtClean="0">
+                              <a:latin typeface="Cambria Math" panose="02040503050406030204" pitchFamily="18" charset="0"/>
+                            </a:rPr>
+                            <m:t>1</m:t>
+                          </m:r>
+                        </m:sub>
+                        <m:sup>
+                          <m:r>
+                            <a:rPr lang="en-US" altLang="zh-CN" sz="1100" b="0" i="1" smtClean="0">
+                              <a:latin typeface="Cambria Math" panose="02040503050406030204" pitchFamily="18" charset="0"/>
+                            </a:rPr>
+                            <m:t>𝑡</m:t>
+                          </m:r>
+                          <m:r>
+                            <a:rPr lang="en-US" altLang="zh-CN" sz="1100" b="0" i="1" smtClean="0">
+                              <a:latin typeface="Cambria Math" panose="02040503050406030204" pitchFamily="18" charset="0"/>
+                            </a:rPr>
+                            <m:t>−1</m:t>
+                          </m:r>
+                        </m:sup>
+                      </m:sSubSup>
+                      <m:r>
+                        <a:rPr lang="en-US" altLang="zh-CN" sz="1100" b="0" i="1" smtClean="0">
+                          <a:latin typeface="Cambria Math" panose="02040503050406030204" pitchFamily="18" charset="0"/>
+                        </a:rPr>
+                        <m:t>,</m:t>
+                      </m:r>
+                      <m:sSubSup>
+                        <m:sSubSupPr>
+                          <m:ctrlPr>
+                            <a:rPr lang="en-US" altLang="zh-CN" sz="1100" b="0" i="1" smtClean="0">
+                              <a:latin typeface="Cambria Math" panose="02040503050406030204" pitchFamily="18" charset="0"/>
+                            </a:rPr>
+                          </m:ctrlPr>
+                        </m:sSubSupPr>
+                        <m:e>
+                          <m:r>
+                            <a:rPr lang="en-US" altLang="zh-CN" sz="1100" b="0" i="1" smtClean="0">
+                              <a:latin typeface="Cambria Math" panose="02040503050406030204" pitchFamily="18" charset="0"/>
+                            </a:rPr>
+                            <m:t>h</m:t>
+                          </m:r>
+                        </m:e>
+                        <m:sub>
+                          <m:r>
+                            <a:rPr lang="en-US" altLang="zh-CN" sz="1100" b="0" i="1" smtClean="0">
+                              <a:latin typeface="Cambria Math" panose="02040503050406030204" pitchFamily="18" charset="0"/>
+                            </a:rPr>
+                            <m:t>2</m:t>
+                          </m:r>
+                        </m:sub>
+                        <m:sup>
+                          <m:r>
+                            <a:rPr lang="en-US" altLang="zh-CN" sz="1100" b="0" i="1" smtClean="0">
+                              <a:latin typeface="Cambria Math" panose="02040503050406030204" pitchFamily="18" charset="0"/>
+                            </a:rPr>
+                            <m:t>𝑡</m:t>
+                          </m:r>
+                          <m:r>
+                            <a:rPr lang="en-US" altLang="zh-CN" sz="1100" b="0" i="1" smtClean="0">
+                              <a:latin typeface="Cambria Math" panose="02040503050406030204" pitchFamily="18" charset="0"/>
+                            </a:rPr>
+                            <m:t>−1</m:t>
+                          </m:r>
+                        </m:sup>
+                      </m:sSubSup>
+                      <m:r>
+                        <a:rPr lang="en-US" altLang="zh-CN" sz="1100" b="0" i="1" smtClean="0">
+                          <a:latin typeface="Cambria Math" panose="02040503050406030204" pitchFamily="18" charset="0"/>
+                        </a:rPr>
+                        <m:t>,</m:t>
+                      </m:r>
+                      <m:sSubSup>
+                        <m:sSubSupPr>
+                          <m:ctrlPr>
+                            <a:rPr lang="en-US" altLang="zh-CN" sz="1100" i="1">
+                              <a:latin typeface="Cambria Math" panose="02040503050406030204" pitchFamily="18" charset="0"/>
+                            </a:rPr>
+                          </m:ctrlPr>
+                        </m:sSubSupPr>
+                        <m:e>
+                          <m:r>
+                            <a:rPr lang="en-US" altLang="zh-CN" sz="1100" b="0" i="1" smtClean="0">
+                              <a:latin typeface="Cambria Math" panose="02040503050406030204" pitchFamily="18" charset="0"/>
+                            </a:rPr>
+                            <m:t>h</m:t>
+                          </m:r>
+                        </m:e>
+                        <m:sub>
+                          <m:r>
+                            <a:rPr lang="en-US" altLang="zh-CN" sz="1100" b="0" i="1" smtClean="0">
+                              <a:latin typeface="Cambria Math" panose="02040503050406030204" pitchFamily="18" charset="0"/>
+                            </a:rPr>
+                            <m:t>3</m:t>
+                          </m:r>
+                        </m:sub>
+                        <m:sup>
+                          <m:r>
+                            <a:rPr lang="en-US" altLang="zh-CN" sz="1100" i="1">
+                              <a:latin typeface="Cambria Math" panose="02040503050406030204" pitchFamily="18" charset="0"/>
+                            </a:rPr>
+                            <m:t>𝑡</m:t>
+                          </m:r>
+                          <m:r>
+                            <a:rPr lang="en-US" altLang="zh-CN" sz="1100" b="0" i="1" smtClean="0">
+                              <a:latin typeface="Cambria Math" panose="02040503050406030204" pitchFamily="18" charset="0"/>
+                            </a:rPr>
+                            <m:t>−1</m:t>
+                          </m:r>
+                        </m:sup>
+                      </m:sSubSup>
+                      <m:r>
+                        <a:rPr lang="en-US" altLang="zh-CN" sz="1100" b="0" i="1" smtClean="0">
+                          <a:latin typeface="Cambria Math" panose="02040503050406030204" pitchFamily="18" charset="0"/>
+                        </a:rPr>
+                        <m:t>)</m:t>
+                      </m:r>
+                    </m:oMath>
+                  </m:oMathPara>
+                </a14:m>
+                <a:endParaRPr lang="zh-CN" altLang="en-US" sz="1400"/>
+              </a:p>
+            </p:txBody>
+          </p:sp>
+        </mc:Choice>
+        <mc:Fallback>
+          <p:sp>
+            <p:nvSpPr>
+              <p:cNvPr id="8" name="文本框 7">
+                <a:extLst>
+                  <a:ext uri="{FF2B5EF4-FFF2-40B4-BE49-F238E27FC236}">
+                    <a16:creationId xmlns:a16="http://schemas.microsoft.com/office/drawing/2014/main" id="{AF65A536-5ADC-4E13-88CC-BE9015D6808C}"/>
+                  </a:ext>
+                </a:extLst>
+              </p:cNvPr>
+              <p:cNvSpPr txBox="1">
+                <a:spLocks noRot="1" noChangeAspect="1" noMove="1" noResize="1" noEditPoints="1" noAdjustHandles="1" noChangeArrowheads="1" noChangeShapeType="1" noTextEdit="1"/>
+              </p:cNvSpPr>
+              <p:nvPr/>
+            </p:nvSpPr>
+            <p:spPr>
+              <a:xfrm>
+                <a:off x="5387124" y="663234"/>
+                <a:ext cx="1706301" cy="265265"/>
+              </a:xfrm>
+              <a:prstGeom prst="rect">
+                <a:avLst/>
+              </a:prstGeom>
+              <a:blipFill>
+                <a:blip r:embed="rId4"/>
+                <a:stretch>
+                  <a:fillRect b="-4651"/>
+                </a:stretch>
+              </a:blipFill>
+            </p:spPr>
+            <p:txBody>
+              <a:bodyPr/>
+              <a:lstStyle/>
+              <a:p>
+                <a:r>
+                  <a:rPr lang="zh-CN" altLang="en-US">
+                    <a:noFill/>
+                  </a:rPr>
+                  <a:t> </a:t>
+                </a:r>
+              </a:p>
+            </p:txBody>
+          </p:sp>
+        </mc:Fallback>
+      </mc:AlternateContent>
+      <p:sp>
+        <p:nvSpPr>
+          <p:cNvPr id="9" name="文本框 8">
+            <a:extLst>
+              <a:ext uri="{FF2B5EF4-FFF2-40B4-BE49-F238E27FC236}">
+                <a16:creationId xmlns:a16="http://schemas.microsoft.com/office/drawing/2014/main" id="{01FCB3B1-3369-449C-8B21-1476F81D76DA}"/>
+              </a:ext>
+            </a:extLst>
+          </p:cNvPr>
+          <p:cNvSpPr txBox="1"/>
+          <p:nvPr/>
+        </p:nvSpPr>
+        <p:spPr>
+          <a:xfrm>
+            <a:off x="3688719" y="949679"/>
+            <a:ext cx="2159566" cy="261610"/>
+          </a:xfrm>
+          <a:prstGeom prst="rect">
+            <a:avLst/>
+          </a:prstGeom>
+          <a:noFill/>
+        </p:spPr>
+        <p:txBody>
+          <a:bodyPr wrap="none" rtlCol="0">
+            <a:spAutoFit/>
+          </a:bodyPr>
+          <a:lstStyle/>
+          <a:p>
+            <a:r>
+              <a:rPr lang="zh-CN" altLang="en-US" sz="1100"/>
+              <a:t>则上述计算过程可以展开如下：</a:t>
+            </a:r>
+          </a:p>
+        </p:txBody>
+      </p:sp>
+      <mc:AlternateContent xmlns:mc="http://schemas.openxmlformats.org/markup-compatibility/2006">
+        <mc:Choice xmlns:a14="http://schemas.microsoft.com/office/drawing/2010/main" Requires="a14">
+          <p:sp>
+            <p:nvSpPr>
+              <p:cNvPr id="10" name="文本框 9">
+                <a:extLst>
+                  <a:ext uri="{FF2B5EF4-FFF2-40B4-BE49-F238E27FC236}">
+                    <a16:creationId xmlns:a16="http://schemas.microsoft.com/office/drawing/2014/main" id="{28EECA84-36E1-4E79-B715-B7E770FA121C}"/>
+                  </a:ext>
+                </a:extLst>
+              </p:cNvPr>
+              <p:cNvSpPr txBox="1"/>
+              <p:nvPr/>
+            </p:nvSpPr>
+            <p:spPr>
+              <a:xfrm>
+                <a:off x="3299281" y="1222028"/>
+                <a:ext cx="5785430" cy="1310295"/>
+              </a:xfrm>
+              <a:prstGeom prst="rect">
+                <a:avLst/>
+              </a:prstGeom>
+              <a:noFill/>
+            </p:spPr>
+            <p:txBody>
+              <a:bodyPr wrap="none" rtlCol="0">
+                <a:spAutoFit/>
+              </a:bodyPr>
+              <a:lstStyle/>
+              <a:p>
+                <a14:m>
+                  <m:oMath xmlns:m="http://schemas.openxmlformats.org/officeDocument/2006/math">
+                    <m:f>
+                      <m:fPr>
+                        <m:ctrlPr>
+                          <a:rPr lang="en-US" altLang="zh-CN" sz="1400" i="1" smtClean="0">
+                            <a:latin typeface="Cambria Math" panose="02040503050406030204" pitchFamily="18" charset="0"/>
+                          </a:rPr>
+                        </m:ctrlPr>
+                      </m:fPr>
+                      <m:num>
+                        <m:r>
+                          <a:rPr lang="zh-CN" altLang="en-US" sz="1400" i="1" smtClean="0">
+                            <a:latin typeface="Cambria Math" panose="02040503050406030204" pitchFamily="18" charset="0"/>
+                          </a:rPr>
+                          <m:t>𝜕</m:t>
+                        </m:r>
+                        <m:sSup>
+                          <m:sSupPr>
+                            <m:ctrlPr>
+                              <a:rPr lang="en-US" altLang="zh-CN" sz="1400" i="1">
+                                <a:latin typeface="Cambria Math" panose="02040503050406030204" pitchFamily="18" charset="0"/>
+                              </a:rPr>
+                            </m:ctrlPr>
+                          </m:sSupPr>
+                          <m:e>
+                            <m:r>
+                              <a:rPr lang="en-US" altLang="zh-CN" sz="1400" b="1">
+                                <a:latin typeface="Cambria Math" panose="02040503050406030204" pitchFamily="18" charset="0"/>
+                              </a:rPr>
+                              <m:t>𝐡</m:t>
+                            </m:r>
+                          </m:e>
+                          <m:sup>
+                            <m:r>
+                              <a:rPr lang="en-US" altLang="zh-CN" sz="1400" i="1">
+                                <a:latin typeface="Cambria Math" panose="02040503050406030204" pitchFamily="18" charset="0"/>
+                              </a:rPr>
+                              <m:t>𝑡</m:t>
+                            </m:r>
+                          </m:sup>
+                        </m:sSup>
+                      </m:num>
+                      <m:den>
+                        <m:r>
+                          <a:rPr lang="zh-CN" altLang="en-US" sz="1400" i="1">
+                            <a:latin typeface="Cambria Math" panose="02040503050406030204" pitchFamily="18" charset="0"/>
+                          </a:rPr>
+                          <m:t>𝜕</m:t>
+                        </m:r>
+                        <m:sSup>
+                          <m:sSupPr>
+                            <m:ctrlPr>
+                              <a:rPr lang="en-US" altLang="zh-CN" sz="1400" i="1">
+                                <a:latin typeface="Cambria Math" panose="02040503050406030204" pitchFamily="18" charset="0"/>
+                              </a:rPr>
+                            </m:ctrlPr>
+                          </m:sSupPr>
+                          <m:e>
+                            <m:r>
+                              <a:rPr lang="en-US" altLang="zh-CN" sz="1400" b="1">
+                                <a:latin typeface="Cambria Math" panose="02040503050406030204" pitchFamily="18" charset="0"/>
+                              </a:rPr>
+                              <m:t>𝐡</m:t>
+                            </m:r>
+                          </m:e>
+                          <m:sup>
+                            <m:r>
+                              <a:rPr lang="en-US" altLang="zh-CN" sz="1400" i="1">
+                                <a:latin typeface="Cambria Math" panose="02040503050406030204" pitchFamily="18" charset="0"/>
+                              </a:rPr>
+                              <m:t>𝑡</m:t>
+                            </m:r>
+                            <m:r>
+                              <a:rPr lang="en-US" altLang="zh-CN" sz="1400" i="1">
+                                <a:latin typeface="Cambria Math" panose="02040503050406030204" pitchFamily="18" charset="0"/>
+                              </a:rPr>
+                              <m:t>-</m:t>
+                            </m:r>
+                            <m:r>
+                              <a:rPr lang="en-US" altLang="zh-CN" sz="1400" b="0" i="1" smtClean="0">
+                                <a:latin typeface="Cambria Math" panose="02040503050406030204" pitchFamily="18" charset="0"/>
+                              </a:rPr>
+                              <m:t>1</m:t>
+                            </m:r>
+                          </m:sup>
+                        </m:sSup>
+                      </m:den>
+                    </m:f>
+                    <m:r>
+                      <a:rPr lang="en-US" altLang="zh-CN" sz="1400" i="1">
+                        <a:latin typeface="Cambria Math" panose="02040503050406030204" pitchFamily="18" charset="0"/>
+                      </a:rPr>
+                      <m:t>=</m:t>
+                    </m:r>
+                  </m:oMath>
+                </a14:m>
+                <a:r>
+                  <a:rPr lang="en-US" altLang="zh-CN" sz="1400"/>
+                  <a:t>[ </a:t>
+                </a:r>
+                <a14:m>
+                  <m:oMath xmlns:m="http://schemas.openxmlformats.org/officeDocument/2006/math">
+                    <m:f>
+                      <m:fPr>
+                        <m:ctrlPr>
+                          <a:rPr lang="en-US" altLang="zh-CN" sz="1400" i="1" smtClean="0">
+                            <a:latin typeface="Cambria Math" panose="02040503050406030204" pitchFamily="18" charset="0"/>
+                          </a:rPr>
+                        </m:ctrlPr>
+                      </m:fPr>
+                      <m:num>
+                        <m:r>
+                          <a:rPr lang="zh-CN" altLang="en-US" sz="1400" i="1">
+                            <a:latin typeface="Cambria Math" panose="02040503050406030204" pitchFamily="18" charset="0"/>
+                          </a:rPr>
+                          <m:t>𝜕</m:t>
+                        </m:r>
+                        <m:r>
+                          <a:rPr lang="en-US" altLang="zh-CN" sz="1400" b="0" i="1" smtClean="0">
+                            <a:latin typeface="Cambria Math" panose="02040503050406030204" pitchFamily="18" charset="0"/>
+                          </a:rPr>
+                          <m:t>(</m:t>
+                        </m:r>
+                        <m:sSubSup>
+                          <m:sSubSupPr>
+                            <m:ctrlPr>
+                              <a:rPr lang="en-US" altLang="zh-CN" sz="1400" i="1">
+                                <a:latin typeface="Cambria Math" panose="02040503050406030204" pitchFamily="18" charset="0"/>
+                              </a:rPr>
+                            </m:ctrlPr>
+                          </m:sSubSupPr>
+                          <m:e>
+                            <m:r>
+                              <a:rPr lang="en-US" altLang="zh-CN" sz="1400" i="1">
+                                <a:latin typeface="Cambria Math" panose="02040503050406030204" pitchFamily="18" charset="0"/>
+                              </a:rPr>
+                              <m:t>h</m:t>
+                            </m:r>
+                          </m:e>
+                          <m:sub>
+                            <m:r>
+                              <a:rPr lang="en-US" altLang="zh-CN" sz="1400" b="0" i="1" smtClean="0">
+                                <a:latin typeface="Cambria Math" panose="02040503050406030204" pitchFamily="18" charset="0"/>
+                              </a:rPr>
+                              <m:t>1</m:t>
+                            </m:r>
+                          </m:sub>
+                          <m:sup>
+                            <m:r>
+                              <a:rPr lang="en-US" altLang="zh-CN" sz="1400" i="1">
+                                <a:latin typeface="Cambria Math" panose="02040503050406030204" pitchFamily="18" charset="0"/>
+                              </a:rPr>
+                              <m:t>𝑡</m:t>
+                            </m:r>
+                          </m:sup>
+                        </m:sSubSup>
+                        <m:r>
+                          <a:rPr lang="en-US" altLang="zh-CN" sz="1400" b="0" i="1" smtClean="0">
+                            <a:latin typeface="Cambria Math" panose="02040503050406030204" pitchFamily="18" charset="0"/>
+                          </a:rPr>
+                          <m:t>)</m:t>
+                        </m:r>
+                      </m:num>
+                      <m:den>
+                        <m:r>
+                          <a:rPr lang="zh-CN" altLang="en-US" sz="1400" i="1">
+                            <a:latin typeface="Cambria Math" panose="02040503050406030204" pitchFamily="18" charset="0"/>
+                          </a:rPr>
+                          <m:t>𝜕</m:t>
+                        </m:r>
+                        <m:sSup>
+                          <m:sSupPr>
+                            <m:ctrlPr>
+                              <a:rPr lang="en-US" altLang="zh-CN" sz="1400" i="1">
+                                <a:latin typeface="Cambria Math" panose="02040503050406030204" pitchFamily="18" charset="0"/>
+                              </a:rPr>
+                            </m:ctrlPr>
+                          </m:sSupPr>
+                          <m:e>
+                            <m:r>
+                              <a:rPr lang="en-US" altLang="zh-CN" sz="1400" b="1">
+                                <a:latin typeface="Cambria Math" panose="02040503050406030204" pitchFamily="18" charset="0"/>
+                              </a:rPr>
+                              <m:t>𝐡</m:t>
+                            </m:r>
+                          </m:e>
+                          <m:sup>
+                            <m:r>
+                              <a:rPr lang="en-US" altLang="zh-CN" sz="1400" i="1">
+                                <a:latin typeface="Cambria Math" panose="02040503050406030204" pitchFamily="18" charset="0"/>
+                              </a:rPr>
+                              <m:t>𝑡</m:t>
+                            </m:r>
+                            <m:r>
+                              <a:rPr lang="en-US" altLang="zh-CN" sz="1400" i="1">
+                                <a:latin typeface="Cambria Math" panose="02040503050406030204" pitchFamily="18" charset="0"/>
+                              </a:rPr>
+                              <m:t>−1</m:t>
+                            </m:r>
+                          </m:sup>
+                        </m:sSup>
+                      </m:den>
+                    </m:f>
+                    <m:r>
+                      <a:rPr lang="en-US" altLang="zh-CN" sz="1400" b="0" i="1" smtClean="0">
+                        <a:latin typeface="Cambria Math" panose="02040503050406030204" pitchFamily="18" charset="0"/>
+                      </a:rPr>
+                      <m:t>,</m:t>
+                    </m:r>
+                    <m:f>
+                      <m:fPr>
+                        <m:ctrlPr>
+                          <a:rPr lang="en-US" altLang="zh-CN" sz="1400" i="1">
+                            <a:latin typeface="Cambria Math" panose="02040503050406030204" pitchFamily="18" charset="0"/>
+                          </a:rPr>
+                        </m:ctrlPr>
+                      </m:fPr>
+                      <m:num>
+                        <m:r>
+                          <a:rPr lang="zh-CN" altLang="en-US" sz="1400" i="1">
+                            <a:latin typeface="Cambria Math" panose="02040503050406030204" pitchFamily="18" charset="0"/>
+                          </a:rPr>
+                          <m:t>𝜕</m:t>
+                        </m:r>
+                        <m:r>
+                          <a:rPr lang="en-US" altLang="zh-CN" sz="1400" i="1">
+                            <a:latin typeface="Cambria Math" panose="02040503050406030204" pitchFamily="18" charset="0"/>
+                          </a:rPr>
+                          <m:t>(</m:t>
+                        </m:r>
+                        <m:sSubSup>
+                          <m:sSubSupPr>
+                            <m:ctrlPr>
+                              <a:rPr lang="en-US" altLang="zh-CN" sz="1400" i="1">
+                                <a:latin typeface="Cambria Math" panose="02040503050406030204" pitchFamily="18" charset="0"/>
+                              </a:rPr>
+                            </m:ctrlPr>
+                          </m:sSubSupPr>
+                          <m:e>
+                            <m:r>
+                              <a:rPr lang="en-US" altLang="zh-CN" sz="1400" i="1">
+                                <a:latin typeface="Cambria Math" panose="02040503050406030204" pitchFamily="18" charset="0"/>
+                              </a:rPr>
+                              <m:t>h</m:t>
+                            </m:r>
+                          </m:e>
+                          <m:sub>
+                            <m:r>
+                              <a:rPr lang="en-US" altLang="zh-CN" sz="1400" b="0" i="1" smtClean="0">
+                                <a:latin typeface="Cambria Math" panose="02040503050406030204" pitchFamily="18" charset="0"/>
+                              </a:rPr>
+                              <m:t>2</m:t>
+                            </m:r>
+                          </m:sub>
+                          <m:sup>
+                            <m:r>
+                              <a:rPr lang="en-US" altLang="zh-CN" sz="1400" i="1">
+                                <a:latin typeface="Cambria Math" panose="02040503050406030204" pitchFamily="18" charset="0"/>
+                              </a:rPr>
+                              <m:t>𝑡</m:t>
+                            </m:r>
+                          </m:sup>
+                        </m:sSubSup>
+                        <m:r>
+                          <a:rPr lang="en-US" altLang="zh-CN" sz="1400" i="1">
+                            <a:latin typeface="Cambria Math" panose="02040503050406030204" pitchFamily="18" charset="0"/>
+                          </a:rPr>
+                          <m:t>)</m:t>
+                        </m:r>
+                      </m:num>
+                      <m:den>
+                        <m:r>
+                          <a:rPr lang="zh-CN" altLang="en-US" sz="1400" i="1">
+                            <a:latin typeface="Cambria Math" panose="02040503050406030204" pitchFamily="18" charset="0"/>
+                          </a:rPr>
+                          <m:t>𝜕</m:t>
+                        </m:r>
+                        <m:sSup>
+                          <m:sSupPr>
+                            <m:ctrlPr>
+                              <a:rPr lang="en-US" altLang="zh-CN" sz="1400" i="1">
+                                <a:latin typeface="Cambria Math" panose="02040503050406030204" pitchFamily="18" charset="0"/>
+                              </a:rPr>
+                            </m:ctrlPr>
+                          </m:sSupPr>
+                          <m:e>
+                            <m:r>
+                              <a:rPr lang="en-US" altLang="zh-CN" sz="1400" b="1">
+                                <a:latin typeface="Cambria Math" panose="02040503050406030204" pitchFamily="18" charset="0"/>
+                              </a:rPr>
+                              <m:t>𝐡</m:t>
+                            </m:r>
+                          </m:e>
+                          <m:sup>
+                            <m:r>
+                              <a:rPr lang="en-US" altLang="zh-CN" sz="1400" i="1">
+                                <a:latin typeface="Cambria Math" panose="02040503050406030204" pitchFamily="18" charset="0"/>
+                              </a:rPr>
+                              <m:t>𝑡</m:t>
+                            </m:r>
+                            <m:r>
+                              <a:rPr lang="en-US" altLang="zh-CN" sz="1400" i="1">
+                                <a:latin typeface="Cambria Math" panose="02040503050406030204" pitchFamily="18" charset="0"/>
+                              </a:rPr>
+                              <m:t>−1</m:t>
+                            </m:r>
+                          </m:sup>
+                        </m:sSup>
+                      </m:den>
+                    </m:f>
+                    <m:r>
+                      <a:rPr lang="en-US" altLang="zh-CN" sz="1400" b="0" i="0" smtClean="0">
+                        <a:latin typeface="Cambria Math" panose="02040503050406030204" pitchFamily="18" charset="0"/>
+                      </a:rPr>
+                      <m:t>,</m:t>
+                    </m:r>
+                    <m:f>
+                      <m:fPr>
+                        <m:ctrlPr>
+                          <a:rPr lang="en-US" altLang="zh-CN" sz="1400" i="1">
+                            <a:latin typeface="Cambria Math" panose="02040503050406030204" pitchFamily="18" charset="0"/>
+                          </a:rPr>
+                        </m:ctrlPr>
+                      </m:fPr>
+                      <m:num>
+                        <m:r>
+                          <a:rPr lang="zh-CN" altLang="en-US" sz="1400" i="1">
+                            <a:latin typeface="Cambria Math" panose="02040503050406030204" pitchFamily="18" charset="0"/>
+                          </a:rPr>
+                          <m:t>𝜕</m:t>
+                        </m:r>
+                        <m:r>
+                          <a:rPr lang="en-US" altLang="zh-CN" sz="1400" i="1">
+                            <a:latin typeface="Cambria Math" panose="02040503050406030204" pitchFamily="18" charset="0"/>
+                          </a:rPr>
+                          <m:t>(</m:t>
+                        </m:r>
+                        <m:sSubSup>
+                          <m:sSubSupPr>
+                            <m:ctrlPr>
+                              <a:rPr lang="en-US" altLang="zh-CN" sz="1400" i="1">
+                                <a:latin typeface="Cambria Math" panose="02040503050406030204" pitchFamily="18" charset="0"/>
+                              </a:rPr>
+                            </m:ctrlPr>
+                          </m:sSubSupPr>
+                          <m:e>
+                            <m:r>
+                              <a:rPr lang="en-US" altLang="zh-CN" sz="1400" i="1">
+                                <a:latin typeface="Cambria Math" panose="02040503050406030204" pitchFamily="18" charset="0"/>
+                              </a:rPr>
+                              <m:t>h</m:t>
+                            </m:r>
+                          </m:e>
+                          <m:sub>
+                            <m:r>
+                              <a:rPr lang="en-US" altLang="zh-CN" sz="1400" b="0" i="1" smtClean="0">
+                                <a:latin typeface="Cambria Math" panose="02040503050406030204" pitchFamily="18" charset="0"/>
+                              </a:rPr>
+                              <m:t>3</m:t>
+                            </m:r>
+                          </m:sub>
+                          <m:sup>
+                            <m:r>
+                              <a:rPr lang="en-US" altLang="zh-CN" sz="1400" i="1">
+                                <a:latin typeface="Cambria Math" panose="02040503050406030204" pitchFamily="18" charset="0"/>
+                              </a:rPr>
+                              <m:t>𝑡</m:t>
+                            </m:r>
+                          </m:sup>
+                        </m:sSubSup>
+                        <m:r>
+                          <a:rPr lang="en-US" altLang="zh-CN" sz="1400" i="1">
+                            <a:latin typeface="Cambria Math" panose="02040503050406030204" pitchFamily="18" charset="0"/>
+                          </a:rPr>
+                          <m:t>)</m:t>
+                        </m:r>
+                      </m:num>
+                      <m:den>
+                        <m:r>
+                          <a:rPr lang="zh-CN" altLang="en-US" sz="1400" i="1">
+                            <a:latin typeface="Cambria Math" panose="02040503050406030204" pitchFamily="18" charset="0"/>
+                          </a:rPr>
+                          <m:t>𝜕</m:t>
+                        </m:r>
+                        <m:sSup>
+                          <m:sSupPr>
+                            <m:ctrlPr>
+                              <a:rPr lang="en-US" altLang="zh-CN" sz="1400" i="1">
+                                <a:latin typeface="Cambria Math" panose="02040503050406030204" pitchFamily="18" charset="0"/>
+                              </a:rPr>
+                            </m:ctrlPr>
+                          </m:sSupPr>
+                          <m:e>
+                            <m:r>
+                              <a:rPr lang="en-US" altLang="zh-CN" sz="1400" b="1">
+                                <a:latin typeface="Cambria Math" panose="02040503050406030204" pitchFamily="18" charset="0"/>
+                              </a:rPr>
+                              <m:t>𝐡</m:t>
+                            </m:r>
+                          </m:e>
+                          <m:sup>
+                            <m:r>
+                              <a:rPr lang="en-US" altLang="zh-CN" sz="1400" i="1">
+                                <a:latin typeface="Cambria Math" panose="02040503050406030204" pitchFamily="18" charset="0"/>
+                              </a:rPr>
+                              <m:t>𝑡</m:t>
+                            </m:r>
+                            <m:r>
+                              <a:rPr lang="en-US" altLang="zh-CN" sz="1400" i="1">
+                                <a:latin typeface="Cambria Math" panose="02040503050406030204" pitchFamily="18" charset="0"/>
+                              </a:rPr>
+                              <m:t>−1</m:t>
+                            </m:r>
+                          </m:sup>
+                        </m:sSup>
+                      </m:den>
+                    </m:f>
+                    <m:r>
+                      <a:rPr lang="en-US" altLang="zh-CN" sz="1400" b="0" i="0" smtClean="0">
+                        <a:latin typeface="Cambria Math" panose="02040503050406030204" pitchFamily="18" charset="0"/>
+                      </a:rPr>
+                      <m:t>]=</m:t>
+                    </m:r>
+                    <m:d>
+                      <m:dPr>
+                        <m:begChr m:val="["/>
+                        <m:endChr m:val="]"/>
+                        <m:ctrlPr>
+                          <a:rPr lang="en-US" altLang="zh-CN" sz="1400" b="0" i="1" smtClean="0">
+                            <a:latin typeface="Cambria Math" panose="02040503050406030204" pitchFamily="18" charset="0"/>
+                          </a:rPr>
+                        </m:ctrlPr>
+                      </m:dPr>
+                      <m:e>
+                        <m:m>
+                          <m:mPr>
+                            <m:mcs>
+                              <m:mc>
+                                <m:mcPr>
+                                  <m:count m:val="3"/>
+                                  <m:mcJc m:val="center"/>
+                                </m:mcPr>
+                              </m:mc>
+                            </m:mcs>
+                            <m:ctrlPr>
+                              <a:rPr lang="en-US" altLang="zh-CN" sz="1400" b="0" i="1" smtClean="0">
+                                <a:latin typeface="Cambria Math" panose="02040503050406030204" pitchFamily="18" charset="0"/>
+                              </a:rPr>
+                            </m:ctrlPr>
+                          </m:mPr>
+                          <m:mr>
+                            <m:e>
+                              <m:f>
+                                <m:fPr>
+                                  <m:ctrlPr>
+                                    <a:rPr lang="en-US" altLang="zh-CN" sz="1400" i="1">
+                                      <a:latin typeface="Cambria Math" panose="02040503050406030204" pitchFamily="18" charset="0"/>
+                                    </a:rPr>
+                                  </m:ctrlPr>
+                                </m:fPr>
+                                <m:num>
+                                  <m:r>
+                                    <a:rPr lang="zh-CN" altLang="en-US" sz="1400" i="1">
+                                      <a:latin typeface="Cambria Math" panose="02040503050406030204" pitchFamily="18" charset="0"/>
+                                    </a:rPr>
+                                    <m:t>𝜕</m:t>
+                                  </m:r>
+                                  <m:d>
+                                    <m:dPr>
+                                      <m:ctrlPr>
+                                        <a:rPr lang="en-US" altLang="zh-CN" sz="1400" i="1">
+                                          <a:latin typeface="Cambria Math" panose="02040503050406030204" pitchFamily="18" charset="0"/>
+                                        </a:rPr>
+                                      </m:ctrlPr>
+                                    </m:dPr>
+                                    <m:e>
+                                      <m:sSubSup>
+                                        <m:sSubSupPr>
+                                          <m:ctrlPr>
+                                            <a:rPr lang="en-US" altLang="zh-CN" sz="1400" i="1">
+                                              <a:latin typeface="Cambria Math" panose="02040503050406030204" pitchFamily="18" charset="0"/>
+                                            </a:rPr>
+                                          </m:ctrlPr>
+                                        </m:sSubSupPr>
+                                        <m:e>
+                                          <m:r>
+                                            <a:rPr lang="en-US" altLang="zh-CN" sz="1400" i="1">
+                                              <a:latin typeface="Cambria Math" panose="02040503050406030204" pitchFamily="18" charset="0"/>
+                                            </a:rPr>
+                                            <m:t>h</m:t>
+                                          </m:r>
+                                        </m:e>
+                                        <m:sub>
+                                          <m:r>
+                                            <a:rPr lang="en-US" altLang="zh-CN" sz="1400" i="1">
+                                              <a:latin typeface="Cambria Math" panose="02040503050406030204" pitchFamily="18" charset="0"/>
+                                            </a:rPr>
+                                            <m:t>1</m:t>
+                                          </m:r>
+                                        </m:sub>
+                                        <m:sup>
+                                          <m:r>
+                                            <a:rPr lang="en-US" altLang="zh-CN" sz="1400" i="1">
+                                              <a:latin typeface="Cambria Math" panose="02040503050406030204" pitchFamily="18" charset="0"/>
+                                            </a:rPr>
+                                            <m:t>𝑡</m:t>
+                                          </m:r>
+                                        </m:sup>
+                                      </m:sSubSup>
+                                    </m:e>
+                                  </m:d>
+                                </m:num>
+                                <m:den>
+                                  <m:sSubSup>
+                                    <m:sSubSupPr>
+                                      <m:ctrlPr>
+                                        <a:rPr lang="en-US" altLang="zh-CN" sz="1400" i="1">
+                                          <a:latin typeface="Cambria Math" panose="02040503050406030204" pitchFamily="18" charset="0"/>
+                                        </a:rPr>
+                                      </m:ctrlPr>
+                                    </m:sSubSupPr>
+                                    <m:e>
+                                      <m:r>
+                                        <a:rPr lang="zh-CN" altLang="en-US" sz="1400" i="1">
+                                          <a:latin typeface="Cambria Math" panose="02040503050406030204" pitchFamily="18" charset="0"/>
+                                        </a:rPr>
+                                        <m:t>𝜕</m:t>
+                                      </m:r>
+                                      <m:r>
+                                        <a:rPr lang="en-US" altLang="zh-CN" sz="1400" i="1">
+                                          <a:latin typeface="Cambria Math" panose="02040503050406030204" pitchFamily="18" charset="0"/>
+                                        </a:rPr>
+                                        <m:t>h</m:t>
+                                      </m:r>
+                                    </m:e>
+                                    <m:sub>
+                                      <m:r>
+                                        <a:rPr lang="en-US" altLang="zh-CN" sz="1400" b="0" i="1" smtClean="0">
+                                          <a:latin typeface="Cambria Math" panose="02040503050406030204" pitchFamily="18" charset="0"/>
+                                        </a:rPr>
+                                        <m:t>1</m:t>
+                                      </m:r>
+                                    </m:sub>
+                                    <m:sup>
+                                      <m:r>
+                                        <a:rPr lang="en-US" altLang="zh-CN" sz="1400" i="1">
+                                          <a:latin typeface="Cambria Math" panose="02040503050406030204" pitchFamily="18" charset="0"/>
+                                        </a:rPr>
+                                        <m:t>𝑡</m:t>
+                                      </m:r>
+                                      <m:r>
+                                        <a:rPr lang="en-US" altLang="zh-CN" sz="1400" i="1">
+                                          <a:latin typeface="Cambria Math" panose="02040503050406030204" pitchFamily="18" charset="0"/>
+                                        </a:rPr>
+                                        <m:t>−1</m:t>
+                                      </m:r>
+                                    </m:sup>
+                                  </m:sSubSup>
+                                </m:den>
+                              </m:f>
+                            </m:e>
+                            <m:e>
+                              <m:f>
+                                <m:fPr>
+                                  <m:ctrlPr>
+                                    <a:rPr lang="en-US" altLang="zh-CN" sz="1400" i="1">
+                                      <a:latin typeface="Cambria Math" panose="02040503050406030204" pitchFamily="18" charset="0"/>
+                                    </a:rPr>
+                                  </m:ctrlPr>
+                                </m:fPr>
+                                <m:num>
+                                  <m:r>
+                                    <a:rPr lang="zh-CN" altLang="en-US" sz="1400" i="1">
+                                      <a:latin typeface="Cambria Math" panose="02040503050406030204" pitchFamily="18" charset="0"/>
+                                    </a:rPr>
+                                    <m:t>𝜕</m:t>
+                                  </m:r>
+                                  <m:d>
+                                    <m:dPr>
+                                      <m:ctrlPr>
+                                        <a:rPr lang="en-US" altLang="zh-CN" sz="1400" i="1">
+                                          <a:latin typeface="Cambria Math" panose="02040503050406030204" pitchFamily="18" charset="0"/>
+                                        </a:rPr>
+                                      </m:ctrlPr>
+                                    </m:dPr>
+                                    <m:e>
+                                      <m:sSubSup>
+                                        <m:sSubSupPr>
+                                          <m:ctrlPr>
+                                            <a:rPr lang="en-US" altLang="zh-CN" sz="1400" i="1">
+                                              <a:latin typeface="Cambria Math" panose="02040503050406030204" pitchFamily="18" charset="0"/>
+                                            </a:rPr>
+                                          </m:ctrlPr>
+                                        </m:sSubSupPr>
+                                        <m:e>
+                                          <m:r>
+                                            <a:rPr lang="en-US" altLang="zh-CN" sz="1400" i="1">
+                                              <a:latin typeface="Cambria Math" panose="02040503050406030204" pitchFamily="18" charset="0"/>
+                                            </a:rPr>
+                                            <m:t>h</m:t>
+                                          </m:r>
+                                        </m:e>
+                                        <m:sub>
+                                          <m:r>
+                                            <a:rPr lang="en-US" altLang="zh-CN" sz="1400" i="1">
+                                              <a:latin typeface="Cambria Math" panose="02040503050406030204" pitchFamily="18" charset="0"/>
+                                            </a:rPr>
+                                            <m:t>1</m:t>
+                                          </m:r>
+                                        </m:sub>
+                                        <m:sup>
+                                          <m:r>
+                                            <a:rPr lang="en-US" altLang="zh-CN" sz="1400" i="1">
+                                              <a:latin typeface="Cambria Math" panose="02040503050406030204" pitchFamily="18" charset="0"/>
+                                            </a:rPr>
+                                            <m:t>𝑡</m:t>
+                                          </m:r>
+                                        </m:sup>
+                                      </m:sSubSup>
+                                    </m:e>
+                                  </m:d>
+                                </m:num>
+                                <m:den>
+                                  <m:sSubSup>
+                                    <m:sSubSupPr>
+                                      <m:ctrlPr>
+                                        <a:rPr lang="en-US" altLang="zh-CN" sz="1400" i="1">
+                                          <a:latin typeface="Cambria Math" panose="02040503050406030204" pitchFamily="18" charset="0"/>
+                                        </a:rPr>
+                                      </m:ctrlPr>
+                                    </m:sSubSupPr>
+                                    <m:e>
+                                      <m:r>
+                                        <a:rPr lang="zh-CN" altLang="en-US" sz="1400" i="1">
+                                          <a:latin typeface="Cambria Math" panose="02040503050406030204" pitchFamily="18" charset="0"/>
+                                        </a:rPr>
+                                        <m:t>𝜕</m:t>
+                                      </m:r>
+                                      <m:r>
+                                        <a:rPr lang="en-US" altLang="zh-CN" sz="1400" i="1">
+                                          <a:latin typeface="Cambria Math" panose="02040503050406030204" pitchFamily="18" charset="0"/>
+                                        </a:rPr>
+                                        <m:t>h</m:t>
+                                      </m:r>
+                                    </m:e>
+                                    <m:sub>
+                                      <m:r>
+                                        <a:rPr lang="en-US" altLang="zh-CN" sz="1400" b="0" i="1" smtClean="0">
+                                          <a:latin typeface="Cambria Math" panose="02040503050406030204" pitchFamily="18" charset="0"/>
+                                        </a:rPr>
+                                        <m:t>2</m:t>
+                                      </m:r>
+                                    </m:sub>
+                                    <m:sup>
+                                      <m:r>
+                                        <a:rPr lang="en-US" altLang="zh-CN" sz="1400" i="1">
+                                          <a:latin typeface="Cambria Math" panose="02040503050406030204" pitchFamily="18" charset="0"/>
+                                        </a:rPr>
+                                        <m:t>𝑡</m:t>
+                                      </m:r>
+                                      <m:r>
+                                        <a:rPr lang="en-US" altLang="zh-CN" sz="1400" i="1">
+                                          <a:latin typeface="Cambria Math" panose="02040503050406030204" pitchFamily="18" charset="0"/>
+                                        </a:rPr>
+                                        <m:t>−1</m:t>
+                                      </m:r>
+                                    </m:sup>
+                                  </m:sSubSup>
+                                </m:den>
+                              </m:f>
+                            </m:e>
+                            <m:e>
+                              <m:f>
+                                <m:fPr>
+                                  <m:ctrlPr>
+                                    <a:rPr lang="en-US" altLang="zh-CN" sz="1400" i="1">
+                                      <a:latin typeface="Cambria Math" panose="02040503050406030204" pitchFamily="18" charset="0"/>
+                                    </a:rPr>
+                                  </m:ctrlPr>
+                                </m:fPr>
+                                <m:num>
+                                  <m:r>
+                                    <a:rPr lang="zh-CN" altLang="en-US" sz="1400" i="1">
+                                      <a:latin typeface="Cambria Math" panose="02040503050406030204" pitchFamily="18" charset="0"/>
+                                    </a:rPr>
+                                    <m:t>𝜕</m:t>
+                                  </m:r>
+                                  <m:d>
+                                    <m:dPr>
+                                      <m:ctrlPr>
+                                        <a:rPr lang="en-US" altLang="zh-CN" sz="1400" i="1">
+                                          <a:latin typeface="Cambria Math" panose="02040503050406030204" pitchFamily="18" charset="0"/>
+                                        </a:rPr>
+                                      </m:ctrlPr>
+                                    </m:dPr>
+                                    <m:e>
+                                      <m:sSubSup>
+                                        <m:sSubSupPr>
+                                          <m:ctrlPr>
+                                            <a:rPr lang="en-US" altLang="zh-CN" sz="1400" i="1">
+                                              <a:latin typeface="Cambria Math" panose="02040503050406030204" pitchFamily="18" charset="0"/>
+                                            </a:rPr>
+                                          </m:ctrlPr>
+                                        </m:sSubSupPr>
+                                        <m:e>
+                                          <m:r>
+                                            <a:rPr lang="en-US" altLang="zh-CN" sz="1400" i="1">
+                                              <a:latin typeface="Cambria Math" panose="02040503050406030204" pitchFamily="18" charset="0"/>
+                                            </a:rPr>
+                                            <m:t>h</m:t>
+                                          </m:r>
+                                        </m:e>
+                                        <m:sub>
+                                          <m:r>
+                                            <a:rPr lang="en-US" altLang="zh-CN" sz="1400" i="1">
+                                              <a:latin typeface="Cambria Math" panose="02040503050406030204" pitchFamily="18" charset="0"/>
+                                            </a:rPr>
+                                            <m:t>1</m:t>
+                                          </m:r>
+                                        </m:sub>
+                                        <m:sup>
+                                          <m:r>
+                                            <a:rPr lang="en-US" altLang="zh-CN" sz="1400" i="1">
+                                              <a:latin typeface="Cambria Math" panose="02040503050406030204" pitchFamily="18" charset="0"/>
+                                            </a:rPr>
+                                            <m:t>𝑡</m:t>
+                                          </m:r>
+                                        </m:sup>
+                                      </m:sSubSup>
+                                    </m:e>
+                                  </m:d>
+                                </m:num>
+                                <m:den>
+                                  <m:sSubSup>
+                                    <m:sSubSupPr>
+                                      <m:ctrlPr>
+                                        <a:rPr lang="en-US" altLang="zh-CN" sz="1400" i="1">
+                                          <a:latin typeface="Cambria Math" panose="02040503050406030204" pitchFamily="18" charset="0"/>
+                                        </a:rPr>
+                                      </m:ctrlPr>
+                                    </m:sSubSupPr>
+                                    <m:e>
+                                      <m:r>
+                                        <a:rPr lang="zh-CN" altLang="en-US" sz="1400" i="1">
+                                          <a:latin typeface="Cambria Math" panose="02040503050406030204" pitchFamily="18" charset="0"/>
+                                        </a:rPr>
+                                        <m:t>𝜕</m:t>
+                                      </m:r>
+                                      <m:r>
+                                        <a:rPr lang="en-US" altLang="zh-CN" sz="1400" i="1">
+                                          <a:latin typeface="Cambria Math" panose="02040503050406030204" pitchFamily="18" charset="0"/>
+                                        </a:rPr>
+                                        <m:t>h</m:t>
+                                      </m:r>
+                                    </m:e>
+                                    <m:sub>
+                                      <m:r>
+                                        <a:rPr lang="en-US" altLang="zh-CN" sz="1400" b="0" i="1" smtClean="0">
+                                          <a:latin typeface="Cambria Math" panose="02040503050406030204" pitchFamily="18" charset="0"/>
+                                        </a:rPr>
+                                        <m:t>3</m:t>
+                                      </m:r>
+                                    </m:sub>
+                                    <m:sup>
+                                      <m:r>
+                                        <a:rPr lang="en-US" altLang="zh-CN" sz="1400" i="1">
+                                          <a:latin typeface="Cambria Math" panose="02040503050406030204" pitchFamily="18" charset="0"/>
+                                        </a:rPr>
+                                        <m:t>𝑡</m:t>
+                                      </m:r>
+                                      <m:r>
+                                        <a:rPr lang="en-US" altLang="zh-CN" sz="1400" i="1">
+                                          <a:latin typeface="Cambria Math" panose="02040503050406030204" pitchFamily="18" charset="0"/>
+                                        </a:rPr>
+                                        <m:t>−1</m:t>
+                                      </m:r>
+                                    </m:sup>
+                                  </m:sSubSup>
+                                </m:den>
+                              </m:f>
+                            </m:e>
+                          </m:mr>
+                          <m:mr>
+                            <m:e>
+                              <m:f>
+                                <m:fPr>
+                                  <m:ctrlPr>
+                                    <a:rPr lang="en-US" altLang="zh-CN" sz="1400" i="1">
+                                      <a:latin typeface="Cambria Math" panose="02040503050406030204" pitchFamily="18" charset="0"/>
+                                    </a:rPr>
+                                  </m:ctrlPr>
+                                </m:fPr>
+                                <m:num>
+                                  <m:r>
+                                    <a:rPr lang="zh-CN" altLang="en-US" sz="1400" i="1">
+                                      <a:latin typeface="Cambria Math" panose="02040503050406030204" pitchFamily="18" charset="0"/>
+                                    </a:rPr>
+                                    <m:t>𝜕</m:t>
+                                  </m:r>
+                                  <m:d>
+                                    <m:dPr>
+                                      <m:ctrlPr>
+                                        <a:rPr lang="en-US" altLang="zh-CN" sz="1400" i="1">
+                                          <a:latin typeface="Cambria Math" panose="02040503050406030204" pitchFamily="18" charset="0"/>
+                                        </a:rPr>
+                                      </m:ctrlPr>
+                                    </m:dPr>
+                                    <m:e>
+                                      <m:sSubSup>
+                                        <m:sSubSupPr>
+                                          <m:ctrlPr>
+                                            <a:rPr lang="en-US" altLang="zh-CN" sz="1400" i="1">
+                                              <a:latin typeface="Cambria Math" panose="02040503050406030204" pitchFamily="18" charset="0"/>
+                                            </a:rPr>
+                                          </m:ctrlPr>
+                                        </m:sSubSupPr>
+                                        <m:e>
+                                          <m:r>
+                                            <a:rPr lang="en-US" altLang="zh-CN" sz="1400" i="1">
+                                              <a:latin typeface="Cambria Math" panose="02040503050406030204" pitchFamily="18" charset="0"/>
+                                            </a:rPr>
+                                            <m:t>h</m:t>
+                                          </m:r>
+                                        </m:e>
+                                        <m:sub>
+                                          <m:r>
+                                            <a:rPr lang="en-US" altLang="zh-CN" sz="1400" b="0" i="1" smtClean="0">
+                                              <a:latin typeface="Cambria Math" panose="02040503050406030204" pitchFamily="18" charset="0"/>
+                                            </a:rPr>
+                                            <m:t>2</m:t>
+                                          </m:r>
+                                        </m:sub>
+                                        <m:sup>
+                                          <m:r>
+                                            <a:rPr lang="en-US" altLang="zh-CN" sz="1400" i="1">
+                                              <a:latin typeface="Cambria Math" panose="02040503050406030204" pitchFamily="18" charset="0"/>
+                                            </a:rPr>
+                                            <m:t>𝑡</m:t>
+                                          </m:r>
+                                        </m:sup>
+                                      </m:sSubSup>
+                                    </m:e>
+                                  </m:d>
+                                </m:num>
+                                <m:den>
+                                  <m:sSubSup>
+                                    <m:sSubSupPr>
+                                      <m:ctrlPr>
+                                        <a:rPr lang="en-US" altLang="zh-CN" sz="1400" i="1">
+                                          <a:latin typeface="Cambria Math" panose="02040503050406030204" pitchFamily="18" charset="0"/>
+                                        </a:rPr>
+                                      </m:ctrlPr>
+                                    </m:sSubSupPr>
+                                    <m:e>
+                                      <m:r>
+                                        <a:rPr lang="zh-CN" altLang="en-US" sz="1400" i="1">
+                                          <a:latin typeface="Cambria Math" panose="02040503050406030204" pitchFamily="18" charset="0"/>
+                                        </a:rPr>
+                                        <m:t>𝜕</m:t>
+                                      </m:r>
+                                      <m:r>
+                                        <a:rPr lang="en-US" altLang="zh-CN" sz="1400" i="1">
+                                          <a:latin typeface="Cambria Math" panose="02040503050406030204" pitchFamily="18" charset="0"/>
+                                        </a:rPr>
+                                        <m:t>h</m:t>
+                                      </m:r>
+                                    </m:e>
+                                    <m:sub>
+                                      <m:r>
+                                        <a:rPr lang="en-US" altLang="zh-CN" sz="1400" i="1">
+                                          <a:latin typeface="Cambria Math" panose="02040503050406030204" pitchFamily="18" charset="0"/>
+                                        </a:rPr>
+                                        <m:t>1</m:t>
+                                      </m:r>
+                                    </m:sub>
+                                    <m:sup>
+                                      <m:r>
+                                        <a:rPr lang="en-US" altLang="zh-CN" sz="1400" i="1">
+                                          <a:latin typeface="Cambria Math" panose="02040503050406030204" pitchFamily="18" charset="0"/>
+                                        </a:rPr>
+                                        <m:t>𝑡</m:t>
+                                      </m:r>
+                                      <m:r>
+                                        <a:rPr lang="en-US" altLang="zh-CN" sz="1400" i="1">
+                                          <a:latin typeface="Cambria Math" panose="02040503050406030204" pitchFamily="18" charset="0"/>
+                                        </a:rPr>
+                                        <m:t>−1</m:t>
+                                      </m:r>
+                                    </m:sup>
+                                  </m:sSubSup>
+                                </m:den>
+                              </m:f>
+                            </m:e>
+                            <m:e>
+                              <m:f>
+                                <m:fPr>
+                                  <m:ctrlPr>
+                                    <a:rPr lang="en-US" altLang="zh-CN" sz="1400" i="1">
+                                      <a:latin typeface="Cambria Math" panose="02040503050406030204" pitchFamily="18" charset="0"/>
+                                    </a:rPr>
+                                  </m:ctrlPr>
+                                </m:fPr>
+                                <m:num>
+                                  <m:r>
+                                    <a:rPr lang="zh-CN" altLang="en-US" sz="1400" i="1">
+                                      <a:latin typeface="Cambria Math" panose="02040503050406030204" pitchFamily="18" charset="0"/>
+                                    </a:rPr>
+                                    <m:t>𝜕</m:t>
+                                  </m:r>
+                                  <m:d>
+                                    <m:dPr>
+                                      <m:ctrlPr>
+                                        <a:rPr lang="en-US" altLang="zh-CN" sz="1400" i="1">
+                                          <a:latin typeface="Cambria Math" panose="02040503050406030204" pitchFamily="18" charset="0"/>
+                                        </a:rPr>
+                                      </m:ctrlPr>
+                                    </m:dPr>
+                                    <m:e>
+                                      <m:sSubSup>
+                                        <m:sSubSupPr>
+                                          <m:ctrlPr>
+                                            <a:rPr lang="en-US" altLang="zh-CN" sz="1400" i="1">
+                                              <a:latin typeface="Cambria Math" panose="02040503050406030204" pitchFamily="18" charset="0"/>
+                                            </a:rPr>
+                                          </m:ctrlPr>
+                                        </m:sSubSupPr>
+                                        <m:e>
+                                          <m:r>
+                                            <a:rPr lang="en-US" altLang="zh-CN" sz="1400" i="1">
+                                              <a:latin typeface="Cambria Math" panose="02040503050406030204" pitchFamily="18" charset="0"/>
+                                            </a:rPr>
+                                            <m:t>h</m:t>
+                                          </m:r>
+                                        </m:e>
+                                        <m:sub>
+                                          <m:r>
+                                            <a:rPr lang="en-US" altLang="zh-CN" sz="1400" i="1">
+                                              <a:latin typeface="Cambria Math" panose="02040503050406030204" pitchFamily="18" charset="0"/>
+                                            </a:rPr>
+                                            <m:t>2</m:t>
+                                          </m:r>
+                                        </m:sub>
+                                        <m:sup>
+                                          <m:r>
+                                            <a:rPr lang="en-US" altLang="zh-CN" sz="1400" i="1">
+                                              <a:latin typeface="Cambria Math" panose="02040503050406030204" pitchFamily="18" charset="0"/>
+                                            </a:rPr>
+                                            <m:t>𝑡</m:t>
+                                          </m:r>
+                                        </m:sup>
+                                      </m:sSubSup>
+                                    </m:e>
+                                  </m:d>
+                                </m:num>
+                                <m:den>
+                                  <m:sSubSup>
+                                    <m:sSubSupPr>
+                                      <m:ctrlPr>
+                                        <a:rPr lang="en-US" altLang="zh-CN" sz="1400" i="1">
+                                          <a:latin typeface="Cambria Math" panose="02040503050406030204" pitchFamily="18" charset="0"/>
+                                        </a:rPr>
+                                      </m:ctrlPr>
+                                    </m:sSubSupPr>
+                                    <m:e>
+                                      <m:r>
+                                        <a:rPr lang="zh-CN" altLang="en-US" sz="1400" i="1">
+                                          <a:latin typeface="Cambria Math" panose="02040503050406030204" pitchFamily="18" charset="0"/>
+                                        </a:rPr>
+                                        <m:t>𝜕</m:t>
+                                      </m:r>
+                                      <m:r>
+                                        <a:rPr lang="en-US" altLang="zh-CN" sz="1400" i="1">
+                                          <a:latin typeface="Cambria Math" panose="02040503050406030204" pitchFamily="18" charset="0"/>
+                                        </a:rPr>
+                                        <m:t>h</m:t>
+                                      </m:r>
+                                    </m:e>
+                                    <m:sub>
+                                      <m:r>
+                                        <a:rPr lang="en-US" altLang="zh-CN" sz="1400" b="0" i="1" smtClean="0">
+                                          <a:latin typeface="Cambria Math" panose="02040503050406030204" pitchFamily="18" charset="0"/>
+                                        </a:rPr>
+                                        <m:t>2</m:t>
+                                      </m:r>
+                                    </m:sub>
+                                    <m:sup>
+                                      <m:r>
+                                        <a:rPr lang="en-US" altLang="zh-CN" sz="1400" i="1">
+                                          <a:latin typeface="Cambria Math" panose="02040503050406030204" pitchFamily="18" charset="0"/>
+                                        </a:rPr>
+                                        <m:t>𝑡</m:t>
+                                      </m:r>
+                                      <m:r>
+                                        <a:rPr lang="en-US" altLang="zh-CN" sz="1400" i="1">
+                                          <a:latin typeface="Cambria Math" panose="02040503050406030204" pitchFamily="18" charset="0"/>
+                                        </a:rPr>
+                                        <m:t>−1</m:t>
+                                      </m:r>
+                                    </m:sup>
+                                  </m:sSubSup>
+                                </m:den>
+                              </m:f>
+                            </m:e>
+                            <m:e>
+                              <m:f>
+                                <m:fPr>
+                                  <m:ctrlPr>
+                                    <a:rPr lang="en-US" altLang="zh-CN" sz="1400" i="1">
+                                      <a:latin typeface="Cambria Math" panose="02040503050406030204" pitchFamily="18" charset="0"/>
+                                    </a:rPr>
+                                  </m:ctrlPr>
+                                </m:fPr>
+                                <m:num>
+                                  <m:r>
+                                    <a:rPr lang="zh-CN" altLang="en-US" sz="1400" i="1">
+                                      <a:latin typeface="Cambria Math" panose="02040503050406030204" pitchFamily="18" charset="0"/>
+                                    </a:rPr>
+                                    <m:t>𝜕</m:t>
+                                  </m:r>
+                                  <m:d>
+                                    <m:dPr>
+                                      <m:ctrlPr>
+                                        <a:rPr lang="en-US" altLang="zh-CN" sz="1400" i="1">
+                                          <a:latin typeface="Cambria Math" panose="02040503050406030204" pitchFamily="18" charset="0"/>
+                                        </a:rPr>
+                                      </m:ctrlPr>
+                                    </m:dPr>
+                                    <m:e>
+                                      <m:sSubSup>
+                                        <m:sSubSupPr>
+                                          <m:ctrlPr>
+                                            <a:rPr lang="en-US" altLang="zh-CN" sz="1400" i="1">
+                                              <a:latin typeface="Cambria Math" panose="02040503050406030204" pitchFamily="18" charset="0"/>
+                                            </a:rPr>
+                                          </m:ctrlPr>
+                                        </m:sSubSupPr>
+                                        <m:e>
+                                          <m:r>
+                                            <a:rPr lang="en-US" altLang="zh-CN" sz="1400" i="1">
+                                              <a:latin typeface="Cambria Math" panose="02040503050406030204" pitchFamily="18" charset="0"/>
+                                            </a:rPr>
+                                            <m:t>h</m:t>
+                                          </m:r>
+                                        </m:e>
+                                        <m:sub>
+                                          <m:r>
+                                            <a:rPr lang="en-US" altLang="zh-CN" sz="1400" i="1">
+                                              <a:latin typeface="Cambria Math" panose="02040503050406030204" pitchFamily="18" charset="0"/>
+                                            </a:rPr>
+                                            <m:t>2</m:t>
+                                          </m:r>
+                                        </m:sub>
+                                        <m:sup>
+                                          <m:r>
+                                            <a:rPr lang="en-US" altLang="zh-CN" sz="1400" i="1">
+                                              <a:latin typeface="Cambria Math" panose="02040503050406030204" pitchFamily="18" charset="0"/>
+                                            </a:rPr>
+                                            <m:t>𝑡</m:t>
+                                          </m:r>
+                                        </m:sup>
+                                      </m:sSubSup>
+                                    </m:e>
+                                  </m:d>
+                                </m:num>
+                                <m:den>
+                                  <m:sSubSup>
+                                    <m:sSubSupPr>
+                                      <m:ctrlPr>
+                                        <a:rPr lang="en-US" altLang="zh-CN" sz="1400" i="1">
+                                          <a:latin typeface="Cambria Math" panose="02040503050406030204" pitchFamily="18" charset="0"/>
+                                        </a:rPr>
+                                      </m:ctrlPr>
+                                    </m:sSubSupPr>
+                                    <m:e>
+                                      <m:r>
+                                        <a:rPr lang="zh-CN" altLang="en-US" sz="1400" i="1">
+                                          <a:latin typeface="Cambria Math" panose="02040503050406030204" pitchFamily="18" charset="0"/>
+                                        </a:rPr>
+                                        <m:t>𝜕</m:t>
+                                      </m:r>
+                                      <m:r>
+                                        <a:rPr lang="en-US" altLang="zh-CN" sz="1400" i="1">
+                                          <a:latin typeface="Cambria Math" panose="02040503050406030204" pitchFamily="18" charset="0"/>
+                                        </a:rPr>
+                                        <m:t>h</m:t>
+                                      </m:r>
+                                    </m:e>
+                                    <m:sub>
+                                      <m:r>
+                                        <a:rPr lang="en-US" altLang="zh-CN" sz="1400" i="1">
+                                          <a:latin typeface="Cambria Math" panose="02040503050406030204" pitchFamily="18" charset="0"/>
+                                        </a:rPr>
+                                        <m:t>2</m:t>
+                                      </m:r>
+                                    </m:sub>
+                                    <m:sup>
+                                      <m:r>
+                                        <a:rPr lang="en-US" altLang="zh-CN" sz="1400" i="1">
+                                          <a:latin typeface="Cambria Math" panose="02040503050406030204" pitchFamily="18" charset="0"/>
+                                        </a:rPr>
+                                        <m:t>𝑡</m:t>
+                                      </m:r>
+                                      <m:r>
+                                        <a:rPr lang="en-US" altLang="zh-CN" sz="1400" i="1">
+                                          <a:latin typeface="Cambria Math" panose="02040503050406030204" pitchFamily="18" charset="0"/>
+                                        </a:rPr>
+                                        <m:t>−1</m:t>
+                                      </m:r>
+                                    </m:sup>
+                                  </m:sSubSup>
+                                </m:den>
+                              </m:f>
+                            </m:e>
+                          </m:mr>
+                          <m:mr>
+                            <m:e>
+                              <m:f>
+                                <m:fPr>
+                                  <m:ctrlPr>
+                                    <a:rPr lang="en-US" altLang="zh-CN" sz="1400" i="1">
+                                      <a:latin typeface="Cambria Math" panose="02040503050406030204" pitchFamily="18" charset="0"/>
+                                    </a:rPr>
+                                  </m:ctrlPr>
+                                </m:fPr>
+                                <m:num>
+                                  <m:r>
+                                    <a:rPr lang="zh-CN" altLang="en-US" sz="1400" i="1">
+                                      <a:latin typeface="Cambria Math" panose="02040503050406030204" pitchFamily="18" charset="0"/>
+                                    </a:rPr>
+                                    <m:t>𝜕</m:t>
+                                  </m:r>
+                                  <m:d>
+                                    <m:dPr>
+                                      <m:ctrlPr>
+                                        <a:rPr lang="en-US" altLang="zh-CN" sz="1400" i="1">
+                                          <a:latin typeface="Cambria Math" panose="02040503050406030204" pitchFamily="18" charset="0"/>
+                                        </a:rPr>
+                                      </m:ctrlPr>
+                                    </m:dPr>
+                                    <m:e>
+                                      <m:sSubSup>
+                                        <m:sSubSupPr>
+                                          <m:ctrlPr>
+                                            <a:rPr lang="en-US" altLang="zh-CN" sz="1400" i="1">
+                                              <a:latin typeface="Cambria Math" panose="02040503050406030204" pitchFamily="18" charset="0"/>
+                                            </a:rPr>
+                                          </m:ctrlPr>
+                                        </m:sSubSupPr>
+                                        <m:e>
+                                          <m:r>
+                                            <a:rPr lang="en-US" altLang="zh-CN" sz="1400" i="1">
+                                              <a:latin typeface="Cambria Math" panose="02040503050406030204" pitchFamily="18" charset="0"/>
+                                            </a:rPr>
+                                            <m:t>h</m:t>
+                                          </m:r>
+                                        </m:e>
+                                        <m:sub>
+                                          <m:r>
+                                            <a:rPr lang="en-US" altLang="zh-CN" sz="1400" b="0" i="1" smtClean="0">
+                                              <a:latin typeface="Cambria Math" panose="02040503050406030204" pitchFamily="18" charset="0"/>
+                                            </a:rPr>
+                                            <m:t>3</m:t>
+                                          </m:r>
+                                        </m:sub>
+                                        <m:sup>
+                                          <m:r>
+                                            <a:rPr lang="en-US" altLang="zh-CN" sz="1400" i="1">
+                                              <a:latin typeface="Cambria Math" panose="02040503050406030204" pitchFamily="18" charset="0"/>
+                                            </a:rPr>
+                                            <m:t>𝑡</m:t>
+                                          </m:r>
+                                        </m:sup>
+                                      </m:sSubSup>
+                                    </m:e>
+                                  </m:d>
+                                </m:num>
+                                <m:den>
+                                  <m:sSubSup>
+                                    <m:sSubSupPr>
+                                      <m:ctrlPr>
+                                        <a:rPr lang="en-US" altLang="zh-CN" sz="1400" i="1">
+                                          <a:latin typeface="Cambria Math" panose="02040503050406030204" pitchFamily="18" charset="0"/>
+                                        </a:rPr>
+                                      </m:ctrlPr>
+                                    </m:sSubSupPr>
+                                    <m:e>
+                                      <m:r>
+                                        <a:rPr lang="zh-CN" altLang="en-US" sz="1400" i="1">
+                                          <a:latin typeface="Cambria Math" panose="02040503050406030204" pitchFamily="18" charset="0"/>
+                                        </a:rPr>
+                                        <m:t>𝜕</m:t>
+                                      </m:r>
+                                      <m:r>
+                                        <a:rPr lang="en-US" altLang="zh-CN" sz="1400" i="1">
+                                          <a:latin typeface="Cambria Math" panose="02040503050406030204" pitchFamily="18" charset="0"/>
+                                        </a:rPr>
+                                        <m:t>h</m:t>
+                                      </m:r>
+                                    </m:e>
+                                    <m:sub>
+                                      <m:r>
+                                        <a:rPr lang="en-US" altLang="zh-CN" sz="1400" i="1">
+                                          <a:latin typeface="Cambria Math" panose="02040503050406030204" pitchFamily="18" charset="0"/>
+                                        </a:rPr>
+                                        <m:t>1</m:t>
+                                      </m:r>
+                                    </m:sub>
+                                    <m:sup>
+                                      <m:r>
+                                        <a:rPr lang="en-US" altLang="zh-CN" sz="1400" i="1">
+                                          <a:latin typeface="Cambria Math" panose="02040503050406030204" pitchFamily="18" charset="0"/>
+                                        </a:rPr>
+                                        <m:t>𝑡</m:t>
+                                      </m:r>
+                                      <m:r>
+                                        <a:rPr lang="en-US" altLang="zh-CN" sz="1400" i="1">
+                                          <a:latin typeface="Cambria Math" panose="02040503050406030204" pitchFamily="18" charset="0"/>
+                                        </a:rPr>
+                                        <m:t>−1</m:t>
+                                      </m:r>
+                                    </m:sup>
+                                  </m:sSubSup>
+                                </m:den>
+                              </m:f>
+                            </m:e>
+                            <m:e>
+                              <m:f>
+                                <m:fPr>
+                                  <m:ctrlPr>
+                                    <a:rPr lang="en-US" altLang="zh-CN" sz="1400" i="1">
+                                      <a:latin typeface="Cambria Math" panose="02040503050406030204" pitchFamily="18" charset="0"/>
+                                    </a:rPr>
+                                  </m:ctrlPr>
+                                </m:fPr>
+                                <m:num>
+                                  <m:r>
+                                    <a:rPr lang="zh-CN" altLang="en-US" sz="1400" i="1">
+                                      <a:latin typeface="Cambria Math" panose="02040503050406030204" pitchFamily="18" charset="0"/>
+                                    </a:rPr>
+                                    <m:t>𝜕</m:t>
+                                  </m:r>
+                                  <m:d>
+                                    <m:dPr>
+                                      <m:ctrlPr>
+                                        <a:rPr lang="en-US" altLang="zh-CN" sz="1400" i="1">
+                                          <a:latin typeface="Cambria Math" panose="02040503050406030204" pitchFamily="18" charset="0"/>
+                                        </a:rPr>
+                                      </m:ctrlPr>
+                                    </m:dPr>
+                                    <m:e>
+                                      <m:sSubSup>
+                                        <m:sSubSupPr>
+                                          <m:ctrlPr>
+                                            <a:rPr lang="en-US" altLang="zh-CN" sz="1400" i="1">
+                                              <a:latin typeface="Cambria Math" panose="02040503050406030204" pitchFamily="18" charset="0"/>
+                                            </a:rPr>
+                                          </m:ctrlPr>
+                                        </m:sSubSupPr>
+                                        <m:e>
+                                          <m:r>
+                                            <a:rPr lang="en-US" altLang="zh-CN" sz="1400" i="1">
+                                              <a:latin typeface="Cambria Math" panose="02040503050406030204" pitchFamily="18" charset="0"/>
+                                            </a:rPr>
+                                            <m:t>h</m:t>
+                                          </m:r>
+                                        </m:e>
+                                        <m:sub>
+                                          <m:r>
+                                            <a:rPr lang="en-US" altLang="zh-CN" sz="1400" i="1">
+                                              <a:latin typeface="Cambria Math" panose="02040503050406030204" pitchFamily="18" charset="0"/>
+                                            </a:rPr>
+                                            <m:t>3</m:t>
+                                          </m:r>
+                                        </m:sub>
+                                        <m:sup>
+                                          <m:r>
+                                            <a:rPr lang="en-US" altLang="zh-CN" sz="1400" i="1">
+                                              <a:latin typeface="Cambria Math" panose="02040503050406030204" pitchFamily="18" charset="0"/>
+                                            </a:rPr>
+                                            <m:t>𝑡</m:t>
+                                          </m:r>
+                                        </m:sup>
+                                      </m:sSubSup>
+                                    </m:e>
+                                  </m:d>
+                                </m:num>
+                                <m:den>
+                                  <m:sSubSup>
+                                    <m:sSubSupPr>
+                                      <m:ctrlPr>
+                                        <a:rPr lang="en-US" altLang="zh-CN" sz="1400" i="1">
+                                          <a:latin typeface="Cambria Math" panose="02040503050406030204" pitchFamily="18" charset="0"/>
+                                        </a:rPr>
+                                      </m:ctrlPr>
+                                    </m:sSubSupPr>
+                                    <m:e>
+                                      <m:r>
+                                        <a:rPr lang="zh-CN" altLang="en-US" sz="1400" i="1">
+                                          <a:latin typeface="Cambria Math" panose="02040503050406030204" pitchFamily="18" charset="0"/>
+                                        </a:rPr>
+                                        <m:t>𝜕</m:t>
+                                      </m:r>
+                                      <m:r>
+                                        <a:rPr lang="en-US" altLang="zh-CN" sz="1400" i="1">
+                                          <a:latin typeface="Cambria Math" panose="02040503050406030204" pitchFamily="18" charset="0"/>
+                                        </a:rPr>
+                                        <m:t>h</m:t>
+                                      </m:r>
+                                    </m:e>
+                                    <m:sub>
+                                      <m:r>
+                                        <a:rPr lang="en-US" altLang="zh-CN" sz="1400" b="0" i="1" smtClean="0">
+                                          <a:latin typeface="Cambria Math" panose="02040503050406030204" pitchFamily="18" charset="0"/>
+                                        </a:rPr>
+                                        <m:t>2</m:t>
+                                      </m:r>
+                                    </m:sub>
+                                    <m:sup>
+                                      <m:r>
+                                        <a:rPr lang="en-US" altLang="zh-CN" sz="1400" i="1">
+                                          <a:latin typeface="Cambria Math" panose="02040503050406030204" pitchFamily="18" charset="0"/>
+                                        </a:rPr>
+                                        <m:t>𝑡</m:t>
+                                      </m:r>
+                                      <m:r>
+                                        <a:rPr lang="en-US" altLang="zh-CN" sz="1400" i="1">
+                                          <a:latin typeface="Cambria Math" panose="02040503050406030204" pitchFamily="18" charset="0"/>
+                                        </a:rPr>
+                                        <m:t>−1</m:t>
+                                      </m:r>
+                                    </m:sup>
+                                  </m:sSubSup>
+                                </m:den>
+                              </m:f>
+                            </m:e>
+                            <m:e>
+                              <m:f>
+                                <m:fPr>
+                                  <m:ctrlPr>
+                                    <a:rPr lang="en-US" altLang="zh-CN" sz="1400" i="1">
+                                      <a:latin typeface="Cambria Math" panose="02040503050406030204" pitchFamily="18" charset="0"/>
+                                    </a:rPr>
+                                  </m:ctrlPr>
+                                </m:fPr>
+                                <m:num>
+                                  <m:r>
+                                    <a:rPr lang="zh-CN" altLang="en-US" sz="1400" i="1">
+                                      <a:latin typeface="Cambria Math" panose="02040503050406030204" pitchFamily="18" charset="0"/>
+                                    </a:rPr>
+                                    <m:t>𝜕</m:t>
+                                  </m:r>
+                                  <m:d>
+                                    <m:dPr>
+                                      <m:ctrlPr>
+                                        <a:rPr lang="en-US" altLang="zh-CN" sz="1400" i="1">
+                                          <a:latin typeface="Cambria Math" panose="02040503050406030204" pitchFamily="18" charset="0"/>
+                                        </a:rPr>
+                                      </m:ctrlPr>
+                                    </m:dPr>
+                                    <m:e>
+                                      <m:sSubSup>
+                                        <m:sSubSupPr>
+                                          <m:ctrlPr>
+                                            <a:rPr lang="en-US" altLang="zh-CN" sz="1400" i="1">
+                                              <a:latin typeface="Cambria Math" panose="02040503050406030204" pitchFamily="18" charset="0"/>
+                                            </a:rPr>
+                                          </m:ctrlPr>
+                                        </m:sSubSupPr>
+                                        <m:e>
+                                          <m:r>
+                                            <a:rPr lang="en-US" altLang="zh-CN" sz="1400" i="1">
+                                              <a:latin typeface="Cambria Math" panose="02040503050406030204" pitchFamily="18" charset="0"/>
+                                            </a:rPr>
+                                            <m:t>h</m:t>
+                                          </m:r>
+                                        </m:e>
+                                        <m:sub>
+                                          <m:r>
+                                            <a:rPr lang="en-US" altLang="zh-CN" sz="1400" i="1">
+                                              <a:latin typeface="Cambria Math" panose="02040503050406030204" pitchFamily="18" charset="0"/>
+                                            </a:rPr>
+                                            <m:t>3</m:t>
+                                          </m:r>
+                                        </m:sub>
+                                        <m:sup>
+                                          <m:r>
+                                            <a:rPr lang="en-US" altLang="zh-CN" sz="1400" i="1">
+                                              <a:latin typeface="Cambria Math" panose="02040503050406030204" pitchFamily="18" charset="0"/>
+                                            </a:rPr>
+                                            <m:t>𝑡</m:t>
+                                          </m:r>
+                                        </m:sup>
+                                      </m:sSubSup>
+                                    </m:e>
+                                  </m:d>
+                                </m:num>
+                                <m:den>
+                                  <m:sSubSup>
+                                    <m:sSubSupPr>
+                                      <m:ctrlPr>
+                                        <a:rPr lang="en-US" altLang="zh-CN" sz="1400" i="1">
+                                          <a:latin typeface="Cambria Math" panose="02040503050406030204" pitchFamily="18" charset="0"/>
+                                        </a:rPr>
+                                      </m:ctrlPr>
+                                    </m:sSubSupPr>
+                                    <m:e>
+                                      <m:r>
+                                        <a:rPr lang="zh-CN" altLang="en-US" sz="1400" i="1">
+                                          <a:latin typeface="Cambria Math" panose="02040503050406030204" pitchFamily="18" charset="0"/>
+                                        </a:rPr>
+                                        <m:t>𝜕</m:t>
+                                      </m:r>
+                                      <m:r>
+                                        <a:rPr lang="en-US" altLang="zh-CN" sz="1400" i="1">
+                                          <a:latin typeface="Cambria Math" panose="02040503050406030204" pitchFamily="18" charset="0"/>
+                                        </a:rPr>
+                                        <m:t>h</m:t>
+                                      </m:r>
+                                    </m:e>
+                                    <m:sub>
+                                      <m:r>
+                                        <a:rPr lang="en-US" altLang="zh-CN" sz="1400" b="0" i="1" smtClean="0">
+                                          <a:latin typeface="Cambria Math" panose="02040503050406030204" pitchFamily="18" charset="0"/>
+                                        </a:rPr>
+                                        <m:t>3</m:t>
+                                      </m:r>
+                                    </m:sub>
+                                    <m:sup>
+                                      <m:r>
+                                        <a:rPr lang="en-US" altLang="zh-CN" sz="1400" i="1">
+                                          <a:latin typeface="Cambria Math" panose="02040503050406030204" pitchFamily="18" charset="0"/>
+                                        </a:rPr>
+                                        <m:t>𝑡</m:t>
+                                      </m:r>
+                                      <m:r>
+                                        <a:rPr lang="en-US" altLang="zh-CN" sz="1400" i="1">
+                                          <a:latin typeface="Cambria Math" panose="02040503050406030204" pitchFamily="18" charset="0"/>
+                                        </a:rPr>
+                                        <m:t>−1</m:t>
+                                      </m:r>
+                                    </m:sup>
+                                  </m:sSubSup>
+                                </m:den>
+                              </m:f>
+                            </m:e>
+                          </m:mr>
+                        </m:m>
+                      </m:e>
+                    </m:d>
+                    <m:r>
+                      <a:rPr lang="en-US" altLang="zh-CN" sz="1400" b="0" i="1" smtClean="0">
+                        <a:latin typeface="Cambria Math" panose="02040503050406030204" pitchFamily="18" charset="0"/>
+                      </a:rPr>
+                      <m:t>=</m:t>
+                    </m:r>
+                    <m:d>
+                      <m:dPr>
+                        <m:begChr m:val="["/>
+                        <m:endChr m:val="]"/>
+                        <m:ctrlPr>
+                          <a:rPr lang="en-US" altLang="zh-CN" sz="1400" i="1" smtClean="0">
+                            <a:latin typeface="Cambria Math" panose="02040503050406030204" pitchFamily="18" charset="0"/>
+                          </a:rPr>
+                        </m:ctrlPr>
+                      </m:dPr>
+                      <m:e>
+                        <m:m>
+                          <m:mPr>
+                            <m:mcs>
+                              <m:mc>
+                                <m:mcPr>
+                                  <m:count m:val="3"/>
+                                  <m:mcJc m:val="center"/>
+                                </m:mcPr>
+                              </m:mc>
+                            </m:mcs>
+                            <m:ctrlPr>
+                              <a:rPr lang="en-US" altLang="zh-CN" sz="1400" i="1">
+                                <a:latin typeface="Cambria Math" panose="02040503050406030204" pitchFamily="18" charset="0"/>
+                              </a:rPr>
+                            </m:ctrlPr>
+                          </m:mPr>
+                          <m:mr>
+                            <m:e>
+                              <m:f>
+                                <m:fPr>
+                                  <m:ctrlPr>
+                                    <a:rPr lang="en-US" altLang="zh-CN" sz="1400" i="1">
+                                      <a:latin typeface="Cambria Math" panose="02040503050406030204" pitchFamily="18" charset="0"/>
+                                    </a:rPr>
+                                  </m:ctrlPr>
+                                </m:fPr>
+                                <m:num>
+                                  <m:r>
+                                    <a:rPr lang="zh-CN" altLang="en-US" sz="1400" i="1">
+                                      <a:latin typeface="Cambria Math" panose="02040503050406030204" pitchFamily="18" charset="0"/>
+                                    </a:rPr>
+                                    <m:t>𝜕</m:t>
+                                  </m:r>
+                                  <m:d>
+                                    <m:dPr>
+                                      <m:ctrlPr>
+                                        <a:rPr lang="en-US" altLang="zh-CN" sz="1400" i="1">
+                                          <a:latin typeface="Cambria Math" panose="02040503050406030204" pitchFamily="18" charset="0"/>
+                                        </a:rPr>
+                                      </m:ctrlPr>
+                                    </m:dPr>
+                                    <m:e>
+                                      <m:sSubSup>
+                                        <m:sSubSupPr>
+                                          <m:ctrlPr>
+                                            <a:rPr lang="en-US" altLang="zh-CN" sz="1400" i="1">
+                                              <a:latin typeface="Cambria Math" panose="02040503050406030204" pitchFamily="18" charset="0"/>
+                                            </a:rPr>
+                                          </m:ctrlPr>
+                                        </m:sSubSupPr>
+                                        <m:e>
+                                          <m:r>
+                                            <a:rPr lang="en-US" altLang="zh-CN" sz="1400" i="1">
+                                              <a:latin typeface="Cambria Math" panose="02040503050406030204" pitchFamily="18" charset="0"/>
+                                            </a:rPr>
+                                            <m:t>h</m:t>
+                                          </m:r>
+                                        </m:e>
+                                        <m:sub>
+                                          <m:r>
+                                            <a:rPr lang="en-US" altLang="zh-CN" sz="1400" i="1">
+                                              <a:latin typeface="Cambria Math" panose="02040503050406030204" pitchFamily="18" charset="0"/>
+                                            </a:rPr>
+                                            <m:t>1</m:t>
+                                          </m:r>
+                                        </m:sub>
+                                        <m:sup>
+                                          <m:r>
+                                            <a:rPr lang="en-US" altLang="zh-CN" sz="1400" i="1">
+                                              <a:latin typeface="Cambria Math" panose="02040503050406030204" pitchFamily="18" charset="0"/>
+                                            </a:rPr>
+                                            <m:t>𝑡</m:t>
+                                          </m:r>
+                                        </m:sup>
+                                      </m:sSubSup>
+                                    </m:e>
+                                  </m:d>
+                                </m:num>
+                                <m:den>
+                                  <m:sSubSup>
+                                    <m:sSubSupPr>
+                                      <m:ctrlPr>
+                                        <a:rPr lang="en-US" altLang="zh-CN" sz="1400" i="1">
+                                          <a:latin typeface="Cambria Math" panose="02040503050406030204" pitchFamily="18" charset="0"/>
+                                        </a:rPr>
+                                      </m:ctrlPr>
+                                    </m:sSubSupPr>
+                                    <m:e>
+                                      <m:r>
+                                        <a:rPr lang="zh-CN" altLang="en-US" sz="1400" i="1">
+                                          <a:latin typeface="Cambria Math" panose="02040503050406030204" pitchFamily="18" charset="0"/>
+                                        </a:rPr>
+                                        <m:t>𝜕</m:t>
+                                      </m:r>
+                                      <m:r>
+                                        <a:rPr lang="en-US" altLang="zh-CN" sz="1400" i="1">
+                                          <a:latin typeface="Cambria Math" panose="02040503050406030204" pitchFamily="18" charset="0"/>
+                                        </a:rPr>
+                                        <m:t>h</m:t>
+                                      </m:r>
+                                    </m:e>
+                                    <m:sub>
+                                      <m:r>
+                                        <a:rPr lang="en-US" altLang="zh-CN" sz="1400" i="1">
+                                          <a:latin typeface="Cambria Math" panose="02040503050406030204" pitchFamily="18" charset="0"/>
+                                        </a:rPr>
+                                        <m:t>1</m:t>
+                                      </m:r>
+                                    </m:sub>
+                                    <m:sup>
+                                      <m:r>
+                                        <a:rPr lang="en-US" altLang="zh-CN" sz="1400" i="1">
+                                          <a:latin typeface="Cambria Math" panose="02040503050406030204" pitchFamily="18" charset="0"/>
+                                        </a:rPr>
+                                        <m:t>𝑡</m:t>
+                                      </m:r>
+                                      <m:r>
+                                        <a:rPr lang="en-US" altLang="zh-CN" sz="1400" i="1">
+                                          <a:latin typeface="Cambria Math" panose="02040503050406030204" pitchFamily="18" charset="0"/>
+                                        </a:rPr>
+                                        <m:t>−1</m:t>
+                                      </m:r>
+                                    </m:sup>
+                                  </m:sSubSup>
+                                </m:den>
+                              </m:f>
+                            </m:e>
+                            <m:e>
+                              <m:r>
+                                <a:rPr lang="en-US" altLang="zh-CN" sz="1400" b="0" i="1" smtClean="0">
+                                  <a:latin typeface="Cambria Math" panose="02040503050406030204" pitchFamily="18" charset="0"/>
+                                </a:rPr>
+                                <m:t>0</m:t>
+                              </m:r>
+                            </m:e>
+                            <m:e>
+                              <m:r>
+                                <a:rPr lang="en-US" altLang="zh-CN" sz="1400" b="0" i="1" smtClean="0">
+                                  <a:latin typeface="Cambria Math" panose="02040503050406030204" pitchFamily="18" charset="0"/>
+                                </a:rPr>
+                                <m:t>0</m:t>
+                              </m:r>
+                            </m:e>
+                          </m:mr>
+                          <m:mr>
+                            <m:e>
+                              <m:r>
+                                <a:rPr lang="en-US" altLang="zh-CN" sz="1400" b="0" i="1" smtClean="0">
+                                  <a:latin typeface="Cambria Math" panose="02040503050406030204" pitchFamily="18" charset="0"/>
+                                </a:rPr>
+                                <m:t>0</m:t>
+                              </m:r>
+                            </m:e>
+                            <m:e>
+                              <m:f>
+                                <m:fPr>
+                                  <m:ctrlPr>
+                                    <a:rPr lang="en-US" altLang="zh-CN" sz="1400" i="1">
+                                      <a:latin typeface="Cambria Math" panose="02040503050406030204" pitchFamily="18" charset="0"/>
+                                    </a:rPr>
+                                  </m:ctrlPr>
+                                </m:fPr>
+                                <m:num>
+                                  <m:r>
+                                    <a:rPr lang="zh-CN" altLang="en-US" sz="1400" i="1">
+                                      <a:latin typeface="Cambria Math" panose="02040503050406030204" pitchFamily="18" charset="0"/>
+                                    </a:rPr>
+                                    <m:t>𝜕</m:t>
+                                  </m:r>
+                                  <m:d>
+                                    <m:dPr>
+                                      <m:ctrlPr>
+                                        <a:rPr lang="en-US" altLang="zh-CN" sz="1400" i="1">
+                                          <a:latin typeface="Cambria Math" panose="02040503050406030204" pitchFamily="18" charset="0"/>
+                                        </a:rPr>
+                                      </m:ctrlPr>
+                                    </m:dPr>
+                                    <m:e>
+                                      <m:sSubSup>
+                                        <m:sSubSupPr>
+                                          <m:ctrlPr>
+                                            <a:rPr lang="en-US" altLang="zh-CN" sz="1400" i="1">
+                                              <a:latin typeface="Cambria Math" panose="02040503050406030204" pitchFamily="18" charset="0"/>
+                                            </a:rPr>
+                                          </m:ctrlPr>
+                                        </m:sSubSupPr>
+                                        <m:e>
+                                          <m:r>
+                                            <a:rPr lang="en-US" altLang="zh-CN" sz="1400" i="1">
+                                              <a:latin typeface="Cambria Math" panose="02040503050406030204" pitchFamily="18" charset="0"/>
+                                            </a:rPr>
+                                            <m:t>h</m:t>
+                                          </m:r>
+                                        </m:e>
+                                        <m:sub>
+                                          <m:r>
+                                            <a:rPr lang="en-US" altLang="zh-CN" sz="1400" i="1">
+                                              <a:latin typeface="Cambria Math" panose="02040503050406030204" pitchFamily="18" charset="0"/>
+                                            </a:rPr>
+                                            <m:t>2</m:t>
+                                          </m:r>
+                                        </m:sub>
+                                        <m:sup>
+                                          <m:r>
+                                            <a:rPr lang="en-US" altLang="zh-CN" sz="1400" i="1">
+                                              <a:latin typeface="Cambria Math" panose="02040503050406030204" pitchFamily="18" charset="0"/>
+                                            </a:rPr>
+                                            <m:t>𝑡</m:t>
+                                          </m:r>
+                                        </m:sup>
+                                      </m:sSubSup>
+                                    </m:e>
+                                  </m:d>
+                                </m:num>
+                                <m:den>
+                                  <m:sSubSup>
+                                    <m:sSubSupPr>
+                                      <m:ctrlPr>
+                                        <a:rPr lang="en-US" altLang="zh-CN" sz="1400" i="1">
+                                          <a:latin typeface="Cambria Math" panose="02040503050406030204" pitchFamily="18" charset="0"/>
+                                        </a:rPr>
+                                      </m:ctrlPr>
+                                    </m:sSubSupPr>
+                                    <m:e>
+                                      <m:r>
+                                        <a:rPr lang="zh-CN" altLang="en-US" sz="1400" i="1">
+                                          <a:latin typeface="Cambria Math" panose="02040503050406030204" pitchFamily="18" charset="0"/>
+                                        </a:rPr>
+                                        <m:t>𝜕</m:t>
+                                      </m:r>
+                                      <m:r>
+                                        <a:rPr lang="en-US" altLang="zh-CN" sz="1400" i="1">
+                                          <a:latin typeface="Cambria Math" panose="02040503050406030204" pitchFamily="18" charset="0"/>
+                                        </a:rPr>
+                                        <m:t>h</m:t>
+                                      </m:r>
+                                    </m:e>
+                                    <m:sub>
+                                      <m:r>
+                                        <a:rPr lang="en-US" altLang="zh-CN" sz="1400" i="1">
+                                          <a:latin typeface="Cambria Math" panose="02040503050406030204" pitchFamily="18" charset="0"/>
+                                        </a:rPr>
+                                        <m:t>2</m:t>
+                                      </m:r>
+                                    </m:sub>
+                                    <m:sup>
+                                      <m:r>
+                                        <a:rPr lang="en-US" altLang="zh-CN" sz="1400" i="1">
+                                          <a:latin typeface="Cambria Math" panose="02040503050406030204" pitchFamily="18" charset="0"/>
+                                        </a:rPr>
+                                        <m:t>𝑡</m:t>
+                                      </m:r>
+                                      <m:r>
+                                        <a:rPr lang="en-US" altLang="zh-CN" sz="1400" i="1">
+                                          <a:latin typeface="Cambria Math" panose="02040503050406030204" pitchFamily="18" charset="0"/>
+                                        </a:rPr>
+                                        <m:t>−1</m:t>
+                                      </m:r>
+                                    </m:sup>
+                                  </m:sSubSup>
+                                </m:den>
+                              </m:f>
+                            </m:e>
+                            <m:e>
+                              <m:r>
+                                <a:rPr lang="en-US" altLang="zh-CN" sz="1400" b="0" i="1" smtClean="0">
+                                  <a:latin typeface="Cambria Math" panose="02040503050406030204" pitchFamily="18" charset="0"/>
+                                </a:rPr>
+                                <m:t>0</m:t>
+                              </m:r>
+                            </m:e>
+                          </m:mr>
+                          <m:mr>
+                            <m:e>
+                              <m:r>
+                                <a:rPr lang="en-US" altLang="zh-CN" sz="1400" b="0" i="1" smtClean="0">
+                                  <a:latin typeface="Cambria Math" panose="02040503050406030204" pitchFamily="18" charset="0"/>
+                                </a:rPr>
+                                <m:t>0</m:t>
+                              </m:r>
+                            </m:e>
+                            <m:e>
+                              <m:r>
+                                <a:rPr lang="en-US" altLang="zh-CN" sz="1400" b="0" i="1" smtClean="0">
+                                  <a:latin typeface="Cambria Math" panose="02040503050406030204" pitchFamily="18" charset="0"/>
+                                </a:rPr>
+                                <m:t>0</m:t>
+                              </m:r>
+                            </m:e>
+                            <m:e>
+                              <m:f>
+                                <m:fPr>
+                                  <m:ctrlPr>
+                                    <a:rPr lang="en-US" altLang="zh-CN" sz="1400" i="1">
+                                      <a:latin typeface="Cambria Math" panose="02040503050406030204" pitchFamily="18" charset="0"/>
+                                    </a:rPr>
+                                  </m:ctrlPr>
+                                </m:fPr>
+                                <m:num>
+                                  <m:r>
+                                    <a:rPr lang="zh-CN" altLang="en-US" sz="1400" i="1">
+                                      <a:latin typeface="Cambria Math" panose="02040503050406030204" pitchFamily="18" charset="0"/>
+                                    </a:rPr>
+                                    <m:t>𝜕</m:t>
+                                  </m:r>
+                                  <m:d>
+                                    <m:dPr>
+                                      <m:ctrlPr>
+                                        <a:rPr lang="en-US" altLang="zh-CN" sz="1400" i="1">
+                                          <a:latin typeface="Cambria Math" panose="02040503050406030204" pitchFamily="18" charset="0"/>
+                                        </a:rPr>
+                                      </m:ctrlPr>
+                                    </m:dPr>
+                                    <m:e>
+                                      <m:sSubSup>
+                                        <m:sSubSupPr>
+                                          <m:ctrlPr>
+                                            <a:rPr lang="en-US" altLang="zh-CN" sz="1400" i="1">
+                                              <a:latin typeface="Cambria Math" panose="02040503050406030204" pitchFamily="18" charset="0"/>
+                                            </a:rPr>
+                                          </m:ctrlPr>
+                                        </m:sSubSupPr>
+                                        <m:e>
+                                          <m:r>
+                                            <a:rPr lang="en-US" altLang="zh-CN" sz="1400" i="1">
+                                              <a:latin typeface="Cambria Math" panose="02040503050406030204" pitchFamily="18" charset="0"/>
+                                            </a:rPr>
+                                            <m:t>h</m:t>
+                                          </m:r>
+                                        </m:e>
+                                        <m:sub>
+                                          <m:r>
+                                            <a:rPr lang="en-US" altLang="zh-CN" sz="1400" i="1">
+                                              <a:latin typeface="Cambria Math" panose="02040503050406030204" pitchFamily="18" charset="0"/>
+                                            </a:rPr>
+                                            <m:t>3</m:t>
+                                          </m:r>
+                                        </m:sub>
+                                        <m:sup>
+                                          <m:r>
+                                            <a:rPr lang="en-US" altLang="zh-CN" sz="1400" i="1">
+                                              <a:latin typeface="Cambria Math" panose="02040503050406030204" pitchFamily="18" charset="0"/>
+                                            </a:rPr>
+                                            <m:t>𝑡</m:t>
+                                          </m:r>
+                                        </m:sup>
+                                      </m:sSubSup>
+                                    </m:e>
+                                  </m:d>
+                                </m:num>
+                                <m:den>
+                                  <m:sSubSup>
+                                    <m:sSubSupPr>
+                                      <m:ctrlPr>
+                                        <a:rPr lang="en-US" altLang="zh-CN" sz="1400" i="1">
+                                          <a:latin typeface="Cambria Math" panose="02040503050406030204" pitchFamily="18" charset="0"/>
+                                        </a:rPr>
+                                      </m:ctrlPr>
+                                    </m:sSubSupPr>
+                                    <m:e>
+                                      <m:r>
+                                        <a:rPr lang="zh-CN" altLang="en-US" sz="1400" i="1">
+                                          <a:latin typeface="Cambria Math" panose="02040503050406030204" pitchFamily="18" charset="0"/>
+                                        </a:rPr>
+                                        <m:t>𝜕</m:t>
+                                      </m:r>
+                                      <m:r>
+                                        <a:rPr lang="en-US" altLang="zh-CN" sz="1400" i="1">
+                                          <a:latin typeface="Cambria Math" panose="02040503050406030204" pitchFamily="18" charset="0"/>
+                                        </a:rPr>
+                                        <m:t>h</m:t>
+                                      </m:r>
+                                    </m:e>
+                                    <m:sub>
+                                      <m:r>
+                                        <a:rPr lang="en-US" altLang="zh-CN" sz="1400" i="1">
+                                          <a:latin typeface="Cambria Math" panose="02040503050406030204" pitchFamily="18" charset="0"/>
+                                        </a:rPr>
+                                        <m:t>3</m:t>
+                                      </m:r>
+                                    </m:sub>
+                                    <m:sup>
+                                      <m:r>
+                                        <a:rPr lang="en-US" altLang="zh-CN" sz="1400" i="1">
+                                          <a:latin typeface="Cambria Math" panose="02040503050406030204" pitchFamily="18" charset="0"/>
+                                        </a:rPr>
+                                        <m:t>𝑡</m:t>
+                                      </m:r>
+                                      <m:r>
+                                        <a:rPr lang="en-US" altLang="zh-CN" sz="1400" i="1">
+                                          <a:latin typeface="Cambria Math" panose="02040503050406030204" pitchFamily="18" charset="0"/>
+                                        </a:rPr>
+                                        <m:t>−1</m:t>
+                                      </m:r>
+                                    </m:sup>
+                                  </m:sSubSup>
+                                </m:den>
+                              </m:f>
+                            </m:e>
+                          </m:mr>
+                        </m:m>
+                      </m:e>
+                    </m:d>
+                  </m:oMath>
+                </a14:m>
+                <a:endParaRPr lang="zh-CN" altLang="en-US" sz="1400"/>
+              </a:p>
+            </p:txBody>
+          </p:sp>
+        </mc:Choice>
+        <mc:Fallback>
+          <p:sp>
+            <p:nvSpPr>
+              <p:cNvPr id="10" name="文本框 9">
+                <a:extLst>
+                  <a:ext uri="{FF2B5EF4-FFF2-40B4-BE49-F238E27FC236}">
+                    <a16:creationId xmlns:a16="http://schemas.microsoft.com/office/drawing/2014/main" id="{28EECA84-36E1-4E79-B715-B7E770FA121C}"/>
+                  </a:ext>
+                </a:extLst>
+              </p:cNvPr>
+              <p:cNvSpPr txBox="1">
+                <a:spLocks noRot="1" noChangeAspect="1" noMove="1" noResize="1" noEditPoints="1" noAdjustHandles="1" noChangeArrowheads="1" noChangeShapeType="1" noTextEdit="1"/>
+              </p:cNvSpPr>
+              <p:nvPr/>
+            </p:nvSpPr>
+            <p:spPr>
+              <a:xfrm>
+                <a:off x="3299281" y="1222028"/>
+                <a:ext cx="5785430" cy="1310295"/>
+              </a:xfrm>
+              <a:prstGeom prst="rect">
+                <a:avLst/>
+              </a:prstGeom>
+              <a:blipFill>
+                <a:blip r:embed="rId5"/>
+                <a:stretch>
+                  <a:fillRect/>
+                </a:stretch>
+              </a:blipFill>
+            </p:spPr>
+            <p:txBody>
+              <a:bodyPr/>
+              <a:lstStyle/>
+              <a:p>
+                <a:r>
+                  <a:rPr lang="zh-CN" altLang="en-US">
+                    <a:noFill/>
+                  </a:rPr>
+                  <a:t> </a:t>
+                </a:r>
+              </a:p>
+            </p:txBody>
+          </p:sp>
+        </mc:Fallback>
+      </mc:AlternateContent>
+      <p:pic>
+        <p:nvPicPr>
+          <p:cNvPr id="1026" name="Picture 2" descr="在这里插入图片描述">
+            <a:extLst>
+              <a:ext uri="{FF2B5EF4-FFF2-40B4-BE49-F238E27FC236}">
+                <a16:creationId xmlns:a16="http://schemas.microsoft.com/office/drawing/2014/main" id="{6973CCB4-77F2-42B2-90DD-79219937F92C}"/>
+              </a:ext>
+            </a:extLst>
+          </p:cNvPr>
+          <p:cNvPicPr>
+            <a:picLocks noChangeAspect="1" noChangeArrowheads="1"/>
+          </p:cNvPicPr>
+          <p:nvPr/>
+        </p:nvPicPr>
+        <p:blipFill rotWithShape="1">
+          <a:blip r:embed="rId6">
+            <a:extLst>
+              <a:ext uri="{28A0092B-C50C-407E-A947-70E740481C1C}">
+                <a14:useLocalDpi xmlns:a14="http://schemas.microsoft.com/office/drawing/2010/main" val="0"/>
+              </a:ext>
+            </a:extLst>
+          </a:blip>
+          <a:srcRect r="43688"/>
+          <a:stretch/>
+        </p:blipFill>
+        <p:spPr bwMode="auto">
+          <a:xfrm>
+            <a:off x="94138" y="1024826"/>
+            <a:ext cx="2453258" cy="2341642"/>
+          </a:xfrm>
+          <a:prstGeom prst="rect">
+            <a:avLst/>
+          </a:prstGeom>
+          <a:noFill/>
+          <a:extLst>
+            <a:ext uri="{909E8E84-426E-40DD-AFC4-6F175D3DCCD1}">
+              <a14:hiddenFill xmlns:a14="http://schemas.microsoft.com/office/drawing/2010/main">
+                <a:solidFill>
+                  <a:srgbClr val="FFFFFF"/>
+                </a:solidFill>
+              </a14:hiddenFill>
+            </a:ext>
+          </a:extLst>
+        </p:spPr>
+      </p:pic>
+      <p:pic>
+        <p:nvPicPr>
+          <p:cNvPr id="12" name="Picture 2" descr="在这里插入图片描述">
+            <a:extLst>
+              <a:ext uri="{FF2B5EF4-FFF2-40B4-BE49-F238E27FC236}">
+                <a16:creationId xmlns:a16="http://schemas.microsoft.com/office/drawing/2014/main" id="{1A130D73-85B7-4B51-830A-B8F2B9621E07}"/>
+              </a:ext>
+            </a:extLst>
+          </p:cNvPr>
+          <p:cNvPicPr>
+            <a:picLocks noChangeAspect="1" noChangeArrowheads="1"/>
+          </p:cNvPicPr>
+          <p:nvPr/>
+        </p:nvPicPr>
+        <p:blipFill rotWithShape="1">
+          <a:blip r:embed="rId6">
+            <a:extLst>
+              <a:ext uri="{28A0092B-C50C-407E-A947-70E740481C1C}">
+                <a14:useLocalDpi xmlns:a14="http://schemas.microsoft.com/office/drawing/2010/main" val="0"/>
+              </a:ext>
+            </a:extLst>
+          </a:blip>
+          <a:srcRect l="72652" r="2198" b="50064"/>
+          <a:stretch/>
+        </p:blipFill>
+        <p:spPr bwMode="auto">
+          <a:xfrm>
+            <a:off x="589128" y="3462796"/>
+            <a:ext cx="1209922" cy="1291246"/>
+          </a:xfrm>
+          <a:prstGeom prst="rect">
+            <a:avLst/>
+          </a:prstGeom>
+          <a:noFill/>
+          <a:extLst>
+            <a:ext uri="{909E8E84-426E-40DD-AFC4-6F175D3DCCD1}">
+              <a14:hiddenFill xmlns:a14="http://schemas.microsoft.com/office/drawing/2010/main">
+                <a:solidFill>
+                  <a:srgbClr val="FFFFFF"/>
+                </a:solidFill>
+              </a14:hiddenFill>
+            </a:ext>
+          </a:extLst>
+        </p:spPr>
+      </p:pic>
+      <p:sp>
+        <p:nvSpPr>
+          <p:cNvPr id="13" name="文本框 12">
+            <a:extLst>
+              <a:ext uri="{FF2B5EF4-FFF2-40B4-BE49-F238E27FC236}">
+                <a16:creationId xmlns:a16="http://schemas.microsoft.com/office/drawing/2014/main" id="{0E1E5E57-B4C0-4D74-BCDD-EC926A60157B}"/>
+              </a:ext>
+            </a:extLst>
+          </p:cNvPr>
+          <p:cNvSpPr txBox="1"/>
+          <p:nvPr/>
+        </p:nvSpPr>
+        <p:spPr>
+          <a:xfrm>
+            <a:off x="4239585" y="2198485"/>
+            <a:ext cx="761747" cy="230832"/>
+          </a:xfrm>
+          <a:prstGeom prst="rect">
+            <a:avLst/>
+          </a:prstGeom>
+          <a:noFill/>
+        </p:spPr>
+        <p:txBody>
+          <a:bodyPr wrap="none" rtlCol="0">
+            <a:spAutoFit/>
+          </a:bodyPr>
+          <a:lstStyle/>
+          <a:p>
+            <a:r>
+              <a:rPr lang="zh-CN" altLang="en-US" sz="900">
+                <a:solidFill>
+                  <a:srgbClr val="FF0000"/>
+                </a:solidFill>
+              </a:rPr>
+              <a:t>先展开分子</a:t>
+            </a:r>
+          </a:p>
+        </p:txBody>
+      </p:sp>
+      <p:sp>
+        <p:nvSpPr>
+          <p:cNvPr id="17" name="文本框 16">
+            <a:extLst>
+              <a:ext uri="{FF2B5EF4-FFF2-40B4-BE49-F238E27FC236}">
+                <a16:creationId xmlns:a16="http://schemas.microsoft.com/office/drawing/2014/main" id="{6E80DCFA-F99F-47A1-9393-8C91275A75D5}"/>
+              </a:ext>
+            </a:extLst>
+          </p:cNvPr>
+          <p:cNvSpPr txBox="1"/>
+          <p:nvPr/>
+        </p:nvSpPr>
+        <p:spPr>
+          <a:xfrm>
+            <a:off x="6033816" y="2595020"/>
+            <a:ext cx="761747" cy="230832"/>
+          </a:xfrm>
+          <a:prstGeom prst="rect">
+            <a:avLst/>
+          </a:prstGeom>
+          <a:noFill/>
+        </p:spPr>
+        <p:txBody>
+          <a:bodyPr wrap="none" rtlCol="0">
+            <a:spAutoFit/>
+          </a:bodyPr>
+          <a:lstStyle/>
+          <a:p>
+            <a:r>
+              <a:rPr lang="zh-CN" altLang="en-US" sz="900">
+                <a:solidFill>
+                  <a:srgbClr val="FF0000"/>
+                </a:solidFill>
+              </a:rPr>
+              <a:t>再展开分母</a:t>
+            </a:r>
+          </a:p>
+        </p:txBody>
+      </p:sp>
+      <p:sp>
+        <p:nvSpPr>
+          <p:cNvPr id="18" name="文本框 17">
+            <a:extLst>
+              <a:ext uri="{FF2B5EF4-FFF2-40B4-BE49-F238E27FC236}">
+                <a16:creationId xmlns:a16="http://schemas.microsoft.com/office/drawing/2014/main" id="{F233D0E9-69FD-4DF8-9565-C7FFC08AFDE1}"/>
+              </a:ext>
+            </a:extLst>
+          </p:cNvPr>
+          <p:cNvSpPr txBox="1"/>
+          <p:nvPr/>
+        </p:nvSpPr>
+        <p:spPr>
+          <a:xfrm>
+            <a:off x="4070225" y="3234476"/>
+            <a:ext cx="877163" cy="230832"/>
+          </a:xfrm>
+          <a:prstGeom prst="rect">
+            <a:avLst/>
+          </a:prstGeom>
+          <a:noFill/>
+        </p:spPr>
+        <p:txBody>
+          <a:bodyPr wrap="none" rtlCol="0">
+            <a:spAutoFit/>
+          </a:bodyPr>
+          <a:lstStyle/>
+          <a:p>
+            <a:r>
+              <a:rPr lang="zh-CN" altLang="en-US" sz="900">
+                <a:solidFill>
+                  <a:srgbClr val="FF0000"/>
+                </a:solidFill>
+              </a:rPr>
+              <a:t>最后代入公式</a:t>
+            </a:r>
+          </a:p>
+        </p:txBody>
+      </p:sp>
+      <mc:AlternateContent xmlns:mc="http://schemas.openxmlformats.org/markup-compatibility/2006">
+        <mc:Choice xmlns:a14="http://schemas.microsoft.com/office/drawing/2010/main" Requires="a14">
+          <p:sp>
+            <p:nvSpPr>
+              <p:cNvPr id="20" name="文本框 19">
+                <a:extLst>
+                  <a:ext uri="{FF2B5EF4-FFF2-40B4-BE49-F238E27FC236}">
+                    <a16:creationId xmlns:a16="http://schemas.microsoft.com/office/drawing/2014/main" id="{116AB8D5-EE00-4330-9515-401E8A8DD00C}"/>
+                  </a:ext>
+                </a:extLst>
+              </p:cNvPr>
+              <p:cNvSpPr txBox="1"/>
+              <p:nvPr/>
+            </p:nvSpPr>
+            <p:spPr>
+              <a:xfrm>
+                <a:off x="4772188" y="3098331"/>
+                <a:ext cx="2270331" cy="465384"/>
+              </a:xfrm>
+              <a:prstGeom prst="rect">
+                <a:avLst/>
+              </a:prstGeom>
+              <a:noFill/>
+            </p:spPr>
+            <p:txBody>
+              <a:bodyPr wrap="square">
+                <a:spAutoFit/>
+              </a:bodyPr>
+              <a:lstStyle/>
+              <a:p>
+                <a:pPr/>
+                <a14:m>
+                  <m:oMathPara xmlns:m="http://schemas.openxmlformats.org/officeDocument/2006/math">
+                    <m:oMathParaPr>
+                      <m:jc m:val="centerGroup"/>
+                    </m:oMathParaPr>
+                    <m:oMath xmlns:m="http://schemas.openxmlformats.org/officeDocument/2006/math">
+                      <m:f>
+                        <m:fPr>
+                          <m:ctrlPr>
+                            <a:rPr lang="en-US" altLang="zh-CN" sz="1050" i="1" smtClean="0">
+                              <a:latin typeface="Cambria Math" panose="02040503050406030204" pitchFamily="18" charset="0"/>
+                            </a:rPr>
+                          </m:ctrlPr>
+                        </m:fPr>
+                        <m:num>
+                          <m:r>
+                            <a:rPr lang="zh-CN" altLang="en-US" sz="1050" i="1">
+                              <a:latin typeface="Cambria Math" panose="02040503050406030204" pitchFamily="18" charset="0"/>
+                            </a:rPr>
+                            <m:t>𝜕</m:t>
+                          </m:r>
+                          <m:d>
+                            <m:dPr>
+                              <m:ctrlPr>
+                                <a:rPr lang="en-US" altLang="zh-CN" sz="1050" i="1">
+                                  <a:latin typeface="Cambria Math" panose="02040503050406030204" pitchFamily="18" charset="0"/>
+                                </a:rPr>
+                              </m:ctrlPr>
+                            </m:dPr>
+                            <m:e>
+                              <m:sSubSup>
+                                <m:sSubSupPr>
+                                  <m:ctrlPr>
+                                    <a:rPr lang="en-US" altLang="zh-CN" sz="1050" i="1">
+                                      <a:latin typeface="Cambria Math" panose="02040503050406030204" pitchFamily="18" charset="0"/>
+                                    </a:rPr>
+                                  </m:ctrlPr>
+                                </m:sSubSupPr>
+                                <m:e>
+                                  <m:r>
+                                    <a:rPr lang="en-US" altLang="zh-CN" sz="1050" i="1">
+                                      <a:latin typeface="Cambria Math" panose="02040503050406030204" pitchFamily="18" charset="0"/>
+                                    </a:rPr>
+                                    <m:t>h</m:t>
+                                  </m:r>
+                                </m:e>
+                                <m:sub>
+                                  <m:r>
+                                    <a:rPr lang="en-US" altLang="zh-CN" sz="1050" i="1">
+                                      <a:latin typeface="Cambria Math" panose="02040503050406030204" pitchFamily="18" charset="0"/>
+                                    </a:rPr>
+                                    <m:t>1</m:t>
+                                  </m:r>
+                                </m:sub>
+                                <m:sup>
+                                  <m:r>
+                                    <a:rPr lang="en-US" altLang="zh-CN" sz="1050" i="1">
+                                      <a:latin typeface="Cambria Math" panose="02040503050406030204" pitchFamily="18" charset="0"/>
+                                    </a:rPr>
+                                    <m:t>𝑡</m:t>
+                                  </m:r>
+                                </m:sup>
+                              </m:sSubSup>
+                            </m:e>
+                          </m:d>
+                        </m:num>
+                        <m:den>
+                          <m:sSubSup>
+                            <m:sSubSupPr>
+                              <m:ctrlPr>
+                                <a:rPr lang="en-US" altLang="zh-CN" sz="1050" i="1">
+                                  <a:latin typeface="Cambria Math" panose="02040503050406030204" pitchFamily="18" charset="0"/>
+                                </a:rPr>
+                              </m:ctrlPr>
+                            </m:sSubSupPr>
+                            <m:e>
+                              <m:r>
+                                <a:rPr lang="zh-CN" altLang="en-US" sz="1050" i="1">
+                                  <a:latin typeface="Cambria Math" panose="02040503050406030204" pitchFamily="18" charset="0"/>
+                                </a:rPr>
+                                <m:t>𝜕</m:t>
+                              </m:r>
+                              <m:r>
+                                <a:rPr lang="en-US" altLang="zh-CN" sz="1050" i="1">
+                                  <a:latin typeface="Cambria Math" panose="02040503050406030204" pitchFamily="18" charset="0"/>
+                                </a:rPr>
+                                <m:t>h</m:t>
+                              </m:r>
+                            </m:e>
+                            <m:sub>
+                              <m:r>
+                                <a:rPr lang="en-US" altLang="zh-CN" sz="1050" b="0" i="1" smtClean="0">
+                                  <a:latin typeface="Cambria Math" panose="02040503050406030204" pitchFamily="18" charset="0"/>
+                                </a:rPr>
+                                <m:t>1</m:t>
+                              </m:r>
+                            </m:sub>
+                            <m:sup>
+                              <m:r>
+                                <a:rPr lang="en-US" altLang="zh-CN" sz="1050" i="1">
+                                  <a:latin typeface="Cambria Math" panose="02040503050406030204" pitchFamily="18" charset="0"/>
+                                </a:rPr>
+                                <m:t>𝑡</m:t>
+                              </m:r>
+                              <m:r>
+                                <a:rPr lang="en-US" altLang="zh-CN" sz="1050" i="1">
+                                  <a:latin typeface="Cambria Math" panose="02040503050406030204" pitchFamily="18" charset="0"/>
+                                </a:rPr>
+                                <m:t>−1</m:t>
+                              </m:r>
+                            </m:sup>
+                          </m:sSubSup>
+                        </m:den>
+                      </m:f>
+                      <m:r>
+                        <a:rPr lang="en-US" altLang="zh-CN" sz="1050" i="1">
+                          <a:latin typeface="Cambria Math" panose="02040503050406030204" pitchFamily="18" charset="0"/>
+                        </a:rPr>
+                        <m:t>=</m:t>
+                      </m:r>
+                      <m:f>
+                        <m:fPr>
+                          <m:ctrlPr>
+                            <a:rPr lang="en-US" altLang="zh-CN" sz="1050" i="1">
+                              <a:latin typeface="Cambria Math" panose="02040503050406030204" pitchFamily="18" charset="0"/>
+                            </a:rPr>
+                          </m:ctrlPr>
+                        </m:fPr>
+                        <m:num>
+                          <m:r>
+                            <a:rPr lang="zh-CN" altLang="en-US" sz="1050" i="1">
+                              <a:latin typeface="Cambria Math" panose="02040503050406030204" pitchFamily="18" charset="0"/>
+                            </a:rPr>
+                            <m:t>𝜕</m:t>
+                          </m:r>
+                          <m:d>
+                            <m:dPr>
+                              <m:ctrlPr>
+                                <a:rPr lang="en-US" altLang="zh-CN" sz="1050" i="1">
+                                  <a:latin typeface="Cambria Math" panose="02040503050406030204" pitchFamily="18" charset="0"/>
+                                </a:rPr>
+                              </m:ctrlPr>
+                            </m:dPr>
+                            <m:e>
+                              <m:r>
+                                <a:rPr lang="zh-CN" altLang="en-US" sz="1050" i="1" smtClean="0">
+                                  <a:latin typeface="Cambria Math" panose="02040503050406030204" pitchFamily="18" charset="0"/>
+                                </a:rPr>
+                                <m:t>𝜎</m:t>
+                              </m:r>
+                              <m:r>
+                                <a:rPr lang="en-US" altLang="zh-CN" sz="1050" b="0" i="1" smtClean="0">
+                                  <a:latin typeface="Cambria Math" panose="02040503050406030204" pitchFamily="18" charset="0"/>
+                                </a:rPr>
+                                <m:t>(</m:t>
+                              </m:r>
+                              <m:sSubSup>
+                                <m:sSubSupPr>
+                                  <m:ctrlPr>
+                                    <a:rPr lang="en-US" altLang="zh-CN" sz="1050" i="1">
+                                      <a:latin typeface="Cambria Math" panose="02040503050406030204" pitchFamily="18" charset="0"/>
+                                    </a:rPr>
+                                  </m:ctrlPr>
+                                </m:sSubSupPr>
+                                <m:e>
+                                  <m:r>
+                                    <a:rPr lang="en-US" altLang="zh-CN" sz="1050" i="1">
+                                      <a:latin typeface="Cambria Math" panose="02040503050406030204" pitchFamily="18" charset="0"/>
+                                    </a:rPr>
+                                    <m:t>𝑤</m:t>
+                                  </m:r>
+                                </m:e>
+                                <m:sub>
+                                  <m:r>
+                                    <a:rPr lang="en-US" altLang="zh-CN" sz="1050" i="1">
+                                      <a:latin typeface="Cambria Math" panose="02040503050406030204" pitchFamily="18" charset="0"/>
+                                    </a:rPr>
+                                    <m:t>1</m:t>
+                                  </m:r>
+                                </m:sub>
+                                <m:sup>
+                                  <m:r>
+                                    <a:rPr lang="en-US" altLang="zh-CN" sz="1050" i="1">
+                                      <a:latin typeface="Cambria Math" panose="02040503050406030204" pitchFamily="18" charset="0"/>
+                                    </a:rPr>
+                                    <m:t>𝑡</m:t>
+                                  </m:r>
+                                </m:sup>
+                              </m:sSubSup>
+                              <m:r>
+                                <a:rPr lang="en-US" altLang="zh-CN" sz="1050" i="1" smtClean="0">
+                                  <a:latin typeface="Cambria Math" panose="02040503050406030204" pitchFamily="18" charset="0"/>
+                                  <a:ea typeface="Cambria Math" panose="02040503050406030204" pitchFamily="18" charset="0"/>
+                                </a:rPr>
+                                <m:t>×</m:t>
+                              </m:r>
+                              <m:sSubSup>
+                                <m:sSubSupPr>
+                                  <m:ctrlPr>
+                                    <a:rPr lang="en-US" altLang="zh-CN" sz="1050" i="1">
+                                      <a:latin typeface="Cambria Math" panose="02040503050406030204" pitchFamily="18" charset="0"/>
+                                    </a:rPr>
+                                  </m:ctrlPr>
+                                </m:sSubSupPr>
+                                <m:e>
+                                  <m:r>
+                                    <a:rPr lang="en-US" altLang="zh-CN" sz="1050" i="1">
+                                      <a:latin typeface="Cambria Math" panose="02040503050406030204" pitchFamily="18" charset="0"/>
+                                    </a:rPr>
+                                    <m:t>h</m:t>
+                                  </m:r>
+                                </m:e>
+                                <m:sub>
+                                  <m:r>
+                                    <a:rPr lang="en-US" altLang="zh-CN" sz="1050" i="1">
+                                      <a:latin typeface="Cambria Math" panose="02040503050406030204" pitchFamily="18" charset="0"/>
+                                    </a:rPr>
+                                    <m:t>1</m:t>
+                                  </m:r>
+                                </m:sub>
+                                <m:sup>
+                                  <m:r>
+                                    <a:rPr lang="en-US" altLang="zh-CN" sz="1050" i="1">
+                                      <a:latin typeface="Cambria Math" panose="02040503050406030204" pitchFamily="18" charset="0"/>
+                                    </a:rPr>
+                                    <m:t>𝑡</m:t>
+                                  </m:r>
+                                  <m:r>
+                                    <a:rPr lang="en-US" altLang="zh-CN" sz="1050" i="1">
+                                      <a:latin typeface="Cambria Math" panose="02040503050406030204" pitchFamily="18" charset="0"/>
+                                    </a:rPr>
+                                    <m:t>−1</m:t>
+                                  </m:r>
+                                </m:sup>
+                              </m:sSubSup>
+                              <m:r>
+                                <a:rPr lang="en-US" altLang="zh-CN" sz="1050" b="0" i="1" smtClean="0">
+                                  <a:latin typeface="Cambria Math" panose="02040503050406030204" pitchFamily="18" charset="0"/>
+                                </a:rPr>
+                                <m:t>)</m:t>
+                              </m:r>
+                            </m:e>
+                          </m:d>
+                        </m:num>
+                        <m:den>
+                          <m:sSubSup>
+                            <m:sSubSupPr>
+                              <m:ctrlPr>
+                                <a:rPr lang="en-US" altLang="zh-CN" sz="1050" i="1">
+                                  <a:latin typeface="Cambria Math" panose="02040503050406030204" pitchFamily="18" charset="0"/>
+                                </a:rPr>
+                              </m:ctrlPr>
+                            </m:sSubSupPr>
+                            <m:e>
+                              <m:r>
+                                <a:rPr lang="zh-CN" altLang="en-US" sz="1050" i="1">
+                                  <a:latin typeface="Cambria Math" panose="02040503050406030204" pitchFamily="18" charset="0"/>
+                                </a:rPr>
+                                <m:t>𝜕</m:t>
+                              </m:r>
+                              <m:r>
+                                <a:rPr lang="en-US" altLang="zh-CN" sz="1050" i="1">
+                                  <a:latin typeface="Cambria Math" panose="02040503050406030204" pitchFamily="18" charset="0"/>
+                                </a:rPr>
+                                <m:t>h</m:t>
+                              </m:r>
+                            </m:e>
+                            <m:sub>
+                              <m:r>
+                                <a:rPr lang="en-US" altLang="zh-CN" sz="1050" i="1">
+                                  <a:latin typeface="Cambria Math" panose="02040503050406030204" pitchFamily="18" charset="0"/>
+                                </a:rPr>
+                                <m:t>1</m:t>
+                              </m:r>
+                            </m:sub>
+                            <m:sup>
+                              <m:r>
+                                <a:rPr lang="en-US" altLang="zh-CN" sz="1050" i="1">
+                                  <a:latin typeface="Cambria Math" panose="02040503050406030204" pitchFamily="18" charset="0"/>
+                                </a:rPr>
+                                <m:t>𝑡</m:t>
+                              </m:r>
+                              <m:r>
+                                <a:rPr lang="en-US" altLang="zh-CN" sz="1050" i="1">
+                                  <a:latin typeface="Cambria Math" panose="02040503050406030204" pitchFamily="18" charset="0"/>
+                                </a:rPr>
+                                <m:t>−1</m:t>
+                              </m:r>
+                            </m:sup>
+                          </m:sSubSup>
+                        </m:den>
+                      </m:f>
+                      <m:r>
+                        <a:rPr lang="en-US" altLang="zh-CN" sz="1050" i="1" smtClean="0">
+                          <a:latin typeface="Cambria Math" panose="02040503050406030204" pitchFamily="18" charset="0"/>
+                          <a:ea typeface="Cambria Math" panose="02040503050406030204" pitchFamily="18" charset="0"/>
+                        </a:rPr>
+                        <m:t>≠</m:t>
+                      </m:r>
+                      <m:r>
+                        <a:rPr lang="en-US" altLang="zh-CN" sz="1050" b="0" i="1" smtClean="0">
+                          <a:latin typeface="Cambria Math" panose="02040503050406030204" pitchFamily="18" charset="0"/>
+                          <a:ea typeface="Cambria Math" panose="02040503050406030204" pitchFamily="18" charset="0"/>
+                        </a:rPr>
+                        <m:t>0</m:t>
+                      </m:r>
+                    </m:oMath>
+                  </m:oMathPara>
+                </a14:m>
+                <a:endParaRPr lang="zh-CN" altLang="en-US" sz="1050"/>
+              </a:p>
+            </p:txBody>
+          </p:sp>
+        </mc:Choice>
+        <mc:Fallback>
+          <p:sp>
+            <p:nvSpPr>
+              <p:cNvPr id="20" name="文本框 19">
+                <a:extLst>
+                  <a:ext uri="{FF2B5EF4-FFF2-40B4-BE49-F238E27FC236}">
+                    <a16:creationId xmlns:a16="http://schemas.microsoft.com/office/drawing/2014/main" id="{116AB8D5-EE00-4330-9515-401E8A8DD00C}"/>
+                  </a:ext>
+                </a:extLst>
+              </p:cNvPr>
+              <p:cNvSpPr txBox="1">
+                <a:spLocks noRot="1" noChangeAspect="1" noMove="1" noResize="1" noEditPoints="1" noAdjustHandles="1" noChangeArrowheads="1" noChangeShapeType="1" noTextEdit="1"/>
+              </p:cNvSpPr>
+              <p:nvPr/>
+            </p:nvSpPr>
+            <p:spPr>
+              <a:xfrm>
+                <a:off x="4772188" y="3098331"/>
+                <a:ext cx="2270331" cy="465384"/>
+              </a:xfrm>
+              <a:prstGeom prst="rect">
+                <a:avLst/>
+              </a:prstGeom>
+              <a:blipFill>
+                <a:blip r:embed="rId7"/>
+                <a:stretch>
+                  <a:fillRect/>
+                </a:stretch>
+              </a:blipFill>
+            </p:spPr>
+            <p:txBody>
+              <a:bodyPr/>
+              <a:lstStyle/>
+              <a:p>
+                <a:r>
+                  <a:rPr lang="zh-CN" altLang="en-US">
+                    <a:noFill/>
+                  </a:rPr>
+                  <a:t> </a:t>
+                </a:r>
+              </a:p>
+            </p:txBody>
+          </p:sp>
+        </mc:Fallback>
+      </mc:AlternateContent>
+      <mc:AlternateContent xmlns:mc="http://schemas.openxmlformats.org/markup-compatibility/2006">
+        <mc:Choice xmlns:a14="http://schemas.microsoft.com/office/drawing/2010/main" Requires="a14">
+          <p:sp>
+            <p:nvSpPr>
+              <p:cNvPr id="21" name="文本框 20">
+                <a:extLst>
+                  <a:ext uri="{FF2B5EF4-FFF2-40B4-BE49-F238E27FC236}">
+                    <a16:creationId xmlns:a16="http://schemas.microsoft.com/office/drawing/2014/main" id="{4E90810D-E75C-49CF-8646-2D8A8078F7C8}"/>
+                  </a:ext>
+                </a:extLst>
+              </p:cNvPr>
+              <p:cNvSpPr txBox="1"/>
+              <p:nvPr/>
+            </p:nvSpPr>
+            <p:spPr>
+              <a:xfrm>
+                <a:off x="4834720" y="3601453"/>
+                <a:ext cx="2270331" cy="465512"/>
+              </a:xfrm>
+              <a:prstGeom prst="rect">
+                <a:avLst/>
+              </a:prstGeom>
+              <a:noFill/>
+            </p:spPr>
+            <p:txBody>
+              <a:bodyPr wrap="square">
+                <a:spAutoFit/>
+              </a:bodyPr>
+              <a:lstStyle/>
+              <a:p>
+                <a:pPr/>
+                <a14:m>
+                  <m:oMathPara xmlns:m="http://schemas.openxmlformats.org/officeDocument/2006/math">
+                    <m:oMathParaPr>
+                      <m:jc m:val="centerGroup"/>
+                    </m:oMathParaPr>
+                    <m:oMath xmlns:m="http://schemas.openxmlformats.org/officeDocument/2006/math">
+                      <m:f>
+                        <m:fPr>
+                          <m:ctrlPr>
+                            <a:rPr lang="en-US" altLang="zh-CN" sz="1050" i="1" smtClean="0">
+                              <a:latin typeface="Cambria Math" panose="02040503050406030204" pitchFamily="18" charset="0"/>
+                            </a:rPr>
+                          </m:ctrlPr>
+                        </m:fPr>
+                        <m:num>
+                          <m:r>
+                            <a:rPr lang="zh-CN" altLang="en-US" sz="1050" i="1">
+                              <a:latin typeface="Cambria Math" panose="02040503050406030204" pitchFamily="18" charset="0"/>
+                            </a:rPr>
+                            <m:t>𝜕</m:t>
+                          </m:r>
+                          <m:d>
+                            <m:dPr>
+                              <m:ctrlPr>
+                                <a:rPr lang="en-US" altLang="zh-CN" sz="1050" i="1">
+                                  <a:latin typeface="Cambria Math" panose="02040503050406030204" pitchFamily="18" charset="0"/>
+                                </a:rPr>
+                              </m:ctrlPr>
+                            </m:dPr>
+                            <m:e>
+                              <m:sSubSup>
+                                <m:sSubSupPr>
+                                  <m:ctrlPr>
+                                    <a:rPr lang="en-US" altLang="zh-CN" sz="1050" i="1">
+                                      <a:latin typeface="Cambria Math" panose="02040503050406030204" pitchFamily="18" charset="0"/>
+                                    </a:rPr>
+                                  </m:ctrlPr>
+                                </m:sSubSupPr>
+                                <m:e>
+                                  <m:r>
+                                    <a:rPr lang="en-US" altLang="zh-CN" sz="1050" i="1">
+                                      <a:latin typeface="Cambria Math" panose="02040503050406030204" pitchFamily="18" charset="0"/>
+                                    </a:rPr>
+                                    <m:t>h</m:t>
+                                  </m:r>
+                                </m:e>
+                                <m:sub>
+                                  <m:r>
+                                    <a:rPr lang="en-US" altLang="zh-CN" sz="1050" i="1">
+                                      <a:latin typeface="Cambria Math" panose="02040503050406030204" pitchFamily="18" charset="0"/>
+                                    </a:rPr>
+                                    <m:t>1</m:t>
+                                  </m:r>
+                                </m:sub>
+                                <m:sup>
+                                  <m:r>
+                                    <a:rPr lang="en-US" altLang="zh-CN" sz="1050" i="1">
+                                      <a:latin typeface="Cambria Math" panose="02040503050406030204" pitchFamily="18" charset="0"/>
+                                    </a:rPr>
+                                    <m:t>𝑡</m:t>
+                                  </m:r>
+                                </m:sup>
+                              </m:sSubSup>
+                            </m:e>
+                          </m:d>
+                        </m:num>
+                        <m:den>
+                          <m:sSubSup>
+                            <m:sSubSupPr>
+                              <m:ctrlPr>
+                                <a:rPr lang="en-US" altLang="zh-CN" sz="1050" i="1">
+                                  <a:latin typeface="Cambria Math" panose="02040503050406030204" pitchFamily="18" charset="0"/>
+                                </a:rPr>
+                              </m:ctrlPr>
+                            </m:sSubSupPr>
+                            <m:e>
+                              <m:r>
+                                <a:rPr lang="zh-CN" altLang="en-US" sz="1050" i="1">
+                                  <a:latin typeface="Cambria Math" panose="02040503050406030204" pitchFamily="18" charset="0"/>
+                                </a:rPr>
+                                <m:t>𝜕</m:t>
+                              </m:r>
+                              <m:r>
+                                <a:rPr lang="en-US" altLang="zh-CN" sz="1050" i="1">
+                                  <a:latin typeface="Cambria Math" panose="02040503050406030204" pitchFamily="18" charset="0"/>
+                                </a:rPr>
+                                <m:t>h</m:t>
+                              </m:r>
+                            </m:e>
+                            <m:sub>
+                              <m:r>
+                                <a:rPr lang="en-US" altLang="zh-CN" sz="1050" b="0" i="1" smtClean="0">
+                                  <a:latin typeface="Cambria Math" panose="02040503050406030204" pitchFamily="18" charset="0"/>
+                                </a:rPr>
+                                <m:t>2</m:t>
+                              </m:r>
+                            </m:sub>
+                            <m:sup>
+                              <m:r>
+                                <a:rPr lang="en-US" altLang="zh-CN" sz="1050" i="1">
+                                  <a:latin typeface="Cambria Math" panose="02040503050406030204" pitchFamily="18" charset="0"/>
+                                </a:rPr>
+                                <m:t>𝑡</m:t>
+                              </m:r>
+                              <m:r>
+                                <a:rPr lang="en-US" altLang="zh-CN" sz="1050" i="1">
+                                  <a:latin typeface="Cambria Math" panose="02040503050406030204" pitchFamily="18" charset="0"/>
+                                </a:rPr>
+                                <m:t>−1</m:t>
+                              </m:r>
+                            </m:sup>
+                          </m:sSubSup>
+                        </m:den>
+                      </m:f>
+                      <m:r>
+                        <a:rPr lang="en-US" altLang="zh-CN" sz="1050" i="1">
+                          <a:latin typeface="Cambria Math" panose="02040503050406030204" pitchFamily="18" charset="0"/>
+                        </a:rPr>
+                        <m:t>=</m:t>
+                      </m:r>
+                      <m:f>
+                        <m:fPr>
+                          <m:ctrlPr>
+                            <a:rPr lang="en-US" altLang="zh-CN" sz="1050" i="1">
+                              <a:latin typeface="Cambria Math" panose="02040503050406030204" pitchFamily="18" charset="0"/>
+                            </a:rPr>
+                          </m:ctrlPr>
+                        </m:fPr>
+                        <m:num>
+                          <m:r>
+                            <a:rPr lang="zh-CN" altLang="en-US" sz="1050" i="1">
+                              <a:latin typeface="Cambria Math" panose="02040503050406030204" pitchFamily="18" charset="0"/>
+                            </a:rPr>
+                            <m:t>𝜕</m:t>
+                          </m:r>
+                          <m:d>
+                            <m:dPr>
+                              <m:ctrlPr>
+                                <a:rPr lang="en-US" altLang="zh-CN" sz="1050" i="1">
+                                  <a:latin typeface="Cambria Math" panose="02040503050406030204" pitchFamily="18" charset="0"/>
+                                </a:rPr>
+                              </m:ctrlPr>
+                            </m:dPr>
+                            <m:e>
+                              <m:r>
+                                <a:rPr lang="zh-CN" altLang="en-US" sz="1050" i="1" smtClean="0">
+                                  <a:latin typeface="Cambria Math" panose="02040503050406030204" pitchFamily="18" charset="0"/>
+                                </a:rPr>
+                                <m:t>𝜎</m:t>
+                              </m:r>
+                              <m:r>
+                                <a:rPr lang="en-US" altLang="zh-CN" sz="1050" b="0" i="1" smtClean="0">
+                                  <a:latin typeface="Cambria Math" panose="02040503050406030204" pitchFamily="18" charset="0"/>
+                                </a:rPr>
+                                <m:t>(</m:t>
+                              </m:r>
+                              <m:sSubSup>
+                                <m:sSubSupPr>
+                                  <m:ctrlPr>
+                                    <a:rPr lang="en-US" altLang="zh-CN" sz="1050" i="1">
+                                      <a:latin typeface="Cambria Math" panose="02040503050406030204" pitchFamily="18" charset="0"/>
+                                    </a:rPr>
+                                  </m:ctrlPr>
+                                </m:sSubSupPr>
+                                <m:e>
+                                  <m:r>
+                                    <a:rPr lang="en-US" altLang="zh-CN" sz="1050" i="1">
+                                      <a:latin typeface="Cambria Math" panose="02040503050406030204" pitchFamily="18" charset="0"/>
+                                    </a:rPr>
+                                    <m:t>𝑤</m:t>
+                                  </m:r>
+                                </m:e>
+                                <m:sub>
+                                  <m:r>
+                                    <a:rPr lang="en-US" altLang="zh-CN" sz="1050" i="1">
+                                      <a:latin typeface="Cambria Math" panose="02040503050406030204" pitchFamily="18" charset="0"/>
+                                    </a:rPr>
+                                    <m:t>1</m:t>
+                                  </m:r>
+                                </m:sub>
+                                <m:sup>
+                                  <m:r>
+                                    <a:rPr lang="en-US" altLang="zh-CN" sz="1050" i="1">
+                                      <a:latin typeface="Cambria Math" panose="02040503050406030204" pitchFamily="18" charset="0"/>
+                                    </a:rPr>
+                                    <m:t>𝑡</m:t>
+                                  </m:r>
+                                </m:sup>
+                              </m:sSubSup>
+                              <m:r>
+                                <a:rPr lang="en-US" altLang="zh-CN" sz="1050" i="1" smtClean="0">
+                                  <a:latin typeface="Cambria Math" panose="02040503050406030204" pitchFamily="18" charset="0"/>
+                                  <a:ea typeface="Cambria Math" panose="02040503050406030204" pitchFamily="18" charset="0"/>
+                                </a:rPr>
+                                <m:t>×</m:t>
+                              </m:r>
+                              <m:sSubSup>
+                                <m:sSubSupPr>
+                                  <m:ctrlPr>
+                                    <a:rPr lang="en-US" altLang="zh-CN" sz="1050" i="1">
+                                      <a:latin typeface="Cambria Math" panose="02040503050406030204" pitchFamily="18" charset="0"/>
+                                    </a:rPr>
+                                  </m:ctrlPr>
+                                </m:sSubSupPr>
+                                <m:e>
+                                  <m:r>
+                                    <a:rPr lang="en-US" altLang="zh-CN" sz="1050" i="1">
+                                      <a:latin typeface="Cambria Math" panose="02040503050406030204" pitchFamily="18" charset="0"/>
+                                    </a:rPr>
+                                    <m:t>h</m:t>
+                                  </m:r>
+                                </m:e>
+                                <m:sub>
+                                  <m:r>
+                                    <a:rPr lang="en-US" altLang="zh-CN" sz="1050" i="1">
+                                      <a:latin typeface="Cambria Math" panose="02040503050406030204" pitchFamily="18" charset="0"/>
+                                    </a:rPr>
+                                    <m:t>1</m:t>
+                                  </m:r>
+                                </m:sub>
+                                <m:sup>
+                                  <m:r>
+                                    <a:rPr lang="en-US" altLang="zh-CN" sz="1050" i="1">
+                                      <a:latin typeface="Cambria Math" panose="02040503050406030204" pitchFamily="18" charset="0"/>
+                                    </a:rPr>
+                                    <m:t>𝑡</m:t>
+                                  </m:r>
+                                  <m:r>
+                                    <a:rPr lang="en-US" altLang="zh-CN" sz="1050" i="1">
+                                      <a:latin typeface="Cambria Math" panose="02040503050406030204" pitchFamily="18" charset="0"/>
+                                    </a:rPr>
+                                    <m:t>−1</m:t>
+                                  </m:r>
+                                </m:sup>
+                              </m:sSubSup>
+                              <m:r>
+                                <a:rPr lang="en-US" altLang="zh-CN" sz="1050" b="0" i="1" smtClean="0">
+                                  <a:latin typeface="Cambria Math" panose="02040503050406030204" pitchFamily="18" charset="0"/>
+                                </a:rPr>
+                                <m:t>)</m:t>
+                              </m:r>
+                            </m:e>
+                          </m:d>
+                        </m:num>
+                        <m:den>
+                          <m:sSubSup>
+                            <m:sSubSupPr>
+                              <m:ctrlPr>
+                                <a:rPr lang="en-US" altLang="zh-CN" sz="1050" i="1">
+                                  <a:latin typeface="Cambria Math" panose="02040503050406030204" pitchFamily="18" charset="0"/>
+                                </a:rPr>
+                              </m:ctrlPr>
+                            </m:sSubSupPr>
+                            <m:e>
+                              <m:r>
+                                <a:rPr lang="zh-CN" altLang="en-US" sz="1050" i="1">
+                                  <a:latin typeface="Cambria Math" panose="02040503050406030204" pitchFamily="18" charset="0"/>
+                                </a:rPr>
+                                <m:t>𝜕</m:t>
+                              </m:r>
+                              <m:r>
+                                <a:rPr lang="en-US" altLang="zh-CN" sz="1050" i="1">
+                                  <a:latin typeface="Cambria Math" panose="02040503050406030204" pitchFamily="18" charset="0"/>
+                                </a:rPr>
+                                <m:t>h</m:t>
+                              </m:r>
+                            </m:e>
+                            <m:sub>
+                              <m:r>
+                                <a:rPr lang="en-US" altLang="zh-CN" sz="1050" b="0" i="1" smtClean="0">
+                                  <a:latin typeface="Cambria Math" panose="02040503050406030204" pitchFamily="18" charset="0"/>
+                                </a:rPr>
+                                <m:t>2</m:t>
+                              </m:r>
+                            </m:sub>
+                            <m:sup>
+                              <m:r>
+                                <a:rPr lang="en-US" altLang="zh-CN" sz="1050" i="1">
+                                  <a:latin typeface="Cambria Math" panose="02040503050406030204" pitchFamily="18" charset="0"/>
+                                </a:rPr>
+                                <m:t>𝑡</m:t>
+                              </m:r>
+                              <m:r>
+                                <a:rPr lang="en-US" altLang="zh-CN" sz="1050" i="1">
+                                  <a:latin typeface="Cambria Math" panose="02040503050406030204" pitchFamily="18" charset="0"/>
+                                </a:rPr>
+                                <m:t>−1</m:t>
+                              </m:r>
+                            </m:sup>
+                          </m:sSubSup>
+                        </m:den>
+                      </m:f>
+                      <m:r>
+                        <a:rPr lang="en-US" altLang="zh-CN" sz="1050" b="0" i="0" smtClean="0">
+                          <a:latin typeface="Cambria Math" panose="02040503050406030204" pitchFamily="18" charset="0"/>
+                        </a:rPr>
+                        <m:t>=0</m:t>
+                      </m:r>
+                    </m:oMath>
+                  </m:oMathPara>
+                </a14:m>
+                <a:endParaRPr lang="zh-CN" altLang="en-US" sz="1050"/>
+              </a:p>
+            </p:txBody>
+          </p:sp>
+        </mc:Choice>
+        <mc:Fallback>
+          <p:sp>
+            <p:nvSpPr>
+              <p:cNvPr id="21" name="文本框 20">
+                <a:extLst>
+                  <a:ext uri="{FF2B5EF4-FFF2-40B4-BE49-F238E27FC236}">
+                    <a16:creationId xmlns:a16="http://schemas.microsoft.com/office/drawing/2014/main" id="{4E90810D-E75C-49CF-8646-2D8A8078F7C8}"/>
+                  </a:ext>
+                </a:extLst>
+              </p:cNvPr>
+              <p:cNvSpPr txBox="1">
+                <a:spLocks noRot="1" noChangeAspect="1" noMove="1" noResize="1" noEditPoints="1" noAdjustHandles="1" noChangeArrowheads="1" noChangeShapeType="1" noTextEdit="1"/>
+              </p:cNvSpPr>
+              <p:nvPr/>
+            </p:nvSpPr>
+            <p:spPr>
+              <a:xfrm>
+                <a:off x="4834720" y="3601453"/>
+                <a:ext cx="2270331" cy="465512"/>
+              </a:xfrm>
+              <a:prstGeom prst="rect">
+                <a:avLst/>
+              </a:prstGeom>
+              <a:blipFill>
+                <a:blip r:embed="rId8"/>
+                <a:stretch>
+                  <a:fillRect/>
+                </a:stretch>
+              </a:blipFill>
+            </p:spPr>
+            <p:txBody>
+              <a:bodyPr/>
+              <a:lstStyle/>
+              <a:p>
+                <a:r>
+                  <a:rPr lang="zh-CN" altLang="en-US">
+                    <a:noFill/>
+                  </a:rPr>
+                  <a:t> </a:t>
+                </a:r>
+              </a:p>
+            </p:txBody>
+          </p:sp>
+        </mc:Fallback>
+      </mc:AlternateContent>
+      <p:cxnSp>
+        <p:nvCxnSpPr>
+          <p:cNvPr id="22" name="直接连接符 21">
+            <a:extLst>
+              <a:ext uri="{FF2B5EF4-FFF2-40B4-BE49-F238E27FC236}">
+                <a16:creationId xmlns:a16="http://schemas.microsoft.com/office/drawing/2014/main" id="{F195BBBA-56DD-41A5-8FD7-EF03D5742954}"/>
+              </a:ext>
+            </a:extLst>
+          </p:cNvPr>
+          <p:cNvCxnSpPr/>
+          <p:nvPr/>
+        </p:nvCxnSpPr>
+        <p:spPr>
+          <a:xfrm>
+            <a:off x="3076973" y="45198"/>
+            <a:ext cx="31292" cy="5058753"/>
+          </a:xfrm>
+          <a:prstGeom prst="line">
+            <a:avLst/>
+          </a:prstGeom>
+        </p:spPr>
+        <p:style>
+          <a:lnRef idx="1">
+            <a:schemeClr val="accent1"/>
+          </a:lnRef>
+          <a:fillRef idx="0">
+            <a:schemeClr val="accent1"/>
+          </a:fillRef>
+          <a:effectRef idx="0">
+            <a:schemeClr val="accent1"/>
+          </a:effectRef>
+          <a:fontRef idx="minor">
+            <a:schemeClr val="tx1"/>
+          </a:fontRef>
+        </p:style>
+      </p:cxnSp>
+    </p:spTree>
+    <p:extLst>
+      <p:ext uri="{BB962C8B-B14F-4D97-AF65-F5344CB8AC3E}">
+        <p14:creationId xmlns:p14="http://schemas.microsoft.com/office/powerpoint/2010/main" val="702565735"/>
       </p:ext>
     </p:extLst>
   </p:cSld>

--- a/绘图.pptx
+++ b/绘图.pptx
@@ -15,6 +15,7 @@
     <p:sldId id="263" r:id="rId9"/>
     <p:sldId id="264" r:id="rId10"/>
     <p:sldId id="265" r:id="rId11"/>
+    <p:sldId id="266" r:id="rId12"/>
   </p:sldIdLst>
   <p:sldSz cx="9144000" cy="5143500" type="screen16x9"/>
   <p:notesSz cx="6858000" cy="9144000"/>
@@ -275,7 +276,7 @@
           <a:p>
             <a:fld id="{84F26EE9-193A-4963-9AF3-364A384F1BF7}" type="datetimeFigureOut">
               <a:rPr lang="zh-CN" altLang="en-US" smtClean="0"/>
-              <a:t>2021/11/2</a:t>
+              <a:t>2021/11/3</a:t>
             </a:fld>
             <a:endParaRPr lang="zh-CN" altLang="en-US"/>
           </a:p>
@@ -445,7 +446,7 @@
           <a:p>
             <a:fld id="{84F26EE9-193A-4963-9AF3-364A384F1BF7}" type="datetimeFigureOut">
               <a:rPr lang="zh-CN" altLang="en-US" smtClean="0"/>
-              <a:t>2021/11/2</a:t>
+              <a:t>2021/11/3</a:t>
             </a:fld>
             <a:endParaRPr lang="zh-CN" altLang="en-US"/>
           </a:p>
@@ -625,7 +626,7 @@
           <a:p>
             <a:fld id="{84F26EE9-193A-4963-9AF3-364A384F1BF7}" type="datetimeFigureOut">
               <a:rPr lang="zh-CN" altLang="en-US" smtClean="0"/>
-              <a:t>2021/11/2</a:t>
+              <a:t>2021/11/3</a:t>
             </a:fld>
             <a:endParaRPr lang="zh-CN" altLang="en-US"/>
           </a:p>
@@ -795,7 +796,7 @@
           <a:p>
             <a:fld id="{84F26EE9-193A-4963-9AF3-364A384F1BF7}" type="datetimeFigureOut">
               <a:rPr lang="zh-CN" altLang="en-US" smtClean="0"/>
-              <a:t>2021/11/2</a:t>
+              <a:t>2021/11/3</a:t>
             </a:fld>
             <a:endParaRPr lang="zh-CN" altLang="en-US"/>
           </a:p>
@@ -1041,7 +1042,7 @@
           <a:p>
             <a:fld id="{84F26EE9-193A-4963-9AF3-364A384F1BF7}" type="datetimeFigureOut">
               <a:rPr lang="zh-CN" altLang="en-US" smtClean="0"/>
-              <a:t>2021/11/2</a:t>
+              <a:t>2021/11/3</a:t>
             </a:fld>
             <a:endParaRPr lang="zh-CN" altLang="en-US"/>
           </a:p>
@@ -1273,7 +1274,7 @@
           <a:p>
             <a:fld id="{84F26EE9-193A-4963-9AF3-364A384F1BF7}" type="datetimeFigureOut">
               <a:rPr lang="zh-CN" altLang="en-US" smtClean="0"/>
-              <a:t>2021/11/2</a:t>
+              <a:t>2021/11/3</a:t>
             </a:fld>
             <a:endParaRPr lang="zh-CN" altLang="en-US"/>
           </a:p>
@@ -1640,7 +1641,7 @@
           <a:p>
             <a:fld id="{84F26EE9-193A-4963-9AF3-364A384F1BF7}" type="datetimeFigureOut">
               <a:rPr lang="zh-CN" altLang="en-US" smtClean="0"/>
-              <a:t>2021/11/2</a:t>
+              <a:t>2021/11/3</a:t>
             </a:fld>
             <a:endParaRPr lang="zh-CN" altLang="en-US"/>
           </a:p>
@@ -1758,7 +1759,7 @@
           <a:p>
             <a:fld id="{84F26EE9-193A-4963-9AF3-364A384F1BF7}" type="datetimeFigureOut">
               <a:rPr lang="zh-CN" altLang="en-US" smtClean="0"/>
-              <a:t>2021/11/2</a:t>
+              <a:t>2021/11/3</a:t>
             </a:fld>
             <a:endParaRPr lang="zh-CN" altLang="en-US"/>
           </a:p>
@@ -1853,7 +1854,7 @@
           <a:p>
             <a:fld id="{84F26EE9-193A-4963-9AF3-364A384F1BF7}" type="datetimeFigureOut">
               <a:rPr lang="zh-CN" altLang="en-US" smtClean="0"/>
-              <a:t>2021/11/2</a:t>
+              <a:t>2021/11/3</a:t>
             </a:fld>
             <a:endParaRPr lang="zh-CN" altLang="en-US"/>
           </a:p>
@@ -2130,7 +2131,7 @@
           <a:p>
             <a:fld id="{84F26EE9-193A-4963-9AF3-364A384F1BF7}" type="datetimeFigureOut">
               <a:rPr lang="zh-CN" altLang="en-US" smtClean="0"/>
-              <a:t>2021/11/2</a:t>
+              <a:t>2021/11/3</a:t>
             </a:fld>
             <a:endParaRPr lang="zh-CN" altLang="en-US"/>
           </a:p>
@@ -2387,7 +2388,7 @@
           <a:p>
             <a:fld id="{84F26EE9-193A-4963-9AF3-364A384F1BF7}" type="datetimeFigureOut">
               <a:rPr lang="zh-CN" altLang="en-US" smtClean="0"/>
-              <a:t>2021/11/2</a:t>
+              <a:t>2021/11/3</a:t>
             </a:fld>
             <a:endParaRPr lang="zh-CN" altLang="en-US"/>
           </a:p>
@@ -2600,7 +2601,7 @@
           <a:p>
             <a:fld id="{84F26EE9-193A-4963-9AF3-364A384F1BF7}" type="datetimeFigureOut">
               <a:rPr lang="zh-CN" altLang="en-US" smtClean="0"/>
-              <a:t>2021/11/2</a:t>
+              <a:t>2021/11/3</a:t>
             </a:fld>
             <a:endParaRPr lang="zh-CN" altLang="en-US"/>
           </a:p>
@@ -5611,8 +5612,8 @@
           </a:prstGeom>
         </p:spPr>
       </p:pic>
-      <mc:AlternateContent xmlns:mc="http://schemas.openxmlformats.org/markup-compatibility/2006">
-        <mc:Choice xmlns:a14="http://schemas.microsoft.com/office/drawing/2010/main" Requires="a14">
+      <mc:AlternateContent xmlns:mc="http://schemas.openxmlformats.org/markup-compatibility/2006" xmlns:a14="http://schemas.microsoft.com/office/drawing/2010/main">
+        <mc:Choice Requires="a14">
           <p:sp>
             <p:nvSpPr>
               <p:cNvPr id="6" name="文本框 5">
@@ -5641,6 +5642,7 @@
               </a:bodyPr>
               <a:lstStyle/>
               <a:p>
+                <a:pPr/>
                 <a14:m>
                   <m:oMathPara xmlns:m="http://schemas.openxmlformats.org/officeDocument/2006/math">
                     <m:oMathParaPr>
@@ -5809,7 +5811,7 @@
             </p:txBody>
           </p:sp>
         </mc:Choice>
-        <mc:Fallback>
+        <mc:Fallback xmlns="">
           <p:sp>
             <p:nvSpPr>
               <p:cNvPr id="6" name="文本框 5">
@@ -5889,8 +5891,8 @@
           </a:p>
         </p:txBody>
       </p:sp>
-      <mc:AlternateContent xmlns:mc="http://schemas.openxmlformats.org/markup-compatibility/2006">
-        <mc:Choice xmlns:a14="http://schemas.microsoft.com/office/drawing/2010/main" Requires="a14">
+      <mc:AlternateContent xmlns:mc="http://schemas.openxmlformats.org/markup-compatibility/2006" xmlns:a14="http://schemas.microsoft.com/office/drawing/2010/main">
+        <mc:Choice Requires="a14">
           <p:sp>
             <p:nvSpPr>
               <p:cNvPr id="8" name="文本框 7">
@@ -5919,6 +5921,7 @@
               </a:bodyPr>
               <a:lstStyle/>
               <a:p>
+                <a:pPr/>
                 <a14:m>
                   <m:oMathPara xmlns:m="http://schemas.openxmlformats.org/officeDocument/2006/math">
                     <m:oMathParaPr>
@@ -6111,7 +6114,7 @@
             </p:txBody>
           </p:sp>
         </mc:Choice>
-        <mc:Fallback>
+        <mc:Fallback xmlns="">
           <p:sp>
             <p:nvSpPr>
               <p:cNvPr id="8" name="文本框 7">
@@ -6191,8 +6194,8 @@
           </a:p>
         </p:txBody>
       </p:sp>
-      <mc:AlternateContent xmlns:mc="http://schemas.openxmlformats.org/markup-compatibility/2006">
-        <mc:Choice xmlns:a14="http://schemas.microsoft.com/office/drawing/2010/main" Requires="a14">
+      <mc:AlternateContent xmlns:mc="http://schemas.openxmlformats.org/markup-compatibility/2006" xmlns:a14="http://schemas.microsoft.com/office/drawing/2010/main">
+        <mc:Choice Requires="a14">
           <p:sp>
             <p:nvSpPr>
               <p:cNvPr id="10" name="文本框 9">
@@ -6298,13 +6301,7 @@
                               <a:rPr lang="en-US" altLang="zh-CN" sz="1400" i="1">
                                 <a:latin typeface="Cambria Math" panose="02040503050406030204" pitchFamily="18" charset="0"/>
                               </a:rPr>
-                              <m:t>-</m:t>
-                            </m:r>
-                            <m:r>
-                              <a:rPr lang="en-US" altLang="zh-CN" sz="1400" b="0" i="1" smtClean="0">
-                                <a:latin typeface="Cambria Math" panose="02040503050406030204" pitchFamily="18" charset="0"/>
-                              </a:rPr>
-                              <m:t>1</m:t>
+                              <m:t>−1</m:t>
                             </m:r>
                           </m:sup>
                         </m:sSup>
@@ -8098,7 +8095,7 @@
             </p:txBody>
           </p:sp>
         </mc:Choice>
-        <mc:Fallback>
+        <mc:Fallback xmlns="">
           <p:sp>
             <p:nvSpPr>
               <p:cNvPr id="10" name="文本框 9">
@@ -8350,8 +8347,8 @@
           </a:p>
         </p:txBody>
       </p:sp>
-      <mc:AlternateContent xmlns:mc="http://schemas.openxmlformats.org/markup-compatibility/2006">
-        <mc:Choice xmlns:a14="http://schemas.microsoft.com/office/drawing/2010/main" Requires="a14">
+      <mc:AlternateContent xmlns:mc="http://schemas.openxmlformats.org/markup-compatibility/2006" xmlns:a14="http://schemas.microsoft.com/office/drawing/2010/main">
+        <mc:Choice Requires="a14">
           <p:sp>
             <p:nvSpPr>
               <p:cNvPr id="20" name="文本框 19">
@@ -8695,7 +8692,7 @@
             </p:txBody>
           </p:sp>
         </mc:Choice>
-        <mc:Fallback>
+        <mc:Fallback xmlns="">
           <p:sp>
             <p:nvSpPr>
               <p:cNvPr id="20" name="文本框 19">
@@ -8740,8 +8737,8 @@
           </p:sp>
         </mc:Fallback>
       </mc:AlternateContent>
-      <mc:AlternateContent xmlns:mc="http://schemas.openxmlformats.org/markup-compatibility/2006">
-        <mc:Choice xmlns:a14="http://schemas.microsoft.com/office/drawing/2010/main" Requires="a14">
+      <mc:AlternateContent xmlns:mc="http://schemas.openxmlformats.org/markup-compatibility/2006" xmlns:a14="http://schemas.microsoft.com/office/drawing/2010/main">
+        <mc:Choice Requires="a14">
           <p:sp>
             <p:nvSpPr>
               <p:cNvPr id="21" name="文本框 20">
@@ -9077,7 +9074,7 @@
             </p:txBody>
           </p:sp>
         </mc:Choice>
-        <mc:Fallback>
+        <mc:Fallback xmlns="">
           <p:sp>
             <p:nvSpPr>
               <p:cNvPr id="21" name="文本框 20">
@@ -9162,6 +9159,36 @@
     <p:extLst>
       <p:ext uri="{BB962C8B-B14F-4D97-AF65-F5344CB8AC3E}">
         <p14:creationId xmlns:p14="http://schemas.microsoft.com/office/powerpoint/2010/main" val="702565735"/>
+      </p:ext>
+    </p:extLst>
+  </p:cSld>
+  <p:clrMapOvr>
+    <a:masterClrMapping/>
+  </p:clrMapOvr>
+</p:sld>
+</file>
+
+<file path=ppt/slides/slide11.xml><?xml version="1.0" encoding="utf-8"?>
+<p:sld xmlns:a="http://schemas.openxmlformats.org/drawingml/2006/main" xmlns:r="http://schemas.openxmlformats.org/officeDocument/2006/relationships" xmlns:p="http://schemas.openxmlformats.org/presentationml/2006/main">
+  <p:cSld>
+    <p:spTree>
+      <p:nvGrpSpPr>
+        <p:cNvPr id="1" name=""/>
+        <p:cNvGrpSpPr/>
+        <p:nvPr/>
+      </p:nvGrpSpPr>
+      <p:grpSpPr>
+        <a:xfrm>
+          <a:off x="0" y="0"/>
+          <a:ext cx="0" cy="0"/>
+          <a:chOff x="0" y="0"/>
+          <a:chExt cx="0" cy="0"/>
+        </a:xfrm>
+      </p:grpSpPr>
+    </p:spTree>
+    <p:extLst>
+      <p:ext uri="{BB962C8B-B14F-4D97-AF65-F5344CB8AC3E}">
+        <p14:creationId xmlns:p14="http://schemas.microsoft.com/office/powerpoint/2010/main" val="3454709029"/>
       </p:ext>
     </p:extLst>
   </p:cSld>

--- a/绘图.pptx
+++ b/绘图.pptx
@@ -16,6 +16,8 @@
     <p:sldId id="264" r:id="rId10"/>
     <p:sldId id="265" r:id="rId11"/>
     <p:sldId id="266" r:id="rId12"/>
+    <p:sldId id="267" r:id="rId13"/>
+    <p:sldId id="268" r:id="rId14"/>
   </p:sldIdLst>
   <p:sldSz cx="9144000" cy="5143500" type="screen16x9"/>
   <p:notesSz cx="6858000" cy="9144000"/>
@@ -276,7 +278,7 @@
           <a:p>
             <a:fld id="{84F26EE9-193A-4963-9AF3-364A384F1BF7}" type="datetimeFigureOut">
               <a:rPr lang="zh-CN" altLang="en-US" smtClean="0"/>
-              <a:t>2021/11/3</a:t>
+              <a:t>2021/12/8</a:t>
             </a:fld>
             <a:endParaRPr lang="zh-CN" altLang="en-US"/>
           </a:p>
@@ -446,7 +448,7 @@
           <a:p>
             <a:fld id="{84F26EE9-193A-4963-9AF3-364A384F1BF7}" type="datetimeFigureOut">
               <a:rPr lang="zh-CN" altLang="en-US" smtClean="0"/>
-              <a:t>2021/11/3</a:t>
+              <a:t>2021/12/8</a:t>
             </a:fld>
             <a:endParaRPr lang="zh-CN" altLang="en-US"/>
           </a:p>
@@ -626,7 +628,7 @@
           <a:p>
             <a:fld id="{84F26EE9-193A-4963-9AF3-364A384F1BF7}" type="datetimeFigureOut">
               <a:rPr lang="zh-CN" altLang="en-US" smtClean="0"/>
-              <a:t>2021/11/3</a:t>
+              <a:t>2021/12/8</a:t>
             </a:fld>
             <a:endParaRPr lang="zh-CN" altLang="en-US"/>
           </a:p>
@@ -796,7 +798,7 @@
           <a:p>
             <a:fld id="{84F26EE9-193A-4963-9AF3-364A384F1BF7}" type="datetimeFigureOut">
               <a:rPr lang="zh-CN" altLang="en-US" smtClean="0"/>
-              <a:t>2021/11/3</a:t>
+              <a:t>2021/12/8</a:t>
             </a:fld>
             <a:endParaRPr lang="zh-CN" altLang="en-US"/>
           </a:p>
@@ -1042,7 +1044,7 @@
           <a:p>
             <a:fld id="{84F26EE9-193A-4963-9AF3-364A384F1BF7}" type="datetimeFigureOut">
               <a:rPr lang="zh-CN" altLang="en-US" smtClean="0"/>
-              <a:t>2021/11/3</a:t>
+              <a:t>2021/12/8</a:t>
             </a:fld>
             <a:endParaRPr lang="zh-CN" altLang="en-US"/>
           </a:p>
@@ -1274,7 +1276,7 @@
           <a:p>
             <a:fld id="{84F26EE9-193A-4963-9AF3-364A384F1BF7}" type="datetimeFigureOut">
               <a:rPr lang="zh-CN" altLang="en-US" smtClean="0"/>
-              <a:t>2021/11/3</a:t>
+              <a:t>2021/12/8</a:t>
             </a:fld>
             <a:endParaRPr lang="zh-CN" altLang="en-US"/>
           </a:p>
@@ -1641,7 +1643,7 @@
           <a:p>
             <a:fld id="{84F26EE9-193A-4963-9AF3-364A384F1BF7}" type="datetimeFigureOut">
               <a:rPr lang="zh-CN" altLang="en-US" smtClean="0"/>
-              <a:t>2021/11/3</a:t>
+              <a:t>2021/12/8</a:t>
             </a:fld>
             <a:endParaRPr lang="zh-CN" altLang="en-US"/>
           </a:p>
@@ -1759,7 +1761,7 @@
           <a:p>
             <a:fld id="{84F26EE9-193A-4963-9AF3-364A384F1BF7}" type="datetimeFigureOut">
               <a:rPr lang="zh-CN" altLang="en-US" smtClean="0"/>
-              <a:t>2021/11/3</a:t>
+              <a:t>2021/12/8</a:t>
             </a:fld>
             <a:endParaRPr lang="zh-CN" altLang="en-US"/>
           </a:p>
@@ -1854,7 +1856,7 @@
           <a:p>
             <a:fld id="{84F26EE9-193A-4963-9AF3-364A384F1BF7}" type="datetimeFigureOut">
               <a:rPr lang="zh-CN" altLang="en-US" smtClean="0"/>
-              <a:t>2021/11/3</a:t>
+              <a:t>2021/12/8</a:t>
             </a:fld>
             <a:endParaRPr lang="zh-CN" altLang="en-US"/>
           </a:p>
@@ -2131,7 +2133,7 @@
           <a:p>
             <a:fld id="{84F26EE9-193A-4963-9AF3-364A384F1BF7}" type="datetimeFigureOut">
               <a:rPr lang="zh-CN" altLang="en-US" smtClean="0"/>
-              <a:t>2021/11/3</a:t>
+              <a:t>2021/12/8</a:t>
             </a:fld>
             <a:endParaRPr lang="zh-CN" altLang="en-US"/>
           </a:p>
@@ -2388,7 +2390,7 @@
           <a:p>
             <a:fld id="{84F26EE9-193A-4963-9AF3-364A384F1BF7}" type="datetimeFigureOut">
               <a:rPr lang="zh-CN" altLang="en-US" smtClean="0"/>
-              <a:t>2021/11/3</a:t>
+              <a:t>2021/12/8</a:t>
             </a:fld>
             <a:endParaRPr lang="zh-CN" altLang="en-US"/>
           </a:p>
@@ -2601,7 +2603,7 @@
           <a:p>
             <a:fld id="{84F26EE9-193A-4963-9AF3-364A384F1BF7}" type="datetimeFigureOut">
               <a:rPr lang="zh-CN" altLang="en-US" smtClean="0"/>
-              <a:t>2021/11/3</a:t>
+              <a:t>2021/12/8</a:t>
             </a:fld>
             <a:endParaRPr lang="zh-CN" altLang="en-US"/>
           </a:p>
@@ -9185,10 +9187,9436 @@
           <a:chExt cx="0" cy="0"/>
         </a:xfrm>
       </p:grpSpPr>
+      <p:pic>
+        <p:nvPicPr>
+          <p:cNvPr id="3" name="图片 2">
+            <a:extLst>
+              <a:ext uri="{FF2B5EF4-FFF2-40B4-BE49-F238E27FC236}">
+                <a16:creationId xmlns:a16="http://schemas.microsoft.com/office/drawing/2014/main" id="{19170874-C047-4A7C-83E0-B6CA2975E067}"/>
+              </a:ext>
+            </a:extLst>
+          </p:cNvPr>
+          <p:cNvPicPr>
+            <a:picLocks noChangeAspect="1"/>
+          </p:cNvPicPr>
+          <p:nvPr/>
+        </p:nvPicPr>
+        <p:blipFill>
+          <a:blip r:embed="rId2"/>
+          <a:stretch>
+            <a:fillRect/>
+          </a:stretch>
+        </p:blipFill>
+        <p:spPr>
+          <a:xfrm>
+            <a:off x="904165" y="740391"/>
+            <a:ext cx="7648552" cy="3093938"/>
+          </a:xfrm>
+          <a:prstGeom prst="rect">
+            <a:avLst/>
+          </a:prstGeom>
+        </p:spPr>
+      </p:pic>
+      <p:cxnSp>
+        <p:nvCxnSpPr>
+          <p:cNvPr id="5" name="直接连接符 4">
+            <a:extLst>
+              <a:ext uri="{FF2B5EF4-FFF2-40B4-BE49-F238E27FC236}">
+                <a16:creationId xmlns:a16="http://schemas.microsoft.com/office/drawing/2014/main" id="{66E07C7B-26F2-4135-A22A-9FF579DD7864}"/>
+              </a:ext>
+            </a:extLst>
+          </p:cNvPr>
+          <p:cNvCxnSpPr/>
+          <p:nvPr/>
+        </p:nvCxnSpPr>
+        <p:spPr>
+          <a:xfrm flipH="1">
+            <a:off x="1259006" y="1037230"/>
+            <a:ext cx="252484" cy="105770"/>
+          </a:xfrm>
+          <a:prstGeom prst="line">
+            <a:avLst/>
+          </a:prstGeom>
+          <a:ln>
+            <a:solidFill>
+              <a:srgbClr val="FF0000"/>
+            </a:solidFill>
+          </a:ln>
+        </p:spPr>
+        <p:style>
+          <a:lnRef idx="3">
+            <a:schemeClr val="accent2"/>
+          </a:lnRef>
+          <a:fillRef idx="0">
+            <a:schemeClr val="accent2"/>
+          </a:fillRef>
+          <a:effectRef idx="2">
+            <a:schemeClr val="accent2"/>
+          </a:effectRef>
+          <a:fontRef idx="minor">
+            <a:schemeClr val="tx1"/>
+          </a:fontRef>
+        </p:style>
+      </p:cxnSp>
+      <mc:AlternateContent xmlns:mc="http://schemas.openxmlformats.org/markup-compatibility/2006">
+        <mc:Choice xmlns:a14="http://schemas.microsoft.com/office/drawing/2010/main" Requires="a14">
+          <p:sp>
+            <p:nvSpPr>
+              <p:cNvPr id="6" name="文本框 5">
+                <a:extLst>
+                  <a:ext uri="{FF2B5EF4-FFF2-40B4-BE49-F238E27FC236}">
+                    <a16:creationId xmlns:a16="http://schemas.microsoft.com/office/drawing/2014/main" id="{D8CDE501-A066-4879-8A68-0A8D960DF8FD}"/>
+                  </a:ext>
+                </a:extLst>
+              </p:cNvPr>
+              <p:cNvSpPr txBox="1"/>
+              <p:nvPr/>
+            </p:nvSpPr>
+            <p:spPr>
+              <a:xfrm>
+                <a:off x="1088408" y="1143000"/>
+                <a:ext cx="4357048" cy="246221"/>
+              </a:xfrm>
+              <a:prstGeom prst="rect">
+                <a:avLst/>
+              </a:prstGeom>
+              <a:noFill/>
+            </p:spPr>
+            <p:txBody>
+              <a:bodyPr wrap="square" rtlCol="0">
+                <a:spAutoFit/>
+              </a:bodyPr>
+              <a:lstStyle/>
+              <a:p>
+                <a:r>
+                  <a:rPr lang="zh-CN" altLang="en-US" sz="1000">
+                    <a:solidFill>
+                      <a:srgbClr val="FF0000"/>
+                    </a:solidFill>
+                  </a:rPr>
+                  <a:t>这个不应该叫“形状”，其实应该是</a:t>
+                </a:r>
+                <a14:m>
+                  <m:oMath xmlns:m="http://schemas.openxmlformats.org/officeDocument/2006/math">
+                    <m:r>
+                      <a:rPr lang="en-US" altLang="zh-CN" sz="1000" i="1" smtClean="0">
+                        <a:solidFill>
+                          <a:srgbClr val="FF0000"/>
+                        </a:solidFill>
+                        <a:latin typeface="Cambria Math" panose="02040503050406030204" pitchFamily="18" charset="0"/>
+                      </a:rPr>
+                      <m:t>𝑙𝑒𝑛</m:t>
+                    </m:r>
+                    <m:r>
+                      <a:rPr lang="en-US" altLang="zh-CN" sz="1000" i="1" smtClean="0">
+                        <a:solidFill>
+                          <a:srgbClr val="FF0000"/>
+                        </a:solidFill>
+                        <a:latin typeface="Cambria Math" panose="02040503050406030204" pitchFamily="18" charset="0"/>
+                      </a:rPr>
+                      <m:t>(</m:t>
+                    </m:r>
+                    <m:r>
+                      <a:rPr lang="en-US" altLang="zh-CN" sz="1000" i="1" smtClean="0">
+                        <a:solidFill>
+                          <a:srgbClr val="FF0000"/>
+                        </a:solidFill>
+                        <a:latin typeface="Cambria Math" panose="02040503050406030204" pitchFamily="18" charset="0"/>
+                      </a:rPr>
+                      <m:t>𝑠h𝑎𝑝𝑒</m:t>
+                    </m:r>
+                    <m:r>
+                      <a:rPr lang="en-US" altLang="zh-CN" sz="1000" i="1" smtClean="0">
+                        <a:solidFill>
+                          <a:srgbClr val="FF0000"/>
+                        </a:solidFill>
+                        <a:latin typeface="Cambria Math" panose="02040503050406030204" pitchFamily="18" charset="0"/>
+                      </a:rPr>
+                      <m:t>(</m:t>
+                    </m:r>
+                    <m:r>
+                      <a:rPr lang="en-US" altLang="zh-CN" sz="1000" b="1" i="1" smtClean="0">
+                        <a:solidFill>
+                          <a:srgbClr val="FF0000"/>
+                        </a:solidFill>
+                        <a:latin typeface="Cambria Math" panose="02040503050406030204" pitchFamily="18" charset="0"/>
+                      </a:rPr>
+                      <m:t>𝑿</m:t>
+                    </m:r>
+                    <m:r>
+                      <a:rPr lang="en-US" altLang="zh-CN" sz="1000" i="1" smtClean="0">
+                        <a:solidFill>
+                          <a:srgbClr val="FF0000"/>
+                        </a:solidFill>
+                        <a:latin typeface="Cambria Math" panose="02040503050406030204" pitchFamily="18" charset="0"/>
+                      </a:rPr>
+                      <m:t>))==</m:t>
+                    </m:r>
+                    <m:r>
+                      <a:rPr lang="en-US" altLang="zh-CN" sz="1000" i="1" smtClean="0">
+                        <a:solidFill>
+                          <a:srgbClr val="FF0000"/>
+                        </a:solidFill>
+                        <a:latin typeface="Cambria Math" panose="02040503050406030204" pitchFamily="18" charset="0"/>
+                      </a:rPr>
+                      <m:t>𝑙𝑒𝑛</m:t>
+                    </m:r>
+                    <m:r>
+                      <a:rPr lang="en-US" altLang="zh-CN" sz="1000" i="1" smtClean="0">
+                        <a:solidFill>
+                          <a:srgbClr val="FF0000"/>
+                        </a:solidFill>
+                        <a:latin typeface="Cambria Math" panose="02040503050406030204" pitchFamily="18" charset="0"/>
+                      </a:rPr>
+                      <m:t>(</m:t>
+                    </m:r>
+                    <m:r>
+                      <a:rPr lang="en-US" altLang="zh-CN" sz="1000" i="1" smtClean="0">
+                        <a:solidFill>
+                          <a:srgbClr val="FF0000"/>
+                        </a:solidFill>
+                        <a:latin typeface="Cambria Math" panose="02040503050406030204" pitchFamily="18" charset="0"/>
+                      </a:rPr>
+                      <m:t>𝑠h𝑎𝑝𝑒</m:t>
+                    </m:r>
+                    <m:r>
+                      <a:rPr lang="en-US" altLang="zh-CN" sz="1000" i="1" smtClean="0">
+                        <a:solidFill>
+                          <a:srgbClr val="FF0000"/>
+                        </a:solidFill>
+                        <a:latin typeface="Cambria Math" panose="02040503050406030204" pitchFamily="18" charset="0"/>
+                      </a:rPr>
+                      <m:t>(</m:t>
+                    </m:r>
+                    <m:r>
+                      <a:rPr lang="en-US" altLang="zh-CN" sz="1000" b="1" i="1" smtClean="0">
+                        <a:solidFill>
+                          <a:srgbClr val="FF0000"/>
+                        </a:solidFill>
+                        <a:latin typeface="Cambria Math" panose="02040503050406030204" pitchFamily="18" charset="0"/>
+                      </a:rPr>
+                      <m:t>𝑯</m:t>
+                    </m:r>
+                    <m:r>
+                      <a:rPr lang="en-US" altLang="zh-CN" sz="1000" i="1" smtClean="0">
+                        <a:solidFill>
+                          <a:srgbClr val="FF0000"/>
+                        </a:solidFill>
+                        <a:latin typeface="Cambria Math" panose="02040503050406030204" pitchFamily="18" charset="0"/>
+                      </a:rPr>
+                      <m:t>))</m:t>
+                    </m:r>
+                  </m:oMath>
+                </a14:m>
+                <a:endParaRPr lang="zh-CN" altLang="en-US" sz="1000">
+                  <a:solidFill>
+                    <a:srgbClr val="FF0000"/>
+                  </a:solidFill>
+                </a:endParaRPr>
+              </a:p>
+            </p:txBody>
+          </p:sp>
+        </mc:Choice>
+        <mc:Fallback>
+          <p:sp>
+            <p:nvSpPr>
+              <p:cNvPr id="6" name="文本框 5">
+                <a:extLst>
+                  <a:ext uri="{FF2B5EF4-FFF2-40B4-BE49-F238E27FC236}">
+                    <a16:creationId xmlns:a16="http://schemas.microsoft.com/office/drawing/2014/main" id="{D8CDE501-A066-4879-8A68-0A8D960DF8FD}"/>
+                  </a:ext>
+                </a:extLst>
+              </p:cNvPr>
+              <p:cNvSpPr txBox="1">
+                <a:spLocks noRot="1" noChangeAspect="1" noMove="1" noResize="1" noEditPoints="1" noAdjustHandles="1" noChangeArrowheads="1" noChangeShapeType="1" noTextEdit="1"/>
+              </p:cNvSpPr>
+              <p:nvPr/>
+            </p:nvSpPr>
+            <p:spPr>
+              <a:xfrm>
+                <a:off x="1088408" y="1143000"/>
+                <a:ext cx="4357048" cy="246221"/>
+              </a:xfrm>
+              <a:prstGeom prst="rect">
+                <a:avLst/>
+              </a:prstGeom>
+              <a:blipFill>
+                <a:blip r:embed="rId3"/>
+                <a:stretch>
+                  <a:fillRect b="-15000"/>
+                </a:stretch>
+              </a:blipFill>
+            </p:spPr>
+            <p:txBody>
+              <a:bodyPr/>
+              <a:lstStyle/>
+              <a:p>
+                <a:r>
+                  <a:rPr lang="zh-CN" altLang="en-US">
+                    <a:noFill/>
+                  </a:rPr>
+                  <a:t> </a:t>
+                </a:r>
+              </a:p>
+            </p:txBody>
+          </p:sp>
+        </mc:Fallback>
+      </mc:AlternateContent>
+      <p:cxnSp>
+        <p:nvCxnSpPr>
+          <p:cNvPr id="9" name="直接连接符 8">
+            <a:extLst>
+              <a:ext uri="{FF2B5EF4-FFF2-40B4-BE49-F238E27FC236}">
+                <a16:creationId xmlns:a16="http://schemas.microsoft.com/office/drawing/2014/main" id="{868AE99B-716B-4372-9244-EDFBAC0FAAD1}"/>
+              </a:ext>
+            </a:extLst>
+          </p:cNvPr>
+          <p:cNvCxnSpPr>
+            <a:cxnSpLocks/>
+          </p:cNvCxnSpPr>
+          <p:nvPr/>
+        </p:nvCxnSpPr>
+        <p:spPr>
+          <a:xfrm>
+            <a:off x="5445456" y="1538785"/>
+            <a:ext cx="3005920" cy="0"/>
+          </a:xfrm>
+          <a:prstGeom prst="line">
+            <a:avLst/>
+          </a:prstGeom>
+          <a:ln w="28575">
+            <a:solidFill>
+              <a:srgbClr val="FF0000"/>
+            </a:solidFill>
+          </a:ln>
+        </p:spPr>
+        <p:style>
+          <a:lnRef idx="1">
+            <a:schemeClr val="accent1"/>
+          </a:lnRef>
+          <a:fillRef idx="0">
+            <a:schemeClr val="accent1"/>
+          </a:fillRef>
+          <a:effectRef idx="0">
+            <a:schemeClr val="accent1"/>
+          </a:effectRef>
+          <a:fontRef idx="minor">
+            <a:schemeClr val="tx1"/>
+          </a:fontRef>
+        </p:style>
+      </p:cxnSp>
+      <p:cxnSp>
+        <p:nvCxnSpPr>
+          <p:cNvPr id="11" name="直接连接符 10">
+            <a:extLst>
+              <a:ext uri="{FF2B5EF4-FFF2-40B4-BE49-F238E27FC236}">
+                <a16:creationId xmlns:a16="http://schemas.microsoft.com/office/drawing/2014/main" id="{E5863F26-9288-41B8-94D0-61C43EB80998}"/>
+              </a:ext>
+            </a:extLst>
+          </p:cNvPr>
+          <p:cNvCxnSpPr>
+            <a:cxnSpLocks/>
+          </p:cNvCxnSpPr>
+          <p:nvPr/>
+        </p:nvCxnSpPr>
+        <p:spPr>
+          <a:xfrm>
+            <a:off x="971265" y="1745776"/>
+            <a:ext cx="287741" cy="0"/>
+          </a:xfrm>
+          <a:prstGeom prst="line">
+            <a:avLst/>
+          </a:prstGeom>
+          <a:ln w="28575">
+            <a:solidFill>
+              <a:srgbClr val="FF0000"/>
+            </a:solidFill>
+          </a:ln>
+        </p:spPr>
+        <p:style>
+          <a:lnRef idx="1">
+            <a:schemeClr val="accent1"/>
+          </a:lnRef>
+          <a:fillRef idx="0">
+            <a:schemeClr val="accent1"/>
+          </a:fillRef>
+          <a:effectRef idx="0">
+            <a:schemeClr val="accent1"/>
+          </a:effectRef>
+          <a:fontRef idx="minor">
+            <a:schemeClr val="tx1"/>
+          </a:fontRef>
+        </p:style>
+      </p:cxnSp>
+      <p:sp>
+        <p:nvSpPr>
+          <p:cNvPr id="13" name="文本框 12">
+            <a:extLst>
+              <a:ext uri="{FF2B5EF4-FFF2-40B4-BE49-F238E27FC236}">
+                <a16:creationId xmlns:a16="http://schemas.microsoft.com/office/drawing/2014/main" id="{7951B13A-CD56-4625-9A25-6642433570AF}"/>
+              </a:ext>
+            </a:extLst>
+          </p:cNvPr>
+          <p:cNvSpPr txBox="1"/>
+          <p:nvPr/>
+        </p:nvSpPr>
+        <p:spPr>
+          <a:xfrm>
+            <a:off x="6880745" y="1714219"/>
+            <a:ext cx="1451213" cy="246221"/>
+          </a:xfrm>
+          <a:prstGeom prst="rect">
+            <a:avLst/>
+          </a:prstGeom>
+          <a:noFill/>
+        </p:spPr>
+        <p:txBody>
+          <a:bodyPr wrap="square" rtlCol="0">
+            <a:spAutoFit/>
+          </a:bodyPr>
+          <a:lstStyle/>
+          <a:p>
+            <a:r>
+              <a:rPr lang="en-US" altLang="zh-CN" sz="1000">
+                <a:solidFill>
+                  <a:srgbClr val="FF0000"/>
+                </a:solidFill>
+              </a:rPr>
+              <a:t>U</a:t>
+            </a:r>
+            <a:r>
+              <a:rPr lang="zh-CN" altLang="en-US" sz="1000">
+                <a:solidFill>
+                  <a:srgbClr val="FF0000"/>
+                </a:solidFill>
+              </a:rPr>
+              <a:t>的每个分量，都是</a:t>
+            </a:r>
+            <a:r>
+              <a:rPr lang="en-US" altLang="zh-CN" sz="1000">
+                <a:solidFill>
+                  <a:srgbClr val="FF0000"/>
+                </a:solidFill>
+              </a:rPr>
+              <a:t>b</a:t>
+            </a:r>
+            <a:endParaRPr lang="zh-CN" altLang="en-US" sz="1000">
+              <a:solidFill>
+                <a:srgbClr val="FF0000"/>
+              </a:solidFill>
+            </a:endParaRPr>
+          </a:p>
+        </p:txBody>
+      </p:sp>
+      <p:cxnSp>
+        <p:nvCxnSpPr>
+          <p:cNvPr id="14" name="直接连接符 13">
+            <a:extLst>
+              <a:ext uri="{FF2B5EF4-FFF2-40B4-BE49-F238E27FC236}">
+                <a16:creationId xmlns:a16="http://schemas.microsoft.com/office/drawing/2014/main" id="{27E441C3-7CA4-43A3-B81F-261C7640E0E8}"/>
+              </a:ext>
+            </a:extLst>
+          </p:cNvPr>
+          <p:cNvCxnSpPr>
+            <a:cxnSpLocks/>
+          </p:cNvCxnSpPr>
+          <p:nvPr/>
+        </p:nvCxnSpPr>
+        <p:spPr>
+          <a:xfrm>
+            <a:off x="6923964" y="1745776"/>
+            <a:ext cx="1248771" cy="0"/>
+          </a:xfrm>
+          <a:prstGeom prst="line">
+            <a:avLst/>
+          </a:prstGeom>
+          <a:ln w="28575">
+            <a:solidFill>
+              <a:srgbClr val="FF0000"/>
+            </a:solidFill>
+          </a:ln>
+        </p:spPr>
+        <p:style>
+          <a:lnRef idx="1">
+            <a:schemeClr val="accent1"/>
+          </a:lnRef>
+          <a:fillRef idx="0">
+            <a:schemeClr val="accent1"/>
+          </a:fillRef>
+          <a:effectRef idx="0">
+            <a:schemeClr val="accent1"/>
+          </a:effectRef>
+          <a:fontRef idx="minor">
+            <a:schemeClr val="tx1"/>
+          </a:fontRef>
+        </p:style>
+      </p:cxnSp>
+      <p:cxnSp>
+        <p:nvCxnSpPr>
+          <p:cNvPr id="16" name="直接连接符 15">
+            <a:extLst>
+              <a:ext uri="{FF2B5EF4-FFF2-40B4-BE49-F238E27FC236}">
+                <a16:creationId xmlns:a16="http://schemas.microsoft.com/office/drawing/2014/main" id="{D7840637-4920-4CFC-92E6-8AE9EED10EE2}"/>
+              </a:ext>
+            </a:extLst>
+          </p:cNvPr>
+          <p:cNvCxnSpPr>
+            <a:cxnSpLocks/>
+          </p:cNvCxnSpPr>
+          <p:nvPr/>
+        </p:nvCxnSpPr>
+        <p:spPr>
+          <a:xfrm>
+            <a:off x="1572905" y="3396017"/>
+            <a:ext cx="1402307" cy="0"/>
+          </a:xfrm>
+          <a:prstGeom prst="line">
+            <a:avLst/>
+          </a:prstGeom>
+          <a:ln w="28575">
+            <a:solidFill>
+              <a:srgbClr val="FF0000"/>
+            </a:solidFill>
+          </a:ln>
+        </p:spPr>
+        <p:style>
+          <a:lnRef idx="1">
+            <a:schemeClr val="accent1"/>
+          </a:lnRef>
+          <a:fillRef idx="0">
+            <a:schemeClr val="accent1"/>
+          </a:fillRef>
+          <a:effectRef idx="0">
+            <a:schemeClr val="accent1"/>
+          </a:effectRef>
+          <a:fontRef idx="minor">
+            <a:schemeClr val="tx1"/>
+          </a:fontRef>
+        </p:style>
+      </p:cxnSp>
+      <p:sp>
+        <p:nvSpPr>
+          <p:cNvPr id="20" name="文本框 19">
+            <a:extLst>
+              <a:ext uri="{FF2B5EF4-FFF2-40B4-BE49-F238E27FC236}">
+                <a16:creationId xmlns:a16="http://schemas.microsoft.com/office/drawing/2014/main" id="{7066871C-E6FB-4386-BA31-F6365C151CB8}"/>
+              </a:ext>
+            </a:extLst>
+          </p:cNvPr>
+          <p:cNvSpPr txBox="1"/>
+          <p:nvPr/>
+        </p:nvSpPr>
+        <p:spPr>
+          <a:xfrm>
+            <a:off x="1425622" y="3853429"/>
+            <a:ext cx="2367079" cy="400110"/>
+          </a:xfrm>
+          <a:prstGeom prst="rect">
+            <a:avLst/>
+          </a:prstGeom>
+          <a:noFill/>
+        </p:spPr>
+        <p:txBody>
+          <a:bodyPr wrap="square" rtlCol="0">
+            <a:spAutoFit/>
+          </a:bodyPr>
+          <a:lstStyle/>
+          <a:p>
+            <a:r>
+              <a:rPr lang="en-US" altLang="zh-CN" sz="1000">
+                <a:solidFill>
+                  <a:srgbClr val="FF0000"/>
+                </a:solidFill>
+              </a:rPr>
+              <a:t>a,b</a:t>
+            </a:r>
+            <a:r>
+              <a:rPr lang="zh-CN" altLang="en-US" sz="1000">
+                <a:solidFill>
+                  <a:srgbClr val="FF0000"/>
+                </a:solidFill>
+              </a:rPr>
+              <a:t>可以是任意数值，只要能满足这个转换就行。</a:t>
+            </a:r>
+          </a:p>
+        </p:txBody>
+      </p:sp>
+      <p:cxnSp>
+        <p:nvCxnSpPr>
+          <p:cNvPr id="23" name="连接符: 曲线 22">
+            <a:extLst>
+              <a:ext uri="{FF2B5EF4-FFF2-40B4-BE49-F238E27FC236}">
+                <a16:creationId xmlns:a16="http://schemas.microsoft.com/office/drawing/2014/main" id="{29237EB0-DC25-4F1A-A706-B4986BF8A07E}"/>
+              </a:ext>
+            </a:extLst>
+          </p:cNvPr>
+          <p:cNvCxnSpPr/>
+          <p:nvPr/>
+        </p:nvCxnSpPr>
+        <p:spPr>
+          <a:xfrm flipV="1">
+            <a:off x="3654188" y="3319818"/>
+            <a:ext cx="1692322" cy="685800"/>
+          </a:xfrm>
+          <a:prstGeom prst="curvedConnector3">
+            <a:avLst>
+              <a:gd name="adj1" fmla="val 74395"/>
+            </a:avLst>
+          </a:prstGeom>
+          <a:ln w="12700">
+            <a:solidFill>
+              <a:srgbClr val="FF0000"/>
+            </a:solidFill>
+            <a:tailEnd type="triangle"/>
+          </a:ln>
+        </p:spPr>
+        <p:style>
+          <a:lnRef idx="1">
+            <a:schemeClr val="accent1"/>
+          </a:lnRef>
+          <a:fillRef idx="0">
+            <a:schemeClr val="accent1"/>
+          </a:fillRef>
+          <a:effectRef idx="0">
+            <a:schemeClr val="accent1"/>
+          </a:effectRef>
+          <a:fontRef idx="minor">
+            <a:schemeClr val="tx1"/>
+          </a:fontRef>
+        </p:style>
+      </p:cxnSp>
+      <p:cxnSp>
+        <p:nvCxnSpPr>
+          <p:cNvPr id="26" name="直接连接符 25">
+            <a:extLst>
+              <a:ext uri="{FF2B5EF4-FFF2-40B4-BE49-F238E27FC236}">
+                <a16:creationId xmlns:a16="http://schemas.microsoft.com/office/drawing/2014/main" id="{BB1DD226-5FBF-407B-B6F0-A3B6FD0C5DB4}"/>
+              </a:ext>
+            </a:extLst>
+          </p:cNvPr>
+          <p:cNvCxnSpPr>
+            <a:cxnSpLocks/>
+          </p:cNvCxnSpPr>
+          <p:nvPr/>
+        </p:nvCxnSpPr>
+        <p:spPr>
+          <a:xfrm>
+            <a:off x="5389729" y="3396017"/>
+            <a:ext cx="2427026" cy="0"/>
+          </a:xfrm>
+          <a:prstGeom prst="line">
+            <a:avLst/>
+          </a:prstGeom>
+          <a:ln w="28575">
+            <a:solidFill>
+              <a:srgbClr val="FF0000"/>
+            </a:solidFill>
+          </a:ln>
+        </p:spPr>
+        <p:style>
+          <a:lnRef idx="1">
+            <a:schemeClr val="accent1"/>
+          </a:lnRef>
+          <a:fillRef idx="0">
+            <a:schemeClr val="accent1"/>
+          </a:fillRef>
+          <a:effectRef idx="0">
+            <a:schemeClr val="accent1"/>
+          </a:effectRef>
+          <a:fontRef idx="minor">
+            <a:schemeClr val="tx1"/>
+          </a:fontRef>
+        </p:style>
+      </p:cxnSp>
+      <p:cxnSp>
+        <p:nvCxnSpPr>
+          <p:cNvPr id="28" name="直接连接符 27">
+            <a:extLst>
+              <a:ext uri="{FF2B5EF4-FFF2-40B4-BE49-F238E27FC236}">
+                <a16:creationId xmlns:a16="http://schemas.microsoft.com/office/drawing/2014/main" id="{BD9D3E77-5773-46D9-A495-2ED1CC663B7D}"/>
+              </a:ext>
+            </a:extLst>
+          </p:cNvPr>
+          <p:cNvCxnSpPr>
+            <a:cxnSpLocks/>
+          </p:cNvCxnSpPr>
+          <p:nvPr/>
+        </p:nvCxnSpPr>
+        <p:spPr>
+          <a:xfrm>
+            <a:off x="2491855" y="3618362"/>
+            <a:ext cx="5680880" cy="0"/>
+          </a:xfrm>
+          <a:prstGeom prst="line">
+            <a:avLst/>
+          </a:prstGeom>
+          <a:ln w="12700">
+            <a:solidFill>
+              <a:srgbClr val="FF0000"/>
+            </a:solidFill>
+          </a:ln>
+        </p:spPr>
+        <p:style>
+          <a:lnRef idx="1">
+            <a:schemeClr val="accent1"/>
+          </a:lnRef>
+          <a:fillRef idx="0">
+            <a:schemeClr val="accent1"/>
+          </a:fillRef>
+          <a:effectRef idx="0">
+            <a:schemeClr val="accent1"/>
+          </a:effectRef>
+          <a:fontRef idx="minor">
+            <a:schemeClr val="tx1"/>
+          </a:fontRef>
+        </p:style>
+      </p:cxnSp>
+      <p:cxnSp>
+        <p:nvCxnSpPr>
+          <p:cNvPr id="30" name="直接连接符 29">
+            <a:extLst>
+              <a:ext uri="{FF2B5EF4-FFF2-40B4-BE49-F238E27FC236}">
+                <a16:creationId xmlns:a16="http://schemas.microsoft.com/office/drawing/2014/main" id="{4166ADC3-1142-402D-B63B-1AB4F946EC6B}"/>
+              </a:ext>
+            </a:extLst>
+          </p:cNvPr>
+          <p:cNvCxnSpPr>
+            <a:cxnSpLocks/>
+          </p:cNvCxnSpPr>
+          <p:nvPr/>
+        </p:nvCxnSpPr>
+        <p:spPr>
+          <a:xfrm>
+            <a:off x="2500951" y="3651342"/>
+            <a:ext cx="5680880" cy="0"/>
+          </a:xfrm>
+          <a:prstGeom prst="line">
+            <a:avLst/>
+          </a:prstGeom>
+          <a:ln w="12700">
+            <a:solidFill>
+              <a:srgbClr val="FF0000"/>
+            </a:solidFill>
+          </a:ln>
+        </p:spPr>
+        <p:style>
+          <a:lnRef idx="1">
+            <a:schemeClr val="accent1"/>
+          </a:lnRef>
+          <a:fillRef idx="0">
+            <a:schemeClr val="accent1"/>
+          </a:fillRef>
+          <a:effectRef idx="0">
+            <a:schemeClr val="accent1"/>
+          </a:effectRef>
+          <a:fontRef idx="minor">
+            <a:schemeClr val="tx1"/>
+          </a:fontRef>
+        </p:style>
+      </p:cxnSp>
+      <p:sp>
+        <p:nvSpPr>
+          <p:cNvPr id="34" name="文本框 33">
+            <a:extLst>
+              <a:ext uri="{FF2B5EF4-FFF2-40B4-BE49-F238E27FC236}">
+                <a16:creationId xmlns:a16="http://schemas.microsoft.com/office/drawing/2014/main" id="{FFA23027-F0C2-4AF3-8FA2-A5FBADDB4966}"/>
+              </a:ext>
+            </a:extLst>
+          </p:cNvPr>
+          <p:cNvSpPr txBox="1"/>
+          <p:nvPr/>
+        </p:nvSpPr>
+        <p:spPr>
+          <a:xfrm>
+            <a:off x="1425622" y="3856618"/>
+            <a:ext cx="2367079" cy="400110"/>
+          </a:xfrm>
+          <a:prstGeom prst="rect">
+            <a:avLst/>
+          </a:prstGeom>
+          <a:noFill/>
+        </p:spPr>
+        <p:txBody>
+          <a:bodyPr wrap="square" rtlCol="0">
+            <a:spAutoFit/>
+          </a:bodyPr>
+          <a:lstStyle/>
+          <a:p>
+            <a:r>
+              <a:rPr lang="en-US" altLang="zh-CN" sz="1000">
+                <a:solidFill>
+                  <a:srgbClr val="FF0000"/>
+                </a:solidFill>
+              </a:rPr>
+              <a:t>a,b</a:t>
+            </a:r>
+            <a:r>
+              <a:rPr lang="zh-CN" altLang="en-US" sz="1000">
+                <a:solidFill>
+                  <a:srgbClr val="FF0000"/>
+                </a:solidFill>
+              </a:rPr>
+              <a:t>可以是任意数值，只要能满足这个转换就行。</a:t>
+            </a:r>
+          </a:p>
+        </p:txBody>
+      </p:sp>
     </p:spTree>
     <p:extLst>
       <p:ext uri="{BB962C8B-B14F-4D97-AF65-F5344CB8AC3E}">
         <p14:creationId xmlns:p14="http://schemas.microsoft.com/office/powerpoint/2010/main" val="3454709029"/>
+      </p:ext>
+    </p:extLst>
+  </p:cSld>
+  <p:clrMapOvr>
+    <a:masterClrMapping/>
+  </p:clrMapOvr>
+</p:sld>
+</file>
+
+<file path=ppt/slides/slide12.xml><?xml version="1.0" encoding="utf-8"?>
+<p:sld xmlns:a="http://schemas.openxmlformats.org/drawingml/2006/main" xmlns:r="http://schemas.openxmlformats.org/officeDocument/2006/relationships" xmlns:p="http://schemas.openxmlformats.org/presentationml/2006/main">
+  <p:cSld>
+    <p:spTree>
+      <p:nvGrpSpPr>
+        <p:cNvPr id="1" name=""/>
+        <p:cNvGrpSpPr/>
+        <p:nvPr/>
+      </p:nvGrpSpPr>
+      <p:grpSpPr>
+        <a:xfrm>
+          <a:off x="0" y="0"/>
+          <a:ext cx="0" cy="0"/>
+          <a:chOff x="0" y="0"/>
+          <a:chExt cx="0" cy="0"/>
+        </a:xfrm>
+      </p:grpSpPr>
+      <p:pic>
+        <p:nvPicPr>
+          <p:cNvPr id="5" name="图片 4">
+            <a:extLst>
+              <a:ext uri="{FF2B5EF4-FFF2-40B4-BE49-F238E27FC236}">
+                <a16:creationId xmlns:a16="http://schemas.microsoft.com/office/drawing/2014/main" id="{F84FCEA7-2EB0-4D83-8C36-C3121150510A}"/>
+              </a:ext>
+            </a:extLst>
+          </p:cNvPr>
+          <p:cNvPicPr>
+            <a:picLocks noChangeAspect="1"/>
+          </p:cNvPicPr>
+          <p:nvPr/>
+        </p:nvPicPr>
+        <p:blipFill>
+          <a:blip r:embed="rId2"/>
+          <a:stretch>
+            <a:fillRect/>
+          </a:stretch>
+        </p:blipFill>
+        <p:spPr>
+          <a:xfrm>
+            <a:off x="557871" y="536846"/>
+            <a:ext cx="7847463" cy="1959698"/>
+          </a:xfrm>
+          <a:prstGeom prst="rect">
+            <a:avLst/>
+          </a:prstGeom>
+        </p:spPr>
+      </p:pic>
+      <p:sp>
+        <p:nvSpPr>
+          <p:cNvPr id="6" name="左大括号 5">
+            <a:extLst>
+              <a:ext uri="{FF2B5EF4-FFF2-40B4-BE49-F238E27FC236}">
+                <a16:creationId xmlns:a16="http://schemas.microsoft.com/office/drawing/2014/main" id="{C3C67F0A-5C75-4342-8466-4ED9373D18DD}"/>
+              </a:ext>
+            </a:extLst>
+          </p:cNvPr>
+          <p:cNvSpPr/>
+          <p:nvPr/>
+        </p:nvSpPr>
+        <p:spPr>
+          <a:xfrm rot="16200000">
+            <a:off x="6648192" y="417376"/>
+            <a:ext cx="204718" cy="1064528"/>
+          </a:xfrm>
+          <a:prstGeom prst="leftBrace">
+            <a:avLst>
+              <a:gd name="adj1" fmla="val 16496"/>
+              <a:gd name="adj2" fmla="val 24359"/>
+            </a:avLst>
+          </a:prstGeom>
+          <a:ln w="12700">
+            <a:solidFill>
+              <a:srgbClr val="FF0000"/>
+            </a:solidFill>
+          </a:ln>
+        </p:spPr>
+        <p:style>
+          <a:lnRef idx="1">
+            <a:schemeClr val="accent1"/>
+          </a:lnRef>
+          <a:fillRef idx="0">
+            <a:schemeClr val="accent1"/>
+          </a:fillRef>
+          <a:effectRef idx="0">
+            <a:schemeClr val="accent1"/>
+          </a:effectRef>
+          <a:fontRef idx="minor">
+            <a:schemeClr val="tx1"/>
+          </a:fontRef>
+        </p:style>
+        <p:txBody>
+          <a:bodyPr rtlCol="0" anchor="ctr"/>
+          <a:lstStyle/>
+          <a:p>
+            <a:pPr algn="ctr"/>
+            <a:endParaRPr lang="zh-CN" altLang="en-US"/>
+          </a:p>
+        </p:txBody>
+      </p:sp>
+      <p:sp>
+        <p:nvSpPr>
+          <p:cNvPr id="7" name="文本框 6">
+            <a:extLst>
+              <a:ext uri="{FF2B5EF4-FFF2-40B4-BE49-F238E27FC236}">
+                <a16:creationId xmlns:a16="http://schemas.microsoft.com/office/drawing/2014/main" id="{3BE9AEBD-3FC2-4D0A-ADBA-2BAFFBE9D4C6}"/>
+              </a:ext>
+            </a:extLst>
+          </p:cNvPr>
+          <p:cNvSpPr txBox="1"/>
+          <p:nvPr/>
+        </p:nvSpPr>
+        <p:spPr>
+          <a:xfrm>
+            <a:off x="6218287" y="724170"/>
+            <a:ext cx="1064526" cy="246221"/>
+          </a:xfrm>
+          <a:prstGeom prst="rect">
+            <a:avLst/>
+          </a:prstGeom>
+          <a:noFill/>
+        </p:spPr>
+        <p:txBody>
+          <a:bodyPr wrap="square" rtlCol="0">
+            <a:spAutoFit/>
+          </a:bodyPr>
+          <a:lstStyle/>
+          <a:p>
+            <a:r>
+              <a:rPr lang="zh-CN" altLang="en-US" sz="1000">
+                <a:solidFill>
+                  <a:srgbClr val="FF0000"/>
+                </a:solidFill>
+              </a:rPr>
+              <a:t>其（检测对象）</a:t>
+            </a:r>
+          </a:p>
+        </p:txBody>
+      </p:sp>
+      <p:sp>
+        <p:nvSpPr>
+          <p:cNvPr id="8" name="文本框 7">
+            <a:extLst>
+              <a:ext uri="{FF2B5EF4-FFF2-40B4-BE49-F238E27FC236}">
+                <a16:creationId xmlns:a16="http://schemas.microsoft.com/office/drawing/2014/main" id="{55AD5AE5-47DC-45D8-B830-C69D0C28B253}"/>
+              </a:ext>
+            </a:extLst>
+          </p:cNvPr>
+          <p:cNvSpPr txBox="1"/>
+          <p:nvPr/>
+        </p:nvSpPr>
+        <p:spPr>
+          <a:xfrm>
+            <a:off x="2591389" y="547082"/>
+            <a:ext cx="3626896" cy="400110"/>
+          </a:xfrm>
+          <a:prstGeom prst="rect">
+            <a:avLst/>
+          </a:prstGeom>
+          <a:noFill/>
+        </p:spPr>
+        <p:txBody>
+          <a:bodyPr wrap="square" rtlCol="0">
+            <a:spAutoFit/>
+          </a:bodyPr>
+          <a:lstStyle/>
+          <a:p>
+            <a:r>
+              <a:rPr lang="zh-CN" altLang="en-US" sz="1000">
+                <a:solidFill>
+                  <a:srgbClr val="FF0000"/>
+                </a:solidFill>
+              </a:rPr>
+              <a:t>检测对象在输入中的位置变了，发生了移动</a:t>
+            </a:r>
+            <a:r>
+              <a:rPr lang="en-US" altLang="zh-CN" sz="1000">
+                <a:solidFill>
+                  <a:srgbClr val="FF0000"/>
+                </a:solidFill>
+              </a:rPr>
+              <a:t>/</a:t>
+            </a:r>
+            <a:r>
+              <a:rPr lang="zh-CN" altLang="en-US" sz="1000">
+                <a:solidFill>
+                  <a:srgbClr val="FF0000"/>
+                </a:solidFill>
+              </a:rPr>
+              <a:t>平移，那么其在输出，即隐藏表示中，也仅仅是位置发生改变，而值不变</a:t>
+            </a:r>
+          </a:p>
+        </p:txBody>
+      </p:sp>
+      <mc:AlternateContent xmlns:mc="http://schemas.openxmlformats.org/markup-compatibility/2006">
+        <mc:Choice xmlns:a14="http://schemas.microsoft.com/office/drawing/2010/main" Requires="a14">
+          <p:sp>
+            <p:nvSpPr>
+              <p:cNvPr id="9" name="文本框 8">
+                <a:extLst>
+                  <a:ext uri="{FF2B5EF4-FFF2-40B4-BE49-F238E27FC236}">
+                    <a16:creationId xmlns:a16="http://schemas.microsoft.com/office/drawing/2014/main" id="{D1934911-7171-440C-8642-BD359C0AA5A0}"/>
+                  </a:ext>
+                </a:extLst>
+              </p:cNvPr>
+              <p:cNvSpPr txBox="1"/>
+              <p:nvPr/>
+            </p:nvSpPr>
+            <p:spPr>
+              <a:xfrm>
+                <a:off x="5409654" y="1641344"/>
+                <a:ext cx="3066474" cy="400110"/>
+              </a:xfrm>
+              <a:prstGeom prst="rect">
+                <a:avLst/>
+              </a:prstGeom>
+              <a:noFill/>
+            </p:spPr>
+            <p:txBody>
+              <a:bodyPr wrap="square" rtlCol="0">
+                <a:spAutoFit/>
+              </a:bodyPr>
+              <a:lstStyle/>
+              <a:p>
+                <a:r>
+                  <a:rPr lang="en-US" altLang="zh-CN" sz="1000">
+                    <a:solidFill>
+                      <a:srgbClr val="FF0000"/>
+                    </a:solidFill>
+                  </a:rPr>
+                  <a:t>a,b</a:t>
+                </a:r>
+                <a:r>
+                  <a:rPr lang="zh-CN" altLang="en-US" sz="1000">
+                    <a:solidFill>
+                      <a:srgbClr val="FF0000"/>
+                    </a:solidFill>
+                  </a:rPr>
+                  <a:t>是凑数的，只要能满足：</a:t>
+                </a:r>
+                <a14:m>
+                  <m:oMath xmlns:m="http://schemas.openxmlformats.org/officeDocument/2006/math">
+                    <m:r>
+                      <a:rPr lang="en-US" altLang="zh-CN" sz="1000" b="0" i="1" smtClean="0">
+                        <a:solidFill>
+                          <a:srgbClr val="FF0000"/>
+                        </a:solidFill>
+                        <a:latin typeface="Cambria Math" panose="02040503050406030204" pitchFamily="18" charset="0"/>
+                      </a:rPr>
+                      <m:t>𝑘</m:t>
+                    </m:r>
+                    <m:r>
+                      <a:rPr lang="en-US" altLang="zh-CN" sz="1000" b="0" i="1" smtClean="0">
+                        <a:solidFill>
+                          <a:srgbClr val="FF0000"/>
+                        </a:solidFill>
+                        <a:latin typeface="Cambria Math" panose="02040503050406030204" pitchFamily="18" charset="0"/>
+                      </a:rPr>
+                      <m:t>=</m:t>
+                    </m:r>
+                    <m:r>
+                      <a:rPr lang="en-US" altLang="zh-CN" sz="1000" b="0" i="1" smtClean="0">
+                        <a:solidFill>
+                          <a:srgbClr val="FF0000"/>
+                        </a:solidFill>
+                        <a:latin typeface="Cambria Math" panose="02040503050406030204" pitchFamily="18" charset="0"/>
+                      </a:rPr>
+                      <m:t>𝑖</m:t>
+                    </m:r>
+                    <m:r>
+                      <a:rPr lang="en-US" altLang="zh-CN" sz="1000" b="0" i="1" smtClean="0">
+                        <a:solidFill>
+                          <a:srgbClr val="FF0000"/>
+                        </a:solidFill>
+                        <a:latin typeface="Cambria Math" panose="02040503050406030204" pitchFamily="18" charset="0"/>
+                      </a:rPr>
+                      <m:t>+</m:t>
+                    </m:r>
+                    <m:r>
+                      <a:rPr lang="en-US" altLang="zh-CN" sz="1000" b="0" i="1" smtClean="0">
+                        <a:solidFill>
+                          <a:srgbClr val="FF0000"/>
+                        </a:solidFill>
+                        <a:latin typeface="Cambria Math" panose="02040503050406030204" pitchFamily="18" charset="0"/>
+                      </a:rPr>
+                      <m:t>𝑎</m:t>
+                    </m:r>
+                    <m:r>
+                      <a:rPr lang="en-US" altLang="zh-CN" sz="1000" b="0" i="1" smtClean="0">
+                        <a:solidFill>
+                          <a:srgbClr val="FF0000"/>
+                        </a:solidFill>
+                        <a:latin typeface="Cambria Math" panose="02040503050406030204" pitchFamily="18" charset="0"/>
+                      </a:rPr>
+                      <m:t>,</m:t>
+                    </m:r>
+                    <m:r>
+                      <a:rPr lang="en-US" altLang="zh-CN" sz="1000" b="0" i="1" smtClean="0">
+                        <a:solidFill>
+                          <a:srgbClr val="FF0000"/>
+                        </a:solidFill>
+                        <a:latin typeface="Cambria Math" panose="02040503050406030204" pitchFamily="18" charset="0"/>
+                      </a:rPr>
+                      <m:t>𝑙</m:t>
+                    </m:r>
+                    <m:r>
+                      <a:rPr lang="en-US" altLang="zh-CN" sz="1000" b="0" i="1" smtClean="0">
+                        <a:solidFill>
+                          <a:srgbClr val="FF0000"/>
+                        </a:solidFill>
+                        <a:latin typeface="Cambria Math" panose="02040503050406030204" pitchFamily="18" charset="0"/>
+                      </a:rPr>
+                      <m:t>=</m:t>
+                    </m:r>
+                    <m:r>
+                      <a:rPr lang="en-US" altLang="zh-CN" sz="1000" b="0" i="1" smtClean="0">
+                        <a:solidFill>
+                          <a:srgbClr val="FF0000"/>
+                        </a:solidFill>
+                        <a:latin typeface="Cambria Math" panose="02040503050406030204" pitchFamily="18" charset="0"/>
+                      </a:rPr>
+                      <m:t>𝑗</m:t>
+                    </m:r>
+                    <m:r>
+                      <a:rPr lang="en-US" altLang="zh-CN" sz="1000" b="0" i="1" smtClean="0">
+                        <a:solidFill>
+                          <a:srgbClr val="FF0000"/>
+                        </a:solidFill>
+                        <a:latin typeface="Cambria Math" panose="02040503050406030204" pitchFamily="18" charset="0"/>
+                      </a:rPr>
+                      <m:t>+</m:t>
+                    </m:r>
+                    <m:r>
+                      <a:rPr lang="en-US" altLang="zh-CN" sz="1000" b="0" i="1" smtClean="0">
+                        <a:solidFill>
+                          <a:srgbClr val="FF0000"/>
+                        </a:solidFill>
+                        <a:latin typeface="Cambria Math" panose="02040503050406030204" pitchFamily="18" charset="0"/>
+                      </a:rPr>
+                      <m:t>𝑏</m:t>
+                    </m:r>
+                  </m:oMath>
+                </a14:m>
+                <a:r>
+                  <a:rPr lang="zh-CN" altLang="en-US" sz="1000">
+                    <a:solidFill>
+                      <a:srgbClr val="FF0000"/>
+                    </a:solidFill>
+                  </a:rPr>
+                  <a:t>就行，没有实际的物理意义，而</a:t>
+                </a:r>
+                <a14:m>
+                  <m:oMath xmlns:m="http://schemas.openxmlformats.org/officeDocument/2006/math">
+                    <m:r>
+                      <a:rPr lang="en-US" altLang="zh-CN" sz="1000" b="0" i="1" smtClean="0">
+                        <a:solidFill>
+                          <a:srgbClr val="FF0000"/>
+                        </a:solidFill>
+                        <a:latin typeface="Cambria Math" panose="02040503050406030204" pitchFamily="18" charset="0"/>
+                      </a:rPr>
+                      <m:t>𝑖</m:t>
+                    </m:r>
+                    <m:r>
+                      <a:rPr lang="en-US" altLang="zh-CN" sz="1000" b="0" i="1" smtClean="0">
+                        <a:solidFill>
+                          <a:srgbClr val="FF0000"/>
+                        </a:solidFill>
+                        <a:latin typeface="Cambria Math" panose="02040503050406030204" pitchFamily="18" charset="0"/>
+                      </a:rPr>
+                      <m:t>,</m:t>
+                    </m:r>
+                    <m:r>
+                      <a:rPr lang="en-US" altLang="zh-CN" sz="1000" b="0" i="1" smtClean="0">
+                        <a:solidFill>
+                          <a:srgbClr val="FF0000"/>
+                        </a:solidFill>
+                        <a:latin typeface="Cambria Math" panose="02040503050406030204" pitchFamily="18" charset="0"/>
+                      </a:rPr>
+                      <m:t>𝑗</m:t>
+                    </m:r>
+                  </m:oMath>
+                </a14:m>
+                <a:r>
+                  <a:rPr lang="zh-CN" altLang="en-US" sz="1000">
+                    <a:solidFill>
+                      <a:srgbClr val="FF0000"/>
+                    </a:solidFill>
+                  </a:rPr>
+                  <a:t>就是像素位置。</a:t>
+                </a:r>
+              </a:p>
+            </p:txBody>
+          </p:sp>
+        </mc:Choice>
+        <mc:Fallback>
+          <p:sp>
+            <p:nvSpPr>
+              <p:cNvPr id="9" name="文本框 8">
+                <a:extLst>
+                  <a:ext uri="{FF2B5EF4-FFF2-40B4-BE49-F238E27FC236}">
+                    <a16:creationId xmlns:a16="http://schemas.microsoft.com/office/drawing/2014/main" id="{D1934911-7171-440C-8642-BD359C0AA5A0}"/>
+                  </a:ext>
+                </a:extLst>
+              </p:cNvPr>
+              <p:cNvSpPr txBox="1">
+                <a:spLocks noRot="1" noChangeAspect="1" noMove="1" noResize="1" noEditPoints="1" noAdjustHandles="1" noChangeArrowheads="1" noChangeShapeType="1" noTextEdit="1"/>
+              </p:cNvSpPr>
+              <p:nvPr/>
+            </p:nvSpPr>
+            <p:spPr>
+              <a:xfrm>
+                <a:off x="5409654" y="1641344"/>
+                <a:ext cx="3066474" cy="400110"/>
+              </a:xfrm>
+              <a:prstGeom prst="rect">
+                <a:avLst/>
+              </a:prstGeom>
+              <a:blipFill>
+                <a:blip r:embed="rId3"/>
+                <a:stretch>
+                  <a:fillRect r="-3777" b="-9091"/>
+                </a:stretch>
+              </a:blipFill>
+            </p:spPr>
+            <p:txBody>
+              <a:bodyPr/>
+              <a:lstStyle/>
+              <a:p>
+                <a:r>
+                  <a:rPr lang="zh-CN" altLang="en-US">
+                    <a:noFill/>
+                  </a:rPr>
+                  <a:t> </a:t>
+                </a:r>
+              </a:p>
+            </p:txBody>
+          </p:sp>
+        </mc:Fallback>
+      </mc:AlternateContent>
+      <p:cxnSp>
+        <p:nvCxnSpPr>
+          <p:cNvPr id="14" name="直接连接符 13">
+            <a:extLst>
+              <a:ext uri="{FF2B5EF4-FFF2-40B4-BE49-F238E27FC236}">
+                <a16:creationId xmlns:a16="http://schemas.microsoft.com/office/drawing/2014/main" id="{D6FDF2DF-70EC-4DE0-BE02-E80778666D93}"/>
+              </a:ext>
+            </a:extLst>
+          </p:cNvPr>
+          <p:cNvCxnSpPr>
+            <a:cxnSpLocks/>
+          </p:cNvCxnSpPr>
+          <p:nvPr/>
+        </p:nvCxnSpPr>
+        <p:spPr>
+          <a:xfrm>
+            <a:off x="1032132" y="1157768"/>
+            <a:ext cx="221777" cy="163773"/>
+          </a:xfrm>
+          <a:prstGeom prst="line">
+            <a:avLst/>
+          </a:prstGeom>
+          <a:ln>
+            <a:solidFill>
+              <a:srgbClr val="FF0000"/>
+            </a:solidFill>
+          </a:ln>
+        </p:spPr>
+        <p:style>
+          <a:lnRef idx="3">
+            <a:schemeClr val="accent2"/>
+          </a:lnRef>
+          <a:fillRef idx="0">
+            <a:schemeClr val="accent2"/>
+          </a:fillRef>
+          <a:effectRef idx="2">
+            <a:schemeClr val="accent2"/>
+          </a:effectRef>
+          <a:fontRef idx="minor">
+            <a:schemeClr val="tx1"/>
+          </a:fontRef>
+        </p:style>
+      </p:cxnSp>
+      <p:sp>
+        <p:nvSpPr>
+          <p:cNvPr id="17" name="文本框 16">
+            <a:extLst>
+              <a:ext uri="{FF2B5EF4-FFF2-40B4-BE49-F238E27FC236}">
+                <a16:creationId xmlns:a16="http://schemas.microsoft.com/office/drawing/2014/main" id="{2FC1969C-2DCD-4FF9-B7BB-887EF2B044FB}"/>
+              </a:ext>
+            </a:extLst>
+          </p:cNvPr>
+          <p:cNvSpPr txBox="1"/>
+          <p:nvPr/>
+        </p:nvSpPr>
+        <p:spPr>
+          <a:xfrm>
+            <a:off x="801828" y="1321541"/>
+            <a:ext cx="1064526" cy="246221"/>
+          </a:xfrm>
+          <a:prstGeom prst="rect">
+            <a:avLst/>
+          </a:prstGeom>
+          <a:noFill/>
+        </p:spPr>
+        <p:txBody>
+          <a:bodyPr wrap="square" rtlCol="0">
+            <a:spAutoFit/>
+          </a:bodyPr>
+          <a:lstStyle/>
+          <a:p>
+            <a:r>
+              <a:rPr lang="zh-CN" altLang="en-US" sz="1000">
+                <a:solidFill>
+                  <a:srgbClr val="FF0000"/>
+                </a:solidFill>
+              </a:rPr>
+              <a:t>主要还是</a:t>
+            </a:r>
+            <a:r>
+              <a:rPr lang="en-US" altLang="zh-CN" sz="1000">
+                <a:solidFill>
+                  <a:srgbClr val="FF0000"/>
+                </a:solidFill>
+              </a:rPr>
+              <a:t>V</a:t>
+            </a:r>
+            <a:endParaRPr lang="zh-CN" altLang="en-US" sz="1000">
+              <a:solidFill>
+                <a:srgbClr val="FF0000"/>
+              </a:solidFill>
+            </a:endParaRPr>
+          </a:p>
+        </p:txBody>
+      </p:sp>
+      <p:cxnSp>
+        <p:nvCxnSpPr>
+          <p:cNvPr id="18" name="直接连接符 17">
+            <a:extLst>
+              <a:ext uri="{FF2B5EF4-FFF2-40B4-BE49-F238E27FC236}">
+                <a16:creationId xmlns:a16="http://schemas.microsoft.com/office/drawing/2014/main" id="{14E22C31-80BA-4EA6-AD4B-BA0BB4CB4EA7}"/>
+              </a:ext>
+            </a:extLst>
+          </p:cNvPr>
+          <p:cNvCxnSpPr>
+            <a:cxnSpLocks/>
+          </p:cNvCxnSpPr>
+          <p:nvPr/>
+        </p:nvCxnSpPr>
+        <p:spPr>
+          <a:xfrm>
+            <a:off x="1722483" y="1351111"/>
+            <a:ext cx="1155509" cy="0"/>
+          </a:xfrm>
+          <a:prstGeom prst="line">
+            <a:avLst/>
+          </a:prstGeom>
+          <a:ln w="28575">
+            <a:solidFill>
+              <a:srgbClr val="FF0000"/>
+            </a:solidFill>
+          </a:ln>
+        </p:spPr>
+        <p:style>
+          <a:lnRef idx="1">
+            <a:schemeClr val="accent1"/>
+          </a:lnRef>
+          <a:fillRef idx="0">
+            <a:schemeClr val="accent1"/>
+          </a:fillRef>
+          <a:effectRef idx="0">
+            <a:schemeClr val="accent1"/>
+          </a:effectRef>
+          <a:fontRef idx="minor">
+            <a:schemeClr val="tx1"/>
+          </a:fontRef>
+        </p:style>
+      </p:cxnSp>
+      <mc:AlternateContent xmlns:mc="http://schemas.openxmlformats.org/markup-compatibility/2006">
+        <mc:Choice xmlns:a14="http://schemas.microsoft.com/office/drawing/2010/main" Requires="a14">
+          <p:sp>
+            <p:nvSpPr>
+              <p:cNvPr id="20" name="文本框 19">
+                <a:extLst>
+                  <a:ext uri="{FF2B5EF4-FFF2-40B4-BE49-F238E27FC236}">
+                    <a16:creationId xmlns:a16="http://schemas.microsoft.com/office/drawing/2014/main" id="{1D00FBDC-8339-40D3-A9AE-CEFA9BA73E90}"/>
+                  </a:ext>
+                </a:extLst>
+              </p:cNvPr>
+              <p:cNvSpPr txBox="1"/>
+              <p:nvPr/>
+            </p:nvSpPr>
+            <p:spPr>
+              <a:xfrm>
+                <a:off x="1667323" y="1380682"/>
+                <a:ext cx="1285731" cy="412485"/>
+              </a:xfrm>
+              <a:prstGeom prst="rect">
+                <a:avLst/>
+              </a:prstGeom>
+              <a:noFill/>
+            </p:spPr>
+            <p:txBody>
+              <a:bodyPr wrap="square" rtlCol="0">
+                <a:spAutoFit/>
+              </a:bodyPr>
+              <a:lstStyle/>
+              <a:p>
+                <a:r>
+                  <a:rPr lang="zh-CN" altLang="en-US" sz="1000">
+                    <a:solidFill>
+                      <a:srgbClr val="FF0000"/>
+                    </a:solidFill>
+                  </a:rPr>
+                  <a:t>想要</a:t>
+                </a:r>
+                <a14:m>
+                  <m:oMath xmlns:m="http://schemas.openxmlformats.org/officeDocument/2006/math">
+                    <m:sSub>
+                      <m:sSubPr>
+                        <m:ctrlPr>
+                          <a:rPr lang="en-US" altLang="zh-CN" sz="1000" i="1" smtClean="0">
+                            <a:solidFill>
+                              <a:srgbClr val="FF0000"/>
+                            </a:solidFill>
+                            <a:latin typeface="Cambria Math" panose="02040503050406030204" pitchFamily="18" charset="0"/>
+                          </a:rPr>
+                        </m:ctrlPr>
+                      </m:sSubPr>
+                      <m:e>
+                        <m:r>
+                          <m:rPr>
+                            <m:sty m:val="p"/>
+                          </m:rPr>
+                          <a:rPr lang="en-US" altLang="zh-CN" sz="1000" i="1">
+                            <a:solidFill>
+                              <a:srgbClr val="FF0000"/>
+                            </a:solidFill>
+                            <a:latin typeface="Cambria Math" panose="02040503050406030204" pitchFamily="18" charset="0"/>
+                          </a:rPr>
+                          <m:t>H</m:t>
+                        </m:r>
+                      </m:e>
+                      <m:sub>
+                        <m:r>
+                          <a:rPr lang="en-US" altLang="zh-CN" sz="1000" b="0" i="1" smtClean="0">
+                            <a:solidFill>
+                              <a:srgbClr val="FF0000"/>
+                            </a:solidFill>
+                            <a:latin typeface="Cambria Math" panose="02040503050406030204" pitchFamily="18" charset="0"/>
+                          </a:rPr>
+                          <m:t>𝑖</m:t>
+                        </m:r>
+                        <m:r>
+                          <a:rPr lang="en-US" altLang="zh-CN" sz="1000" b="0" i="1" smtClean="0">
+                            <a:solidFill>
+                              <a:srgbClr val="FF0000"/>
+                            </a:solidFill>
+                            <a:latin typeface="Cambria Math" panose="02040503050406030204" pitchFamily="18" charset="0"/>
+                          </a:rPr>
+                          <m:t>,</m:t>
+                        </m:r>
+                        <m:r>
+                          <a:rPr lang="en-US" altLang="zh-CN" sz="1000" b="0" i="1" smtClean="0">
+                            <a:solidFill>
+                              <a:srgbClr val="FF0000"/>
+                            </a:solidFill>
+                            <a:latin typeface="Cambria Math" panose="02040503050406030204" pitchFamily="18" charset="0"/>
+                          </a:rPr>
+                          <m:t>𝑗</m:t>
+                        </m:r>
+                      </m:sub>
+                    </m:sSub>
+                    <m:r>
+                      <a:rPr lang="zh-CN" altLang="en-US" sz="1000" i="1">
+                        <a:solidFill>
+                          <a:srgbClr val="FF0000"/>
+                        </a:solidFill>
+                        <a:latin typeface="Cambria Math" panose="02040503050406030204" pitchFamily="18" charset="0"/>
+                      </a:rPr>
+                      <m:t>不变</m:t>
+                    </m:r>
+                  </m:oMath>
+                </a14:m>
+                <a:r>
+                  <a:rPr lang="zh-CN" altLang="en-US" sz="1000">
+                    <a:solidFill>
+                      <a:srgbClr val="FF0000"/>
+                    </a:solidFill>
+                  </a:rPr>
+                  <a:t>，那么</a:t>
+                </a:r>
+                <a:r>
+                  <a:rPr lang="en-US" altLang="zh-CN" sz="1000">
+                    <a:solidFill>
+                      <a:srgbClr val="FF0000"/>
+                    </a:solidFill>
+                  </a:rPr>
+                  <a:t>V</a:t>
+                </a:r>
+                <a:r>
+                  <a:rPr lang="zh-CN" altLang="en-US" sz="1000">
+                    <a:solidFill>
+                      <a:srgbClr val="FF0000"/>
+                    </a:solidFill>
+                  </a:rPr>
+                  <a:t>就不能随着</a:t>
+                </a:r>
+                <a:r>
+                  <a:rPr lang="en-US" altLang="zh-CN" sz="1000">
+                    <a:solidFill>
+                      <a:srgbClr val="FF0000"/>
+                    </a:solidFill>
+                  </a:rPr>
+                  <a:t>(i,j)</a:t>
+                </a:r>
+                <a:r>
+                  <a:rPr lang="zh-CN" altLang="en-US" sz="1000">
+                    <a:solidFill>
+                      <a:srgbClr val="FF0000"/>
+                    </a:solidFill>
+                  </a:rPr>
+                  <a:t>变</a:t>
+                </a:r>
+              </a:p>
+            </p:txBody>
+          </p:sp>
+        </mc:Choice>
+        <mc:Fallback>
+          <p:sp>
+            <p:nvSpPr>
+              <p:cNvPr id="20" name="文本框 19">
+                <a:extLst>
+                  <a:ext uri="{FF2B5EF4-FFF2-40B4-BE49-F238E27FC236}">
+                    <a16:creationId xmlns:a16="http://schemas.microsoft.com/office/drawing/2014/main" id="{1D00FBDC-8339-40D3-A9AE-CEFA9BA73E90}"/>
+                  </a:ext>
+                </a:extLst>
+              </p:cNvPr>
+              <p:cNvSpPr txBox="1">
+                <a:spLocks noRot="1" noChangeAspect="1" noMove="1" noResize="1" noEditPoints="1" noAdjustHandles="1" noChangeArrowheads="1" noChangeShapeType="1" noTextEdit="1"/>
+              </p:cNvSpPr>
+              <p:nvPr/>
+            </p:nvSpPr>
+            <p:spPr>
+              <a:xfrm>
+                <a:off x="1667323" y="1380682"/>
+                <a:ext cx="1285731" cy="412485"/>
+              </a:xfrm>
+              <a:prstGeom prst="rect">
+                <a:avLst/>
+              </a:prstGeom>
+              <a:blipFill>
+                <a:blip r:embed="rId4"/>
+                <a:stretch>
+                  <a:fillRect b="-7353"/>
+                </a:stretch>
+              </a:blipFill>
+            </p:spPr>
+            <p:txBody>
+              <a:bodyPr/>
+              <a:lstStyle/>
+              <a:p>
+                <a:r>
+                  <a:rPr lang="zh-CN" altLang="en-US">
+                    <a:noFill/>
+                  </a:rPr>
+                  <a:t> </a:t>
+                </a:r>
+              </a:p>
+            </p:txBody>
+          </p:sp>
+        </mc:Fallback>
+      </mc:AlternateContent>
+      <p:cxnSp>
+        <p:nvCxnSpPr>
+          <p:cNvPr id="22" name="直接连接符 21">
+            <a:extLst>
+              <a:ext uri="{FF2B5EF4-FFF2-40B4-BE49-F238E27FC236}">
+                <a16:creationId xmlns:a16="http://schemas.microsoft.com/office/drawing/2014/main" id="{232FF77F-068B-4A83-8947-03336827A63B}"/>
+              </a:ext>
+            </a:extLst>
+          </p:cNvPr>
+          <p:cNvCxnSpPr>
+            <a:cxnSpLocks/>
+          </p:cNvCxnSpPr>
+          <p:nvPr/>
+        </p:nvCxnSpPr>
+        <p:spPr>
+          <a:xfrm>
+            <a:off x="3034943" y="1873422"/>
+            <a:ext cx="2425888" cy="0"/>
+          </a:xfrm>
+          <a:prstGeom prst="line">
+            <a:avLst/>
+          </a:prstGeom>
+          <a:ln w="28575">
+            <a:solidFill>
+              <a:srgbClr val="FF0000"/>
+            </a:solidFill>
+          </a:ln>
+        </p:spPr>
+        <p:style>
+          <a:lnRef idx="1">
+            <a:schemeClr val="accent1"/>
+          </a:lnRef>
+          <a:fillRef idx="0">
+            <a:schemeClr val="accent1"/>
+          </a:fillRef>
+          <a:effectRef idx="0">
+            <a:schemeClr val="accent1"/>
+          </a:effectRef>
+          <a:fontRef idx="minor">
+            <a:schemeClr val="tx1"/>
+          </a:fontRef>
+        </p:style>
+      </p:cxnSp>
+      <p:sp>
+        <p:nvSpPr>
+          <p:cNvPr id="36" name="文本框 35">
+            <a:extLst>
+              <a:ext uri="{FF2B5EF4-FFF2-40B4-BE49-F238E27FC236}">
+                <a16:creationId xmlns:a16="http://schemas.microsoft.com/office/drawing/2014/main" id="{95B61A04-AB0F-4907-A1A5-2A23546C479F}"/>
+              </a:ext>
+            </a:extLst>
+          </p:cNvPr>
+          <p:cNvSpPr txBox="1"/>
+          <p:nvPr/>
+        </p:nvSpPr>
+        <p:spPr>
+          <a:xfrm>
+            <a:off x="1153820" y="2581535"/>
+            <a:ext cx="7035299" cy="253916"/>
+          </a:xfrm>
+          <a:prstGeom prst="rect">
+            <a:avLst/>
+          </a:prstGeom>
+          <a:noFill/>
+        </p:spPr>
+        <p:txBody>
+          <a:bodyPr wrap="square">
+            <a:spAutoFit/>
+          </a:bodyPr>
+          <a:lstStyle/>
+          <a:p>
+            <a:pPr marL="0" marR="0" lvl="0" indent="0" algn="l" defTabSz="457200" rtl="0" eaLnBrk="1" fontAlgn="auto" latinLnBrk="0" hangingPunct="1">
+              <a:lnSpc>
+                <a:spcPct val="100000"/>
+              </a:lnSpc>
+              <a:spcBef>
+                <a:spcPts val="600"/>
+              </a:spcBef>
+              <a:spcAft>
+                <a:spcPts val="0"/>
+              </a:spcAft>
+              <a:buClrTx/>
+              <a:buSzTx/>
+              <a:buFontTx/>
+              <a:buNone/>
+              <a:tabLst/>
+              <a:defRPr/>
+            </a:pPr>
+            <a:r>
+              <a:rPr kumimoji="0" lang="zh-CN" altLang="en-US" sz="1050" b="0" i="0" u="none" strike="noStrike" kern="1200" cap="none" spc="0" normalizeH="0" baseline="0" noProof="0">
+                <a:ln>
+                  <a:noFill/>
+                </a:ln>
+                <a:solidFill>
+                  <a:srgbClr val="0070C0"/>
+                </a:solidFill>
+                <a:effectLst/>
+                <a:uLnTx/>
+                <a:uFillTx/>
+                <a:latin typeface="Microsoft YaHei Light" panose="020B0502040204020203" pitchFamily="34" charset="-122"/>
+                <a:ea typeface="Microsoft YaHei Light" panose="020B0502040204020203" pitchFamily="34" charset="-122"/>
+                <a:cs typeface="+mn-cs"/>
+              </a:rPr>
+              <a:t>检测对象位置发生了改变，其在相应的特征图上位置也会发生改变。但是两者的值都不变，只是空间结构变了</a:t>
+            </a:r>
+            <a:endParaRPr kumimoji="0" lang="en-US" altLang="zh-CN" sz="1050" b="0" i="0" u="none" strike="noStrike" kern="1200" cap="none" spc="0" normalizeH="0" baseline="0" noProof="0">
+              <a:ln>
+                <a:noFill/>
+              </a:ln>
+              <a:solidFill>
+                <a:srgbClr val="0070C0"/>
+              </a:solidFill>
+              <a:effectLst/>
+              <a:uLnTx/>
+              <a:uFillTx/>
+              <a:latin typeface="Microsoft YaHei Light" panose="020B0502040204020203" pitchFamily="34" charset="-122"/>
+              <a:ea typeface="Microsoft YaHei Light" panose="020B0502040204020203" pitchFamily="34" charset="-122"/>
+              <a:cs typeface="+mn-cs"/>
+            </a:endParaRPr>
+          </a:p>
+        </p:txBody>
+      </p:sp>
+      <mc:AlternateContent xmlns:mc="http://schemas.openxmlformats.org/markup-compatibility/2006">
+        <mc:Choice xmlns:a14="http://schemas.microsoft.com/office/drawing/2010/main" Requires="a14">
+          <p:sp>
+            <p:nvSpPr>
+              <p:cNvPr id="37" name="文本框 36">
+                <a:extLst>
+                  <a:ext uri="{FF2B5EF4-FFF2-40B4-BE49-F238E27FC236}">
+                    <a16:creationId xmlns:a16="http://schemas.microsoft.com/office/drawing/2014/main" id="{403D10A0-A8AE-4107-A713-C0E081EE2766}"/>
+                  </a:ext>
+                </a:extLst>
+              </p:cNvPr>
+              <p:cNvSpPr txBox="1"/>
+              <p:nvPr/>
+            </p:nvSpPr>
+            <p:spPr>
+              <a:xfrm>
+                <a:off x="2259121" y="3005433"/>
+                <a:ext cx="3783213" cy="578748"/>
+              </a:xfrm>
+              <a:prstGeom prst="rect">
+                <a:avLst/>
+              </a:prstGeom>
+              <a:noFill/>
+            </p:spPr>
+            <p:txBody>
+              <a:bodyPr wrap="square" rtlCol="0">
+                <a:spAutoFit/>
+              </a:bodyPr>
+              <a:lstStyle/>
+              <a:p>
+                <a:r>
+                  <a:rPr lang="zh-CN" altLang="en-US" sz="1000">
+                    <a:solidFill>
+                      <a:srgbClr val="0070C0"/>
+                    </a:solidFill>
+                  </a:rPr>
+                  <a:t>索引</a:t>
+                </a:r>
+                <a14:m>
+                  <m:oMath xmlns:m="http://schemas.openxmlformats.org/officeDocument/2006/math">
+                    <m:r>
+                      <a:rPr lang="en-US" altLang="zh-CN" sz="1000" b="0" i="1" smtClean="0">
+                        <a:solidFill>
+                          <a:srgbClr val="0070C0"/>
+                        </a:solidFill>
+                        <a:latin typeface="Cambria Math" panose="02040503050406030204" pitchFamily="18" charset="0"/>
+                      </a:rPr>
+                      <m:t>𝑎</m:t>
+                    </m:r>
+                  </m:oMath>
+                </a14:m>
+                <a:r>
+                  <a:rPr lang="zh-CN" altLang="en-US" sz="1000">
+                    <a:solidFill>
+                      <a:srgbClr val="0070C0"/>
+                    </a:solidFill>
+                  </a:rPr>
+                  <a:t>和</a:t>
+                </a:r>
+                <a14:m>
+                  <m:oMath xmlns:m="http://schemas.openxmlformats.org/officeDocument/2006/math">
+                    <m:r>
+                      <a:rPr lang="en-US" altLang="zh-CN" sz="1000" b="0" i="1" smtClean="0">
+                        <a:solidFill>
+                          <a:srgbClr val="0070C0"/>
+                        </a:solidFill>
+                        <a:latin typeface="Cambria Math" panose="02040503050406030204" pitchFamily="18" charset="0"/>
+                      </a:rPr>
+                      <m:t>𝑏</m:t>
+                    </m:r>
+                  </m:oMath>
+                </a14:m>
+                <a:r>
+                  <a:rPr lang="zh-CN" altLang="en-US" sz="1000">
+                    <a:solidFill>
+                      <a:srgbClr val="0070C0"/>
+                    </a:solidFill>
+                  </a:rPr>
+                  <a:t>通过在正偏移和负偏移之间移动覆盖了整个图像</a:t>
+                </a:r>
+                <a:endParaRPr lang="en-US" altLang="zh-CN" sz="1000">
+                  <a:solidFill>
+                    <a:srgbClr val="0070C0"/>
+                  </a:solidFill>
+                </a:endParaRPr>
+              </a:p>
+              <a:p>
+                <a:r>
+                  <a:rPr lang="zh-CN" altLang="en-US" sz="1000">
+                    <a:solidFill>
+                      <a:srgbClr val="0070C0"/>
+                    </a:solidFill>
+                  </a:rPr>
+                  <a:t>对于隐藏表示中任意给定位置</a:t>
+                </a:r>
+                <a14:m>
+                  <m:oMath xmlns:m="http://schemas.openxmlformats.org/officeDocument/2006/math">
+                    <m:r>
+                      <a:rPr lang="en-US" altLang="zh-CN" sz="1000" b="0" i="1" smtClean="0">
+                        <a:solidFill>
+                          <a:srgbClr val="0070C0"/>
+                        </a:solidFill>
+                        <a:latin typeface="Cambria Math" panose="02040503050406030204" pitchFamily="18" charset="0"/>
+                      </a:rPr>
+                      <m:t>(</m:t>
+                    </m:r>
+                    <m:r>
+                      <a:rPr lang="en-US" altLang="zh-CN" sz="1000" b="0" i="1" smtClean="0">
+                        <a:solidFill>
+                          <a:srgbClr val="0070C0"/>
+                        </a:solidFill>
+                        <a:latin typeface="Cambria Math" panose="02040503050406030204" pitchFamily="18" charset="0"/>
+                      </a:rPr>
+                      <m:t>𝑖</m:t>
+                    </m:r>
+                    <m:r>
+                      <a:rPr lang="en-US" altLang="zh-CN" sz="1000" b="0" i="1" smtClean="0">
+                        <a:solidFill>
+                          <a:srgbClr val="0070C0"/>
+                        </a:solidFill>
+                        <a:latin typeface="Cambria Math" panose="02040503050406030204" pitchFamily="18" charset="0"/>
+                      </a:rPr>
+                      <m:t>,</m:t>
+                    </m:r>
+                    <m:r>
+                      <a:rPr lang="en-US" altLang="zh-CN" sz="1000" b="0" i="1" smtClean="0">
+                        <a:solidFill>
+                          <a:srgbClr val="0070C0"/>
+                        </a:solidFill>
+                        <a:latin typeface="Cambria Math" panose="02040503050406030204" pitchFamily="18" charset="0"/>
+                      </a:rPr>
+                      <m:t>𝑗</m:t>
+                    </m:r>
+                    <m:r>
+                      <a:rPr lang="en-US" altLang="zh-CN" sz="1000" b="0" i="1" smtClean="0">
+                        <a:solidFill>
+                          <a:srgbClr val="0070C0"/>
+                        </a:solidFill>
+                        <a:latin typeface="Cambria Math" panose="02040503050406030204" pitchFamily="18" charset="0"/>
+                      </a:rPr>
+                      <m:t>)</m:t>
+                    </m:r>
+                    <m:r>
+                      <a:rPr lang="zh-CN" altLang="en-US" sz="1000" b="0" i="1">
+                        <a:solidFill>
+                          <a:srgbClr val="0070C0"/>
+                        </a:solidFill>
+                        <a:latin typeface="Cambria Math" panose="02040503050406030204" pitchFamily="18" charset="0"/>
+                      </a:rPr>
+                      <m:t>处</m:t>
+                    </m:r>
+                  </m:oMath>
+                </a14:m>
+                <a:r>
+                  <a:rPr lang="zh-CN" altLang="en-US" sz="1000">
+                    <a:solidFill>
+                      <a:srgbClr val="0070C0"/>
+                    </a:solidFill>
+                  </a:rPr>
+                  <a:t>的像素值</a:t>
+                </a:r>
+                <a14:m>
+                  <m:oMath xmlns:m="http://schemas.openxmlformats.org/officeDocument/2006/math">
+                    <m:sSub>
+                      <m:sSubPr>
+                        <m:ctrlPr>
+                          <a:rPr lang="en-US" altLang="zh-CN" sz="1000" i="1" smtClean="0">
+                            <a:solidFill>
+                              <a:srgbClr val="0070C0"/>
+                            </a:solidFill>
+                            <a:latin typeface="Cambria Math" panose="02040503050406030204" pitchFamily="18" charset="0"/>
+                          </a:rPr>
+                        </m:ctrlPr>
+                      </m:sSubPr>
+                      <m:e>
+                        <m:r>
+                          <a:rPr lang="en-US" altLang="zh-CN" sz="1000" b="0" i="1" smtClean="0">
+                            <a:solidFill>
+                              <a:srgbClr val="0070C0"/>
+                            </a:solidFill>
+                            <a:latin typeface="Cambria Math" panose="02040503050406030204" pitchFamily="18" charset="0"/>
+                          </a:rPr>
+                          <m:t>𝐻</m:t>
+                        </m:r>
+                      </m:e>
+                      <m:sub>
+                        <m:r>
+                          <a:rPr lang="en-US" altLang="zh-CN" sz="1000" b="0" i="1" smtClean="0">
+                            <a:solidFill>
+                              <a:srgbClr val="0070C0"/>
+                            </a:solidFill>
+                            <a:latin typeface="Cambria Math" panose="02040503050406030204" pitchFamily="18" charset="0"/>
+                          </a:rPr>
+                          <m:t>𝑖</m:t>
+                        </m:r>
+                        <m:r>
+                          <a:rPr lang="en-US" altLang="zh-CN" sz="1000" b="0" i="1" smtClean="0">
+                            <a:solidFill>
+                              <a:srgbClr val="0070C0"/>
+                            </a:solidFill>
+                            <a:latin typeface="Cambria Math" panose="02040503050406030204" pitchFamily="18" charset="0"/>
+                          </a:rPr>
+                          <m:t>,</m:t>
+                        </m:r>
+                        <m:r>
+                          <a:rPr lang="en-US" altLang="zh-CN" sz="1000" b="0" i="1" smtClean="0">
+                            <a:solidFill>
+                              <a:srgbClr val="0070C0"/>
+                            </a:solidFill>
+                            <a:latin typeface="Cambria Math" panose="02040503050406030204" pitchFamily="18" charset="0"/>
+                          </a:rPr>
+                          <m:t>𝑗</m:t>
+                        </m:r>
+                      </m:sub>
+                    </m:sSub>
+                    <m:r>
+                      <a:rPr lang="zh-CN" altLang="en-US" sz="1000" b="0" i="1">
+                        <a:solidFill>
+                          <a:srgbClr val="0070C0"/>
+                        </a:solidFill>
+                        <a:latin typeface="Cambria Math" panose="02040503050406030204" pitchFamily="18" charset="0"/>
+                      </a:rPr>
+                      <m:t>，</m:t>
+                    </m:r>
+                  </m:oMath>
+                </a14:m>
+                <a:r>
+                  <a:rPr lang="zh-CN" altLang="en-US" sz="1000">
+                    <a:solidFill>
+                      <a:srgbClr val="0070C0"/>
+                    </a:solidFill>
+                  </a:rPr>
+                  <a:t>可以通过在</a:t>
+                </a:r>
+                <a14:m>
+                  <m:oMath xmlns:m="http://schemas.openxmlformats.org/officeDocument/2006/math">
+                    <m:r>
+                      <a:rPr lang="en-US" altLang="zh-CN" sz="1000" b="0" i="1" smtClean="0">
+                        <a:solidFill>
+                          <a:srgbClr val="0070C0"/>
+                        </a:solidFill>
+                        <a:latin typeface="Cambria Math" panose="02040503050406030204" pitchFamily="18" charset="0"/>
+                      </a:rPr>
+                      <m:t>𝑥</m:t>
+                    </m:r>
+                  </m:oMath>
+                </a14:m>
+                <a:r>
+                  <a:rPr lang="zh-CN" altLang="en-US" sz="1000">
+                    <a:solidFill>
+                      <a:srgbClr val="0070C0"/>
+                    </a:solidFill>
+                  </a:rPr>
+                  <a:t>中以</a:t>
+                </a:r>
+                <a14:m>
+                  <m:oMath xmlns:m="http://schemas.openxmlformats.org/officeDocument/2006/math">
+                    <m:r>
+                      <a:rPr lang="en-US" altLang="zh-CN" sz="1000" b="0" i="1" smtClean="0">
+                        <a:solidFill>
+                          <a:srgbClr val="0070C0"/>
+                        </a:solidFill>
+                        <a:latin typeface="Cambria Math" panose="02040503050406030204" pitchFamily="18" charset="0"/>
+                      </a:rPr>
+                      <m:t>(</m:t>
+                    </m:r>
+                    <m:r>
+                      <a:rPr lang="en-US" altLang="zh-CN" sz="1000" b="0" i="1" smtClean="0">
+                        <a:solidFill>
+                          <a:srgbClr val="0070C0"/>
+                        </a:solidFill>
+                        <a:latin typeface="Cambria Math" panose="02040503050406030204" pitchFamily="18" charset="0"/>
+                      </a:rPr>
+                      <m:t>𝑖</m:t>
+                    </m:r>
+                    <m:r>
+                      <a:rPr lang="en-US" altLang="zh-CN" sz="1000" b="0" i="1" smtClean="0">
+                        <a:solidFill>
+                          <a:srgbClr val="0070C0"/>
+                        </a:solidFill>
+                        <a:latin typeface="Cambria Math" panose="02040503050406030204" pitchFamily="18" charset="0"/>
+                      </a:rPr>
+                      <m:t>,</m:t>
+                    </m:r>
+                    <m:r>
+                      <a:rPr lang="en-US" altLang="zh-CN" sz="1000" b="0" i="1" smtClean="0">
+                        <a:solidFill>
+                          <a:srgbClr val="0070C0"/>
+                        </a:solidFill>
+                        <a:latin typeface="Cambria Math" panose="02040503050406030204" pitchFamily="18" charset="0"/>
+                      </a:rPr>
+                      <m:t>𝑗</m:t>
+                    </m:r>
+                    <m:r>
+                      <a:rPr lang="en-US" altLang="zh-CN" sz="1000" b="0" i="1" smtClean="0">
+                        <a:solidFill>
+                          <a:srgbClr val="0070C0"/>
+                        </a:solidFill>
+                        <a:latin typeface="Cambria Math" panose="02040503050406030204" pitchFamily="18" charset="0"/>
+                      </a:rPr>
+                      <m:t>)</m:t>
+                    </m:r>
+                    <m:r>
+                      <a:rPr lang="zh-CN" altLang="en-US" sz="1000" b="0" i="1">
+                        <a:solidFill>
+                          <a:srgbClr val="0070C0"/>
+                        </a:solidFill>
+                        <a:latin typeface="Cambria Math" panose="02040503050406030204" pitchFamily="18" charset="0"/>
+                      </a:rPr>
+                      <m:t>为</m:t>
+                    </m:r>
+                  </m:oMath>
+                </a14:m>
+                <a:r>
+                  <a:rPr lang="zh-CN" altLang="en-US" sz="1000">
+                    <a:solidFill>
+                      <a:srgbClr val="0070C0"/>
+                    </a:solidFill>
+                  </a:rPr>
+                  <a:t>中心对像素进行加权求和得到，使用的权重为</a:t>
+                </a:r>
+                <a14:m>
+                  <m:oMath xmlns:m="http://schemas.openxmlformats.org/officeDocument/2006/math">
+                    <m:sSub>
+                      <m:sSubPr>
+                        <m:ctrlPr>
+                          <a:rPr lang="en-US" altLang="zh-CN" sz="1000" i="1" smtClean="0">
+                            <a:solidFill>
+                              <a:srgbClr val="0070C0"/>
+                            </a:solidFill>
+                            <a:latin typeface="Cambria Math" panose="02040503050406030204" pitchFamily="18" charset="0"/>
+                          </a:rPr>
+                        </m:ctrlPr>
+                      </m:sSubPr>
+                      <m:e>
+                        <m:r>
+                          <a:rPr lang="en-US" altLang="zh-CN" sz="1000" b="0" i="1" smtClean="0">
+                            <a:solidFill>
+                              <a:srgbClr val="0070C0"/>
+                            </a:solidFill>
+                            <a:latin typeface="Cambria Math" panose="02040503050406030204" pitchFamily="18" charset="0"/>
+                          </a:rPr>
+                          <m:t>𝑉</m:t>
+                        </m:r>
+                      </m:e>
+                      <m:sub>
+                        <m:r>
+                          <a:rPr lang="en-US" altLang="zh-CN" sz="1000" b="0" i="1" smtClean="0">
+                            <a:solidFill>
+                              <a:srgbClr val="0070C0"/>
+                            </a:solidFill>
+                            <a:latin typeface="Cambria Math" panose="02040503050406030204" pitchFamily="18" charset="0"/>
+                          </a:rPr>
+                          <m:t>𝑖</m:t>
+                        </m:r>
+                        <m:r>
+                          <a:rPr lang="en-US" altLang="zh-CN" sz="1000" b="0" i="1" smtClean="0">
+                            <a:solidFill>
+                              <a:srgbClr val="0070C0"/>
+                            </a:solidFill>
+                            <a:latin typeface="Cambria Math" panose="02040503050406030204" pitchFamily="18" charset="0"/>
+                          </a:rPr>
+                          <m:t>,</m:t>
+                        </m:r>
+                        <m:r>
+                          <a:rPr lang="en-US" altLang="zh-CN" sz="1000" b="0" i="1" smtClean="0">
+                            <a:solidFill>
+                              <a:srgbClr val="0070C0"/>
+                            </a:solidFill>
+                            <a:latin typeface="Cambria Math" panose="02040503050406030204" pitchFamily="18" charset="0"/>
+                          </a:rPr>
+                          <m:t>𝑗</m:t>
+                        </m:r>
+                        <m:r>
+                          <a:rPr lang="en-US" altLang="zh-CN" sz="1000" b="0" i="1" smtClean="0">
+                            <a:solidFill>
+                              <a:srgbClr val="0070C0"/>
+                            </a:solidFill>
+                            <a:latin typeface="Cambria Math" panose="02040503050406030204" pitchFamily="18" charset="0"/>
+                          </a:rPr>
+                          <m:t>,</m:t>
+                        </m:r>
+                        <m:r>
+                          <a:rPr lang="en-US" altLang="zh-CN" sz="1000" b="0" i="1" smtClean="0">
+                            <a:solidFill>
+                              <a:srgbClr val="0070C0"/>
+                            </a:solidFill>
+                            <a:latin typeface="Cambria Math" panose="02040503050406030204" pitchFamily="18" charset="0"/>
+                          </a:rPr>
+                          <m:t>𝑎</m:t>
+                        </m:r>
+                        <m:r>
+                          <a:rPr lang="en-US" altLang="zh-CN" sz="1000" b="0" i="1" smtClean="0">
+                            <a:solidFill>
+                              <a:srgbClr val="0070C0"/>
+                            </a:solidFill>
+                            <a:latin typeface="Cambria Math" panose="02040503050406030204" pitchFamily="18" charset="0"/>
+                          </a:rPr>
+                          <m:t>,</m:t>
+                        </m:r>
+                        <m:r>
+                          <a:rPr lang="en-US" altLang="zh-CN" sz="1000" b="0" i="1" smtClean="0">
+                            <a:solidFill>
+                              <a:srgbClr val="0070C0"/>
+                            </a:solidFill>
+                            <a:latin typeface="Cambria Math" panose="02040503050406030204" pitchFamily="18" charset="0"/>
+                          </a:rPr>
+                          <m:t>𝑏</m:t>
+                        </m:r>
+                      </m:sub>
+                    </m:sSub>
+                  </m:oMath>
+                </a14:m>
+                <a:endParaRPr lang="zh-CN" altLang="en-US" sz="1000">
+                  <a:solidFill>
+                    <a:srgbClr val="0070C0"/>
+                  </a:solidFill>
+                </a:endParaRPr>
+              </a:p>
+            </p:txBody>
+          </p:sp>
+        </mc:Choice>
+        <mc:Fallback>
+          <p:sp>
+            <p:nvSpPr>
+              <p:cNvPr id="37" name="文本框 36">
+                <a:extLst>
+                  <a:ext uri="{FF2B5EF4-FFF2-40B4-BE49-F238E27FC236}">
+                    <a16:creationId xmlns:a16="http://schemas.microsoft.com/office/drawing/2014/main" id="{403D10A0-A8AE-4107-A713-C0E081EE2766}"/>
+                  </a:ext>
+                </a:extLst>
+              </p:cNvPr>
+              <p:cNvSpPr txBox="1">
+                <a:spLocks noRot="1" noChangeAspect="1" noMove="1" noResize="1" noEditPoints="1" noAdjustHandles="1" noChangeArrowheads="1" noChangeShapeType="1" noTextEdit="1"/>
+              </p:cNvSpPr>
+              <p:nvPr/>
+            </p:nvSpPr>
+            <p:spPr>
+              <a:xfrm>
+                <a:off x="2259121" y="3005433"/>
+                <a:ext cx="3783213" cy="578748"/>
+              </a:xfrm>
+              <a:prstGeom prst="rect">
+                <a:avLst/>
+              </a:prstGeom>
+              <a:blipFill>
+                <a:blip r:embed="rId5"/>
+                <a:stretch>
+                  <a:fillRect b="-4211"/>
+                </a:stretch>
+              </a:blipFill>
+            </p:spPr>
+            <p:txBody>
+              <a:bodyPr/>
+              <a:lstStyle/>
+              <a:p>
+                <a:r>
+                  <a:rPr lang="zh-CN" altLang="en-US">
+                    <a:noFill/>
+                  </a:rPr>
+                  <a:t> </a:t>
+                </a:r>
+              </a:p>
+            </p:txBody>
+          </p:sp>
+        </mc:Fallback>
+      </mc:AlternateContent>
+    </p:spTree>
+    <p:extLst>
+      <p:ext uri="{BB962C8B-B14F-4D97-AF65-F5344CB8AC3E}">
+        <p14:creationId xmlns:p14="http://schemas.microsoft.com/office/powerpoint/2010/main" val="1618082417"/>
+      </p:ext>
+    </p:extLst>
+  </p:cSld>
+  <p:clrMapOvr>
+    <a:masterClrMapping/>
+  </p:clrMapOvr>
+</p:sld>
+</file>
+
+<file path=ppt/slides/slide13.xml><?xml version="1.0" encoding="utf-8"?>
+<p:sld xmlns:a="http://schemas.openxmlformats.org/drawingml/2006/main" xmlns:r="http://schemas.openxmlformats.org/officeDocument/2006/relationships" xmlns:p="http://schemas.openxmlformats.org/presentationml/2006/main">
+  <p:cSld>
+    <p:spTree>
+      <p:nvGrpSpPr>
+        <p:cNvPr id="1" name=""/>
+        <p:cNvGrpSpPr/>
+        <p:nvPr/>
+      </p:nvGrpSpPr>
+      <p:grpSpPr>
+        <a:xfrm>
+          <a:off x="0" y="0"/>
+          <a:ext cx="0" cy="0"/>
+          <a:chOff x="0" y="0"/>
+          <a:chExt cx="0" cy="0"/>
+        </a:xfrm>
+      </p:grpSpPr>
+      <p:sp>
+        <p:nvSpPr>
+          <p:cNvPr id="404" name="矩形 403">
+            <a:extLst>
+              <a:ext uri="{FF2B5EF4-FFF2-40B4-BE49-F238E27FC236}">
+                <a16:creationId xmlns:a16="http://schemas.microsoft.com/office/drawing/2014/main" id="{28461063-85EB-497B-B6A9-29C126428A48}"/>
+              </a:ext>
+            </a:extLst>
+          </p:cNvPr>
+          <p:cNvSpPr/>
+          <p:nvPr/>
+        </p:nvSpPr>
+        <p:spPr>
+          <a:xfrm>
+            <a:off x="559558" y="597090"/>
+            <a:ext cx="6651668" cy="3281273"/>
+          </a:xfrm>
+          <a:prstGeom prst="rect">
+            <a:avLst/>
+          </a:prstGeom>
+          <a:solidFill>
+            <a:schemeClr val="bg1">
+              <a:lumMod val="95000"/>
+            </a:schemeClr>
+          </a:solidFill>
+          <a:ln>
+            <a:solidFill>
+              <a:schemeClr val="bg1"/>
+            </a:solidFill>
+          </a:ln>
+        </p:spPr>
+        <p:style>
+          <a:lnRef idx="2">
+            <a:schemeClr val="accent1">
+              <a:shade val="50000"/>
+            </a:schemeClr>
+          </a:lnRef>
+          <a:fillRef idx="1">
+            <a:schemeClr val="accent1"/>
+          </a:fillRef>
+          <a:effectRef idx="0">
+            <a:schemeClr val="accent1"/>
+          </a:effectRef>
+          <a:fontRef idx="minor">
+            <a:schemeClr val="lt1"/>
+          </a:fontRef>
+        </p:style>
+        <p:txBody>
+          <a:bodyPr rtlCol="0" anchor="ctr"/>
+          <a:lstStyle/>
+          <a:p>
+            <a:pPr algn="ctr"/>
+            <a:endParaRPr lang="zh-CN" altLang="en-US"/>
+          </a:p>
+        </p:txBody>
+      </p:sp>
+      <p:sp>
+        <p:nvSpPr>
+          <p:cNvPr id="200" name="任意多边形: 形状 199">
+            <a:extLst>
+              <a:ext uri="{FF2B5EF4-FFF2-40B4-BE49-F238E27FC236}">
+                <a16:creationId xmlns:a16="http://schemas.microsoft.com/office/drawing/2014/main" id="{733F3B4E-55B3-4926-9D5B-2DFF459F79B9}"/>
+              </a:ext>
+            </a:extLst>
+          </p:cNvPr>
+          <p:cNvSpPr/>
+          <p:nvPr/>
+        </p:nvSpPr>
+        <p:spPr>
+          <a:xfrm>
+            <a:off x="879633" y="900493"/>
+            <a:ext cx="368107" cy="359849"/>
+          </a:xfrm>
+          <a:custGeom>
+            <a:avLst/>
+            <a:gdLst>
+              <a:gd name="connsiteX0" fmla="*/ 0 w 368107"/>
+              <a:gd name="connsiteY0" fmla="*/ 0 h 359849"/>
+              <a:gd name="connsiteX1" fmla="*/ 368107 w 368107"/>
+              <a:gd name="connsiteY1" fmla="*/ 0 h 359849"/>
+              <a:gd name="connsiteX2" fmla="*/ 368107 w 368107"/>
+              <a:gd name="connsiteY2" fmla="*/ 359849 h 359849"/>
+              <a:gd name="connsiteX3" fmla="*/ 0 w 368107"/>
+              <a:gd name="connsiteY3" fmla="*/ 359849 h 359849"/>
+            </a:gdLst>
+            <a:ahLst/>
+            <a:cxnLst>
+              <a:cxn ang="0">
+                <a:pos x="connsiteX0" y="connsiteY0"/>
+              </a:cxn>
+              <a:cxn ang="0">
+                <a:pos x="connsiteX1" y="connsiteY1"/>
+              </a:cxn>
+              <a:cxn ang="0">
+                <a:pos x="connsiteX2" y="connsiteY2"/>
+              </a:cxn>
+              <a:cxn ang="0">
+                <a:pos x="connsiteX3" y="connsiteY3"/>
+              </a:cxn>
+            </a:cxnLst>
+            <a:rect l="l" t="t" r="r" b="b"/>
+            <a:pathLst>
+              <a:path w="368107" h="359849">
+                <a:moveTo>
+                  <a:pt x="0" y="0"/>
+                </a:moveTo>
+                <a:lnTo>
+                  <a:pt x="368107" y="0"/>
+                </a:lnTo>
+                <a:lnTo>
+                  <a:pt x="368107" y="359849"/>
+                </a:lnTo>
+                <a:lnTo>
+                  <a:pt x="0" y="359849"/>
+                </a:lnTo>
+                <a:close/>
+              </a:path>
+            </a:pathLst>
+          </a:custGeom>
+          <a:solidFill>
+            <a:schemeClr val="bg1">
+              <a:lumMod val="85000"/>
+            </a:schemeClr>
+          </a:solidFill>
+        </p:spPr>
+        <p:style>
+          <a:lnRef idx="3">
+            <a:schemeClr val="lt1"/>
+          </a:lnRef>
+          <a:fillRef idx="1">
+            <a:schemeClr val="accent2"/>
+          </a:fillRef>
+          <a:effectRef idx="1">
+            <a:schemeClr val="accent2"/>
+          </a:effectRef>
+          <a:fontRef idx="minor">
+            <a:schemeClr val="lt1"/>
+          </a:fontRef>
+        </p:style>
+        <p:txBody>
+          <a:bodyPr wrap="square" rtlCol="0" anchor="ctr">
+            <a:noAutofit/>
+          </a:bodyPr>
+          <a:lstStyle/>
+          <a:p>
+            <a:pPr algn="ctr"/>
+            <a:endParaRPr lang="zh-CN" altLang="en-US"/>
+          </a:p>
+        </p:txBody>
+      </p:sp>
+      <p:sp>
+        <p:nvSpPr>
+          <p:cNvPr id="203" name="任意多边形: 形状 202">
+            <a:extLst>
+              <a:ext uri="{FF2B5EF4-FFF2-40B4-BE49-F238E27FC236}">
+                <a16:creationId xmlns:a16="http://schemas.microsoft.com/office/drawing/2014/main" id="{B001B18E-2A3E-4B0E-8D4A-B0FEB8B42492}"/>
+              </a:ext>
+            </a:extLst>
+          </p:cNvPr>
+          <p:cNvSpPr/>
+          <p:nvPr/>
+        </p:nvSpPr>
+        <p:spPr>
+          <a:xfrm>
+            <a:off x="1247740" y="900493"/>
+            <a:ext cx="368107" cy="359849"/>
+          </a:xfrm>
+          <a:custGeom>
+            <a:avLst/>
+            <a:gdLst>
+              <a:gd name="connsiteX0" fmla="*/ 0 w 368107"/>
+              <a:gd name="connsiteY0" fmla="*/ 0 h 359849"/>
+              <a:gd name="connsiteX1" fmla="*/ 368107 w 368107"/>
+              <a:gd name="connsiteY1" fmla="*/ 0 h 359849"/>
+              <a:gd name="connsiteX2" fmla="*/ 368107 w 368107"/>
+              <a:gd name="connsiteY2" fmla="*/ 359849 h 359849"/>
+              <a:gd name="connsiteX3" fmla="*/ 0 w 368107"/>
+              <a:gd name="connsiteY3" fmla="*/ 359849 h 359849"/>
+            </a:gdLst>
+            <a:ahLst/>
+            <a:cxnLst>
+              <a:cxn ang="0">
+                <a:pos x="connsiteX0" y="connsiteY0"/>
+              </a:cxn>
+              <a:cxn ang="0">
+                <a:pos x="connsiteX1" y="connsiteY1"/>
+              </a:cxn>
+              <a:cxn ang="0">
+                <a:pos x="connsiteX2" y="connsiteY2"/>
+              </a:cxn>
+              <a:cxn ang="0">
+                <a:pos x="connsiteX3" y="connsiteY3"/>
+              </a:cxn>
+            </a:cxnLst>
+            <a:rect l="l" t="t" r="r" b="b"/>
+            <a:pathLst>
+              <a:path w="368107" h="359849">
+                <a:moveTo>
+                  <a:pt x="0" y="0"/>
+                </a:moveTo>
+                <a:lnTo>
+                  <a:pt x="368107" y="0"/>
+                </a:lnTo>
+                <a:lnTo>
+                  <a:pt x="368107" y="359849"/>
+                </a:lnTo>
+                <a:lnTo>
+                  <a:pt x="0" y="359849"/>
+                </a:lnTo>
+                <a:close/>
+              </a:path>
+            </a:pathLst>
+          </a:custGeom>
+          <a:solidFill>
+            <a:schemeClr val="bg1">
+              <a:lumMod val="85000"/>
+            </a:schemeClr>
+          </a:solidFill>
+        </p:spPr>
+        <p:style>
+          <a:lnRef idx="3">
+            <a:schemeClr val="lt1"/>
+          </a:lnRef>
+          <a:fillRef idx="1">
+            <a:schemeClr val="accent2"/>
+          </a:fillRef>
+          <a:effectRef idx="1">
+            <a:schemeClr val="accent2"/>
+          </a:effectRef>
+          <a:fontRef idx="minor">
+            <a:schemeClr val="lt1"/>
+          </a:fontRef>
+        </p:style>
+        <p:txBody>
+          <a:bodyPr wrap="square" rtlCol="0" anchor="ctr">
+            <a:noAutofit/>
+          </a:bodyPr>
+          <a:lstStyle/>
+          <a:p>
+            <a:pPr algn="ctr"/>
+            <a:endParaRPr lang="zh-CN" altLang="en-US"/>
+          </a:p>
+        </p:txBody>
+      </p:sp>
+      <p:sp>
+        <p:nvSpPr>
+          <p:cNvPr id="206" name="任意多边形: 形状 205">
+            <a:extLst>
+              <a:ext uri="{FF2B5EF4-FFF2-40B4-BE49-F238E27FC236}">
+                <a16:creationId xmlns:a16="http://schemas.microsoft.com/office/drawing/2014/main" id="{61527A96-EA68-4019-8FB8-5FDBCD477BEA}"/>
+              </a:ext>
+            </a:extLst>
+          </p:cNvPr>
+          <p:cNvSpPr/>
+          <p:nvPr/>
+        </p:nvSpPr>
+        <p:spPr>
+          <a:xfrm>
+            <a:off x="1615846" y="900493"/>
+            <a:ext cx="368107" cy="359849"/>
+          </a:xfrm>
+          <a:custGeom>
+            <a:avLst/>
+            <a:gdLst>
+              <a:gd name="connsiteX0" fmla="*/ 0 w 368107"/>
+              <a:gd name="connsiteY0" fmla="*/ 0 h 359849"/>
+              <a:gd name="connsiteX1" fmla="*/ 368107 w 368107"/>
+              <a:gd name="connsiteY1" fmla="*/ 0 h 359849"/>
+              <a:gd name="connsiteX2" fmla="*/ 368107 w 368107"/>
+              <a:gd name="connsiteY2" fmla="*/ 359849 h 359849"/>
+              <a:gd name="connsiteX3" fmla="*/ 0 w 368107"/>
+              <a:gd name="connsiteY3" fmla="*/ 359849 h 359849"/>
+            </a:gdLst>
+            <a:ahLst/>
+            <a:cxnLst>
+              <a:cxn ang="0">
+                <a:pos x="connsiteX0" y="connsiteY0"/>
+              </a:cxn>
+              <a:cxn ang="0">
+                <a:pos x="connsiteX1" y="connsiteY1"/>
+              </a:cxn>
+              <a:cxn ang="0">
+                <a:pos x="connsiteX2" y="connsiteY2"/>
+              </a:cxn>
+              <a:cxn ang="0">
+                <a:pos x="connsiteX3" y="connsiteY3"/>
+              </a:cxn>
+            </a:cxnLst>
+            <a:rect l="l" t="t" r="r" b="b"/>
+            <a:pathLst>
+              <a:path w="368107" h="359849">
+                <a:moveTo>
+                  <a:pt x="0" y="0"/>
+                </a:moveTo>
+                <a:lnTo>
+                  <a:pt x="368107" y="0"/>
+                </a:lnTo>
+                <a:lnTo>
+                  <a:pt x="368107" y="359849"/>
+                </a:lnTo>
+                <a:lnTo>
+                  <a:pt x="0" y="359849"/>
+                </a:lnTo>
+                <a:close/>
+              </a:path>
+            </a:pathLst>
+          </a:custGeom>
+          <a:solidFill>
+            <a:schemeClr val="bg1">
+              <a:lumMod val="85000"/>
+            </a:schemeClr>
+          </a:solidFill>
+        </p:spPr>
+        <p:style>
+          <a:lnRef idx="3">
+            <a:schemeClr val="lt1"/>
+          </a:lnRef>
+          <a:fillRef idx="1">
+            <a:schemeClr val="accent2"/>
+          </a:fillRef>
+          <a:effectRef idx="1">
+            <a:schemeClr val="accent2"/>
+          </a:effectRef>
+          <a:fontRef idx="minor">
+            <a:schemeClr val="lt1"/>
+          </a:fontRef>
+        </p:style>
+        <p:txBody>
+          <a:bodyPr wrap="square" rtlCol="0" anchor="ctr">
+            <a:noAutofit/>
+          </a:bodyPr>
+          <a:lstStyle/>
+          <a:p>
+            <a:pPr algn="ctr"/>
+            <a:endParaRPr lang="zh-CN" altLang="en-US"/>
+          </a:p>
+        </p:txBody>
+      </p:sp>
+      <p:sp>
+        <p:nvSpPr>
+          <p:cNvPr id="209" name="任意多边形: 形状 208">
+            <a:extLst>
+              <a:ext uri="{FF2B5EF4-FFF2-40B4-BE49-F238E27FC236}">
+                <a16:creationId xmlns:a16="http://schemas.microsoft.com/office/drawing/2014/main" id="{D4B387F7-70BB-4DF3-A93C-2436CC29E511}"/>
+              </a:ext>
+            </a:extLst>
+          </p:cNvPr>
+          <p:cNvSpPr/>
+          <p:nvPr/>
+        </p:nvSpPr>
+        <p:spPr>
+          <a:xfrm>
+            <a:off x="1983953" y="900493"/>
+            <a:ext cx="368107" cy="359849"/>
+          </a:xfrm>
+          <a:custGeom>
+            <a:avLst/>
+            <a:gdLst>
+              <a:gd name="connsiteX0" fmla="*/ 0 w 368107"/>
+              <a:gd name="connsiteY0" fmla="*/ 0 h 359849"/>
+              <a:gd name="connsiteX1" fmla="*/ 368107 w 368107"/>
+              <a:gd name="connsiteY1" fmla="*/ 0 h 359849"/>
+              <a:gd name="connsiteX2" fmla="*/ 368107 w 368107"/>
+              <a:gd name="connsiteY2" fmla="*/ 359849 h 359849"/>
+              <a:gd name="connsiteX3" fmla="*/ 0 w 368107"/>
+              <a:gd name="connsiteY3" fmla="*/ 359849 h 359849"/>
+            </a:gdLst>
+            <a:ahLst/>
+            <a:cxnLst>
+              <a:cxn ang="0">
+                <a:pos x="connsiteX0" y="connsiteY0"/>
+              </a:cxn>
+              <a:cxn ang="0">
+                <a:pos x="connsiteX1" y="connsiteY1"/>
+              </a:cxn>
+              <a:cxn ang="0">
+                <a:pos x="connsiteX2" y="connsiteY2"/>
+              </a:cxn>
+              <a:cxn ang="0">
+                <a:pos x="connsiteX3" y="connsiteY3"/>
+              </a:cxn>
+            </a:cxnLst>
+            <a:rect l="l" t="t" r="r" b="b"/>
+            <a:pathLst>
+              <a:path w="368107" h="359849">
+                <a:moveTo>
+                  <a:pt x="0" y="0"/>
+                </a:moveTo>
+                <a:lnTo>
+                  <a:pt x="368107" y="0"/>
+                </a:lnTo>
+                <a:lnTo>
+                  <a:pt x="368107" y="359849"/>
+                </a:lnTo>
+                <a:lnTo>
+                  <a:pt x="0" y="359849"/>
+                </a:lnTo>
+                <a:close/>
+              </a:path>
+            </a:pathLst>
+          </a:custGeom>
+          <a:solidFill>
+            <a:schemeClr val="bg1">
+              <a:lumMod val="85000"/>
+            </a:schemeClr>
+          </a:solidFill>
+        </p:spPr>
+        <p:style>
+          <a:lnRef idx="3">
+            <a:schemeClr val="lt1"/>
+          </a:lnRef>
+          <a:fillRef idx="1">
+            <a:schemeClr val="accent2"/>
+          </a:fillRef>
+          <a:effectRef idx="1">
+            <a:schemeClr val="accent2"/>
+          </a:effectRef>
+          <a:fontRef idx="minor">
+            <a:schemeClr val="lt1"/>
+          </a:fontRef>
+        </p:style>
+        <p:txBody>
+          <a:bodyPr wrap="square" rtlCol="0" anchor="ctr">
+            <a:noAutofit/>
+          </a:bodyPr>
+          <a:lstStyle/>
+          <a:p>
+            <a:pPr algn="ctr"/>
+            <a:endParaRPr lang="zh-CN" altLang="en-US"/>
+          </a:p>
+        </p:txBody>
+      </p:sp>
+      <p:sp>
+        <p:nvSpPr>
+          <p:cNvPr id="212" name="任意多边形: 形状 211">
+            <a:extLst>
+              <a:ext uri="{FF2B5EF4-FFF2-40B4-BE49-F238E27FC236}">
+                <a16:creationId xmlns:a16="http://schemas.microsoft.com/office/drawing/2014/main" id="{AA1EC8F2-3B21-4082-A181-CE995A28E088}"/>
+              </a:ext>
+            </a:extLst>
+          </p:cNvPr>
+          <p:cNvSpPr/>
+          <p:nvPr/>
+        </p:nvSpPr>
+        <p:spPr>
+          <a:xfrm>
+            <a:off x="2352060" y="900493"/>
+            <a:ext cx="368107" cy="359849"/>
+          </a:xfrm>
+          <a:custGeom>
+            <a:avLst/>
+            <a:gdLst>
+              <a:gd name="connsiteX0" fmla="*/ 0 w 368107"/>
+              <a:gd name="connsiteY0" fmla="*/ 0 h 359849"/>
+              <a:gd name="connsiteX1" fmla="*/ 368107 w 368107"/>
+              <a:gd name="connsiteY1" fmla="*/ 0 h 359849"/>
+              <a:gd name="connsiteX2" fmla="*/ 368107 w 368107"/>
+              <a:gd name="connsiteY2" fmla="*/ 359849 h 359849"/>
+              <a:gd name="connsiteX3" fmla="*/ 0 w 368107"/>
+              <a:gd name="connsiteY3" fmla="*/ 359849 h 359849"/>
+            </a:gdLst>
+            <a:ahLst/>
+            <a:cxnLst>
+              <a:cxn ang="0">
+                <a:pos x="connsiteX0" y="connsiteY0"/>
+              </a:cxn>
+              <a:cxn ang="0">
+                <a:pos x="connsiteX1" y="connsiteY1"/>
+              </a:cxn>
+              <a:cxn ang="0">
+                <a:pos x="connsiteX2" y="connsiteY2"/>
+              </a:cxn>
+              <a:cxn ang="0">
+                <a:pos x="connsiteX3" y="connsiteY3"/>
+              </a:cxn>
+            </a:cxnLst>
+            <a:rect l="l" t="t" r="r" b="b"/>
+            <a:pathLst>
+              <a:path w="368107" h="359849">
+                <a:moveTo>
+                  <a:pt x="0" y="0"/>
+                </a:moveTo>
+                <a:lnTo>
+                  <a:pt x="368107" y="0"/>
+                </a:lnTo>
+                <a:lnTo>
+                  <a:pt x="368107" y="359849"/>
+                </a:lnTo>
+                <a:lnTo>
+                  <a:pt x="0" y="359849"/>
+                </a:lnTo>
+                <a:close/>
+              </a:path>
+            </a:pathLst>
+          </a:custGeom>
+          <a:solidFill>
+            <a:schemeClr val="bg1">
+              <a:lumMod val="85000"/>
+            </a:schemeClr>
+          </a:solidFill>
+        </p:spPr>
+        <p:style>
+          <a:lnRef idx="3">
+            <a:schemeClr val="lt1"/>
+          </a:lnRef>
+          <a:fillRef idx="1">
+            <a:schemeClr val="accent2"/>
+          </a:fillRef>
+          <a:effectRef idx="1">
+            <a:schemeClr val="accent2"/>
+          </a:effectRef>
+          <a:fontRef idx="minor">
+            <a:schemeClr val="lt1"/>
+          </a:fontRef>
+        </p:style>
+        <p:txBody>
+          <a:bodyPr wrap="square" rtlCol="0" anchor="ctr">
+            <a:noAutofit/>
+          </a:bodyPr>
+          <a:lstStyle/>
+          <a:p>
+            <a:pPr algn="ctr"/>
+            <a:endParaRPr lang="zh-CN" altLang="en-US"/>
+          </a:p>
+        </p:txBody>
+      </p:sp>
+      <p:sp>
+        <p:nvSpPr>
+          <p:cNvPr id="215" name="任意多边形: 形状 214">
+            <a:extLst>
+              <a:ext uri="{FF2B5EF4-FFF2-40B4-BE49-F238E27FC236}">
+                <a16:creationId xmlns:a16="http://schemas.microsoft.com/office/drawing/2014/main" id="{2B1F59E9-7378-4643-8F7D-285F14CBAD0D}"/>
+              </a:ext>
+            </a:extLst>
+          </p:cNvPr>
+          <p:cNvSpPr/>
+          <p:nvPr/>
+        </p:nvSpPr>
+        <p:spPr>
+          <a:xfrm>
+            <a:off x="2720166" y="900493"/>
+            <a:ext cx="368106" cy="359849"/>
+          </a:xfrm>
+          <a:custGeom>
+            <a:avLst/>
+            <a:gdLst>
+              <a:gd name="connsiteX0" fmla="*/ 0 w 368106"/>
+              <a:gd name="connsiteY0" fmla="*/ 0 h 359849"/>
+              <a:gd name="connsiteX1" fmla="*/ 368106 w 368106"/>
+              <a:gd name="connsiteY1" fmla="*/ 0 h 359849"/>
+              <a:gd name="connsiteX2" fmla="*/ 368106 w 368106"/>
+              <a:gd name="connsiteY2" fmla="*/ 359849 h 359849"/>
+              <a:gd name="connsiteX3" fmla="*/ 0 w 368106"/>
+              <a:gd name="connsiteY3" fmla="*/ 359849 h 359849"/>
+            </a:gdLst>
+            <a:ahLst/>
+            <a:cxnLst>
+              <a:cxn ang="0">
+                <a:pos x="connsiteX0" y="connsiteY0"/>
+              </a:cxn>
+              <a:cxn ang="0">
+                <a:pos x="connsiteX1" y="connsiteY1"/>
+              </a:cxn>
+              <a:cxn ang="0">
+                <a:pos x="connsiteX2" y="connsiteY2"/>
+              </a:cxn>
+              <a:cxn ang="0">
+                <a:pos x="connsiteX3" y="connsiteY3"/>
+              </a:cxn>
+            </a:cxnLst>
+            <a:rect l="l" t="t" r="r" b="b"/>
+            <a:pathLst>
+              <a:path w="368106" h="359849">
+                <a:moveTo>
+                  <a:pt x="0" y="0"/>
+                </a:moveTo>
+                <a:lnTo>
+                  <a:pt x="368106" y="0"/>
+                </a:lnTo>
+                <a:lnTo>
+                  <a:pt x="368106" y="359849"/>
+                </a:lnTo>
+                <a:lnTo>
+                  <a:pt x="0" y="359849"/>
+                </a:lnTo>
+                <a:close/>
+              </a:path>
+            </a:pathLst>
+          </a:custGeom>
+          <a:solidFill>
+            <a:schemeClr val="bg1">
+              <a:lumMod val="85000"/>
+            </a:schemeClr>
+          </a:solidFill>
+        </p:spPr>
+        <p:style>
+          <a:lnRef idx="3">
+            <a:schemeClr val="lt1"/>
+          </a:lnRef>
+          <a:fillRef idx="1">
+            <a:schemeClr val="accent2"/>
+          </a:fillRef>
+          <a:effectRef idx="1">
+            <a:schemeClr val="accent2"/>
+          </a:effectRef>
+          <a:fontRef idx="minor">
+            <a:schemeClr val="lt1"/>
+          </a:fontRef>
+        </p:style>
+        <p:txBody>
+          <a:bodyPr wrap="square" rtlCol="0" anchor="ctr">
+            <a:noAutofit/>
+          </a:bodyPr>
+          <a:lstStyle/>
+          <a:p>
+            <a:pPr algn="ctr"/>
+            <a:endParaRPr lang="zh-CN" altLang="en-US"/>
+          </a:p>
+        </p:txBody>
+      </p:sp>
+      <p:sp>
+        <p:nvSpPr>
+          <p:cNvPr id="218" name="任意多边形: 形状 217">
+            <a:extLst>
+              <a:ext uri="{FF2B5EF4-FFF2-40B4-BE49-F238E27FC236}">
+                <a16:creationId xmlns:a16="http://schemas.microsoft.com/office/drawing/2014/main" id="{951CA3ED-6561-43DE-BC09-DB0D111590CD}"/>
+              </a:ext>
+            </a:extLst>
+          </p:cNvPr>
+          <p:cNvSpPr/>
+          <p:nvPr/>
+        </p:nvSpPr>
+        <p:spPr>
+          <a:xfrm>
+            <a:off x="3088273" y="900493"/>
+            <a:ext cx="368106" cy="359849"/>
+          </a:xfrm>
+          <a:custGeom>
+            <a:avLst/>
+            <a:gdLst>
+              <a:gd name="connsiteX0" fmla="*/ 0 w 368106"/>
+              <a:gd name="connsiteY0" fmla="*/ 0 h 359849"/>
+              <a:gd name="connsiteX1" fmla="*/ 368106 w 368106"/>
+              <a:gd name="connsiteY1" fmla="*/ 0 h 359849"/>
+              <a:gd name="connsiteX2" fmla="*/ 368106 w 368106"/>
+              <a:gd name="connsiteY2" fmla="*/ 359849 h 359849"/>
+              <a:gd name="connsiteX3" fmla="*/ 0 w 368106"/>
+              <a:gd name="connsiteY3" fmla="*/ 359849 h 359849"/>
+            </a:gdLst>
+            <a:ahLst/>
+            <a:cxnLst>
+              <a:cxn ang="0">
+                <a:pos x="connsiteX0" y="connsiteY0"/>
+              </a:cxn>
+              <a:cxn ang="0">
+                <a:pos x="connsiteX1" y="connsiteY1"/>
+              </a:cxn>
+              <a:cxn ang="0">
+                <a:pos x="connsiteX2" y="connsiteY2"/>
+              </a:cxn>
+              <a:cxn ang="0">
+                <a:pos x="connsiteX3" y="connsiteY3"/>
+              </a:cxn>
+            </a:cxnLst>
+            <a:rect l="l" t="t" r="r" b="b"/>
+            <a:pathLst>
+              <a:path w="368106" h="359849">
+                <a:moveTo>
+                  <a:pt x="0" y="0"/>
+                </a:moveTo>
+                <a:lnTo>
+                  <a:pt x="368106" y="0"/>
+                </a:lnTo>
+                <a:lnTo>
+                  <a:pt x="368106" y="359849"/>
+                </a:lnTo>
+                <a:lnTo>
+                  <a:pt x="0" y="359849"/>
+                </a:lnTo>
+                <a:close/>
+              </a:path>
+            </a:pathLst>
+          </a:custGeom>
+          <a:solidFill>
+            <a:schemeClr val="bg1">
+              <a:lumMod val="85000"/>
+            </a:schemeClr>
+          </a:solidFill>
+        </p:spPr>
+        <p:style>
+          <a:lnRef idx="3">
+            <a:schemeClr val="lt1"/>
+          </a:lnRef>
+          <a:fillRef idx="1">
+            <a:schemeClr val="accent2"/>
+          </a:fillRef>
+          <a:effectRef idx="1">
+            <a:schemeClr val="accent2"/>
+          </a:effectRef>
+          <a:fontRef idx="minor">
+            <a:schemeClr val="lt1"/>
+          </a:fontRef>
+        </p:style>
+        <p:txBody>
+          <a:bodyPr wrap="square" rtlCol="0" anchor="ctr">
+            <a:noAutofit/>
+          </a:bodyPr>
+          <a:lstStyle/>
+          <a:p>
+            <a:pPr algn="ctr"/>
+            <a:endParaRPr lang="zh-CN" altLang="en-US"/>
+          </a:p>
+        </p:txBody>
+      </p:sp>
+      <p:sp>
+        <p:nvSpPr>
+          <p:cNvPr id="221" name="任意多边形: 形状 220">
+            <a:extLst>
+              <a:ext uri="{FF2B5EF4-FFF2-40B4-BE49-F238E27FC236}">
+                <a16:creationId xmlns:a16="http://schemas.microsoft.com/office/drawing/2014/main" id="{D16EFFDE-12DA-4DEB-81A6-F38FCF773EA4}"/>
+              </a:ext>
+            </a:extLst>
+          </p:cNvPr>
+          <p:cNvSpPr/>
+          <p:nvPr/>
+        </p:nvSpPr>
+        <p:spPr>
+          <a:xfrm>
+            <a:off x="3456380" y="900493"/>
+            <a:ext cx="368107" cy="359849"/>
+          </a:xfrm>
+          <a:custGeom>
+            <a:avLst/>
+            <a:gdLst>
+              <a:gd name="connsiteX0" fmla="*/ 0 w 368107"/>
+              <a:gd name="connsiteY0" fmla="*/ 0 h 359849"/>
+              <a:gd name="connsiteX1" fmla="*/ 368107 w 368107"/>
+              <a:gd name="connsiteY1" fmla="*/ 0 h 359849"/>
+              <a:gd name="connsiteX2" fmla="*/ 368107 w 368107"/>
+              <a:gd name="connsiteY2" fmla="*/ 359849 h 359849"/>
+              <a:gd name="connsiteX3" fmla="*/ 0 w 368107"/>
+              <a:gd name="connsiteY3" fmla="*/ 359849 h 359849"/>
+            </a:gdLst>
+            <a:ahLst/>
+            <a:cxnLst>
+              <a:cxn ang="0">
+                <a:pos x="connsiteX0" y="connsiteY0"/>
+              </a:cxn>
+              <a:cxn ang="0">
+                <a:pos x="connsiteX1" y="connsiteY1"/>
+              </a:cxn>
+              <a:cxn ang="0">
+                <a:pos x="connsiteX2" y="connsiteY2"/>
+              </a:cxn>
+              <a:cxn ang="0">
+                <a:pos x="connsiteX3" y="connsiteY3"/>
+              </a:cxn>
+            </a:cxnLst>
+            <a:rect l="l" t="t" r="r" b="b"/>
+            <a:pathLst>
+              <a:path w="368107" h="359849">
+                <a:moveTo>
+                  <a:pt x="0" y="0"/>
+                </a:moveTo>
+                <a:lnTo>
+                  <a:pt x="368107" y="0"/>
+                </a:lnTo>
+                <a:lnTo>
+                  <a:pt x="368107" y="359849"/>
+                </a:lnTo>
+                <a:lnTo>
+                  <a:pt x="0" y="359849"/>
+                </a:lnTo>
+                <a:close/>
+              </a:path>
+            </a:pathLst>
+          </a:custGeom>
+          <a:solidFill>
+            <a:schemeClr val="bg1">
+              <a:lumMod val="85000"/>
+            </a:schemeClr>
+          </a:solidFill>
+        </p:spPr>
+        <p:style>
+          <a:lnRef idx="3">
+            <a:schemeClr val="lt1"/>
+          </a:lnRef>
+          <a:fillRef idx="1">
+            <a:schemeClr val="accent2"/>
+          </a:fillRef>
+          <a:effectRef idx="1">
+            <a:schemeClr val="accent2"/>
+          </a:effectRef>
+          <a:fontRef idx="minor">
+            <a:schemeClr val="lt1"/>
+          </a:fontRef>
+        </p:style>
+        <p:txBody>
+          <a:bodyPr wrap="square" rtlCol="0" anchor="ctr">
+            <a:noAutofit/>
+          </a:bodyPr>
+          <a:lstStyle/>
+          <a:p>
+            <a:pPr algn="ctr"/>
+            <a:endParaRPr lang="zh-CN" altLang="en-US"/>
+          </a:p>
+        </p:txBody>
+      </p:sp>
+      <p:sp>
+        <p:nvSpPr>
+          <p:cNvPr id="224" name="任意多边形: 形状 223">
+            <a:extLst>
+              <a:ext uri="{FF2B5EF4-FFF2-40B4-BE49-F238E27FC236}">
+                <a16:creationId xmlns:a16="http://schemas.microsoft.com/office/drawing/2014/main" id="{F5DA5C49-ED39-44C4-8121-3E1F4E123B50}"/>
+              </a:ext>
+            </a:extLst>
+          </p:cNvPr>
+          <p:cNvSpPr/>
+          <p:nvPr/>
+        </p:nvSpPr>
+        <p:spPr>
+          <a:xfrm>
+            <a:off x="879633" y="1260342"/>
+            <a:ext cx="368107" cy="359850"/>
+          </a:xfrm>
+          <a:custGeom>
+            <a:avLst/>
+            <a:gdLst>
+              <a:gd name="connsiteX0" fmla="*/ 0 w 368107"/>
+              <a:gd name="connsiteY0" fmla="*/ 0 h 359850"/>
+              <a:gd name="connsiteX1" fmla="*/ 368107 w 368107"/>
+              <a:gd name="connsiteY1" fmla="*/ 0 h 359850"/>
+              <a:gd name="connsiteX2" fmla="*/ 368107 w 368107"/>
+              <a:gd name="connsiteY2" fmla="*/ 359850 h 359850"/>
+              <a:gd name="connsiteX3" fmla="*/ 0 w 368107"/>
+              <a:gd name="connsiteY3" fmla="*/ 359850 h 359850"/>
+            </a:gdLst>
+            <a:ahLst/>
+            <a:cxnLst>
+              <a:cxn ang="0">
+                <a:pos x="connsiteX0" y="connsiteY0"/>
+              </a:cxn>
+              <a:cxn ang="0">
+                <a:pos x="connsiteX1" y="connsiteY1"/>
+              </a:cxn>
+              <a:cxn ang="0">
+                <a:pos x="connsiteX2" y="connsiteY2"/>
+              </a:cxn>
+              <a:cxn ang="0">
+                <a:pos x="connsiteX3" y="connsiteY3"/>
+              </a:cxn>
+            </a:cxnLst>
+            <a:rect l="l" t="t" r="r" b="b"/>
+            <a:pathLst>
+              <a:path w="368107" h="359850">
+                <a:moveTo>
+                  <a:pt x="0" y="0"/>
+                </a:moveTo>
+                <a:lnTo>
+                  <a:pt x="368107" y="0"/>
+                </a:lnTo>
+                <a:lnTo>
+                  <a:pt x="368107" y="359850"/>
+                </a:lnTo>
+                <a:lnTo>
+                  <a:pt x="0" y="359850"/>
+                </a:lnTo>
+                <a:close/>
+              </a:path>
+            </a:pathLst>
+          </a:custGeom>
+          <a:solidFill>
+            <a:schemeClr val="bg1">
+              <a:lumMod val="85000"/>
+            </a:schemeClr>
+          </a:solidFill>
+        </p:spPr>
+        <p:style>
+          <a:lnRef idx="3">
+            <a:schemeClr val="lt1"/>
+          </a:lnRef>
+          <a:fillRef idx="1">
+            <a:schemeClr val="accent2"/>
+          </a:fillRef>
+          <a:effectRef idx="1">
+            <a:schemeClr val="accent2"/>
+          </a:effectRef>
+          <a:fontRef idx="minor">
+            <a:schemeClr val="lt1"/>
+          </a:fontRef>
+        </p:style>
+        <p:txBody>
+          <a:bodyPr wrap="square" rtlCol="0" anchor="ctr">
+            <a:noAutofit/>
+          </a:bodyPr>
+          <a:lstStyle/>
+          <a:p>
+            <a:pPr algn="ctr"/>
+            <a:endParaRPr lang="zh-CN" altLang="en-US"/>
+          </a:p>
+        </p:txBody>
+      </p:sp>
+      <p:sp>
+        <p:nvSpPr>
+          <p:cNvPr id="227" name="任意多边形: 形状 226">
+            <a:extLst>
+              <a:ext uri="{FF2B5EF4-FFF2-40B4-BE49-F238E27FC236}">
+                <a16:creationId xmlns:a16="http://schemas.microsoft.com/office/drawing/2014/main" id="{EBB7E2C9-9CA1-469D-BCAA-359793ECEAFC}"/>
+              </a:ext>
+            </a:extLst>
+          </p:cNvPr>
+          <p:cNvSpPr/>
+          <p:nvPr/>
+        </p:nvSpPr>
+        <p:spPr>
+          <a:xfrm>
+            <a:off x="1247740" y="1260342"/>
+            <a:ext cx="368107" cy="359850"/>
+          </a:xfrm>
+          <a:custGeom>
+            <a:avLst/>
+            <a:gdLst>
+              <a:gd name="connsiteX0" fmla="*/ 0 w 368107"/>
+              <a:gd name="connsiteY0" fmla="*/ 0 h 359850"/>
+              <a:gd name="connsiteX1" fmla="*/ 368107 w 368107"/>
+              <a:gd name="connsiteY1" fmla="*/ 0 h 359850"/>
+              <a:gd name="connsiteX2" fmla="*/ 368107 w 368107"/>
+              <a:gd name="connsiteY2" fmla="*/ 359850 h 359850"/>
+              <a:gd name="connsiteX3" fmla="*/ 0 w 368107"/>
+              <a:gd name="connsiteY3" fmla="*/ 359850 h 359850"/>
+            </a:gdLst>
+            <a:ahLst/>
+            <a:cxnLst>
+              <a:cxn ang="0">
+                <a:pos x="connsiteX0" y="connsiteY0"/>
+              </a:cxn>
+              <a:cxn ang="0">
+                <a:pos x="connsiteX1" y="connsiteY1"/>
+              </a:cxn>
+              <a:cxn ang="0">
+                <a:pos x="connsiteX2" y="connsiteY2"/>
+              </a:cxn>
+              <a:cxn ang="0">
+                <a:pos x="connsiteX3" y="connsiteY3"/>
+              </a:cxn>
+            </a:cxnLst>
+            <a:rect l="l" t="t" r="r" b="b"/>
+            <a:pathLst>
+              <a:path w="368107" h="359850">
+                <a:moveTo>
+                  <a:pt x="0" y="0"/>
+                </a:moveTo>
+                <a:lnTo>
+                  <a:pt x="368107" y="0"/>
+                </a:lnTo>
+                <a:lnTo>
+                  <a:pt x="368107" y="359850"/>
+                </a:lnTo>
+                <a:lnTo>
+                  <a:pt x="0" y="359850"/>
+                </a:lnTo>
+                <a:close/>
+              </a:path>
+            </a:pathLst>
+          </a:custGeom>
+          <a:solidFill>
+            <a:schemeClr val="bg1">
+              <a:lumMod val="85000"/>
+            </a:schemeClr>
+          </a:solidFill>
+        </p:spPr>
+        <p:style>
+          <a:lnRef idx="3">
+            <a:schemeClr val="lt1"/>
+          </a:lnRef>
+          <a:fillRef idx="1">
+            <a:schemeClr val="accent2"/>
+          </a:fillRef>
+          <a:effectRef idx="1">
+            <a:schemeClr val="accent2"/>
+          </a:effectRef>
+          <a:fontRef idx="minor">
+            <a:schemeClr val="lt1"/>
+          </a:fontRef>
+        </p:style>
+        <p:txBody>
+          <a:bodyPr wrap="square" rtlCol="0" anchor="ctr">
+            <a:noAutofit/>
+          </a:bodyPr>
+          <a:lstStyle/>
+          <a:p>
+            <a:pPr algn="ctr"/>
+            <a:endParaRPr lang="zh-CN" altLang="en-US"/>
+          </a:p>
+        </p:txBody>
+      </p:sp>
+      <p:sp>
+        <p:nvSpPr>
+          <p:cNvPr id="230" name="任意多边形: 形状 229">
+            <a:extLst>
+              <a:ext uri="{FF2B5EF4-FFF2-40B4-BE49-F238E27FC236}">
+                <a16:creationId xmlns:a16="http://schemas.microsoft.com/office/drawing/2014/main" id="{01555CD2-7B30-4DFB-8054-F996F352753F}"/>
+              </a:ext>
+            </a:extLst>
+          </p:cNvPr>
+          <p:cNvSpPr/>
+          <p:nvPr/>
+        </p:nvSpPr>
+        <p:spPr>
+          <a:xfrm>
+            <a:off x="1615846" y="1260342"/>
+            <a:ext cx="368107" cy="359850"/>
+          </a:xfrm>
+          <a:custGeom>
+            <a:avLst/>
+            <a:gdLst>
+              <a:gd name="connsiteX0" fmla="*/ 0 w 368107"/>
+              <a:gd name="connsiteY0" fmla="*/ 0 h 359850"/>
+              <a:gd name="connsiteX1" fmla="*/ 368107 w 368107"/>
+              <a:gd name="connsiteY1" fmla="*/ 0 h 359850"/>
+              <a:gd name="connsiteX2" fmla="*/ 368107 w 368107"/>
+              <a:gd name="connsiteY2" fmla="*/ 359850 h 359850"/>
+              <a:gd name="connsiteX3" fmla="*/ 0 w 368107"/>
+              <a:gd name="connsiteY3" fmla="*/ 359850 h 359850"/>
+            </a:gdLst>
+            <a:ahLst/>
+            <a:cxnLst>
+              <a:cxn ang="0">
+                <a:pos x="connsiteX0" y="connsiteY0"/>
+              </a:cxn>
+              <a:cxn ang="0">
+                <a:pos x="connsiteX1" y="connsiteY1"/>
+              </a:cxn>
+              <a:cxn ang="0">
+                <a:pos x="connsiteX2" y="connsiteY2"/>
+              </a:cxn>
+              <a:cxn ang="0">
+                <a:pos x="connsiteX3" y="connsiteY3"/>
+              </a:cxn>
+            </a:cxnLst>
+            <a:rect l="l" t="t" r="r" b="b"/>
+            <a:pathLst>
+              <a:path w="368107" h="359850">
+                <a:moveTo>
+                  <a:pt x="0" y="0"/>
+                </a:moveTo>
+                <a:lnTo>
+                  <a:pt x="368107" y="0"/>
+                </a:lnTo>
+                <a:lnTo>
+                  <a:pt x="368107" y="359850"/>
+                </a:lnTo>
+                <a:lnTo>
+                  <a:pt x="0" y="359850"/>
+                </a:lnTo>
+                <a:close/>
+              </a:path>
+            </a:pathLst>
+          </a:custGeom>
+          <a:solidFill>
+            <a:schemeClr val="bg1">
+              <a:lumMod val="85000"/>
+            </a:schemeClr>
+          </a:solidFill>
+        </p:spPr>
+        <p:style>
+          <a:lnRef idx="3">
+            <a:schemeClr val="lt1"/>
+          </a:lnRef>
+          <a:fillRef idx="1">
+            <a:schemeClr val="accent2"/>
+          </a:fillRef>
+          <a:effectRef idx="1">
+            <a:schemeClr val="accent2"/>
+          </a:effectRef>
+          <a:fontRef idx="minor">
+            <a:schemeClr val="lt1"/>
+          </a:fontRef>
+        </p:style>
+        <p:txBody>
+          <a:bodyPr wrap="square" rtlCol="0" anchor="ctr">
+            <a:noAutofit/>
+          </a:bodyPr>
+          <a:lstStyle/>
+          <a:p>
+            <a:pPr algn="ctr"/>
+            <a:endParaRPr lang="zh-CN" altLang="en-US"/>
+          </a:p>
+        </p:txBody>
+      </p:sp>
+      <p:sp>
+        <p:nvSpPr>
+          <p:cNvPr id="233" name="任意多边形: 形状 232">
+            <a:extLst>
+              <a:ext uri="{FF2B5EF4-FFF2-40B4-BE49-F238E27FC236}">
+                <a16:creationId xmlns:a16="http://schemas.microsoft.com/office/drawing/2014/main" id="{3EC08CF9-1555-4B25-AFBC-B4D0A209A6C4}"/>
+              </a:ext>
+            </a:extLst>
+          </p:cNvPr>
+          <p:cNvSpPr/>
+          <p:nvPr/>
+        </p:nvSpPr>
+        <p:spPr>
+          <a:xfrm>
+            <a:off x="1983953" y="1260342"/>
+            <a:ext cx="368107" cy="359850"/>
+          </a:xfrm>
+          <a:custGeom>
+            <a:avLst/>
+            <a:gdLst>
+              <a:gd name="connsiteX0" fmla="*/ 0 w 368107"/>
+              <a:gd name="connsiteY0" fmla="*/ 0 h 359850"/>
+              <a:gd name="connsiteX1" fmla="*/ 368107 w 368107"/>
+              <a:gd name="connsiteY1" fmla="*/ 0 h 359850"/>
+              <a:gd name="connsiteX2" fmla="*/ 368107 w 368107"/>
+              <a:gd name="connsiteY2" fmla="*/ 359850 h 359850"/>
+              <a:gd name="connsiteX3" fmla="*/ 0 w 368107"/>
+              <a:gd name="connsiteY3" fmla="*/ 359850 h 359850"/>
+            </a:gdLst>
+            <a:ahLst/>
+            <a:cxnLst>
+              <a:cxn ang="0">
+                <a:pos x="connsiteX0" y="connsiteY0"/>
+              </a:cxn>
+              <a:cxn ang="0">
+                <a:pos x="connsiteX1" y="connsiteY1"/>
+              </a:cxn>
+              <a:cxn ang="0">
+                <a:pos x="connsiteX2" y="connsiteY2"/>
+              </a:cxn>
+              <a:cxn ang="0">
+                <a:pos x="connsiteX3" y="connsiteY3"/>
+              </a:cxn>
+            </a:cxnLst>
+            <a:rect l="l" t="t" r="r" b="b"/>
+            <a:pathLst>
+              <a:path w="368107" h="359850">
+                <a:moveTo>
+                  <a:pt x="0" y="0"/>
+                </a:moveTo>
+                <a:lnTo>
+                  <a:pt x="368107" y="0"/>
+                </a:lnTo>
+                <a:lnTo>
+                  <a:pt x="368107" y="359850"/>
+                </a:lnTo>
+                <a:lnTo>
+                  <a:pt x="0" y="359850"/>
+                </a:lnTo>
+                <a:close/>
+              </a:path>
+            </a:pathLst>
+          </a:custGeom>
+          <a:solidFill>
+            <a:schemeClr val="bg1">
+              <a:lumMod val="85000"/>
+            </a:schemeClr>
+          </a:solidFill>
+        </p:spPr>
+        <p:style>
+          <a:lnRef idx="3">
+            <a:schemeClr val="lt1"/>
+          </a:lnRef>
+          <a:fillRef idx="1">
+            <a:schemeClr val="accent2"/>
+          </a:fillRef>
+          <a:effectRef idx="1">
+            <a:schemeClr val="accent2"/>
+          </a:effectRef>
+          <a:fontRef idx="minor">
+            <a:schemeClr val="lt1"/>
+          </a:fontRef>
+        </p:style>
+        <p:txBody>
+          <a:bodyPr wrap="square" rtlCol="0" anchor="ctr">
+            <a:noAutofit/>
+          </a:bodyPr>
+          <a:lstStyle/>
+          <a:p>
+            <a:pPr algn="ctr"/>
+            <a:endParaRPr lang="zh-CN" altLang="en-US"/>
+          </a:p>
+        </p:txBody>
+      </p:sp>
+      <p:sp>
+        <p:nvSpPr>
+          <p:cNvPr id="236" name="任意多边形: 形状 235">
+            <a:extLst>
+              <a:ext uri="{FF2B5EF4-FFF2-40B4-BE49-F238E27FC236}">
+                <a16:creationId xmlns:a16="http://schemas.microsoft.com/office/drawing/2014/main" id="{6131C5CB-5492-49D2-95BF-0D7A94D7628E}"/>
+              </a:ext>
+            </a:extLst>
+          </p:cNvPr>
+          <p:cNvSpPr/>
+          <p:nvPr/>
+        </p:nvSpPr>
+        <p:spPr>
+          <a:xfrm>
+            <a:off x="2352060" y="1260342"/>
+            <a:ext cx="368107" cy="359850"/>
+          </a:xfrm>
+          <a:custGeom>
+            <a:avLst/>
+            <a:gdLst>
+              <a:gd name="connsiteX0" fmla="*/ 0 w 368107"/>
+              <a:gd name="connsiteY0" fmla="*/ 0 h 359850"/>
+              <a:gd name="connsiteX1" fmla="*/ 368107 w 368107"/>
+              <a:gd name="connsiteY1" fmla="*/ 0 h 359850"/>
+              <a:gd name="connsiteX2" fmla="*/ 368107 w 368107"/>
+              <a:gd name="connsiteY2" fmla="*/ 359850 h 359850"/>
+              <a:gd name="connsiteX3" fmla="*/ 0 w 368107"/>
+              <a:gd name="connsiteY3" fmla="*/ 359850 h 359850"/>
+            </a:gdLst>
+            <a:ahLst/>
+            <a:cxnLst>
+              <a:cxn ang="0">
+                <a:pos x="connsiteX0" y="connsiteY0"/>
+              </a:cxn>
+              <a:cxn ang="0">
+                <a:pos x="connsiteX1" y="connsiteY1"/>
+              </a:cxn>
+              <a:cxn ang="0">
+                <a:pos x="connsiteX2" y="connsiteY2"/>
+              </a:cxn>
+              <a:cxn ang="0">
+                <a:pos x="connsiteX3" y="connsiteY3"/>
+              </a:cxn>
+            </a:cxnLst>
+            <a:rect l="l" t="t" r="r" b="b"/>
+            <a:pathLst>
+              <a:path w="368107" h="359850">
+                <a:moveTo>
+                  <a:pt x="0" y="0"/>
+                </a:moveTo>
+                <a:lnTo>
+                  <a:pt x="368107" y="0"/>
+                </a:lnTo>
+                <a:lnTo>
+                  <a:pt x="368107" y="359850"/>
+                </a:lnTo>
+                <a:lnTo>
+                  <a:pt x="0" y="359850"/>
+                </a:lnTo>
+                <a:close/>
+              </a:path>
+            </a:pathLst>
+          </a:custGeom>
+          <a:solidFill>
+            <a:schemeClr val="bg1">
+              <a:lumMod val="85000"/>
+            </a:schemeClr>
+          </a:solidFill>
+        </p:spPr>
+        <p:style>
+          <a:lnRef idx="3">
+            <a:schemeClr val="lt1"/>
+          </a:lnRef>
+          <a:fillRef idx="1">
+            <a:schemeClr val="accent2"/>
+          </a:fillRef>
+          <a:effectRef idx="1">
+            <a:schemeClr val="accent2"/>
+          </a:effectRef>
+          <a:fontRef idx="minor">
+            <a:schemeClr val="lt1"/>
+          </a:fontRef>
+        </p:style>
+        <p:txBody>
+          <a:bodyPr wrap="square" rtlCol="0" anchor="ctr">
+            <a:noAutofit/>
+          </a:bodyPr>
+          <a:lstStyle/>
+          <a:p>
+            <a:pPr algn="ctr"/>
+            <a:endParaRPr lang="zh-CN" altLang="en-US"/>
+          </a:p>
+        </p:txBody>
+      </p:sp>
+      <p:sp>
+        <p:nvSpPr>
+          <p:cNvPr id="239" name="任意多边形: 形状 238">
+            <a:extLst>
+              <a:ext uri="{FF2B5EF4-FFF2-40B4-BE49-F238E27FC236}">
+                <a16:creationId xmlns:a16="http://schemas.microsoft.com/office/drawing/2014/main" id="{C4841D0F-6230-443B-BADD-9D25E0EC737B}"/>
+              </a:ext>
+            </a:extLst>
+          </p:cNvPr>
+          <p:cNvSpPr/>
+          <p:nvPr/>
+        </p:nvSpPr>
+        <p:spPr>
+          <a:xfrm>
+            <a:off x="2720166" y="1260342"/>
+            <a:ext cx="368106" cy="359850"/>
+          </a:xfrm>
+          <a:custGeom>
+            <a:avLst/>
+            <a:gdLst>
+              <a:gd name="connsiteX0" fmla="*/ 0 w 368106"/>
+              <a:gd name="connsiteY0" fmla="*/ 0 h 359850"/>
+              <a:gd name="connsiteX1" fmla="*/ 368106 w 368106"/>
+              <a:gd name="connsiteY1" fmla="*/ 0 h 359850"/>
+              <a:gd name="connsiteX2" fmla="*/ 368106 w 368106"/>
+              <a:gd name="connsiteY2" fmla="*/ 359850 h 359850"/>
+              <a:gd name="connsiteX3" fmla="*/ 0 w 368106"/>
+              <a:gd name="connsiteY3" fmla="*/ 359850 h 359850"/>
+            </a:gdLst>
+            <a:ahLst/>
+            <a:cxnLst>
+              <a:cxn ang="0">
+                <a:pos x="connsiteX0" y="connsiteY0"/>
+              </a:cxn>
+              <a:cxn ang="0">
+                <a:pos x="connsiteX1" y="connsiteY1"/>
+              </a:cxn>
+              <a:cxn ang="0">
+                <a:pos x="connsiteX2" y="connsiteY2"/>
+              </a:cxn>
+              <a:cxn ang="0">
+                <a:pos x="connsiteX3" y="connsiteY3"/>
+              </a:cxn>
+            </a:cxnLst>
+            <a:rect l="l" t="t" r="r" b="b"/>
+            <a:pathLst>
+              <a:path w="368106" h="359850">
+                <a:moveTo>
+                  <a:pt x="0" y="0"/>
+                </a:moveTo>
+                <a:lnTo>
+                  <a:pt x="368106" y="0"/>
+                </a:lnTo>
+                <a:lnTo>
+                  <a:pt x="368106" y="359850"/>
+                </a:lnTo>
+                <a:lnTo>
+                  <a:pt x="0" y="359850"/>
+                </a:lnTo>
+                <a:close/>
+              </a:path>
+            </a:pathLst>
+          </a:custGeom>
+          <a:solidFill>
+            <a:schemeClr val="bg1">
+              <a:lumMod val="85000"/>
+            </a:schemeClr>
+          </a:solidFill>
+        </p:spPr>
+        <p:style>
+          <a:lnRef idx="3">
+            <a:schemeClr val="lt1"/>
+          </a:lnRef>
+          <a:fillRef idx="1">
+            <a:schemeClr val="accent2"/>
+          </a:fillRef>
+          <a:effectRef idx="1">
+            <a:schemeClr val="accent2"/>
+          </a:effectRef>
+          <a:fontRef idx="minor">
+            <a:schemeClr val="lt1"/>
+          </a:fontRef>
+        </p:style>
+        <p:txBody>
+          <a:bodyPr wrap="square" rtlCol="0" anchor="ctr">
+            <a:noAutofit/>
+          </a:bodyPr>
+          <a:lstStyle/>
+          <a:p>
+            <a:pPr algn="ctr"/>
+            <a:endParaRPr lang="zh-CN" altLang="en-US"/>
+          </a:p>
+        </p:txBody>
+      </p:sp>
+      <p:sp>
+        <p:nvSpPr>
+          <p:cNvPr id="242" name="任意多边形: 形状 241">
+            <a:extLst>
+              <a:ext uri="{FF2B5EF4-FFF2-40B4-BE49-F238E27FC236}">
+                <a16:creationId xmlns:a16="http://schemas.microsoft.com/office/drawing/2014/main" id="{4B86BA5F-3D90-441F-A124-3E3FD69C95B4}"/>
+              </a:ext>
+            </a:extLst>
+          </p:cNvPr>
+          <p:cNvSpPr/>
+          <p:nvPr/>
+        </p:nvSpPr>
+        <p:spPr>
+          <a:xfrm>
+            <a:off x="3088273" y="1260342"/>
+            <a:ext cx="368106" cy="359850"/>
+          </a:xfrm>
+          <a:custGeom>
+            <a:avLst/>
+            <a:gdLst>
+              <a:gd name="connsiteX0" fmla="*/ 0 w 368106"/>
+              <a:gd name="connsiteY0" fmla="*/ 0 h 359850"/>
+              <a:gd name="connsiteX1" fmla="*/ 368106 w 368106"/>
+              <a:gd name="connsiteY1" fmla="*/ 0 h 359850"/>
+              <a:gd name="connsiteX2" fmla="*/ 368106 w 368106"/>
+              <a:gd name="connsiteY2" fmla="*/ 359850 h 359850"/>
+              <a:gd name="connsiteX3" fmla="*/ 0 w 368106"/>
+              <a:gd name="connsiteY3" fmla="*/ 359850 h 359850"/>
+            </a:gdLst>
+            <a:ahLst/>
+            <a:cxnLst>
+              <a:cxn ang="0">
+                <a:pos x="connsiteX0" y="connsiteY0"/>
+              </a:cxn>
+              <a:cxn ang="0">
+                <a:pos x="connsiteX1" y="connsiteY1"/>
+              </a:cxn>
+              <a:cxn ang="0">
+                <a:pos x="connsiteX2" y="connsiteY2"/>
+              </a:cxn>
+              <a:cxn ang="0">
+                <a:pos x="connsiteX3" y="connsiteY3"/>
+              </a:cxn>
+            </a:cxnLst>
+            <a:rect l="l" t="t" r="r" b="b"/>
+            <a:pathLst>
+              <a:path w="368106" h="359850">
+                <a:moveTo>
+                  <a:pt x="0" y="0"/>
+                </a:moveTo>
+                <a:lnTo>
+                  <a:pt x="368106" y="0"/>
+                </a:lnTo>
+                <a:lnTo>
+                  <a:pt x="368106" y="359850"/>
+                </a:lnTo>
+                <a:lnTo>
+                  <a:pt x="0" y="359850"/>
+                </a:lnTo>
+                <a:close/>
+              </a:path>
+            </a:pathLst>
+          </a:custGeom>
+          <a:solidFill>
+            <a:schemeClr val="bg1">
+              <a:lumMod val="85000"/>
+            </a:schemeClr>
+          </a:solidFill>
+        </p:spPr>
+        <p:style>
+          <a:lnRef idx="3">
+            <a:schemeClr val="lt1"/>
+          </a:lnRef>
+          <a:fillRef idx="1">
+            <a:schemeClr val="accent2"/>
+          </a:fillRef>
+          <a:effectRef idx="1">
+            <a:schemeClr val="accent2"/>
+          </a:effectRef>
+          <a:fontRef idx="minor">
+            <a:schemeClr val="lt1"/>
+          </a:fontRef>
+        </p:style>
+        <p:txBody>
+          <a:bodyPr wrap="square" rtlCol="0" anchor="ctr">
+            <a:noAutofit/>
+          </a:bodyPr>
+          <a:lstStyle/>
+          <a:p>
+            <a:pPr algn="ctr"/>
+            <a:endParaRPr lang="zh-CN" altLang="en-US"/>
+          </a:p>
+        </p:txBody>
+      </p:sp>
+      <p:sp>
+        <p:nvSpPr>
+          <p:cNvPr id="245" name="任意多边形: 形状 244">
+            <a:extLst>
+              <a:ext uri="{FF2B5EF4-FFF2-40B4-BE49-F238E27FC236}">
+                <a16:creationId xmlns:a16="http://schemas.microsoft.com/office/drawing/2014/main" id="{7ABBD53E-36E5-49B1-A391-10E01902B073}"/>
+              </a:ext>
+            </a:extLst>
+          </p:cNvPr>
+          <p:cNvSpPr/>
+          <p:nvPr/>
+        </p:nvSpPr>
+        <p:spPr>
+          <a:xfrm>
+            <a:off x="3456380" y="1260342"/>
+            <a:ext cx="368107" cy="359850"/>
+          </a:xfrm>
+          <a:custGeom>
+            <a:avLst/>
+            <a:gdLst>
+              <a:gd name="connsiteX0" fmla="*/ 0 w 368107"/>
+              <a:gd name="connsiteY0" fmla="*/ 0 h 359850"/>
+              <a:gd name="connsiteX1" fmla="*/ 368107 w 368107"/>
+              <a:gd name="connsiteY1" fmla="*/ 0 h 359850"/>
+              <a:gd name="connsiteX2" fmla="*/ 368107 w 368107"/>
+              <a:gd name="connsiteY2" fmla="*/ 359850 h 359850"/>
+              <a:gd name="connsiteX3" fmla="*/ 0 w 368107"/>
+              <a:gd name="connsiteY3" fmla="*/ 359850 h 359850"/>
+            </a:gdLst>
+            <a:ahLst/>
+            <a:cxnLst>
+              <a:cxn ang="0">
+                <a:pos x="connsiteX0" y="connsiteY0"/>
+              </a:cxn>
+              <a:cxn ang="0">
+                <a:pos x="connsiteX1" y="connsiteY1"/>
+              </a:cxn>
+              <a:cxn ang="0">
+                <a:pos x="connsiteX2" y="connsiteY2"/>
+              </a:cxn>
+              <a:cxn ang="0">
+                <a:pos x="connsiteX3" y="connsiteY3"/>
+              </a:cxn>
+            </a:cxnLst>
+            <a:rect l="l" t="t" r="r" b="b"/>
+            <a:pathLst>
+              <a:path w="368107" h="359850">
+                <a:moveTo>
+                  <a:pt x="0" y="0"/>
+                </a:moveTo>
+                <a:lnTo>
+                  <a:pt x="368107" y="0"/>
+                </a:lnTo>
+                <a:lnTo>
+                  <a:pt x="368107" y="359850"/>
+                </a:lnTo>
+                <a:lnTo>
+                  <a:pt x="0" y="359850"/>
+                </a:lnTo>
+                <a:close/>
+              </a:path>
+            </a:pathLst>
+          </a:custGeom>
+          <a:solidFill>
+            <a:schemeClr val="bg1">
+              <a:lumMod val="85000"/>
+            </a:schemeClr>
+          </a:solidFill>
+        </p:spPr>
+        <p:style>
+          <a:lnRef idx="3">
+            <a:schemeClr val="lt1"/>
+          </a:lnRef>
+          <a:fillRef idx="1">
+            <a:schemeClr val="accent2"/>
+          </a:fillRef>
+          <a:effectRef idx="1">
+            <a:schemeClr val="accent2"/>
+          </a:effectRef>
+          <a:fontRef idx="minor">
+            <a:schemeClr val="lt1"/>
+          </a:fontRef>
+        </p:style>
+        <p:txBody>
+          <a:bodyPr wrap="square" rtlCol="0" anchor="ctr">
+            <a:noAutofit/>
+          </a:bodyPr>
+          <a:lstStyle/>
+          <a:p>
+            <a:pPr algn="ctr"/>
+            <a:endParaRPr lang="zh-CN" altLang="en-US"/>
+          </a:p>
+        </p:txBody>
+      </p:sp>
+      <p:sp>
+        <p:nvSpPr>
+          <p:cNvPr id="248" name="任意多边形: 形状 247">
+            <a:extLst>
+              <a:ext uri="{FF2B5EF4-FFF2-40B4-BE49-F238E27FC236}">
+                <a16:creationId xmlns:a16="http://schemas.microsoft.com/office/drawing/2014/main" id="{A18E2B93-C4C1-4C0B-8B4E-3AA1FC242DDA}"/>
+              </a:ext>
+            </a:extLst>
+          </p:cNvPr>
+          <p:cNvSpPr/>
+          <p:nvPr/>
+        </p:nvSpPr>
+        <p:spPr>
+          <a:xfrm>
+            <a:off x="879633" y="1620192"/>
+            <a:ext cx="368107" cy="359849"/>
+          </a:xfrm>
+          <a:custGeom>
+            <a:avLst/>
+            <a:gdLst>
+              <a:gd name="connsiteX0" fmla="*/ 0 w 368107"/>
+              <a:gd name="connsiteY0" fmla="*/ 0 h 359849"/>
+              <a:gd name="connsiteX1" fmla="*/ 368107 w 368107"/>
+              <a:gd name="connsiteY1" fmla="*/ 0 h 359849"/>
+              <a:gd name="connsiteX2" fmla="*/ 368107 w 368107"/>
+              <a:gd name="connsiteY2" fmla="*/ 359849 h 359849"/>
+              <a:gd name="connsiteX3" fmla="*/ 0 w 368107"/>
+              <a:gd name="connsiteY3" fmla="*/ 359849 h 359849"/>
+            </a:gdLst>
+            <a:ahLst/>
+            <a:cxnLst>
+              <a:cxn ang="0">
+                <a:pos x="connsiteX0" y="connsiteY0"/>
+              </a:cxn>
+              <a:cxn ang="0">
+                <a:pos x="connsiteX1" y="connsiteY1"/>
+              </a:cxn>
+              <a:cxn ang="0">
+                <a:pos x="connsiteX2" y="connsiteY2"/>
+              </a:cxn>
+              <a:cxn ang="0">
+                <a:pos x="connsiteX3" y="connsiteY3"/>
+              </a:cxn>
+            </a:cxnLst>
+            <a:rect l="l" t="t" r="r" b="b"/>
+            <a:pathLst>
+              <a:path w="368107" h="359849">
+                <a:moveTo>
+                  <a:pt x="0" y="0"/>
+                </a:moveTo>
+                <a:lnTo>
+                  <a:pt x="368107" y="0"/>
+                </a:lnTo>
+                <a:lnTo>
+                  <a:pt x="368107" y="359849"/>
+                </a:lnTo>
+                <a:lnTo>
+                  <a:pt x="0" y="359849"/>
+                </a:lnTo>
+                <a:close/>
+              </a:path>
+            </a:pathLst>
+          </a:custGeom>
+          <a:solidFill>
+            <a:schemeClr val="bg1">
+              <a:lumMod val="85000"/>
+            </a:schemeClr>
+          </a:solidFill>
+        </p:spPr>
+        <p:style>
+          <a:lnRef idx="3">
+            <a:schemeClr val="lt1"/>
+          </a:lnRef>
+          <a:fillRef idx="1">
+            <a:schemeClr val="accent2"/>
+          </a:fillRef>
+          <a:effectRef idx="1">
+            <a:schemeClr val="accent2"/>
+          </a:effectRef>
+          <a:fontRef idx="minor">
+            <a:schemeClr val="lt1"/>
+          </a:fontRef>
+        </p:style>
+        <p:txBody>
+          <a:bodyPr wrap="square" rtlCol="0" anchor="ctr">
+            <a:noAutofit/>
+          </a:bodyPr>
+          <a:lstStyle/>
+          <a:p>
+            <a:pPr algn="ctr"/>
+            <a:endParaRPr lang="zh-CN" altLang="en-US"/>
+          </a:p>
+        </p:txBody>
+      </p:sp>
+      <p:sp>
+        <p:nvSpPr>
+          <p:cNvPr id="251" name="任意多边形: 形状 250">
+            <a:extLst>
+              <a:ext uri="{FF2B5EF4-FFF2-40B4-BE49-F238E27FC236}">
+                <a16:creationId xmlns:a16="http://schemas.microsoft.com/office/drawing/2014/main" id="{ABD0BB94-63CE-4F2E-B781-B4CC9ADBFFAD}"/>
+              </a:ext>
+            </a:extLst>
+          </p:cNvPr>
+          <p:cNvSpPr/>
+          <p:nvPr/>
+        </p:nvSpPr>
+        <p:spPr>
+          <a:xfrm>
+            <a:off x="1247740" y="1620192"/>
+            <a:ext cx="368107" cy="359849"/>
+          </a:xfrm>
+          <a:custGeom>
+            <a:avLst/>
+            <a:gdLst>
+              <a:gd name="connsiteX0" fmla="*/ 0 w 368107"/>
+              <a:gd name="connsiteY0" fmla="*/ 0 h 359849"/>
+              <a:gd name="connsiteX1" fmla="*/ 368107 w 368107"/>
+              <a:gd name="connsiteY1" fmla="*/ 0 h 359849"/>
+              <a:gd name="connsiteX2" fmla="*/ 368107 w 368107"/>
+              <a:gd name="connsiteY2" fmla="*/ 359849 h 359849"/>
+              <a:gd name="connsiteX3" fmla="*/ 0 w 368107"/>
+              <a:gd name="connsiteY3" fmla="*/ 359849 h 359849"/>
+            </a:gdLst>
+            <a:ahLst/>
+            <a:cxnLst>
+              <a:cxn ang="0">
+                <a:pos x="connsiteX0" y="connsiteY0"/>
+              </a:cxn>
+              <a:cxn ang="0">
+                <a:pos x="connsiteX1" y="connsiteY1"/>
+              </a:cxn>
+              <a:cxn ang="0">
+                <a:pos x="connsiteX2" y="connsiteY2"/>
+              </a:cxn>
+              <a:cxn ang="0">
+                <a:pos x="connsiteX3" y="connsiteY3"/>
+              </a:cxn>
+            </a:cxnLst>
+            <a:rect l="l" t="t" r="r" b="b"/>
+            <a:pathLst>
+              <a:path w="368107" h="359849">
+                <a:moveTo>
+                  <a:pt x="0" y="0"/>
+                </a:moveTo>
+                <a:lnTo>
+                  <a:pt x="368107" y="0"/>
+                </a:lnTo>
+                <a:lnTo>
+                  <a:pt x="368107" y="359849"/>
+                </a:lnTo>
+                <a:lnTo>
+                  <a:pt x="0" y="359849"/>
+                </a:lnTo>
+                <a:close/>
+              </a:path>
+            </a:pathLst>
+          </a:custGeom>
+          <a:solidFill>
+            <a:schemeClr val="bg1">
+              <a:lumMod val="85000"/>
+            </a:schemeClr>
+          </a:solidFill>
+        </p:spPr>
+        <p:style>
+          <a:lnRef idx="3">
+            <a:schemeClr val="lt1"/>
+          </a:lnRef>
+          <a:fillRef idx="1">
+            <a:schemeClr val="accent2"/>
+          </a:fillRef>
+          <a:effectRef idx="1">
+            <a:schemeClr val="accent2"/>
+          </a:effectRef>
+          <a:fontRef idx="minor">
+            <a:schemeClr val="lt1"/>
+          </a:fontRef>
+        </p:style>
+        <p:txBody>
+          <a:bodyPr wrap="square" rtlCol="0" anchor="ctr">
+            <a:noAutofit/>
+          </a:bodyPr>
+          <a:lstStyle/>
+          <a:p>
+            <a:pPr algn="ctr"/>
+            <a:endParaRPr lang="zh-CN" altLang="en-US"/>
+          </a:p>
+        </p:txBody>
+      </p:sp>
+      <p:sp>
+        <p:nvSpPr>
+          <p:cNvPr id="254" name="任意多边形: 形状 253">
+            <a:extLst>
+              <a:ext uri="{FF2B5EF4-FFF2-40B4-BE49-F238E27FC236}">
+                <a16:creationId xmlns:a16="http://schemas.microsoft.com/office/drawing/2014/main" id="{7AC049B1-0F8E-49D0-8F3E-5B92FCBD9EFE}"/>
+              </a:ext>
+            </a:extLst>
+          </p:cNvPr>
+          <p:cNvSpPr/>
+          <p:nvPr/>
+        </p:nvSpPr>
+        <p:spPr>
+          <a:xfrm>
+            <a:off x="1615846" y="1620192"/>
+            <a:ext cx="368107" cy="359849"/>
+          </a:xfrm>
+          <a:custGeom>
+            <a:avLst/>
+            <a:gdLst>
+              <a:gd name="connsiteX0" fmla="*/ 0 w 368107"/>
+              <a:gd name="connsiteY0" fmla="*/ 0 h 359849"/>
+              <a:gd name="connsiteX1" fmla="*/ 368107 w 368107"/>
+              <a:gd name="connsiteY1" fmla="*/ 0 h 359849"/>
+              <a:gd name="connsiteX2" fmla="*/ 368107 w 368107"/>
+              <a:gd name="connsiteY2" fmla="*/ 359849 h 359849"/>
+              <a:gd name="connsiteX3" fmla="*/ 0 w 368107"/>
+              <a:gd name="connsiteY3" fmla="*/ 359849 h 359849"/>
+            </a:gdLst>
+            <a:ahLst/>
+            <a:cxnLst>
+              <a:cxn ang="0">
+                <a:pos x="connsiteX0" y="connsiteY0"/>
+              </a:cxn>
+              <a:cxn ang="0">
+                <a:pos x="connsiteX1" y="connsiteY1"/>
+              </a:cxn>
+              <a:cxn ang="0">
+                <a:pos x="connsiteX2" y="connsiteY2"/>
+              </a:cxn>
+              <a:cxn ang="0">
+                <a:pos x="connsiteX3" y="connsiteY3"/>
+              </a:cxn>
+            </a:cxnLst>
+            <a:rect l="l" t="t" r="r" b="b"/>
+            <a:pathLst>
+              <a:path w="368107" h="359849">
+                <a:moveTo>
+                  <a:pt x="0" y="0"/>
+                </a:moveTo>
+                <a:lnTo>
+                  <a:pt x="368107" y="0"/>
+                </a:lnTo>
+                <a:lnTo>
+                  <a:pt x="368107" y="359849"/>
+                </a:lnTo>
+                <a:lnTo>
+                  <a:pt x="0" y="359849"/>
+                </a:lnTo>
+                <a:close/>
+              </a:path>
+            </a:pathLst>
+          </a:custGeom>
+          <a:solidFill>
+            <a:schemeClr val="bg1">
+              <a:lumMod val="85000"/>
+            </a:schemeClr>
+          </a:solidFill>
+        </p:spPr>
+        <p:style>
+          <a:lnRef idx="3">
+            <a:schemeClr val="lt1"/>
+          </a:lnRef>
+          <a:fillRef idx="1">
+            <a:schemeClr val="accent2"/>
+          </a:fillRef>
+          <a:effectRef idx="1">
+            <a:schemeClr val="accent2"/>
+          </a:effectRef>
+          <a:fontRef idx="minor">
+            <a:schemeClr val="lt1"/>
+          </a:fontRef>
+        </p:style>
+        <p:txBody>
+          <a:bodyPr wrap="square" rtlCol="0" anchor="ctr">
+            <a:noAutofit/>
+          </a:bodyPr>
+          <a:lstStyle/>
+          <a:p>
+            <a:pPr algn="ctr"/>
+            <a:endParaRPr lang="zh-CN" altLang="en-US"/>
+          </a:p>
+        </p:txBody>
+      </p:sp>
+      <p:sp>
+        <p:nvSpPr>
+          <p:cNvPr id="257" name="任意多边形: 形状 256">
+            <a:extLst>
+              <a:ext uri="{FF2B5EF4-FFF2-40B4-BE49-F238E27FC236}">
+                <a16:creationId xmlns:a16="http://schemas.microsoft.com/office/drawing/2014/main" id="{89003F1D-EB47-4516-BD33-5739A3E864EB}"/>
+              </a:ext>
+            </a:extLst>
+          </p:cNvPr>
+          <p:cNvSpPr/>
+          <p:nvPr/>
+        </p:nvSpPr>
+        <p:spPr>
+          <a:xfrm>
+            <a:off x="1983953" y="1620192"/>
+            <a:ext cx="368107" cy="359849"/>
+          </a:xfrm>
+          <a:custGeom>
+            <a:avLst/>
+            <a:gdLst>
+              <a:gd name="connsiteX0" fmla="*/ 0 w 368107"/>
+              <a:gd name="connsiteY0" fmla="*/ 0 h 359849"/>
+              <a:gd name="connsiteX1" fmla="*/ 368107 w 368107"/>
+              <a:gd name="connsiteY1" fmla="*/ 0 h 359849"/>
+              <a:gd name="connsiteX2" fmla="*/ 368107 w 368107"/>
+              <a:gd name="connsiteY2" fmla="*/ 359849 h 359849"/>
+              <a:gd name="connsiteX3" fmla="*/ 0 w 368107"/>
+              <a:gd name="connsiteY3" fmla="*/ 359849 h 359849"/>
+            </a:gdLst>
+            <a:ahLst/>
+            <a:cxnLst>
+              <a:cxn ang="0">
+                <a:pos x="connsiteX0" y="connsiteY0"/>
+              </a:cxn>
+              <a:cxn ang="0">
+                <a:pos x="connsiteX1" y="connsiteY1"/>
+              </a:cxn>
+              <a:cxn ang="0">
+                <a:pos x="connsiteX2" y="connsiteY2"/>
+              </a:cxn>
+              <a:cxn ang="0">
+                <a:pos x="connsiteX3" y="connsiteY3"/>
+              </a:cxn>
+            </a:cxnLst>
+            <a:rect l="l" t="t" r="r" b="b"/>
+            <a:pathLst>
+              <a:path w="368107" h="359849">
+                <a:moveTo>
+                  <a:pt x="0" y="0"/>
+                </a:moveTo>
+                <a:lnTo>
+                  <a:pt x="368107" y="0"/>
+                </a:lnTo>
+                <a:lnTo>
+                  <a:pt x="368107" y="359849"/>
+                </a:lnTo>
+                <a:lnTo>
+                  <a:pt x="0" y="359849"/>
+                </a:lnTo>
+                <a:close/>
+              </a:path>
+            </a:pathLst>
+          </a:custGeom>
+          <a:solidFill>
+            <a:schemeClr val="bg1">
+              <a:lumMod val="85000"/>
+            </a:schemeClr>
+          </a:solidFill>
+        </p:spPr>
+        <p:style>
+          <a:lnRef idx="3">
+            <a:schemeClr val="lt1"/>
+          </a:lnRef>
+          <a:fillRef idx="1">
+            <a:schemeClr val="accent2"/>
+          </a:fillRef>
+          <a:effectRef idx="1">
+            <a:schemeClr val="accent2"/>
+          </a:effectRef>
+          <a:fontRef idx="minor">
+            <a:schemeClr val="lt1"/>
+          </a:fontRef>
+        </p:style>
+        <p:txBody>
+          <a:bodyPr wrap="square" rtlCol="0" anchor="ctr">
+            <a:noAutofit/>
+          </a:bodyPr>
+          <a:lstStyle/>
+          <a:p>
+            <a:pPr algn="ctr"/>
+            <a:endParaRPr lang="zh-CN" altLang="en-US"/>
+          </a:p>
+        </p:txBody>
+      </p:sp>
+      <p:sp>
+        <p:nvSpPr>
+          <p:cNvPr id="260" name="任意多边形: 形状 259">
+            <a:extLst>
+              <a:ext uri="{FF2B5EF4-FFF2-40B4-BE49-F238E27FC236}">
+                <a16:creationId xmlns:a16="http://schemas.microsoft.com/office/drawing/2014/main" id="{3DF4236E-3B1E-4353-9088-8794632447B8}"/>
+              </a:ext>
+            </a:extLst>
+          </p:cNvPr>
+          <p:cNvSpPr/>
+          <p:nvPr/>
+        </p:nvSpPr>
+        <p:spPr>
+          <a:xfrm>
+            <a:off x="2352060" y="1620192"/>
+            <a:ext cx="368107" cy="359849"/>
+          </a:xfrm>
+          <a:custGeom>
+            <a:avLst/>
+            <a:gdLst>
+              <a:gd name="connsiteX0" fmla="*/ 0 w 368107"/>
+              <a:gd name="connsiteY0" fmla="*/ 0 h 359849"/>
+              <a:gd name="connsiteX1" fmla="*/ 368107 w 368107"/>
+              <a:gd name="connsiteY1" fmla="*/ 0 h 359849"/>
+              <a:gd name="connsiteX2" fmla="*/ 368107 w 368107"/>
+              <a:gd name="connsiteY2" fmla="*/ 359849 h 359849"/>
+              <a:gd name="connsiteX3" fmla="*/ 0 w 368107"/>
+              <a:gd name="connsiteY3" fmla="*/ 359849 h 359849"/>
+            </a:gdLst>
+            <a:ahLst/>
+            <a:cxnLst>
+              <a:cxn ang="0">
+                <a:pos x="connsiteX0" y="connsiteY0"/>
+              </a:cxn>
+              <a:cxn ang="0">
+                <a:pos x="connsiteX1" y="connsiteY1"/>
+              </a:cxn>
+              <a:cxn ang="0">
+                <a:pos x="connsiteX2" y="connsiteY2"/>
+              </a:cxn>
+              <a:cxn ang="0">
+                <a:pos x="connsiteX3" y="connsiteY3"/>
+              </a:cxn>
+            </a:cxnLst>
+            <a:rect l="l" t="t" r="r" b="b"/>
+            <a:pathLst>
+              <a:path w="368107" h="359849">
+                <a:moveTo>
+                  <a:pt x="0" y="0"/>
+                </a:moveTo>
+                <a:lnTo>
+                  <a:pt x="368107" y="0"/>
+                </a:lnTo>
+                <a:lnTo>
+                  <a:pt x="368107" y="359849"/>
+                </a:lnTo>
+                <a:lnTo>
+                  <a:pt x="0" y="359849"/>
+                </a:lnTo>
+                <a:close/>
+              </a:path>
+            </a:pathLst>
+          </a:custGeom>
+          <a:solidFill>
+            <a:schemeClr val="bg1">
+              <a:lumMod val="85000"/>
+            </a:schemeClr>
+          </a:solidFill>
+        </p:spPr>
+        <p:style>
+          <a:lnRef idx="3">
+            <a:schemeClr val="lt1"/>
+          </a:lnRef>
+          <a:fillRef idx="1">
+            <a:schemeClr val="accent2"/>
+          </a:fillRef>
+          <a:effectRef idx="1">
+            <a:schemeClr val="accent2"/>
+          </a:effectRef>
+          <a:fontRef idx="minor">
+            <a:schemeClr val="lt1"/>
+          </a:fontRef>
+        </p:style>
+        <p:txBody>
+          <a:bodyPr wrap="square" rtlCol="0" anchor="ctr">
+            <a:noAutofit/>
+          </a:bodyPr>
+          <a:lstStyle/>
+          <a:p>
+            <a:pPr algn="ctr"/>
+            <a:endParaRPr lang="zh-CN" altLang="en-US"/>
+          </a:p>
+        </p:txBody>
+      </p:sp>
+      <p:sp>
+        <p:nvSpPr>
+          <p:cNvPr id="263" name="任意多边形: 形状 262">
+            <a:extLst>
+              <a:ext uri="{FF2B5EF4-FFF2-40B4-BE49-F238E27FC236}">
+                <a16:creationId xmlns:a16="http://schemas.microsoft.com/office/drawing/2014/main" id="{C8B7C5DA-0BFB-4E3A-8721-11853C42260A}"/>
+              </a:ext>
+            </a:extLst>
+          </p:cNvPr>
+          <p:cNvSpPr/>
+          <p:nvPr/>
+        </p:nvSpPr>
+        <p:spPr>
+          <a:xfrm>
+            <a:off x="2720166" y="1620192"/>
+            <a:ext cx="368106" cy="359849"/>
+          </a:xfrm>
+          <a:custGeom>
+            <a:avLst/>
+            <a:gdLst>
+              <a:gd name="connsiteX0" fmla="*/ 0 w 368106"/>
+              <a:gd name="connsiteY0" fmla="*/ 0 h 359849"/>
+              <a:gd name="connsiteX1" fmla="*/ 368106 w 368106"/>
+              <a:gd name="connsiteY1" fmla="*/ 0 h 359849"/>
+              <a:gd name="connsiteX2" fmla="*/ 368106 w 368106"/>
+              <a:gd name="connsiteY2" fmla="*/ 359849 h 359849"/>
+              <a:gd name="connsiteX3" fmla="*/ 0 w 368106"/>
+              <a:gd name="connsiteY3" fmla="*/ 359849 h 359849"/>
+            </a:gdLst>
+            <a:ahLst/>
+            <a:cxnLst>
+              <a:cxn ang="0">
+                <a:pos x="connsiteX0" y="connsiteY0"/>
+              </a:cxn>
+              <a:cxn ang="0">
+                <a:pos x="connsiteX1" y="connsiteY1"/>
+              </a:cxn>
+              <a:cxn ang="0">
+                <a:pos x="connsiteX2" y="connsiteY2"/>
+              </a:cxn>
+              <a:cxn ang="0">
+                <a:pos x="connsiteX3" y="connsiteY3"/>
+              </a:cxn>
+            </a:cxnLst>
+            <a:rect l="l" t="t" r="r" b="b"/>
+            <a:pathLst>
+              <a:path w="368106" h="359849">
+                <a:moveTo>
+                  <a:pt x="0" y="0"/>
+                </a:moveTo>
+                <a:lnTo>
+                  <a:pt x="368106" y="0"/>
+                </a:lnTo>
+                <a:lnTo>
+                  <a:pt x="368106" y="359849"/>
+                </a:lnTo>
+                <a:lnTo>
+                  <a:pt x="0" y="359849"/>
+                </a:lnTo>
+                <a:close/>
+              </a:path>
+            </a:pathLst>
+          </a:custGeom>
+          <a:solidFill>
+            <a:schemeClr val="bg1">
+              <a:lumMod val="85000"/>
+            </a:schemeClr>
+          </a:solidFill>
+        </p:spPr>
+        <p:style>
+          <a:lnRef idx="3">
+            <a:schemeClr val="lt1"/>
+          </a:lnRef>
+          <a:fillRef idx="1">
+            <a:schemeClr val="accent2"/>
+          </a:fillRef>
+          <a:effectRef idx="1">
+            <a:schemeClr val="accent2"/>
+          </a:effectRef>
+          <a:fontRef idx="minor">
+            <a:schemeClr val="lt1"/>
+          </a:fontRef>
+        </p:style>
+        <p:txBody>
+          <a:bodyPr wrap="square" rtlCol="0" anchor="ctr">
+            <a:noAutofit/>
+          </a:bodyPr>
+          <a:lstStyle/>
+          <a:p>
+            <a:pPr algn="ctr"/>
+            <a:endParaRPr lang="zh-CN" altLang="en-US"/>
+          </a:p>
+        </p:txBody>
+      </p:sp>
+      <p:sp>
+        <p:nvSpPr>
+          <p:cNvPr id="266" name="任意多边形: 形状 265">
+            <a:extLst>
+              <a:ext uri="{FF2B5EF4-FFF2-40B4-BE49-F238E27FC236}">
+                <a16:creationId xmlns:a16="http://schemas.microsoft.com/office/drawing/2014/main" id="{7CC5D352-1775-45F1-BE16-A2254BFD82B5}"/>
+              </a:ext>
+            </a:extLst>
+          </p:cNvPr>
+          <p:cNvSpPr/>
+          <p:nvPr/>
+        </p:nvSpPr>
+        <p:spPr>
+          <a:xfrm>
+            <a:off x="3088273" y="1620192"/>
+            <a:ext cx="368106" cy="359849"/>
+          </a:xfrm>
+          <a:custGeom>
+            <a:avLst/>
+            <a:gdLst>
+              <a:gd name="connsiteX0" fmla="*/ 0 w 368106"/>
+              <a:gd name="connsiteY0" fmla="*/ 0 h 359849"/>
+              <a:gd name="connsiteX1" fmla="*/ 368106 w 368106"/>
+              <a:gd name="connsiteY1" fmla="*/ 0 h 359849"/>
+              <a:gd name="connsiteX2" fmla="*/ 368106 w 368106"/>
+              <a:gd name="connsiteY2" fmla="*/ 359849 h 359849"/>
+              <a:gd name="connsiteX3" fmla="*/ 0 w 368106"/>
+              <a:gd name="connsiteY3" fmla="*/ 359849 h 359849"/>
+            </a:gdLst>
+            <a:ahLst/>
+            <a:cxnLst>
+              <a:cxn ang="0">
+                <a:pos x="connsiteX0" y="connsiteY0"/>
+              </a:cxn>
+              <a:cxn ang="0">
+                <a:pos x="connsiteX1" y="connsiteY1"/>
+              </a:cxn>
+              <a:cxn ang="0">
+                <a:pos x="connsiteX2" y="connsiteY2"/>
+              </a:cxn>
+              <a:cxn ang="0">
+                <a:pos x="connsiteX3" y="connsiteY3"/>
+              </a:cxn>
+            </a:cxnLst>
+            <a:rect l="l" t="t" r="r" b="b"/>
+            <a:pathLst>
+              <a:path w="368106" h="359849">
+                <a:moveTo>
+                  <a:pt x="0" y="0"/>
+                </a:moveTo>
+                <a:lnTo>
+                  <a:pt x="368106" y="0"/>
+                </a:lnTo>
+                <a:lnTo>
+                  <a:pt x="368106" y="359849"/>
+                </a:lnTo>
+                <a:lnTo>
+                  <a:pt x="0" y="359849"/>
+                </a:lnTo>
+                <a:close/>
+              </a:path>
+            </a:pathLst>
+          </a:custGeom>
+          <a:solidFill>
+            <a:schemeClr val="bg1">
+              <a:lumMod val="85000"/>
+            </a:schemeClr>
+          </a:solidFill>
+        </p:spPr>
+        <p:style>
+          <a:lnRef idx="3">
+            <a:schemeClr val="lt1"/>
+          </a:lnRef>
+          <a:fillRef idx="1">
+            <a:schemeClr val="accent2"/>
+          </a:fillRef>
+          <a:effectRef idx="1">
+            <a:schemeClr val="accent2"/>
+          </a:effectRef>
+          <a:fontRef idx="minor">
+            <a:schemeClr val="lt1"/>
+          </a:fontRef>
+        </p:style>
+        <p:txBody>
+          <a:bodyPr wrap="square" rtlCol="0" anchor="ctr">
+            <a:noAutofit/>
+          </a:bodyPr>
+          <a:lstStyle/>
+          <a:p>
+            <a:pPr algn="ctr"/>
+            <a:endParaRPr lang="zh-CN" altLang="en-US"/>
+          </a:p>
+        </p:txBody>
+      </p:sp>
+      <p:sp>
+        <p:nvSpPr>
+          <p:cNvPr id="269" name="任意多边形: 形状 268">
+            <a:extLst>
+              <a:ext uri="{FF2B5EF4-FFF2-40B4-BE49-F238E27FC236}">
+                <a16:creationId xmlns:a16="http://schemas.microsoft.com/office/drawing/2014/main" id="{05B8A9EE-76CE-419F-882A-5204C0CAB698}"/>
+              </a:ext>
+            </a:extLst>
+          </p:cNvPr>
+          <p:cNvSpPr/>
+          <p:nvPr/>
+        </p:nvSpPr>
+        <p:spPr>
+          <a:xfrm>
+            <a:off x="3456380" y="1620192"/>
+            <a:ext cx="368107" cy="359849"/>
+          </a:xfrm>
+          <a:custGeom>
+            <a:avLst/>
+            <a:gdLst>
+              <a:gd name="connsiteX0" fmla="*/ 0 w 368107"/>
+              <a:gd name="connsiteY0" fmla="*/ 0 h 359849"/>
+              <a:gd name="connsiteX1" fmla="*/ 368107 w 368107"/>
+              <a:gd name="connsiteY1" fmla="*/ 0 h 359849"/>
+              <a:gd name="connsiteX2" fmla="*/ 368107 w 368107"/>
+              <a:gd name="connsiteY2" fmla="*/ 359849 h 359849"/>
+              <a:gd name="connsiteX3" fmla="*/ 0 w 368107"/>
+              <a:gd name="connsiteY3" fmla="*/ 359849 h 359849"/>
+            </a:gdLst>
+            <a:ahLst/>
+            <a:cxnLst>
+              <a:cxn ang="0">
+                <a:pos x="connsiteX0" y="connsiteY0"/>
+              </a:cxn>
+              <a:cxn ang="0">
+                <a:pos x="connsiteX1" y="connsiteY1"/>
+              </a:cxn>
+              <a:cxn ang="0">
+                <a:pos x="connsiteX2" y="connsiteY2"/>
+              </a:cxn>
+              <a:cxn ang="0">
+                <a:pos x="connsiteX3" y="connsiteY3"/>
+              </a:cxn>
+            </a:cxnLst>
+            <a:rect l="l" t="t" r="r" b="b"/>
+            <a:pathLst>
+              <a:path w="368107" h="359849">
+                <a:moveTo>
+                  <a:pt x="0" y="0"/>
+                </a:moveTo>
+                <a:lnTo>
+                  <a:pt x="368107" y="0"/>
+                </a:lnTo>
+                <a:lnTo>
+                  <a:pt x="368107" y="359849"/>
+                </a:lnTo>
+                <a:lnTo>
+                  <a:pt x="0" y="359849"/>
+                </a:lnTo>
+                <a:close/>
+              </a:path>
+            </a:pathLst>
+          </a:custGeom>
+          <a:solidFill>
+            <a:schemeClr val="bg1">
+              <a:lumMod val="85000"/>
+            </a:schemeClr>
+          </a:solidFill>
+        </p:spPr>
+        <p:style>
+          <a:lnRef idx="3">
+            <a:schemeClr val="lt1"/>
+          </a:lnRef>
+          <a:fillRef idx="1">
+            <a:schemeClr val="accent2"/>
+          </a:fillRef>
+          <a:effectRef idx="1">
+            <a:schemeClr val="accent2"/>
+          </a:effectRef>
+          <a:fontRef idx="minor">
+            <a:schemeClr val="lt1"/>
+          </a:fontRef>
+        </p:style>
+        <p:txBody>
+          <a:bodyPr wrap="square" rtlCol="0" anchor="ctr">
+            <a:noAutofit/>
+          </a:bodyPr>
+          <a:lstStyle/>
+          <a:p>
+            <a:pPr algn="ctr"/>
+            <a:endParaRPr lang="zh-CN" altLang="en-US"/>
+          </a:p>
+        </p:txBody>
+      </p:sp>
+      <p:sp>
+        <p:nvSpPr>
+          <p:cNvPr id="272" name="任意多边形: 形状 271">
+            <a:extLst>
+              <a:ext uri="{FF2B5EF4-FFF2-40B4-BE49-F238E27FC236}">
+                <a16:creationId xmlns:a16="http://schemas.microsoft.com/office/drawing/2014/main" id="{2A272876-1BD0-4ED3-A7B6-E0F6068B0C1F}"/>
+              </a:ext>
+            </a:extLst>
+          </p:cNvPr>
+          <p:cNvSpPr/>
+          <p:nvPr/>
+        </p:nvSpPr>
+        <p:spPr>
+          <a:xfrm>
+            <a:off x="879633" y="1980041"/>
+            <a:ext cx="368107" cy="359849"/>
+          </a:xfrm>
+          <a:custGeom>
+            <a:avLst/>
+            <a:gdLst>
+              <a:gd name="connsiteX0" fmla="*/ 0 w 368107"/>
+              <a:gd name="connsiteY0" fmla="*/ 0 h 359849"/>
+              <a:gd name="connsiteX1" fmla="*/ 368107 w 368107"/>
+              <a:gd name="connsiteY1" fmla="*/ 0 h 359849"/>
+              <a:gd name="connsiteX2" fmla="*/ 368107 w 368107"/>
+              <a:gd name="connsiteY2" fmla="*/ 359849 h 359849"/>
+              <a:gd name="connsiteX3" fmla="*/ 0 w 368107"/>
+              <a:gd name="connsiteY3" fmla="*/ 359849 h 359849"/>
+            </a:gdLst>
+            <a:ahLst/>
+            <a:cxnLst>
+              <a:cxn ang="0">
+                <a:pos x="connsiteX0" y="connsiteY0"/>
+              </a:cxn>
+              <a:cxn ang="0">
+                <a:pos x="connsiteX1" y="connsiteY1"/>
+              </a:cxn>
+              <a:cxn ang="0">
+                <a:pos x="connsiteX2" y="connsiteY2"/>
+              </a:cxn>
+              <a:cxn ang="0">
+                <a:pos x="connsiteX3" y="connsiteY3"/>
+              </a:cxn>
+            </a:cxnLst>
+            <a:rect l="l" t="t" r="r" b="b"/>
+            <a:pathLst>
+              <a:path w="368107" h="359849">
+                <a:moveTo>
+                  <a:pt x="0" y="0"/>
+                </a:moveTo>
+                <a:lnTo>
+                  <a:pt x="368107" y="0"/>
+                </a:lnTo>
+                <a:lnTo>
+                  <a:pt x="368107" y="359849"/>
+                </a:lnTo>
+                <a:lnTo>
+                  <a:pt x="0" y="359849"/>
+                </a:lnTo>
+                <a:close/>
+              </a:path>
+            </a:pathLst>
+          </a:custGeom>
+          <a:solidFill>
+            <a:schemeClr val="bg1">
+              <a:lumMod val="85000"/>
+            </a:schemeClr>
+          </a:solidFill>
+        </p:spPr>
+        <p:style>
+          <a:lnRef idx="3">
+            <a:schemeClr val="lt1"/>
+          </a:lnRef>
+          <a:fillRef idx="1">
+            <a:schemeClr val="accent2"/>
+          </a:fillRef>
+          <a:effectRef idx="1">
+            <a:schemeClr val="accent2"/>
+          </a:effectRef>
+          <a:fontRef idx="minor">
+            <a:schemeClr val="lt1"/>
+          </a:fontRef>
+        </p:style>
+        <p:txBody>
+          <a:bodyPr wrap="square" rtlCol="0" anchor="ctr">
+            <a:noAutofit/>
+          </a:bodyPr>
+          <a:lstStyle/>
+          <a:p>
+            <a:pPr algn="ctr"/>
+            <a:endParaRPr lang="zh-CN" altLang="en-US"/>
+          </a:p>
+        </p:txBody>
+      </p:sp>
+      <p:sp>
+        <p:nvSpPr>
+          <p:cNvPr id="275" name="任意多边形: 形状 274">
+            <a:extLst>
+              <a:ext uri="{FF2B5EF4-FFF2-40B4-BE49-F238E27FC236}">
+                <a16:creationId xmlns:a16="http://schemas.microsoft.com/office/drawing/2014/main" id="{B544618B-AB4C-4473-8D44-F0660765CA7A}"/>
+              </a:ext>
+            </a:extLst>
+          </p:cNvPr>
+          <p:cNvSpPr/>
+          <p:nvPr/>
+        </p:nvSpPr>
+        <p:spPr>
+          <a:xfrm>
+            <a:off x="1247740" y="1980041"/>
+            <a:ext cx="368107" cy="359849"/>
+          </a:xfrm>
+          <a:custGeom>
+            <a:avLst/>
+            <a:gdLst>
+              <a:gd name="connsiteX0" fmla="*/ 0 w 368107"/>
+              <a:gd name="connsiteY0" fmla="*/ 0 h 359849"/>
+              <a:gd name="connsiteX1" fmla="*/ 368107 w 368107"/>
+              <a:gd name="connsiteY1" fmla="*/ 0 h 359849"/>
+              <a:gd name="connsiteX2" fmla="*/ 368107 w 368107"/>
+              <a:gd name="connsiteY2" fmla="*/ 359849 h 359849"/>
+              <a:gd name="connsiteX3" fmla="*/ 0 w 368107"/>
+              <a:gd name="connsiteY3" fmla="*/ 359849 h 359849"/>
+            </a:gdLst>
+            <a:ahLst/>
+            <a:cxnLst>
+              <a:cxn ang="0">
+                <a:pos x="connsiteX0" y="connsiteY0"/>
+              </a:cxn>
+              <a:cxn ang="0">
+                <a:pos x="connsiteX1" y="connsiteY1"/>
+              </a:cxn>
+              <a:cxn ang="0">
+                <a:pos x="connsiteX2" y="connsiteY2"/>
+              </a:cxn>
+              <a:cxn ang="0">
+                <a:pos x="connsiteX3" y="connsiteY3"/>
+              </a:cxn>
+            </a:cxnLst>
+            <a:rect l="l" t="t" r="r" b="b"/>
+            <a:pathLst>
+              <a:path w="368107" h="359849">
+                <a:moveTo>
+                  <a:pt x="0" y="0"/>
+                </a:moveTo>
+                <a:lnTo>
+                  <a:pt x="368107" y="0"/>
+                </a:lnTo>
+                <a:lnTo>
+                  <a:pt x="368107" y="359849"/>
+                </a:lnTo>
+                <a:lnTo>
+                  <a:pt x="0" y="359849"/>
+                </a:lnTo>
+                <a:close/>
+              </a:path>
+            </a:pathLst>
+          </a:custGeom>
+          <a:solidFill>
+            <a:schemeClr val="bg1">
+              <a:lumMod val="85000"/>
+            </a:schemeClr>
+          </a:solidFill>
+        </p:spPr>
+        <p:style>
+          <a:lnRef idx="3">
+            <a:schemeClr val="lt1"/>
+          </a:lnRef>
+          <a:fillRef idx="1">
+            <a:schemeClr val="accent2"/>
+          </a:fillRef>
+          <a:effectRef idx="1">
+            <a:schemeClr val="accent2"/>
+          </a:effectRef>
+          <a:fontRef idx="minor">
+            <a:schemeClr val="lt1"/>
+          </a:fontRef>
+        </p:style>
+        <p:txBody>
+          <a:bodyPr wrap="square" rtlCol="0" anchor="ctr">
+            <a:noAutofit/>
+          </a:bodyPr>
+          <a:lstStyle/>
+          <a:p>
+            <a:pPr algn="ctr"/>
+            <a:endParaRPr lang="zh-CN" altLang="en-US"/>
+          </a:p>
+        </p:txBody>
+      </p:sp>
+      <p:sp>
+        <p:nvSpPr>
+          <p:cNvPr id="278" name="任意多边形: 形状 277">
+            <a:extLst>
+              <a:ext uri="{FF2B5EF4-FFF2-40B4-BE49-F238E27FC236}">
+                <a16:creationId xmlns:a16="http://schemas.microsoft.com/office/drawing/2014/main" id="{37654544-236E-476D-9176-3025816B1FA3}"/>
+              </a:ext>
+            </a:extLst>
+          </p:cNvPr>
+          <p:cNvSpPr/>
+          <p:nvPr/>
+        </p:nvSpPr>
+        <p:spPr>
+          <a:xfrm>
+            <a:off x="1615846" y="1980041"/>
+            <a:ext cx="368107" cy="359849"/>
+          </a:xfrm>
+          <a:custGeom>
+            <a:avLst/>
+            <a:gdLst>
+              <a:gd name="connsiteX0" fmla="*/ 0 w 368107"/>
+              <a:gd name="connsiteY0" fmla="*/ 0 h 359849"/>
+              <a:gd name="connsiteX1" fmla="*/ 368107 w 368107"/>
+              <a:gd name="connsiteY1" fmla="*/ 0 h 359849"/>
+              <a:gd name="connsiteX2" fmla="*/ 368107 w 368107"/>
+              <a:gd name="connsiteY2" fmla="*/ 359849 h 359849"/>
+              <a:gd name="connsiteX3" fmla="*/ 0 w 368107"/>
+              <a:gd name="connsiteY3" fmla="*/ 359849 h 359849"/>
+            </a:gdLst>
+            <a:ahLst/>
+            <a:cxnLst>
+              <a:cxn ang="0">
+                <a:pos x="connsiteX0" y="connsiteY0"/>
+              </a:cxn>
+              <a:cxn ang="0">
+                <a:pos x="connsiteX1" y="connsiteY1"/>
+              </a:cxn>
+              <a:cxn ang="0">
+                <a:pos x="connsiteX2" y="connsiteY2"/>
+              </a:cxn>
+              <a:cxn ang="0">
+                <a:pos x="connsiteX3" y="connsiteY3"/>
+              </a:cxn>
+            </a:cxnLst>
+            <a:rect l="l" t="t" r="r" b="b"/>
+            <a:pathLst>
+              <a:path w="368107" h="359849">
+                <a:moveTo>
+                  <a:pt x="0" y="0"/>
+                </a:moveTo>
+                <a:lnTo>
+                  <a:pt x="368107" y="0"/>
+                </a:lnTo>
+                <a:lnTo>
+                  <a:pt x="368107" y="359849"/>
+                </a:lnTo>
+                <a:lnTo>
+                  <a:pt x="0" y="359849"/>
+                </a:lnTo>
+                <a:close/>
+              </a:path>
+            </a:pathLst>
+          </a:custGeom>
+          <a:solidFill>
+            <a:schemeClr val="bg1">
+              <a:lumMod val="85000"/>
+            </a:schemeClr>
+          </a:solidFill>
+        </p:spPr>
+        <p:style>
+          <a:lnRef idx="3">
+            <a:schemeClr val="lt1"/>
+          </a:lnRef>
+          <a:fillRef idx="1">
+            <a:schemeClr val="accent2"/>
+          </a:fillRef>
+          <a:effectRef idx="1">
+            <a:schemeClr val="accent2"/>
+          </a:effectRef>
+          <a:fontRef idx="minor">
+            <a:schemeClr val="lt1"/>
+          </a:fontRef>
+        </p:style>
+        <p:txBody>
+          <a:bodyPr wrap="square" rtlCol="0" anchor="ctr">
+            <a:noAutofit/>
+          </a:bodyPr>
+          <a:lstStyle/>
+          <a:p>
+            <a:pPr algn="ctr"/>
+            <a:endParaRPr lang="zh-CN" altLang="en-US"/>
+          </a:p>
+        </p:txBody>
+      </p:sp>
+      <p:sp>
+        <p:nvSpPr>
+          <p:cNvPr id="281" name="任意多边形: 形状 280">
+            <a:extLst>
+              <a:ext uri="{FF2B5EF4-FFF2-40B4-BE49-F238E27FC236}">
+                <a16:creationId xmlns:a16="http://schemas.microsoft.com/office/drawing/2014/main" id="{A6314AE8-8ED0-4CF7-BCF4-0813EA92AD4A}"/>
+              </a:ext>
+            </a:extLst>
+          </p:cNvPr>
+          <p:cNvSpPr/>
+          <p:nvPr/>
+        </p:nvSpPr>
+        <p:spPr>
+          <a:xfrm>
+            <a:off x="1983953" y="1980041"/>
+            <a:ext cx="368107" cy="359849"/>
+          </a:xfrm>
+          <a:custGeom>
+            <a:avLst/>
+            <a:gdLst>
+              <a:gd name="connsiteX0" fmla="*/ 0 w 368107"/>
+              <a:gd name="connsiteY0" fmla="*/ 0 h 359849"/>
+              <a:gd name="connsiteX1" fmla="*/ 368107 w 368107"/>
+              <a:gd name="connsiteY1" fmla="*/ 0 h 359849"/>
+              <a:gd name="connsiteX2" fmla="*/ 368107 w 368107"/>
+              <a:gd name="connsiteY2" fmla="*/ 359849 h 359849"/>
+              <a:gd name="connsiteX3" fmla="*/ 0 w 368107"/>
+              <a:gd name="connsiteY3" fmla="*/ 359849 h 359849"/>
+            </a:gdLst>
+            <a:ahLst/>
+            <a:cxnLst>
+              <a:cxn ang="0">
+                <a:pos x="connsiteX0" y="connsiteY0"/>
+              </a:cxn>
+              <a:cxn ang="0">
+                <a:pos x="connsiteX1" y="connsiteY1"/>
+              </a:cxn>
+              <a:cxn ang="0">
+                <a:pos x="connsiteX2" y="connsiteY2"/>
+              </a:cxn>
+              <a:cxn ang="0">
+                <a:pos x="connsiteX3" y="connsiteY3"/>
+              </a:cxn>
+            </a:cxnLst>
+            <a:rect l="l" t="t" r="r" b="b"/>
+            <a:pathLst>
+              <a:path w="368107" h="359849">
+                <a:moveTo>
+                  <a:pt x="0" y="0"/>
+                </a:moveTo>
+                <a:lnTo>
+                  <a:pt x="368107" y="0"/>
+                </a:lnTo>
+                <a:lnTo>
+                  <a:pt x="368107" y="359849"/>
+                </a:lnTo>
+                <a:lnTo>
+                  <a:pt x="0" y="359849"/>
+                </a:lnTo>
+                <a:close/>
+              </a:path>
+            </a:pathLst>
+          </a:custGeom>
+          <a:solidFill>
+            <a:schemeClr val="bg1">
+              <a:lumMod val="85000"/>
+            </a:schemeClr>
+          </a:solidFill>
+        </p:spPr>
+        <p:style>
+          <a:lnRef idx="3">
+            <a:schemeClr val="lt1"/>
+          </a:lnRef>
+          <a:fillRef idx="1">
+            <a:schemeClr val="accent2"/>
+          </a:fillRef>
+          <a:effectRef idx="1">
+            <a:schemeClr val="accent2"/>
+          </a:effectRef>
+          <a:fontRef idx="minor">
+            <a:schemeClr val="lt1"/>
+          </a:fontRef>
+        </p:style>
+        <p:txBody>
+          <a:bodyPr wrap="square" rtlCol="0" anchor="ctr">
+            <a:noAutofit/>
+          </a:bodyPr>
+          <a:lstStyle/>
+          <a:p>
+            <a:pPr algn="ctr"/>
+            <a:endParaRPr lang="zh-CN" altLang="en-US"/>
+          </a:p>
+        </p:txBody>
+      </p:sp>
+      <p:sp>
+        <p:nvSpPr>
+          <p:cNvPr id="284" name="任意多边形: 形状 283">
+            <a:extLst>
+              <a:ext uri="{FF2B5EF4-FFF2-40B4-BE49-F238E27FC236}">
+                <a16:creationId xmlns:a16="http://schemas.microsoft.com/office/drawing/2014/main" id="{1D109ABA-C141-42E4-AC2D-CE392EA66585}"/>
+              </a:ext>
+            </a:extLst>
+          </p:cNvPr>
+          <p:cNvSpPr/>
+          <p:nvPr/>
+        </p:nvSpPr>
+        <p:spPr>
+          <a:xfrm>
+            <a:off x="2352060" y="1980041"/>
+            <a:ext cx="368107" cy="359849"/>
+          </a:xfrm>
+          <a:custGeom>
+            <a:avLst/>
+            <a:gdLst>
+              <a:gd name="connsiteX0" fmla="*/ 0 w 368107"/>
+              <a:gd name="connsiteY0" fmla="*/ 0 h 359849"/>
+              <a:gd name="connsiteX1" fmla="*/ 368107 w 368107"/>
+              <a:gd name="connsiteY1" fmla="*/ 0 h 359849"/>
+              <a:gd name="connsiteX2" fmla="*/ 368107 w 368107"/>
+              <a:gd name="connsiteY2" fmla="*/ 359849 h 359849"/>
+              <a:gd name="connsiteX3" fmla="*/ 0 w 368107"/>
+              <a:gd name="connsiteY3" fmla="*/ 359849 h 359849"/>
+            </a:gdLst>
+            <a:ahLst/>
+            <a:cxnLst>
+              <a:cxn ang="0">
+                <a:pos x="connsiteX0" y="connsiteY0"/>
+              </a:cxn>
+              <a:cxn ang="0">
+                <a:pos x="connsiteX1" y="connsiteY1"/>
+              </a:cxn>
+              <a:cxn ang="0">
+                <a:pos x="connsiteX2" y="connsiteY2"/>
+              </a:cxn>
+              <a:cxn ang="0">
+                <a:pos x="connsiteX3" y="connsiteY3"/>
+              </a:cxn>
+            </a:cxnLst>
+            <a:rect l="l" t="t" r="r" b="b"/>
+            <a:pathLst>
+              <a:path w="368107" h="359849">
+                <a:moveTo>
+                  <a:pt x="0" y="0"/>
+                </a:moveTo>
+                <a:lnTo>
+                  <a:pt x="368107" y="0"/>
+                </a:lnTo>
+                <a:lnTo>
+                  <a:pt x="368107" y="359849"/>
+                </a:lnTo>
+                <a:lnTo>
+                  <a:pt x="0" y="359849"/>
+                </a:lnTo>
+                <a:close/>
+              </a:path>
+            </a:pathLst>
+          </a:custGeom>
+          <a:solidFill>
+            <a:schemeClr val="bg1">
+              <a:lumMod val="85000"/>
+            </a:schemeClr>
+          </a:solidFill>
+        </p:spPr>
+        <p:style>
+          <a:lnRef idx="3">
+            <a:schemeClr val="lt1"/>
+          </a:lnRef>
+          <a:fillRef idx="1">
+            <a:schemeClr val="accent2"/>
+          </a:fillRef>
+          <a:effectRef idx="1">
+            <a:schemeClr val="accent2"/>
+          </a:effectRef>
+          <a:fontRef idx="minor">
+            <a:schemeClr val="lt1"/>
+          </a:fontRef>
+        </p:style>
+        <p:txBody>
+          <a:bodyPr wrap="square" rtlCol="0" anchor="ctr">
+            <a:noAutofit/>
+          </a:bodyPr>
+          <a:lstStyle/>
+          <a:p>
+            <a:pPr algn="ctr"/>
+            <a:endParaRPr lang="zh-CN" altLang="en-US"/>
+          </a:p>
+        </p:txBody>
+      </p:sp>
+      <p:sp>
+        <p:nvSpPr>
+          <p:cNvPr id="287" name="任意多边形: 形状 286">
+            <a:extLst>
+              <a:ext uri="{FF2B5EF4-FFF2-40B4-BE49-F238E27FC236}">
+                <a16:creationId xmlns:a16="http://schemas.microsoft.com/office/drawing/2014/main" id="{C1FAE177-0CC2-4E7B-AAF3-D9D8C22ECD52}"/>
+              </a:ext>
+            </a:extLst>
+          </p:cNvPr>
+          <p:cNvSpPr/>
+          <p:nvPr/>
+        </p:nvSpPr>
+        <p:spPr>
+          <a:xfrm>
+            <a:off x="2720166" y="1980041"/>
+            <a:ext cx="368106" cy="359849"/>
+          </a:xfrm>
+          <a:custGeom>
+            <a:avLst/>
+            <a:gdLst>
+              <a:gd name="connsiteX0" fmla="*/ 0 w 368106"/>
+              <a:gd name="connsiteY0" fmla="*/ 0 h 359849"/>
+              <a:gd name="connsiteX1" fmla="*/ 368106 w 368106"/>
+              <a:gd name="connsiteY1" fmla="*/ 0 h 359849"/>
+              <a:gd name="connsiteX2" fmla="*/ 368106 w 368106"/>
+              <a:gd name="connsiteY2" fmla="*/ 359849 h 359849"/>
+              <a:gd name="connsiteX3" fmla="*/ 0 w 368106"/>
+              <a:gd name="connsiteY3" fmla="*/ 359849 h 359849"/>
+            </a:gdLst>
+            <a:ahLst/>
+            <a:cxnLst>
+              <a:cxn ang="0">
+                <a:pos x="connsiteX0" y="connsiteY0"/>
+              </a:cxn>
+              <a:cxn ang="0">
+                <a:pos x="connsiteX1" y="connsiteY1"/>
+              </a:cxn>
+              <a:cxn ang="0">
+                <a:pos x="connsiteX2" y="connsiteY2"/>
+              </a:cxn>
+              <a:cxn ang="0">
+                <a:pos x="connsiteX3" y="connsiteY3"/>
+              </a:cxn>
+            </a:cxnLst>
+            <a:rect l="l" t="t" r="r" b="b"/>
+            <a:pathLst>
+              <a:path w="368106" h="359849">
+                <a:moveTo>
+                  <a:pt x="0" y="0"/>
+                </a:moveTo>
+                <a:lnTo>
+                  <a:pt x="368106" y="0"/>
+                </a:lnTo>
+                <a:lnTo>
+                  <a:pt x="368106" y="359849"/>
+                </a:lnTo>
+                <a:lnTo>
+                  <a:pt x="0" y="359849"/>
+                </a:lnTo>
+                <a:close/>
+              </a:path>
+            </a:pathLst>
+          </a:custGeom>
+          <a:solidFill>
+            <a:schemeClr val="bg1">
+              <a:lumMod val="85000"/>
+            </a:schemeClr>
+          </a:solidFill>
+        </p:spPr>
+        <p:style>
+          <a:lnRef idx="3">
+            <a:schemeClr val="lt1"/>
+          </a:lnRef>
+          <a:fillRef idx="1">
+            <a:schemeClr val="accent2"/>
+          </a:fillRef>
+          <a:effectRef idx="1">
+            <a:schemeClr val="accent2"/>
+          </a:effectRef>
+          <a:fontRef idx="minor">
+            <a:schemeClr val="lt1"/>
+          </a:fontRef>
+        </p:style>
+        <p:txBody>
+          <a:bodyPr wrap="square" rtlCol="0" anchor="ctr">
+            <a:noAutofit/>
+          </a:bodyPr>
+          <a:lstStyle/>
+          <a:p>
+            <a:pPr algn="ctr"/>
+            <a:endParaRPr lang="zh-CN" altLang="en-US"/>
+          </a:p>
+        </p:txBody>
+      </p:sp>
+      <p:sp>
+        <p:nvSpPr>
+          <p:cNvPr id="290" name="任意多边形: 形状 289">
+            <a:extLst>
+              <a:ext uri="{FF2B5EF4-FFF2-40B4-BE49-F238E27FC236}">
+                <a16:creationId xmlns:a16="http://schemas.microsoft.com/office/drawing/2014/main" id="{21086BE6-B165-4E08-B269-9F608765084F}"/>
+              </a:ext>
+            </a:extLst>
+          </p:cNvPr>
+          <p:cNvSpPr/>
+          <p:nvPr/>
+        </p:nvSpPr>
+        <p:spPr>
+          <a:xfrm>
+            <a:off x="3088273" y="1980041"/>
+            <a:ext cx="368106" cy="359849"/>
+          </a:xfrm>
+          <a:custGeom>
+            <a:avLst/>
+            <a:gdLst>
+              <a:gd name="connsiteX0" fmla="*/ 0 w 368106"/>
+              <a:gd name="connsiteY0" fmla="*/ 0 h 359849"/>
+              <a:gd name="connsiteX1" fmla="*/ 368106 w 368106"/>
+              <a:gd name="connsiteY1" fmla="*/ 0 h 359849"/>
+              <a:gd name="connsiteX2" fmla="*/ 368106 w 368106"/>
+              <a:gd name="connsiteY2" fmla="*/ 359849 h 359849"/>
+              <a:gd name="connsiteX3" fmla="*/ 0 w 368106"/>
+              <a:gd name="connsiteY3" fmla="*/ 359849 h 359849"/>
+            </a:gdLst>
+            <a:ahLst/>
+            <a:cxnLst>
+              <a:cxn ang="0">
+                <a:pos x="connsiteX0" y="connsiteY0"/>
+              </a:cxn>
+              <a:cxn ang="0">
+                <a:pos x="connsiteX1" y="connsiteY1"/>
+              </a:cxn>
+              <a:cxn ang="0">
+                <a:pos x="connsiteX2" y="connsiteY2"/>
+              </a:cxn>
+              <a:cxn ang="0">
+                <a:pos x="connsiteX3" y="connsiteY3"/>
+              </a:cxn>
+            </a:cxnLst>
+            <a:rect l="l" t="t" r="r" b="b"/>
+            <a:pathLst>
+              <a:path w="368106" h="359849">
+                <a:moveTo>
+                  <a:pt x="0" y="0"/>
+                </a:moveTo>
+                <a:lnTo>
+                  <a:pt x="368106" y="0"/>
+                </a:lnTo>
+                <a:lnTo>
+                  <a:pt x="368106" y="359849"/>
+                </a:lnTo>
+                <a:lnTo>
+                  <a:pt x="0" y="359849"/>
+                </a:lnTo>
+                <a:close/>
+              </a:path>
+            </a:pathLst>
+          </a:custGeom>
+          <a:solidFill>
+            <a:schemeClr val="bg1">
+              <a:lumMod val="85000"/>
+            </a:schemeClr>
+          </a:solidFill>
+        </p:spPr>
+        <p:style>
+          <a:lnRef idx="3">
+            <a:schemeClr val="lt1"/>
+          </a:lnRef>
+          <a:fillRef idx="1">
+            <a:schemeClr val="accent2"/>
+          </a:fillRef>
+          <a:effectRef idx="1">
+            <a:schemeClr val="accent2"/>
+          </a:effectRef>
+          <a:fontRef idx="minor">
+            <a:schemeClr val="lt1"/>
+          </a:fontRef>
+        </p:style>
+        <p:txBody>
+          <a:bodyPr wrap="square" rtlCol="0" anchor="ctr">
+            <a:noAutofit/>
+          </a:bodyPr>
+          <a:lstStyle/>
+          <a:p>
+            <a:pPr algn="ctr"/>
+            <a:endParaRPr lang="zh-CN" altLang="en-US"/>
+          </a:p>
+        </p:txBody>
+      </p:sp>
+      <p:sp>
+        <p:nvSpPr>
+          <p:cNvPr id="293" name="任意多边形: 形状 292">
+            <a:extLst>
+              <a:ext uri="{FF2B5EF4-FFF2-40B4-BE49-F238E27FC236}">
+                <a16:creationId xmlns:a16="http://schemas.microsoft.com/office/drawing/2014/main" id="{214D7006-91A0-48E0-8CE9-EA40ACB9D650}"/>
+              </a:ext>
+            </a:extLst>
+          </p:cNvPr>
+          <p:cNvSpPr/>
+          <p:nvPr/>
+        </p:nvSpPr>
+        <p:spPr>
+          <a:xfrm>
+            <a:off x="3456380" y="1980041"/>
+            <a:ext cx="368107" cy="359849"/>
+          </a:xfrm>
+          <a:custGeom>
+            <a:avLst/>
+            <a:gdLst>
+              <a:gd name="connsiteX0" fmla="*/ 0 w 368107"/>
+              <a:gd name="connsiteY0" fmla="*/ 0 h 359849"/>
+              <a:gd name="connsiteX1" fmla="*/ 368107 w 368107"/>
+              <a:gd name="connsiteY1" fmla="*/ 0 h 359849"/>
+              <a:gd name="connsiteX2" fmla="*/ 368107 w 368107"/>
+              <a:gd name="connsiteY2" fmla="*/ 359849 h 359849"/>
+              <a:gd name="connsiteX3" fmla="*/ 0 w 368107"/>
+              <a:gd name="connsiteY3" fmla="*/ 359849 h 359849"/>
+            </a:gdLst>
+            <a:ahLst/>
+            <a:cxnLst>
+              <a:cxn ang="0">
+                <a:pos x="connsiteX0" y="connsiteY0"/>
+              </a:cxn>
+              <a:cxn ang="0">
+                <a:pos x="connsiteX1" y="connsiteY1"/>
+              </a:cxn>
+              <a:cxn ang="0">
+                <a:pos x="connsiteX2" y="connsiteY2"/>
+              </a:cxn>
+              <a:cxn ang="0">
+                <a:pos x="connsiteX3" y="connsiteY3"/>
+              </a:cxn>
+            </a:cxnLst>
+            <a:rect l="l" t="t" r="r" b="b"/>
+            <a:pathLst>
+              <a:path w="368107" h="359849">
+                <a:moveTo>
+                  <a:pt x="0" y="0"/>
+                </a:moveTo>
+                <a:lnTo>
+                  <a:pt x="368107" y="0"/>
+                </a:lnTo>
+                <a:lnTo>
+                  <a:pt x="368107" y="359849"/>
+                </a:lnTo>
+                <a:lnTo>
+                  <a:pt x="0" y="359849"/>
+                </a:lnTo>
+                <a:close/>
+              </a:path>
+            </a:pathLst>
+          </a:custGeom>
+          <a:solidFill>
+            <a:schemeClr val="bg1">
+              <a:lumMod val="85000"/>
+            </a:schemeClr>
+          </a:solidFill>
+        </p:spPr>
+        <p:style>
+          <a:lnRef idx="3">
+            <a:schemeClr val="lt1"/>
+          </a:lnRef>
+          <a:fillRef idx="1">
+            <a:schemeClr val="accent2"/>
+          </a:fillRef>
+          <a:effectRef idx="1">
+            <a:schemeClr val="accent2"/>
+          </a:effectRef>
+          <a:fontRef idx="minor">
+            <a:schemeClr val="lt1"/>
+          </a:fontRef>
+        </p:style>
+        <p:txBody>
+          <a:bodyPr wrap="square" rtlCol="0" anchor="ctr">
+            <a:noAutofit/>
+          </a:bodyPr>
+          <a:lstStyle/>
+          <a:p>
+            <a:pPr algn="ctr"/>
+            <a:endParaRPr lang="zh-CN" altLang="en-US"/>
+          </a:p>
+        </p:txBody>
+      </p:sp>
+      <p:sp>
+        <p:nvSpPr>
+          <p:cNvPr id="296" name="任意多边形: 形状 295">
+            <a:extLst>
+              <a:ext uri="{FF2B5EF4-FFF2-40B4-BE49-F238E27FC236}">
+                <a16:creationId xmlns:a16="http://schemas.microsoft.com/office/drawing/2014/main" id="{F3262420-5831-4903-A511-B2861DB7669D}"/>
+              </a:ext>
+            </a:extLst>
+          </p:cNvPr>
+          <p:cNvSpPr/>
+          <p:nvPr/>
+        </p:nvSpPr>
+        <p:spPr>
+          <a:xfrm>
+            <a:off x="879633" y="2339891"/>
+            <a:ext cx="368107" cy="359849"/>
+          </a:xfrm>
+          <a:custGeom>
+            <a:avLst/>
+            <a:gdLst>
+              <a:gd name="connsiteX0" fmla="*/ 0 w 368107"/>
+              <a:gd name="connsiteY0" fmla="*/ 0 h 359849"/>
+              <a:gd name="connsiteX1" fmla="*/ 368107 w 368107"/>
+              <a:gd name="connsiteY1" fmla="*/ 0 h 359849"/>
+              <a:gd name="connsiteX2" fmla="*/ 368107 w 368107"/>
+              <a:gd name="connsiteY2" fmla="*/ 359849 h 359849"/>
+              <a:gd name="connsiteX3" fmla="*/ 0 w 368107"/>
+              <a:gd name="connsiteY3" fmla="*/ 359849 h 359849"/>
+            </a:gdLst>
+            <a:ahLst/>
+            <a:cxnLst>
+              <a:cxn ang="0">
+                <a:pos x="connsiteX0" y="connsiteY0"/>
+              </a:cxn>
+              <a:cxn ang="0">
+                <a:pos x="connsiteX1" y="connsiteY1"/>
+              </a:cxn>
+              <a:cxn ang="0">
+                <a:pos x="connsiteX2" y="connsiteY2"/>
+              </a:cxn>
+              <a:cxn ang="0">
+                <a:pos x="connsiteX3" y="connsiteY3"/>
+              </a:cxn>
+            </a:cxnLst>
+            <a:rect l="l" t="t" r="r" b="b"/>
+            <a:pathLst>
+              <a:path w="368107" h="359849">
+                <a:moveTo>
+                  <a:pt x="0" y="0"/>
+                </a:moveTo>
+                <a:lnTo>
+                  <a:pt x="368107" y="0"/>
+                </a:lnTo>
+                <a:lnTo>
+                  <a:pt x="368107" y="359849"/>
+                </a:lnTo>
+                <a:lnTo>
+                  <a:pt x="0" y="359849"/>
+                </a:lnTo>
+                <a:close/>
+              </a:path>
+            </a:pathLst>
+          </a:custGeom>
+          <a:solidFill>
+            <a:schemeClr val="bg1">
+              <a:lumMod val="85000"/>
+            </a:schemeClr>
+          </a:solidFill>
+        </p:spPr>
+        <p:style>
+          <a:lnRef idx="3">
+            <a:schemeClr val="lt1"/>
+          </a:lnRef>
+          <a:fillRef idx="1">
+            <a:schemeClr val="accent2"/>
+          </a:fillRef>
+          <a:effectRef idx="1">
+            <a:schemeClr val="accent2"/>
+          </a:effectRef>
+          <a:fontRef idx="minor">
+            <a:schemeClr val="lt1"/>
+          </a:fontRef>
+        </p:style>
+        <p:txBody>
+          <a:bodyPr wrap="square" rtlCol="0" anchor="ctr">
+            <a:noAutofit/>
+          </a:bodyPr>
+          <a:lstStyle/>
+          <a:p>
+            <a:pPr algn="ctr"/>
+            <a:endParaRPr lang="zh-CN" altLang="en-US"/>
+          </a:p>
+        </p:txBody>
+      </p:sp>
+      <p:sp>
+        <p:nvSpPr>
+          <p:cNvPr id="299" name="任意多边形: 形状 298">
+            <a:extLst>
+              <a:ext uri="{FF2B5EF4-FFF2-40B4-BE49-F238E27FC236}">
+                <a16:creationId xmlns:a16="http://schemas.microsoft.com/office/drawing/2014/main" id="{6693BB73-2B16-4115-B685-811BB7838B42}"/>
+              </a:ext>
+            </a:extLst>
+          </p:cNvPr>
+          <p:cNvSpPr/>
+          <p:nvPr/>
+        </p:nvSpPr>
+        <p:spPr>
+          <a:xfrm>
+            <a:off x="1247740" y="2339891"/>
+            <a:ext cx="368107" cy="359849"/>
+          </a:xfrm>
+          <a:custGeom>
+            <a:avLst/>
+            <a:gdLst>
+              <a:gd name="connsiteX0" fmla="*/ 0 w 368107"/>
+              <a:gd name="connsiteY0" fmla="*/ 0 h 359849"/>
+              <a:gd name="connsiteX1" fmla="*/ 368107 w 368107"/>
+              <a:gd name="connsiteY1" fmla="*/ 0 h 359849"/>
+              <a:gd name="connsiteX2" fmla="*/ 368107 w 368107"/>
+              <a:gd name="connsiteY2" fmla="*/ 359849 h 359849"/>
+              <a:gd name="connsiteX3" fmla="*/ 0 w 368107"/>
+              <a:gd name="connsiteY3" fmla="*/ 359849 h 359849"/>
+            </a:gdLst>
+            <a:ahLst/>
+            <a:cxnLst>
+              <a:cxn ang="0">
+                <a:pos x="connsiteX0" y="connsiteY0"/>
+              </a:cxn>
+              <a:cxn ang="0">
+                <a:pos x="connsiteX1" y="connsiteY1"/>
+              </a:cxn>
+              <a:cxn ang="0">
+                <a:pos x="connsiteX2" y="connsiteY2"/>
+              </a:cxn>
+              <a:cxn ang="0">
+                <a:pos x="connsiteX3" y="connsiteY3"/>
+              </a:cxn>
+            </a:cxnLst>
+            <a:rect l="l" t="t" r="r" b="b"/>
+            <a:pathLst>
+              <a:path w="368107" h="359849">
+                <a:moveTo>
+                  <a:pt x="0" y="0"/>
+                </a:moveTo>
+                <a:lnTo>
+                  <a:pt x="368107" y="0"/>
+                </a:lnTo>
+                <a:lnTo>
+                  <a:pt x="368107" y="359849"/>
+                </a:lnTo>
+                <a:lnTo>
+                  <a:pt x="0" y="359849"/>
+                </a:lnTo>
+                <a:close/>
+              </a:path>
+            </a:pathLst>
+          </a:custGeom>
+          <a:solidFill>
+            <a:schemeClr val="bg1">
+              <a:lumMod val="85000"/>
+            </a:schemeClr>
+          </a:solidFill>
+        </p:spPr>
+        <p:style>
+          <a:lnRef idx="3">
+            <a:schemeClr val="lt1"/>
+          </a:lnRef>
+          <a:fillRef idx="1">
+            <a:schemeClr val="accent2"/>
+          </a:fillRef>
+          <a:effectRef idx="1">
+            <a:schemeClr val="accent2"/>
+          </a:effectRef>
+          <a:fontRef idx="minor">
+            <a:schemeClr val="lt1"/>
+          </a:fontRef>
+        </p:style>
+        <p:txBody>
+          <a:bodyPr wrap="square" rtlCol="0" anchor="ctr">
+            <a:noAutofit/>
+          </a:bodyPr>
+          <a:lstStyle/>
+          <a:p>
+            <a:pPr algn="ctr"/>
+            <a:endParaRPr lang="zh-CN" altLang="en-US"/>
+          </a:p>
+        </p:txBody>
+      </p:sp>
+      <p:sp>
+        <p:nvSpPr>
+          <p:cNvPr id="302" name="任意多边形: 形状 301">
+            <a:extLst>
+              <a:ext uri="{FF2B5EF4-FFF2-40B4-BE49-F238E27FC236}">
+                <a16:creationId xmlns:a16="http://schemas.microsoft.com/office/drawing/2014/main" id="{AC267DA3-AFCF-43A7-B0F9-C8B4BB530DEA}"/>
+              </a:ext>
+            </a:extLst>
+          </p:cNvPr>
+          <p:cNvSpPr/>
+          <p:nvPr/>
+        </p:nvSpPr>
+        <p:spPr>
+          <a:xfrm>
+            <a:off x="1615846" y="2339891"/>
+            <a:ext cx="368107" cy="359849"/>
+          </a:xfrm>
+          <a:custGeom>
+            <a:avLst/>
+            <a:gdLst>
+              <a:gd name="connsiteX0" fmla="*/ 0 w 368107"/>
+              <a:gd name="connsiteY0" fmla="*/ 0 h 359849"/>
+              <a:gd name="connsiteX1" fmla="*/ 368107 w 368107"/>
+              <a:gd name="connsiteY1" fmla="*/ 0 h 359849"/>
+              <a:gd name="connsiteX2" fmla="*/ 368107 w 368107"/>
+              <a:gd name="connsiteY2" fmla="*/ 359849 h 359849"/>
+              <a:gd name="connsiteX3" fmla="*/ 0 w 368107"/>
+              <a:gd name="connsiteY3" fmla="*/ 359849 h 359849"/>
+            </a:gdLst>
+            <a:ahLst/>
+            <a:cxnLst>
+              <a:cxn ang="0">
+                <a:pos x="connsiteX0" y="connsiteY0"/>
+              </a:cxn>
+              <a:cxn ang="0">
+                <a:pos x="connsiteX1" y="connsiteY1"/>
+              </a:cxn>
+              <a:cxn ang="0">
+                <a:pos x="connsiteX2" y="connsiteY2"/>
+              </a:cxn>
+              <a:cxn ang="0">
+                <a:pos x="connsiteX3" y="connsiteY3"/>
+              </a:cxn>
+            </a:cxnLst>
+            <a:rect l="l" t="t" r="r" b="b"/>
+            <a:pathLst>
+              <a:path w="368107" h="359849">
+                <a:moveTo>
+                  <a:pt x="0" y="0"/>
+                </a:moveTo>
+                <a:lnTo>
+                  <a:pt x="368107" y="0"/>
+                </a:lnTo>
+                <a:lnTo>
+                  <a:pt x="368107" y="359849"/>
+                </a:lnTo>
+                <a:lnTo>
+                  <a:pt x="0" y="359849"/>
+                </a:lnTo>
+                <a:close/>
+              </a:path>
+            </a:pathLst>
+          </a:custGeom>
+          <a:solidFill>
+            <a:schemeClr val="bg1">
+              <a:lumMod val="85000"/>
+            </a:schemeClr>
+          </a:solidFill>
+        </p:spPr>
+        <p:style>
+          <a:lnRef idx="3">
+            <a:schemeClr val="lt1"/>
+          </a:lnRef>
+          <a:fillRef idx="1">
+            <a:schemeClr val="accent2"/>
+          </a:fillRef>
+          <a:effectRef idx="1">
+            <a:schemeClr val="accent2"/>
+          </a:effectRef>
+          <a:fontRef idx="minor">
+            <a:schemeClr val="lt1"/>
+          </a:fontRef>
+        </p:style>
+        <p:txBody>
+          <a:bodyPr wrap="square" rtlCol="0" anchor="ctr">
+            <a:noAutofit/>
+          </a:bodyPr>
+          <a:lstStyle/>
+          <a:p>
+            <a:pPr algn="ctr"/>
+            <a:endParaRPr lang="zh-CN" altLang="en-US"/>
+          </a:p>
+        </p:txBody>
+      </p:sp>
+      <p:sp>
+        <p:nvSpPr>
+          <p:cNvPr id="305" name="任意多边形: 形状 304">
+            <a:extLst>
+              <a:ext uri="{FF2B5EF4-FFF2-40B4-BE49-F238E27FC236}">
+                <a16:creationId xmlns:a16="http://schemas.microsoft.com/office/drawing/2014/main" id="{EB574DA0-C051-4ADF-8408-47C973206673}"/>
+              </a:ext>
+            </a:extLst>
+          </p:cNvPr>
+          <p:cNvSpPr/>
+          <p:nvPr/>
+        </p:nvSpPr>
+        <p:spPr>
+          <a:xfrm>
+            <a:off x="1983953" y="2339891"/>
+            <a:ext cx="368107" cy="359849"/>
+          </a:xfrm>
+          <a:custGeom>
+            <a:avLst/>
+            <a:gdLst>
+              <a:gd name="connsiteX0" fmla="*/ 0 w 368107"/>
+              <a:gd name="connsiteY0" fmla="*/ 0 h 359849"/>
+              <a:gd name="connsiteX1" fmla="*/ 368107 w 368107"/>
+              <a:gd name="connsiteY1" fmla="*/ 0 h 359849"/>
+              <a:gd name="connsiteX2" fmla="*/ 368107 w 368107"/>
+              <a:gd name="connsiteY2" fmla="*/ 359849 h 359849"/>
+              <a:gd name="connsiteX3" fmla="*/ 0 w 368107"/>
+              <a:gd name="connsiteY3" fmla="*/ 359849 h 359849"/>
+            </a:gdLst>
+            <a:ahLst/>
+            <a:cxnLst>
+              <a:cxn ang="0">
+                <a:pos x="connsiteX0" y="connsiteY0"/>
+              </a:cxn>
+              <a:cxn ang="0">
+                <a:pos x="connsiteX1" y="connsiteY1"/>
+              </a:cxn>
+              <a:cxn ang="0">
+                <a:pos x="connsiteX2" y="connsiteY2"/>
+              </a:cxn>
+              <a:cxn ang="0">
+                <a:pos x="connsiteX3" y="connsiteY3"/>
+              </a:cxn>
+            </a:cxnLst>
+            <a:rect l="l" t="t" r="r" b="b"/>
+            <a:pathLst>
+              <a:path w="368107" h="359849">
+                <a:moveTo>
+                  <a:pt x="0" y="0"/>
+                </a:moveTo>
+                <a:lnTo>
+                  <a:pt x="368107" y="0"/>
+                </a:lnTo>
+                <a:lnTo>
+                  <a:pt x="368107" y="359849"/>
+                </a:lnTo>
+                <a:lnTo>
+                  <a:pt x="0" y="359849"/>
+                </a:lnTo>
+                <a:close/>
+              </a:path>
+            </a:pathLst>
+          </a:custGeom>
+          <a:solidFill>
+            <a:schemeClr val="bg1">
+              <a:lumMod val="85000"/>
+            </a:schemeClr>
+          </a:solidFill>
+        </p:spPr>
+        <p:style>
+          <a:lnRef idx="3">
+            <a:schemeClr val="lt1"/>
+          </a:lnRef>
+          <a:fillRef idx="1">
+            <a:schemeClr val="accent2"/>
+          </a:fillRef>
+          <a:effectRef idx="1">
+            <a:schemeClr val="accent2"/>
+          </a:effectRef>
+          <a:fontRef idx="minor">
+            <a:schemeClr val="lt1"/>
+          </a:fontRef>
+        </p:style>
+        <p:txBody>
+          <a:bodyPr wrap="square" rtlCol="0" anchor="ctr">
+            <a:noAutofit/>
+          </a:bodyPr>
+          <a:lstStyle/>
+          <a:p>
+            <a:pPr algn="ctr"/>
+            <a:endParaRPr lang="zh-CN" altLang="en-US"/>
+          </a:p>
+        </p:txBody>
+      </p:sp>
+      <p:sp>
+        <p:nvSpPr>
+          <p:cNvPr id="308" name="任意多边形: 形状 307">
+            <a:extLst>
+              <a:ext uri="{FF2B5EF4-FFF2-40B4-BE49-F238E27FC236}">
+                <a16:creationId xmlns:a16="http://schemas.microsoft.com/office/drawing/2014/main" id="{46FFA941-5DA2-4BD0-A402-002440050AA4}"/>
+              </a:ext>
+            </a:extLst>
+          </p:cNvPr>
+          <p:cNvSpPr/>
+          <p:nvPr/>
+        </p:nvSpPr>
+        <p:spPr>
+          <a:xfrm>
+            <a:off x="2352060" y="2339891"/>
+            <a:ext cx="368107" cy="359849"/>
+          </a:xfrm>
+          <a:custGeom>
+            <a:avLst/>
+            <a:gdLst>
+              <a:gd name="connsiteX0" fmla="*/ 0 w 368107"/>
+              <a:gd name="connsiteY0" fmla="*/ 0 h 359849"/>
+              <a:gd name="connsiteX1" fmla="*/ 368107 w 368107"/>
+              <a:gd name="connsiteY1" fmla="*/ 0 h 359849"/>
+              <a:gd name="connsiteX2" fmla="*/ 368107 w 368107"/>
+              <a:gd name="connsiteY2" fmla="*/ 359849 h 359849"/>
+              <a:gd name="connsiteX3" fmla="*/ 0 w 368107"/>
+              <a:gd name="connsiteY3" fmla="*/ 359849 h 359849"/>
+            </a:gdLst>
+            <a:ahLst/>
+            <a:cxnLst>
+              <a:cxn ang="0">
+                <a:pos x="connsiteX0" y="connsiteY0"/>
+              </a:cxn>
+              <a:cxn ang="0">
+                <a:pos x="connsiteX1" y="connsiteY1"/>
+              </a:cxn>
+              <a:cxn ang="0">
+                <a:pos x="connsiteX2" y="connsiteY2"/>
+              </a:cxn>
+              <a:cxn ang="0">
+                <a:pos x="connsiteX3" y="connsiteY3"/>
+              </a:cxn>
+            </a:cxnLst>
+            <a:rect l="l" t="t" r="r" b="b"/>
+            <a:pathLst>
+              <a:path w="368107" h="359849">
+                <a:moveTo>
+                  <a:pt x="0" y="0"/>
+                </a:moveTo>
+                <a:lnTo>
+                  <a:pt x="368107" y="0"/>
+                </a:lnTo>
+                <a:lnTo>
+                  <a:pt x="368107" y="359849"/>
+                </a:lnTo>
+                <a:lnTo>
+                  <a:pt x="0" y="359849"/>
+                </a:lnTo>
+                <a:close/>
+              </a:path>
+            </a:pathLst>
+          </a:custGeom>
+          <a:solidFill>
+            <a:schemeClr val="bg1">
+              <a:lumMod val="85000"/>
+            </a:schemeClr>
+          </a:solidFill>
+        </p:spPr>
+        <p:style>
+          <a:lnRef idx="3">
+            <a:schemeClr val="lt1"/>
+          </a:lnRef>
+          <a:fillRef idx="1">
+            <a:schemeClr val="accent2"/>
+          </a:fillRef>
+          <a:effectRef idx="1">
+            <a:schemeClr val="accent2"/>
+          </a:effectRef>
+          <a:fontRef idx="minor">
+            <a:schemeClr val="lt1"/>
+          </a:fontRef>
+        </p:style>
+        <p:txBody>
+          <a:bodyPr wrap="square" rtlCol="0" anchor="ctr">
+            <a:noAutofit/>
+          </a:bodyPr>
+          <a:lstStyle/>
+          <a:p>
+            <a:pPr algn="ctr"/>
+            <a:endParaRPr lang="zh-CN" altLang="en-US"/>
+          </a:p>
+        </p:txBody>
+      </p:sp>
+      <p:sp>
+        <p:nvSpPr>
+          <p:cNvPr id="311" name="任意多边形: 形状 310">
+            <a:extLst>
+              <a:ext uri="{FF2B5EF4-FFF2-40B4-BE49-F238E27FC236}">
+                <a16:creationId xmlns:a16="http://schemas.microsoft.com/office/drawing/2014/main" id="{C2ACDA03-D70C-499D-98D1-57F55B19D338}"/>
+              </a:ext>
+            </a:extLst>
+          </p:cNvPr>
+          <p:cNvSpPr/>
+          <p:nvPr/>
+        </p:nvSpPr>
+        <p:spPr>
+          <a:xfrm>
+            <a:off x="2720166" y="2339891"/>
+            <a:ext cx="368106" cy="359849"/>
+          </a:xfrm>
+          <a:custGeom>
+            <a:avLst/>
+            <a:gdLst>
+              <a:gd name="connsiteX0" fmla="*/ 0 w 368106"/>
+              <a:gd name="connsiteY0" fmla="*/ 0 h 359849"/>
+              <a:gd name="connsiteX1" fmla="*/ 368106 w 368106"/>
+              <a:gd name="connsiteY1" fmla="*/ 0 h 359849"/>
+              <a:gd name="connsiteX2" fmla="*/ 368106 w 368106"/>
+              <a:gd name="connsiteY2" fmla="*/ 359849 h 359849"/>
+              <a:gd name="connsiteX3" fmla="*/ 0 w 368106"/>
+              <a:gd name="connsiteY3" fmla="*/ 359849 h 359849"/>
+            </a:gdLst>
+            <a:ahLst/>
+            <a:cxnLst>
+              <a:cxn ang="0">
+                <a:pos x="connsiteX0" y="connsiteY0"/>
+              </a:cxn>
+              <a:cxn ang="0">
+                <a:pos x="connsiteX1" y="connsiteY1"/>
+              </a:cxn>
+              <a:cxn ang="0">
+                <a:pos x="connsiteX2" y="connsiteY2"/>
+              </a:cxn>
+              <a:cxn ang="0">
+                <a:pos x="connsiteX3" y="connsiteY3"/>
+              </a:cxn>
+            </a:cxnLst>
+            <a:rect l="l" t="t" r="r" b="b"/>
+            <a:pathLst>
+              <a:path w="368106" h="359849">
+                <a:moveTo>
+                  <a:pt x="0" y="0"/>
+                </a:moveTo>
+                <a:lnTo>
+                  <a:pt x="368106" y="0"/>
+                </a:lnTo>
+                <a:lnTo>
+                  <a:pt x="368106" y="359849"/>
+                </a:lnTo>
+                <a:lnTo>
+                  <a:pt x="0" y="359849"/>
+                </a:lnTo>
+                <a:close/>
+              </a:path>
+            </a:pathLst>
+          </a:custGeom>
+          <a:solidFill>
+            <a:schemeClr val="bg1">
+              <a:lumMod val="85000"/>
+            </a:schemeClr>
+          </a:solidFill>
+        </p:spPr>
+        <p:style>
+          <a:lnRef idx="3">
+            <a:schemeClr val="lt1"/>
+          </a:lnRef>
+          <a:fillRef idx="1">
+            <a:schemeClr val="accent2"/>
+          </a:fillRef>
+          <a:effectRef idx="1">
+            <a:schemeClr val="accent2"/>
+          </a:effectRef>
+          <a:fontRef idx="minor">
+            <a:schemeClr val="lt1"/>
+          </a:fontRef>
+        </p:style>
+        <p:txBody>
+          <a:bodyPr wrap="square" rtlCol="0" anchor="ctr">
+            <a:noAutofit/>
+          </a:bodyPr>
+          <a:lstStyle/>
+          <a:p>
+            <a:pPr algn="ctr"/>
+            <a:endParaRPr lang="zh-CN" altLang="en-US"/>
+          </a:p>
+        </p:txBody>
+      </p:sp>
+      <p:sp>
+        <p:nvSpPr>
+          <p:cNvPr id="314" name="任意多边形: 形状 313">
+            <a:extLst>
+              <a:ext uri="{FF2B5EF4-FFF2-40B4-BE49-F238E27FC236}">
+                <a16:creationId xmlns:a16="http://schemas.microsoft.com/office/drawing/2014/main" id="{FC72862D-8B4D-4369-BD36-905989A92564}"/>
+              </a:ext>
+            </a:extLst>
+          </p:cNvPr>
+          <p:cNvSpPr/>
+          <p:nvPr/>
+        </p:nvSpPr>
+        <p:spPr>
+          <a:xfrm>
+            <a:off x="3088273" y="2339891"/>
+            <a:ext cx="368106" cy="359849"/>
+          </a:xfrm>
+          <a:custGeom>
+            <a:avLst/>
+            <a:gdLst>
+              <a:gd name="connsiteX0" fmla="*/ 0 w 368106"/>
+              <a:gd name="connsiteY0" fmla="*/ 0 h 359849"/>
+              <a:gd name="connsiteX1" fmla="*/ 368106 w 368106"/>
+              <a:gd name="connsiteY1" fmla="*/ 0 h 359849"/>
+              <a:gd name="connsiteX2" fmla="*/ 368106 w 368106"/>
+              <a:gd name="connsiteY2" fmla="*/ 359849 h 359849"/>
+              <a:gd name="connsiteX3" fmla="*/ 0 w 368106"/>
+              <a:gd name="connsiteY3" fmla="*/ 359849 h 359849"/>
+            </a:gdLst>
+            <a:ahLst/>
+            <a:cxnLst>
+              <a:cxn ang="0">
+                <a:pos x="connsiteX0" y="connsiteY0"/>
+              </a:cxn>
+              <a:cxn ang="0">
+                <a:pos x="connsiteX1" y="connsiteY1"/>
+              </a:cxn>
+              <a:cxn ang="0">
+                <a:pos x="connsiteX2" y="connsiteY2"/>
+              </a:cxn>
+              <a:cxn ang="0">
+                <a:pos x="connsiteX3" y="connsiteY3"/>
+              </a:cxn>
+            </a:cxnLst>
+            <a:rect l="l" t="t" r="r" b="b"/>
+            <a:pathLst>
+              <a:path w="368106" h="359849">
+                <a:moveTo>
+                  <a:pt x="0" y="0"/>
+                </a:moveTo>
+                <a:lnTo>
+                  <a:pt x="368106" y="0"/>
+                </a:lnTo>
+                <a:lnTo>
+                  <a:pt x="368106" y="359849"/>
+                </a:lnTo>
+                <a:lnTo>
+                  <a:pt x="0" y="359849"/>
+                </a:lnTo>
+                <a:close/>
+              </a:path>
+            </a:pathLst>
+          </a:custGeom>
+          <a:solidFill>
+            <a:schemeClr val="bg1">
+              <a:lumMod val="85000"/>
+            </a:schemeClr>
+          </a:solidFill>
+        </p:spPr>
+        <p:style>
+          <a:lnRef idx="3">
+            <a:schemeClr val="lt1"/>
+          </a:lnRef>
+          <a:fillRef idx="1">
+            <a:schemeClr val="accent2"/>
+          </a:fillRef>
+          <a:effectRef idx="1">
+            <a:schemeClr val="accent2"/>
+          </a:effectRef>
+          <a:fontRef idx="minor">
+            <a:schemeClr val="lt1"/>
+          </a:fontRef>
+        </p:style>
+        <p:txBody>
+          <a:bodyPr wrap="square" rtlCol="0" anchor="ctr">
+            <a:noAutofit/>
+          </a:bodyPr>
+          <a:lstStyle/>
+          <a:p>
+            <a:pPr algn="ctr"/>
+            <a:endParaRPr lang="zh-CN" altLang="en-US"/>
+          </a:p>
+        </p:txBody>
+      </p:sp>
+      <p:sp>
+        <p:nvSpPr>
+          <p:cNvPr id="317" name="任意多边形: 形状 316">
+            <a:extLst>
+              <a:ext uri="{FF2B5EF4-FFF2-40B4-BE49-F238E27FC236}">
+                <a16:creationId xmlns:a16="http://schemas.microsoft.com/office/drawing/2014/main" id="{701474E3-D1E4-48C5-AC33-2B7783B4240C}"/>
+              </a:ext>
+            </a:extLst>
+          </p:cNvPr>
+          <p:cNvSpPr/>
+          <p:nvPr/>
+        </p:nvSpPr>
+        <p:spPr>
+          <a:xfrm>
+            <a:off x="3456380" y="2339891"/>
+            <a:ext cx="368107" cy="359849"/>
+          </a:xfrm>
+          <a:custGeom>
+            <a:avLst/>
+            <a:gdLst>
+              <a:gd name="connsiteX0" fmla="*/ 0 w 368107"/>
+              <a:gd name="connsiteY0" fmla="*/ 0 h 359849"/>
+              <a:gd name="connsiteX1" fmla="*/ 368107 w 368107"/>
+              <a:gd name="connsiteY1" fmla="*/ 0 h 359849"/>
+              <a:gd name="connsiteX2" fmla="*/ 368107 w 368107"/>
+              <a:gd name="connsiteY2" fmla="*/ 359849 h 359849"/>
+              <a:gd name="connsiteX3" fmla="*/ 0 w 368107"/>
+              <a:gd name="connsiteY3" fmla="*/ 359849 h 359849"/>
+            </a:gdLst>
+            <a:ahLst/>
+            <a:cxnLst>
+              <a:cxn ang="0">
+                <a:pos x="connsiteX0" y="connsiteY0"/>
+              </a:cxn>
+              <a:cxn ang="0">
+                <a:pos x="connsiteX1" y="connsiteY1"/>
+              </a:cxn>
+              <a:cxn ang="0">
+                <a:pos x="connsiteX2" y="connsiteY2"/>
+              </a:cxn>
+              <a:cxn ang="0">
+                <a:pos x="connsiteX3" y="connsiteY3"/>
+              </a:cxn>
+            </a:cxnLst>
+            <a:rect l="l" t="t" r="r" b="b"/>
+            <a:pathLst>
+              <a:path w="368107" h="359849">
+                <a:moveTo>
+                  <a:pt x="0" y="0"/>
+                </a:moveTo>
+                <a:lnTo>
+                  <a:pt x="368107" y="0"/>
+                </a:lnTo>
+                <a:lnTo>
+                  <a:pt x="368107" y="359849"/>
+                </a:lnTo>
+                <a:lnTo>
+                  <a:pt x="0" y="359849"/>
+                </a:lnTo>
+                <a:close/>
+              </a:path>
+            </a:pathLst>
+          </a:custGeom>
+          <a:solidFill>
+            <a:schemeClr val="bg1">
+              <a:lumMod val="85000"/>
+            </a:schemeClr>
+          </a:solidFill>
+        </p:spPr>
+        <p:style>
+          <a:lnRef idx="3">
+            <a:schemeClr val="lt1"/>
+          </a:lnRef>
+          <a:fillRef idx="1">
+            <a:schemeClr val="accent2"/>
+          </a:fillRef>
+          <a:effectRef idx="1">
+            <a:schemeClr val="accent2"/>
+          </a:effectRef>
+          <a:fontRef idx="minor">
+            <a:schemeClr val="lt1"/>
+          </a:fontRef>
+        </p:style>
+        <p:txBody>
+          <a:bodyPr wrap="square" rtlCol="0" anchor="ctr">
+            <a:noAutofit/>
+          </a:bodyPr>
+          <a:lstStyle/>
+          <a:p>
+            <a:pPr algn="ctr"/>
+            <a:endParaRPr lang="zh-CN" altLang="en-US"/>
+          </a:p>
+        </p:txBody>
+      </p:sp>
+      <p:sp>
+        <p:nvSpPr>
+          <p:cNvPr id="320" name="任意多边形: 形状 319">
+            <a:extLst>
+              <a:ext uri="{FF2B5EF4-FFF2-40B4-BE49-F238E27FC236}">
+                <a16:creationId xmlns:a16="http://schemas.microsoft.com/office/drawing/2014/main" id="{B99C3A3B-2A2C-424B-BE5E-942480D958CA}"/>
+              </a:ext>
+            </a:extLst>
+          </p:cNvPr>
+          <p:cNvSpPr/>
+          <p:nvPr/>
+        </p:nvSpPr>
+        <p:spPr>
+          <a:xfrm>
+            <a:off x="879633" y="2699740"/>
+            <a:ext cx="368107" cy="359849"/>
+          </a:xfrm>
+          <a:custGeom>
+            <a:avLst/>
+            <a:gdLst>
+              <a:gd name="connsiteX0" fmla="*/ 0 w 368107"/>
+              <a:gd name="connsiteY0" fmla="*/ 0 h 359849"/>
+              <a:gd name="connsiteX1" fmla="*/ 368107 w 368107"/>
+              <a:gd name="connsiteY1" fmla="*/ 0 h 359849"/>
+              <a:gd name="connsiteX2" fmla="*/ 368107 w 368107"/>
+              <a:gd name="connsiteY2" fmla="*/ 359849 h 359849"/>
+              <a:gd name="connsiteX3" fmla="*/ 0 w 368107"/>
+              <a:gd name="connsiteY3" fmla="*/ 359849 h 359849"/>
+            </a:gdLst>
+            <a:ahLst/>
+            <a:cxnLst>
+              <a:cxn ang="0">
+                <a:pos x="connsiteX0" y="connsiteY0"/>
+              </a:cxn>
+              <a:cxn ang="0">
+                <a:pos x="connsiteX1" y="connsiteY1"/>
+              </a:cxn>
+              <a:cxn ang="0">
+                <a:pos x="connsiteX2" y="connsiteY2"/>
+              </a:cxn>
+              <a:cxn ang="0">
+                <a:pos x="connsiteX3" y="connsiteY3"/>
+              </a:cxn>
+            </a:cxnLst>
+            <a:rect l="l" t="t" r="r" b="b"/>
+            <a:pathLst>
+              <a:path w="368107" h="359849">
+                <a:moveTo>
+                  <a:pt x="0" y="0"/>
+                </a:moveTo>
+                <a:lnTo>
+                  <a:pt x="368107" y="0"/>
+                </a:lnTo>
+                <a:lnTo>
+                  <a:pt x="368107" y="359849"/>
+                </a:lnTo>
+                <a:lnTo>
+                  <a:pt x="0" y="359849"/>
+                </a:lnTo>
+                <a:close/>
+              </a:path>
+            </a:pathLst>
+          </a:custGeom>
+          <a:solidFill>
+            <a:schemeClr val="bg1">
+              <a:lumMod val="85000"/>
+            </a:schemeClr>
+          </a:solidFill>
+        </p:spPr>
+        <p:style>
+          <a:lnRef idx="3">
+            <a:schemeClr val="lt1"/>
+          </a:lnRef>
+          <a:fillRef idx="1">
+            <a:schemeClr val="accent2"/>
+          </a:fillRef>
+          <a:effectRef idx="1">
+            <a:schemeClr val="accent2"/>
+          </a:effectRef>
+          <a:fontRef idx="minor">
+            <a:schemeClr val="lt1"/>
+          </a:fontRef>
+        </p:style>
+        <p:txBody>
+          <a:bodyPr wrap="square" rtlCol="0" anchor="ctr">
+            <a:noAutofit/>
+          </a:bodyPr>
+          <a:lstStyle/>
+          <a:p>
+            <a:pPr algn="ctr"/>
+            <a:endParaRPr lang="zh-CN" altLang="en-US"/>
+          </a:p>
+        </p:txBody>
+      </p:sp>
+      <p:sp>
+        <p:nvSpPr>
+          <p:cNvPr id="323" name="任意多边形: 形状 322">
+            <a:extLst>
+              <a:ext uri="{FF2B5EF4-FFF2-40B4-BE49-F238E27FC236}">
+                <a16:creationId xmlns:a16="http://schemas.microsoft.com/office/drawing/2014/main" id="{C3E96BB7-C282-4897-A2E6-3641E80DA230}"/>
+              </a:ext>
+            </a:extLst>
+          </p:cNvPr>
+          <p:cNvSpPr/>
+          <p:nvPr/>
+        </p:nvSpPr>
+        <p:spPr>
+          <a:xfrm>
+            <a:off x="1247740" y="2699740"/>
+            <a:ext cx="368107" cy="359849"/>
+          </a:xfrm>
+          <a:custGeom>
+            <a:avLst/>
+            <a:gdLst>
+              <a:gd name="connsiteX0" fmla="*/ 0 w 368107"/>
+              <a:gd name="connsiteY0" fmla="*/ 0 h 359849"/>
+              <a:gd name="connsiteX1" fmla="*/ 368107 w 368107"/>
+              <a:gd name="connsiteY1" fmla="*/ 0 h 359849"/>
+              <a:gd name="connsiteX2" fmla="*/ 368107 w 368107"/>
+              <a:gd name="connsiteY2" fmla="*/ 359849 h 359849"/>
+              <a:gd name="connsiteX3" fmla="*/ 0 w 368107"/>
+              <a:gd name="connsiteY3" fmla="*/ 359849 h 359849"/>
+            </a:gdLst>
+            <a:ahLst/>
+            <a:cxnLst>
+              <a:cxn ang="0">
+                <a:pos x="connsiteX0" y="connsiteY0"/>
+              </a:cxn>
+              <a:cxn ang="0">
+                <a:pos x="connsiteX1" y="connsiteY1"/>
+              </a:cxn>
+              <a:cxn ang="0">
+                <a:pos x="connsiteX2" y="connsiteY2"/>
+              </a:cxn>
+              <a:cxn ang="0">
+                <a:pos x="connsiteX3" y="connsiteY3"/>
+              </a:cxn>
+            </a:cxnLst>
+            <a:rect l="l" t="t" r="r" b="b"/>
+            <a:pathLst>
+              <a:path w="368107" h="359849">
+                <a:moveTo>
+                  <a:pt x="0" y="0"/>
+                </a:moveTo>
+                <a:lnTo>
+                  <a:pt x="368107" y="0"/>
+                </a:lnTo>
+                <a:lnTo>
+                  <a:pt x="368107" y="359849"/>
+                </a:lnTo>
+                <a:lnTo>
+                  <a:pt x="0" y="359849"/>
+                </a:lnTo>
+                <a:close/>
+              </a:path>
+            </a:pathLst>
+          </a:custGeom>
+          <a:solidFill>
+            <a:schemeClr val="bg1">
+              <a:lumMod val="85000"/>
+            </a:schemeClr>
+          </a:solidFill>
+        </p:spPr>
+        <p:style>
+          <a:lnRef idx="3">
+            <a:schemeClr val="lt1"/>
+          </a:lnRef>
+          <a:fillRef idx="1">
+            <a:schemeClr val="accent2"/>
+          </a:fillRef>
+          <a:effectRef idx="1">
+            <a:schemeClr val="accent2"/>
+          </a:effectRef>
+          <a:fontRef idx="minor">
+            <a:schemeClr val="lt1"/>
+          </a:fontRef>
+        </p:style>
+        <p:txBody>
+          <a:bodyPr wrap="square" rtlCol="0" anchor="ctr">
+            <a:noAutofit/>
+          </a:bodyPr>
+          <a:lstStyle/>
+          <a:p>
+            <a:pPr algn="ctr"/>
+            <a:endParaRPr lang="zh-CN" altLang="en-US"/>
+          </a:p>
+        </p:txBody>
+      </p:sp>
+      <p:sp>
+        <p:nvSpPr>
+          <p:cNvPr id="326" name="任意多边形: 形状 325">
+            <a:extLst>
+              <a:ext uri="{FF2B5EF4-FFF2-40B4-BE49-F238E27FC236}">
+                <a16:creationId xmlns:a16="http://schemas.microsoft.com/office/drawing/2014/main" id="{E63A7EFD-C995-4D85-8A42-F7894D3CEE51}"/>
+              </a:ext>
+            </a:extLst>
+          </p:cNvPr>
+          <p:cNvSpPr/>
+          <p:nvPr/>
+        </p:nvSpPr>
+        <p:spPr>
+          <a:xfrm>
+            <a:off x="1615846" y="2699740"/>
+            <a:ext cx="368107" cy="359849"/>
+          </a:xfrm>
+          <a:custGeom>
+            <a:avLst/>
+            <a:gdLst>
+              <a:gd name="connsiteX0" fmla="*/ 0 w 368107"/>
+              <a:gd name="connsiteY0" fmla="*/ 0 h 359849"/>
+              <a:gd name="connsiteX1" fmla="*/ 368107 w 368107"/>
+              <a:gd name="connsiteY1" fmla="*/ 0 h 359849"/>
+              <a:gd name="connsiteX2" fmla="*/ 368107 w 368107"/>
+              <a:gd name="connsiteY2" fmla="*/ 359849 h 359849"/>
+              <a:gd name="connsiteX3" fmla="*/ 0 w 368107"/>
+              <a:gd name="connsiteY3" fmla="*/ 359849 h 359849"/>
+            </a:gdLst>
+            <a:ahLst/>
+            <a:cxnLst>
+              <a:cxn ang="0">
+                <a:pos x="connsiteX0" y="connsiteY0"/>
+              </a:cxn>
+              <a:cxn ang="0">
+                <a:pos x="connsiteX1" y="connsiteY1"/>
+              </a:cxn>
+              <a:cxn ang="0">
+                <a:pos x="connsiteX2" y="connsiteY2"/>
+              </a:cxn>
+              <a:cxn ang="0">
+                <a:pos x="connsiteX3" y="connsiteY3"/>
+              </a:cxn>
+            </a:cxnLst>
+            <a:rect l="l" t="t" r="r" b="b"/>
+            <a:pathLst>
+              <a:path w="368107" h="359849">
+                <a:moveTo>
+                  <a:pt x="0" y="0"/>
+                </a:moveTo>
+                <a:lnTo>
+                  <a:pt x="368107" y="0"/>
+                </a:lnTo>
+                <a:lnTo>
+                  <a:pt x="368107" y="359849"/>
+                </a:lnTo>
+                <a:lnTo>
+                  <a:pt x="0" y="359849"/>
+                </a:lnTo>
+                <a:close/>
+              </a:path>
+            </a:pathLst>
+          </a:custGeom>
+          <a:solidFill>
+            <a:schemeClr val="bg1">
+              <a:lumMod val="85000"/>
+            </a:schemeClr>
+          </a:solidFill>
+        </p:spPr>
+        <p:style>
+          <a:lnRef idx="3">
+            <a:schemeClr val="lt1"/>
+          </a:lnRef>
+          <a:fillRef idx="1">
+            <a:schemeClr val="accent2"/>
+          </a:fillRef>
+          <a:effectRef idx="1">
+            <a:schemeClr val="accent2"/>
+          </a:effectRef>
+          <a:fontRef idx="minor">
+            <a:schemeClr val="lt1"/>
+          </a:fontRef>
+        </p:style>
+        <p:txBody>
+          <a:bodyPr wrap="square" rtlCol="0" anchor="ctr">
+            <a:noAutofit/>
+          </a:bodyPr>
+          <a:lstStyle/>
+          <a:p>
+            <a:pPr algn="ctr"/>
+            <a:endParaRPr lang="zh-CN" altLang="en-US"/>
+          </a:p>
+        </p:txBody>
+      </p:sp>
+      <p:sp>
+        <p:nvSpPr>
+          <p:cNvPr id="329" name="任意多边形: 形状 328">
+            <a:extLst>
+              <a:ext uri="{FF2B5EF4-FFF2-40B4-BE49-F238E27FC236}">
+                <a16:creationId xmlns:a16="http://schemas.microsoft.com/office/drawing/2014/main" id="{2234223B-0872-4FBD-99AE-DF74E601462C}"/>
+              </a:ext>
+            </a:extLst>
+          </p:cNvPr>
+          <p:cNvSpPr/>
+          <p:nvPr/>
+        </p:nvSpPr>
+        <p:spPr>
+          <a:xfrm>
+            <a:off x="1983953" y="2699740"/>
+            <a:ext cx="368107" cy="359849"/>
+          </a:xfrm>
+          <a:custGeom>
+            <a:avLst/>
+            <a:gdLst>
+              <a:gd name="connsiteX0" fmla="*/ 0 w 368107"/>
+              <a:gd name="connsiteY0" fmla="*/ 0 h 359849"/>
+              <a:gd name="connsiteX1" fmla="*/ 368107 w 368107"/>
+              <a:gd name="connsiteY1" fmla="*/ 0 h 359849"/>
+              <a:gd name="connsiteX2" fmla="*/ 368107 w 368107"/>
+              <a:gd name="connsiteY2" fmla="*/ 359849 h 359849"/>
+              <a:gd name="connsiteX3" fmla="*/ 0 w 368107"/>
+              <a:gd name="connsiteY3" fmla="*/ 359849 h 359849"/>
+            </a:gdLst>
+            <a:ahLst/>
+            <a:cxnLst>
+              <a:cxn ang="0">
+                <a:pos x="connsiteX0" y="connsiteY0"/>
+              </a:cxn>
+              <a:cxn ang="0">
+                <a:pos x="connsiteX1" y="connsiteY1"/>
+              </a:cxn>
+              <a:cxn ang="0">
+                <a:pos x="connsiteX2" y="connsiteY2"/>
+              </a:cxn>
+              <a:cxn ang="0">
+                <a:pos x="connsiteX3" y="connsiteY3"/>
+              </a:cxn>
+            </a:cxnLst>
+            <a:rect l="l" t="t" r="r" b="b"/>
+            <a:pathLst>
+              <a:path w="368107" h="359849">
+                <a:moveTo>
+                  <a:pt x="0" y="0"/>
+                </a:moveTo>
+                <a:lnTo>
+                  <a:pt x="368107" y="0"/>
+                </a:lnTo>
+                <a:lnTo>
+                  <a:pt x="368107" y="359849"/>
+                </a:lnTo>
+                <a:lnTo>
+                  <a:pt x="0" y="359849"/>
+                </a:lnTo>
+                <a:close/>
+              </a:path>
+            </a:pathLst>
+          </a:custGeom>
+          <a:solidFill>
+            <a:schemeClr val="bg1">
+              <a:lumMod val="85000"/>
+            </a:schemeClr>
+          </a:solidFill>
+        </p:spPr>
+        <p:style>
+          <a:lnRef idx="3">
+            <a:schemeClr val="lt1"/>
+          </a:lnRef>
+          <a:fillRef idx="1">
+            <a:schemeClr val="accent2"/>
+          </a:fillRef>
+          <a:effectRef idx="1">
+            <a:schemeClr val="accent2"/>
+          </a:effectRef>
+          <a:fontRef idx="minor">
+            <a:schemeClr val="lt1"/>
+          </a:fontRef>
+        </p:style>
+        <p:txBody>
+          <a:bodyPr wrap="square" rtlCol="0" anchor="ctr">
+            <a:noAutofit/>
+          </a:bodyPr>
+          <a:lstStyle/>
+          <a:p>
+            <a:pPr algn="ctr"/>
+            <a:endParaRPr lang="zh-CN" altLang="en-US"/>
+          </a:p>
+        </p:txBody>
+      </p:sp>
+      <p:sp>
+        <p:nvSpPr>
+          <p:cNvPr id="332" name="任意多边形: 形状 331">
+            <a:extLst>
+              <a:ext uri="{FF2B5EF4-FFF2-40B4-BE49-F238E27FC236}">
+                <a16:creationId xmlns:a16="http://schemas.microsoft.com/office/drawing/2014/main" id="{E690A5FF-F461-4171-A608-44AA48A7BFD2}"/>
+              </a:ext>
+            </a:extLst>
+          </p:cNvPr>
+          <p:cNvSpPr/>
+          <p:nvPr/>
+        </p:nvSpPr>
+        <p:spPr>
+          <a:xfrm>
+            <a:off x="2352060" y="2699740"/>
+            <a:ext cx="368107" cy="359849"/>
+          </a:xfrm>
+          <a:custGeom>
+            <a:avLst/>
+            <a:gdLst>
+              <a:gd name="connsiteX0" fmla="*/ 0 w 368107"/>
+              <a:gd name="connsiteY0" fmla="*/ 0 h 359849"/>
+              <a:gd name="connsiteX1" fmla="*/ 368107 w 368107"/>
+              <a:gd name="connsiteY1" fmla="*/ 0 h 359849"/>
+              <a:gd name="connsiteX2" fmla="*/ 368107 w 368107"/>
+              <a:gd name="connsiteY2" fmla="*/ 359849 h 359849"/>
+              <a:gd name="connsiteX3" fmla="*/ 0 w 368107"/>
+              <a:gd name="connsiteY3" fmla="*/ 359849 h 359849"/>
+            </a:gdLst>
+            <a:ahLst/>
+            <a:cxnLst>
+              <a:cxn ang="0">
+                <a:pos x="connsiteX0" y="connsiteY0"/>
+              </a:cxn>
+              <a:cxn ang="0">
+                <a:pos x="connsiteX1" y="connsiteY1"/>
+              </a:cxn>
+              <a:cxn ang="0">
+                <a:pos x="connsiteX2" y="connsiteY2"/>
+              </a:cxn>
+              <a:cxn ang="0">
+                <a:pos x="connsiteX3" y="connsiteY3"/>
+              </a:cxn>
+            </a:cxnLst>
+            <a:rect l="l" t="t" r="r" b="b"/>
+            <a:pathLst>
+              <a:path w="368107" h="359849">
+                <a:moveTo>
+                  <a:pt x="0" y="0"/>
+                </a:moveTo>
+                <a:lnTo>
+                  <a:pt x="368107" y="0"/>
+                </a:lnTo>
+                <a:lnTo>
+                  <a:pt x="368107" y="359849"/>
+                </a:lnTo>
+                <a:lnTo>
+                  <a:pt x="0" y="359849"/>
+                </a:lnTo>
+                <a:close/>
+              </a:path>
+            </a:pathLst>
+          </a:custGeom>
+          <a:solidFill>
+            <a:schemeClr val="bg1">
+              <a:lumMod val="85000"/>
+            </a:schemeClr>
+          </a:solidFill>
+        </p:spPr>
+        <p:style>
+          <a:lnRef idx="3">
+            <a:schemeClr val="lt1"/>
+          </a:lnRef>
+          <a:fillRef idx="1">
+            <a:schemeClr val="accent2"/>
+          </a:fillRef>
+          <a:effectRef idx="1">
+            <a:schemeClr val="accent2"/>
+          </a:effectRef>
+          <a:fontRef idx="minor">
+            <a:schemeClr val="lt1"/>
+          </a:fontRef>
+        </p:style>
+        <p:txBody>
+          <a:bodyPr wrap="square" rtlCol="0" anchor="ctr">
+            <a:noAutofit/>
+          </a:bodyPr>
+          <a:lstStyle/>
+          <a:p>
+            <a:pPr algn="ctr"/>
+            <a:endParaRPr lang="zh-CN" altLang="en-US"/>
+          </a:p>
+        </p:txBody>
+      </p:sp>
+      <p:sp>
+        <p:nvSpPr>
+          <p:cNvPr id="335" name="任意多边形: 形状 334">
+            <a:extLst>
+              <a:ext uri="{FF2B5EF4-FFF2-40B4-BE49-F238E27FC236}">
+                <a16:creationId xmlns:a16="http://schemas.microsoft.com/office/drawing/2014/main" id="{28A18704-997F-4A54-923D-ACC8C945B8AE}"/>
+              </a:ext>
+            </a:extLst>
+          </p:cNvPr>
+          <p:cNvSpPr/>
+          <p:nvPr/>
+        </p:nvSpPr>
+        <p:spPr>
+          <a:xfrm>
+            <a:off x="2720166" y="2699740"/>
+            <a:ext cx="368106" cy="359849"/>
+          </a:xfrm>
+          <a:custGeom>
+            <a:avLst/>
+            <a:gdLst>
+              <a:gd name="connsiteX0" fmla="*/ 0 w 368106"/>
+              <a:gd name="connsiteY0" fmla="*/ 0 h 359849"/>
+              <a:gd name="connsiteX1" fmla="*/ 368106 w 368106"/>
+              <a:gd name="connsiteY1" fmla="*/ 0 h 359849"/>
+              <a:gd name="connsiteX2" fmla="*/ 368106 w 368106"/>
+              <a:gd name="connsiteY2" fmla="*/ 359849 h 359849"/>
+              <a:gd name="connsiteX3" fmla="*/ 0 w 368106"/>
+              <a:gd name="connsiteY3" fmla="*/ 359849 h 359849"/>
+            </a:gdLst>
+            <a:ahLst/>
+            <a:cxnLst>
+              <a:cxn ang="0">
+                <a:pos x="connsiteX0" y="connsiteY0"/>
+              </a:cxn>
+              <a:cxn ang="0">
+                <a:pos x="connsiteX1" y="connsiteY1"/>
+              </a:cxn>
+              <a:cxn ang="0">
+                <a:pos x="connsiteX2" y="connsiteY2"/>
+              </a:cxn>
+              <a:cxn ang="0">
+                <a:pos x="connsiteX3" y="connsiteY3"/>
+              </a:cxn>
+            </a:cxnLst>
+            <a:rect l="l" t="t" r="r" b="b"/>
+            <a:pathLst>
+              <a:path w="368106" h="359849">
+                <a:moveTo>
+                  <a:pt x="0" y="0"/>
+                </a:moveTo>
+                <a:lnTo>
+                  <a:pt x="368106" y="0"/>
+                </a:lnTo>
+                <a:lnTo>
+                  <a:pt x="368106" y="359849"/>
+                </a:lnTo>
+                <a:lnTo>
+                  <a:pt x="0" y="359849"/>
+                </a:lnTo>
+                <a:close/>
+              </a:path>
+            </a:pathLst>
+          </a:custGeom>
+          <a:solidFill>
+            <a:schemeClr val="bg1">
+              <a:lumMod val="85000"/>
+            </a:schemeClr>
+          </a:solidFill>
+        </p:spPr>
+        <p:style>
+          <a:lnRef idx="3">
+            <a:schemeClr val="lt1"/>
+          </a:lnRef>
+          <a:fillRef idx="1">
+            <a:schemeClr val="accent2"/>
+          </a:fillRef>
+          <a:effectRef idx="1">
+            <a:schemeClr val="accent2"/>
+          </a:effectRef>
+          <a:fontRef idx="minor">
+            <a:schemeClr val="lt1"/>
+          </a:fontRef>
+        </p:style>
+        <p:txBody>
+          <a:bodyPr wrap="square" rtlCol="0" anchor="ctr">
+            <a:noAutofit/>
+          </a:bodyPr>
+          <a:lstStyle/>
+          <a:p>
+            <a:pPr algn="ctr"/>
+            <a:endParaRPr lang="zh-CN" altLang="en-US"/>
+          </a:p>
+        </p:txBody>
+      </p:sp>
+      <p:sp>
+        <p:nvSpPr>
+          <p:cNvPr id="338" name="任意多边形: 形状 337">
+            <a:extLst>
+              <a:ext uri="{FF2B5EF4-FFF2-40B4-BE49-F238E27FC236}">
+                <a16:creationId xmlns:a16="http://schemas.microsoft.com/office/drawing/2014/main" id="{A08F25F8-A23B-4271-BBC9-E02E9D1F847B}"/>
+              </a:ext>
+            </a:extLst>
+          </p:cNvPr>
+          <p:cNvSpPr/>
+          <p:nvPr/>
+        </p:nvSpPr>
+        <p:spPr>
+          <a:xfrm>
+            <a:off x="3088273" y="2699740"/>
+            <a:ext cx="368106" cy="359849"/>
+          </a:xfrm>
+          <a:custGeom>
+            <a:avLst/>
+            <a:gdLst>
+              <a:gd name="connsiteX0" fmla="*/ 0 w 368106"/>
+              <a:gd name="connsiteY0" fmla="*/ 0 h 359849"/>
+              <a:gd name="connsiteX1" fmla="*/ 368106 w 368106"/>
+              <a:gd name="connsiteY1" fmla="*/ 0 h 359849"/>
+              <a:gd name="connsiteX2" fmla="*/ 368106 w 368106"/>
+              <a:gd name="connsiteY2" fmla="*/ 359849 h 359849"/>
+              <a:gd name="connsiteX3" fmla="*/ 0 w 368106"/>
+              <a:gd name="connsiteY3" fmla="*/ 359849 h 359849"/>
+            </a:gdLst>
+            <a:ahLst/>
+            <a:cxnLst>
+              <a:cxn ang="0">
+                <a:pos x="connsiteX0" y="connsiteY0"/>
+              </a:cxn>
+              <a:cxn ang="0">
+                <a:pos x="connsiteX1" y="connsiteY1"/>
+              </a:cxn>
+              <a:cxn ang="0">
+                <a:pos x="connsiteX2" y="connsiteY2"/>
+              </a:cxn>
+              <a:cxn ang="0">
+                <a:pos x="connsiteX3" y="connsiteY3"/>
+              </a:cxn>
+            </a:cxnLst>
+            <a:rect l="l" t="t" r="r" b="b"/>
+            <a:pathLst>
+              <a:path w="368106" h="359849">
+                <a:moveTo>
+                  <a:pt x="0" y="0"/>
+                </a:moveTo>
+                <a:lnTo>
+                  <a:pt x="368106" y="0"/>
+                </a:lnTo>
+                <a:lnTo>
+                  <a:pt x="368106" y="359849"/>
+                </a:lnTo>
+                <a:lnTo>
+                  <a:pt x="0" y="359849"/>
+                </a:lnTo>
+                <a:close/>
+              </a:path>
+            </a:pathLst>
+          </a:custGeom>
+          <a:solidFill>
+            <a:schemeClr val="bg1">
+              <a:lumMod val="85000"/>
+            </a:schemeClr>
+          </a:solidFill>
+        </p:spPr>
+        <p:style>
+          <a:lnRef idx="3">
+            <a:schemeClr val="lt1"/>
+          </a:lnRef>
+          <a:fillRef idx="1">
+            <a:schemeClr val="accent2"/>
+          </a:fillRef>
+          <a:effectRef idx="1">
+            <a:schemeClr val="accent2"/>
+          </a:effectRef>
+          <a:fontRef idx="minor">
+            <a:schemeClr val="lt1"/>
+          </a:fontRef>
+        </p:style>
+        <p:txBody>
+          <a:bodyPr wrap="square" rtlCol="0" anchor="ctr">
+            <a:noAutofit/>
+          </a:bodyPr>
+          <a:lstStyle/>
+          <a:p>
+            <a:pPr algn="ctr"/>
+            <a:endParaRPr lang="zh-CN" altLang="en-US"/>
+          </a:p>
+        </p:txBody>
+      </p:sp>
+      <p:sp>
+        <p:nvSpPr>
+          <p:cNvPr id="341" name="任意多边形: 形状 340">
+            <a:extLst>
+              <a:ext uri="{FF2B5EF4-FFF2-40B4-BE49-F238E27FC236}">
+                <a16:creationId xmlns:a16="http://schemas.microsoft.com/office/drawing/2014/main" id="{4D6E7B2D-32AD-4507-B3DA-C6C995CA4173}"/>
+              </a:ext>
+            </a:extLst>
+          </p:cNvPr>
+          <p:cNvSpPr/>
+          <p:nvPr/>
+        </p:nvSpPr>
+        <p:spPr>
+          <a:xfrm>
+            <a:off x="3456380" y="2699740"/>
+            <a:ext cx="368107" cy="359849"/>
+          </a:xfrm>
+          <a:custGeom>
+            <a:avLst/>
+            <a:gdLst>
+              <a:gd name="connsiteX0" fmla="*/ 0 w 368107"/>
+              <a:gd name="connsiteY0" fmla="*/ 0 h 359849"/>
+              <a:gd name="connsiteX1" fmla="*/ 368107 w 368107"/>
+              <a:gd name="connsiteY1" fmla="*/ 0 h 359849"/>
+              <a:gd name="connsiteX2" fmla="*/ 368107 w 368107"/>
+              <a:gd name="connsiteY2" fmla="*/ 359849 h 359849"/>
+              <a:gd name="connsiteX3" fmla="*/ 0 w 368107"/>
+              <a:gd name="connsiteY3" fmla="*/ 359849 h 359849"/>
+            </a:gdLst>
+            <a:ahLst/>
+            <a:cxnLst>
+              <a:cxn ang="0">
+                <a:pos x="connsiteX0" y="connsiteY0"/>
+              </a:cxn>
+              <a:cxn ang="0">
+                <a:pos x="connsiteX1" y="connsiteY1"/>
+              </a:cxn>
+              <a:cxn ang="0">
+                <a:pos x="connsiteX2" y="connsiteY2"/>
+              </a:cxn>
+              <a:cxn ang="0">
+                <a:pos x="connsiteX3" y="connsiteY3"/>
+              </a:cxn>
+            </a:cxnLst>
+            <a:rect l="l" t="t" r="r" b="b"/>
+            <a:pathLst>
+              <a:path w="368107" h="359849">
+                <a:moveTo>
+                  <a:pt x="0" y="0"/>
+                </a:moveTo>
+                <a:lnTo>
+                  <a:pt x="368107" y="0"/>
+                </a:lnTo>
+                <a:lnTo>
+                  <a:pt x="368107" y="359849"/>
+                </a:lnTo>
+                <a:lnTo>
+                  <a:pt x="0" y="359849"/>
+                </a:lnTo>
+                <a:close/>
+              </a:path>
+            </a:pathLst>
+          </a:custGeom>
+          <a:solidFill>
+            <a:schemeClr val="bg1">
+              <a:lumMod val="85000"/>
+            </a:schemeClr>
+          </a:solidFill>
+        </p:spPr>
+        <p:style>
+          <a:lnRef idx="3">
+            <a:schemeClr val="lt1"/>
+          </a:lnRef>
+          <a:fillRef idx="1">
+            <a:schemeClr val="accent2"/>
+          </a:fillRef>
+          <a:effectRef idx="1">
+            <a:schemeClr val="accent2"/>
+          </a:effectRef>
+          <a:fontRef idx="minor">
+            <a:schemeClr val="lt1"/>
+          </a:fontRef>
+        </p:style>
+        <p:txBody>
+          <a:bodyPr wrap="square" rtlCol="0" anchor="ctr">
+            <a:noAutofit/>
+          </a:bodyPr>
+          <a:lstStyle/>
+          <a:p>
+            <a:pPr algn="ctr"/>
+            <a:endParaRPr lang="zh-CN" altLang="en-US"/>
+          </a:p>
+        </p:txBody>
+      </p:sp>
+      <p:sp>
+        <p:nvSpPr>
+          <p:cNvPr id="344" name="任意多边形: 形状 343">
+            <a:extLst>
+              <a:ext uri="{FF2B5EF4-FFF2-40B4-BE49-F238E27FC236}">
+                <a16:creationId xmlns:a16="http://schemas.microsoft.com/office/drawing/2014/main" id="{133A1528-7714-4625-AC30-EEE4615E957D}"/>
+              </a:ext>
+            </a:extLst>
+          </p:cNvPr>
+          <p:cNvSpPr/>
+          <p:nvPr/>
+        </p:nvSpPr>
+        <p:spPr>
+          <a:xfrm>
+            <a:off x="879633" y="3059589"/>
+            <a:ext cx="368107" cy="359850"/>
+          </a:xfrm>
+          <a:custGeom>
+            <a:avLst/>
+            <a:gdLst>
+              <a:gd name="connsiteX0" fmla="*/ 0 w 368107"/>
+              <a:gd name="connsiteY0" fmla="*/ 0 h 359850"/>
+              <a:gd name="connsiteX1" fmla="*/ 368107 w 368107"/>
+              <a:gd name="connsiteY1" fmla="*/ 0 h 359850"/>
+              <a:gd name="connsiteX2" fmla="*/ 368107 w 368107"/>
+              <a:gd name="connsiteY2" fmla="*/ 359850 h 359850"/>
+              <a:gd name="connsiteX3" fmla="*/ 0 w 368107"/>
+              <a:gd name="connsiteY3" fmla="*/ 359850 h 359850"/>
+            </a:gdLst>
+            <a:ahLst/>
+            <a:cxnLst>
+              <a:cxn ang="0">
+                <a:pos x="connsiteX0" y="connsiteY0"/>
+              </a:cxn>
+              <a:cxn ang="0">
+                <a:pos x="connsiteX1" y="connsiteY1"/>
+              </a:cxn>
+              <a:cxn ang="0">
+                <a:pos x="connsiteX2" y="connsiteY2"/>
+              </a:cxn>
+              <a:cxn ang="0">
+                <a:pos x="connsiteX3" y="connsiteY3"/>
+              </a:cxn>
+            </a:cxnLst>
+            <a:rect l="l" t="t" r="r" b="b"/>
+            <a:pathLst>
+              <a:path w="368107" h="359850">
+                <a:moveTo>
+                  <a:pt x="0" y="0"/>
+                </a:moveTo>
+                <a:lnTo>
+                  <a:pt x="368107" y="0"/>
+                </a:lnTo>
+                <a:lnTo>
+                  <a:pt x="368107" y="359850"/>
+                </a:lnTo>
+                <a:lnTo>
+                  <a:pt x="0" y="359850"/>
+                </a:lnTo>
+                <a:close/>
+              </a:path>
+            </a:pathLst>
+          </a:custGeom>
+          <a:solidFill>
+            <a:schemeClr val="bg1">
+              <a:lumMod val="85000"/>
+            </a:schemeClr>
+          </a:solidFill>
+        </p:spPr>
+        <p:style>
+          <a:lnRef idx="3">
+            <a:schemeClr val="lt1"/>
+          </a:lnRef>
+          <a:fillRef idx="1">
+            <a:schemeClr val="accent2"/>
+          </a:fillRef>
+          <a:effectRef idx="1">
+            <a:schemeClr val="accent2"/>
+          </a:effectRef>
+          <a:fontRef idx="minor">
+            <a:schemeClr val="lt1"/>
+          </a:fontRef>
+        </p:style>
+        <p:txBody>
+          <a:bodyPr wrap="square" rtlCol="0" anchor="ctr">
+            <a:noAutofit/>
+          </a:bodyPr>
+          <a:lstStyle/>
+          <a:p>
+            <a:pPr algn="ctr"/>
+            <a:endParaRPr lang="zh-CN" altLang="en-US"/>
+          </a:p>
+        </p:txBody>
+      </p:sp>
+      <p:sp>
+        <p:nvSpPr>
+          <p:cNvPr id="347" name="任意多边形: 形状 346">
+            <a:extLst>
+              <a:ext uri="{FF2B5EF4-FFF2-40B4-BE49-F238E27FC236}">
+                <a16:creationId xmlns:a16="http://schemas.microsoft.com/office/drawing/2014/main" id="{6462F845-09A7-4927-8A5E-7DF12F289F71}"/>
+              </a:ext>
+            </a:extLst>
+          </p:cNvPr>
+          <p:cNvSpPr/>
+          <p:nvPr/>
+        </p:nvSpPr>
+        <p:spPr>
+          <a:xfrm>
+            <a:off x="1247740" y="3059589"/>
+            <a:ext cx="368107" cy="359850"/>
+          </a:xfrm>
+          <a:custGeom>
+            <a:avLst/>
+            <a:gdLst>
+              <a:gd name="connsiteX0" fmla="*/ 0 w 368107"/>
+              <a:gd name="connsiteY0" fmla="*/ 0 h 359850"/>
+              <a:gd name="connsiteX1" fmla="*/ 368107 w 368107"/>
+              <a:gd name="connsiteY1" fmla="*/ 0 h 359850"/>
+              <a:gd name="connsiteX2" fmla="*/ 368107 w 368107"/>
+              <a:gd name="connsiteY2" fmla="*/ 359850 h 359850"/>
+              <a:gd name="connsiteX3" fmla="*/ 0 w 368107"/>
+              <a:gd name="connsiteY3" fmla="*/ 359850 h 359850"/>
+            </a:gdLst>
+            <a:ahLst/>
+            <a:cxnLst>
+              <a:cxn ang="0">
+                <a:pos x="connsiteX0" y="connsiteY0"/>
+              </a:cxn>
+              <a:cxn ang="0">
+                <a:pos x="connsiteX1" y="connsiteY1"/>
+              </a:cxn>
+              <a:cxn ang="0">
+                <a:pos x="connsiteX2" y="connsiteY2"/>
+              </a:cxn>
+              <a:cxn ang="0">
+                <a:pos x="connsiteX3" y="connsiteY3"/>
+              </a:cxn>
+            </a:cxnLst>
+            <a:rect l="l" t="t" r="r" b="b"/>
+            <a:pathLst>
+              <a:path w="368107" h="359850">
+                <a:moveTo>
+                  <a:pt x="0" y="0"/>
+                </a:moveTo>
+                <a:lnTo>
+                  <a:pt x="368107" y="0"/>
+                </a:lnTo>
+                <a:lnTo>
+                  <a:pt x="368107" y="359850"/>
+                </a:lnTo>
+                <a:lnTo>
+                  <a:pt x="0" y="359850"/>
+                </a:lnTo>
+                <a:close/>
+              </a:path>
+            </a:pathLst>
+          </a:custGeom>
+          <a:solidFill>
+            <a:schemeClr val="bg1">
+              <a:lumMod val="85000"/>
+            </a:schemeClr>
+          </a:solidFill>
+        </p:spPr>
+        <p:style>
+          <a:lnRef idx="3">
+            <a:schemeClr val="lt1"/>
+          </a:lnRef>
+          <a:fillRef idx="1">
+            <a:schemeClr val="accent2"/>
+          </a:fillRef>
+          <a:effectRef idx="1">
+            <a:schemeClr val="accent2"/>
+          </a:effectRef>
+          <a:fontRef idx="minor">
+            <a:schemeClr val="lt1"/>
+          </a:fontRef>
+        </p:style>
+        <p:txBody>
+          <a:bodyPr wrap="square" rtlCol="0" anchor="ctr">
+            <a:noAutofit/>
+          </a:bodyPr>
+          <a:lstStyle/>
+          <a:p>
+            <a:pPr algn="ctr"/>
+            <a:endParaRPr lang="zh-CN" altLang="en-US"/>
+          </a:p>
+        </p:txBody>
+      </p:sp>
+      <p:sp>
+        <p:nvSpPr>
+          <p:cNvPr id="350" name="任意多边形: 形状 349">
+            <a:extLst>
+              <a:ext uri="{FF2B5EF4-FFF2-40B4-BE49-F238E27FC236}">
+                <a16:creationId xmlns:a16="http://schemas.microsoft.com/office/drawing/2014/main" id="{F8DC3DC1-2423-494F-833B-C564B3F46071}"/>
+              </a:ext>
+            </a:extLst>
+          </p:cNvPr>
+          <p:cNvSpPr/>
+          <p:nvPr/>
+        </p:nvSpPr>
+        <p:spPr>
+          <a:xfrm>
+            <a:off x="1615846" y="3059589"/>
+            <a:ext cx="368107" cy="359850"/>
+          </a:xfrm>
+          <a:custGeom>
+            <a:avLst/>
+            <a:gdLst>
+              <a:gd name="connsiteX0" fmla="*/ 0 w 368107"/>
+              <a:gd name="connsiteY0" fmla="*/ 0 h 359850"/>
+              <a:gd name="connsiteX1" fmla="*/ 368107 w 368107"/>
+              <a:gd name="connsiteY1" fmla="*/ 0 h 359850"/>
+              <a:gd name="connsiteX2" fmla="*/ 368107 w 368107"/>
+              <a:gd name="connsiteY2" fmla="*/ 359850 h 359850"/>
+              <a:gd name="connsiteX3" fmla="*/ 0 w 368107"/>
+              <a:gd name="connsiteY3" fmla="*/ 359850 h 359850"/>
+            </a:gdLst>
+            <a:ahLst/>
+            <a:cxnLst>
+              <a:cxn ang="0">
+                <a:pos x="connsiteX0" y="connsiteY0"/>
+              </a:cxn>
+              <a:cxn ang="0">
+                <a:pos x="connsiteX1" y="connsiteY1"/>
+              </a:cxn>
+              <a:cxn ang="0">
+                <a:pos x="connsiteX2" y="connsiteY2"/>
+              </a:cxn>
+              <a:cxn ang="0">
+                <a:pos x="connsiteX3" y="connsiteY3"/>
+              </a:cxn>
+            </a:cxnLst>
+            <a:rect l="l" t="t" r="r" b="b"/>
+            <a:pathLst>
+              <a:path w="368107" h="359850">
+                <a:moveTo>
+                  <a:pt x="0" y="0"/>
+                </a:moveTo>
+                <a:lnTo>
+                  <a:pt x="368107" y="0"/>
+                </a:lnTo>
+                <a:lnTo>
+                  <a:pt x="368107" y="359850"/>
+                </a:lnTo>
+                <a:lnTo>
+                  <a:pt x="0" y="359850"/>
+                </a:lnTo>
+                <a:close/>
+              </a:path>
+            </a:pathLst>
+          </a:custGeom>
+          <a:solidFill>
+            <a:schemeClr val="bg1">
+              <a:lumMod val="85000"/>
+            </a:schemeClr>
+          </a:solidFill>
+        </p:spPr>
+        <p:style>
+          <a:lnRef idx="3">
+            <a:schemeClr val="lt1"/>
+          </a:lnRef>
+          <a:fillRef idx="1">
+            <a:schemeClr val="accent2"/>
+          </a:fillRef>
+          <a:effectRef idx="1">
+            <a:schemeClr val="accent2"/>
+          </a:effectRef>
+          <a:fontRef idx="minor">
+            <a:schemeClr val="lt1"/>
+          </a:fontRef>
+        </p:style>
+        <p:txBody>
+          <a:bodyPr wrap="square" rtlCol="0" anchor="ctr">
+            <a:noAutofit/>
+          </a:bodyPr>
+          <a:lstStyle/>
+          <a:p>
+            <a:pPr algn="ctr"/>
+            <a:endParaRPr lang="zh-CN" altLang="en-US"/>
+          </a:p>
+        </p:txBody>
+      </p:sp>
+      <p:sp>
+        <p:nvSpPr>
+          <p:cNvPr id="353" name="任意多边形: 形状 352">
+            <a:extLst>
+              <a:ext uri="{FF2B5EF4-FFF2-40B4-BE49-F238E27FC236}">
+                <a16:creationId xmlns:a16="http://schemas.microsoft.com/office/drawing/2014/main" id="{AD7072A4-9515-4FE9-9EBD-7D7057DB22CB}"/>
+              </a:ext>
+            </a:extLst>
+          </p:cNvPr>
+          <p:cNvSpPr/>
+          <p:nvPr/>
+        </p:nvSpPr>
+        <p:spPr>
+          <a:xfrm>
+            <a:off x="1983953" y="3059589"/>
+            <a:ext cx="368107" cy="359850"/>
+          </a:xfrm>
+          <a:custGeom>
+            <a:avLst/>
+            <a:gdLst>
+              <a:gd name="connsiteX0" fmla="*/ 0 w 368107"/>
+              <a:gd name="connsiteY0" fmla="*/ 0 h 359850"/>
+              <a:gd name="connsiteX1" fmla="*/ 368107 w 368107"/>
+              <a:gd name="connsiteY1" fmla="*/ 0 h 359850"/>
+              <a:gd name="connsiteX2" fmla="*/ 368107 w 368107"/>
+              <a:gd name="connsiteY2" fmla="*/ 359850 h 359850"/>
+              <a:gd name="connsiteX3" fmla="*/ 0 w 368107"/>
+              <a:gd name="connsiteY3" fmla="*/ 359850 h 359850"/>
+            </a:gdLst>
+            <a:ahLst/>
+            <a:cxnLst>
+              <a:cxn ang="0">
+                <a:pos x="connsiteX0" y="connsiteY0"/>
+              </a:cxn>
+              <a:cxn ang="0">
+                <a:pos x="connsiteX1" y="connsiteY1"/>
+              </a:cxn>
+              <a:cxn ang="0">
+                <a:pos x="connsiteX2" y="connsiteY2"/>
+              </a:cxn>
+              <a:cxn ang="0">
+                <a:pos x="connsiteX3" y="connsiteY3"/>
+              </a:cxn>
+            </a:cxnLst>
+            <a:rect l="l" t="t" r="r" b="b"/>
+            <a:pathLst>
+              <a:path w="368107" h="359850">
+                <a:moveTo>
+                  <a:pt x="0" y="0"/>
+                </a:moveTo>
+                <a:lnTo>
+                  <a:pt x="368107" y="0"/>
+                </a:lnTo>
+                <a:lnTo>
+                  <a:pt x="368107" y="359850"/>
+                </a:lnTo>
+                <a:lnTo>
+                  <a:pt x="0" y="359850"/>
+                </a:lnTo>
+                <a:close/>
+              </a:path>
+            </a:pathLst>
+          </a:custGeom>
+          <a:solidFill>
+            <a:schemeClr val="bg1">
+              <a:lumMod val="85000"/>
+            </a:schemeClr>
+          </a:solidFill>
+        </p:spPr>
+        <p:style>
+          <a:lnRef idx="3">
+            <a:schemeClr val="lt1"/>
+          </a:lnRef>
+          <a:fillRef idx="1">
+            <a:schemeClr val="accent2"/>
+          </a:fillRef>
+          <a:effectRef idx="1">
+            <a:schemeClr val="accent2"/>
+          </a:effectRef>
+          <a:fontRef idx="minor">
+            <a:schemeClr val="lt1"/>
+          </a:fontRef>
+        </p:style>
+        <p:txBody>
+          <a:bodyPr wrap="square" rtlCol="0" anchor="ctr">
+            <a:noAutofit/>
+          </a:bodyPr>
+          <a:lstStyle/>
+          <a:p>
+            <a:pPr algn="ctr"/>
+            <a:endParaRPr lang="zh-CN" altLang="en-US"/>
+          </a:p>
+        </p:txBody>
+      </p:sp>
+      <p:sp>
+        <p:nvSpPr>
+          <p:cNvPr id="356" name="任意多边形: 形状 355">
+            <a:extLst>
+              <a:ext uri="{FF2B5EF4-FFF2-40B4-BE49-F238E27FC236}">
+                <a16:creationId xmlns:a16="http://schemas.microsoft.com/office/drawing/2014/main" id="{EE871D77-37F4-484D-9832-C1387C1D94D0}"/>
+              </a:ext>
+            </a:extLst>
+          </p:cNvPr>
+          <p:cNvSpPr/>
+          <p:nvPr/>
+        </p:nvSpPr>
+        <p:spPr>
+          <a:xfrm>
+            <a:off x="2352060" y="3059589"/>
+            <a:ext cx="368107" cy="359850"/>
+          </a:xfrm>
+          <a:custGeom>
+            <a:avLst/>
+            <a:gdLst>
+              <a:gd name="connsiteX0" fmla="*/ 0 w 368107"/>
+              <a:gd name="connsiteY0" fmla="*/ 0 h 359850"/>
+              <a:gd name="connsiteX1" fmla="*/ 368107 w 368107"/>
+              <a:gd name="connsiteY1" fmla="*/ 0 h 359850"/>
+              <a:gd name="connsiteX2" fmla="*/ 368107 w 368107"/>
+              <a:gd name="connsiteY2" fmla="*/ 359850 h 359850"/>
+              <a:gd name="connsiteX3" fmla="*/ 0 w 368107"/>
+              <a:gd name="connsiteY3" fmla="*/ 359850 h 359850"/>
+            </a:gdLst>
+            <a:ahLst/>
+            <a:cxnLst>
+              <a:cxn ang="0">
+                <a:pos x="connsiteX0" y="connsiteY0"/>
+              </a:cxn>
+              <a:cxn ang="0">
+                <a:pos x="connsiteX1" y="connsiteY1"/>
+              </a:cxn>
+              <a:cxn ang="0">
+                <a:pos x="connsiteX2" y="connsiteY2"/>
+              </a:cxn>
+              <a:cxn ang="0">
+                <a:pos x="connsiteX3" y="connsiteY3"/>
+              </a:cxn>
+            </a:cxnLst>
+            <a:rect l="l" t="t" r="r" b="b"/>
+            <a:pathLst>
+              <a:path w="368107" h="359850">
+                <a:moveTo>
+                  <a:pt x="0" y="0"/>
+                </a:moveTo>
+                <a:lnTo>
+                  <a:pt x="368107" y="0"/>
+                </a:lnTo>
+                <a:lnTo>
+                  <a:pt x="368107" y="359850"/>
+                </a:lnTo>
+                <a:lnTo>
+                  <a:pt x="0" y="359850"/>
+                </a:lnTo>
+                <a:close/>
+              </a:path>
+            </a:pathLst>
+          </a:custGeom>
+          <a:solidFill>
+            <a:schemeClr val="bg1">
+              <a:lumMod val="85000"/>
+            </a:schemeClr>
+          </a:solidFill>
+        </p:spPr>
+        <p:style>
+          <a:lnRef idx="3">
+            <a:schemeClr val="lt1"/>
+          </a:lnRef>
+          <a:fillRef idx="1">
+            <a:schemeClr val="accent2"/>
+          </a:fillRef>
+          <a:effectRef idx="1">
+            <a:schemeClr val="accent2"/>
+          </a:effectRef>
+          <a:fontRef idx="minor">
+            <a:schemeClr val="lt1"/>
+          </a:fontRef>
+        </p:style>
+        <p:txBody>
+          <a:bodyPr wrap="square" rtlCol="0" anchor="ctr">
+            <a:noAutofit/>
+          </a:bodyPr>
+          <a:lstStyle/>
+          <a:p>
+            <a:pPr algn="ctr"/>
+            <a:endParaRPr lang="zh-CN" altLang="en-US"/>
+          </a:p>
+        </p:txBody>
+      </p:sp>
+      <p:sp>
+        <p:nvSpPr>
+          <p:cNvPr id="359" name="任意多边形: 形状 358">
+            <a:extLst>
+              <a:ext uri="{FF2B5EF4-FFF2-40B4-BE49-F238E27FC236}">
+                <a16:creationId xmlns:a16="http://schemas.microsoft.com/office/drawing/2014/main" id="{6D26F019-2C11-473E-B5C4-2334C1EB7E1A}"/>
+              </a:ext>
+            </a:extLst>
+          </p:cNvPr>
+          <p:cNvSpPr/>
+          <p:nvPr/>
+        </p:nvSpPr>
+        <p:spPr>
+          <a:xfrm>
+            <a:off x="2720166" y="3059589"/>
+            <a:ext cx="368106" cy="359850"/>
+          </a:xfrm>
+          <a:custGeom>
+            <a:avLst/>
+            <a:gdLst>
+              <a:gd name="connsiteX0" fmla="*/ 0 w 368106"/>
+              <a:gd name="connsiteY0" fmla="*/ 0 h 359850"/>
+              <a:gd name="connsiteX1" fmla="*/ 368106 w 368106"/>
+              <a:gd name="connsiteY1" fmla="*/ 0 h 359850"/>
+              <a:gd name="connsiteX2" fmla="*/ 368106 w 368106"/>
+              <a:gd name="connsiteY2" fmla="*/ 359850 h 359850"/>
+              <a:gd name="connsiteX3" fmla="*/ 0 w 368106"/>
+              <a:gd name="connsiteY3" fmla="*/ 359850 h 359850"/>
+            </a:gdLst>
+            <a:ahLst/>
+            <a:cxnLst>
+              <a:cxn ang="0">
+                <a:pos x="connsiteX0" y="connsiteY0"/>
+              </a:cxn>
+              <a:cxn ang="0">
+                <a:pos x="connsiteX1" y="connsiteY1"/>
+              </a:cxn>
+              <a:cxn ang="0">
+                <a:pos x="connsiteX2" y="connsiteY2"/>
+              </a:cxn>
+              <a:cxn ang="0">
+                <a:pos x="connsiteX3" y="connsiteY3"/>
+              </a:cxn>
+            </a:cxnLst>
+            <a:rect l="l" t="t" r="r" b="b"/>
+            <a:pathLst>
+              <a:path w="368106" h="359850">
+                <a:moveTo>
+                  <a:pt x="0" y="0"/>
+                </a:moveTo>
+                <a:lnTo>
+                  <a:pt x="368106" y="0"/>
+                </a:lnTo>
+                <a:lnTo>
+                  <a:pt x="368106" y="359850"/>
+                </a:lnTo>
+                <a:lnTo>
+                  <a:pt x="0" y="359850"/>
+                </a:lnTo>
+                <a:close/>
+              </a:path>
+            </a:pathLst>
+          </a:custGeom>
+          <a:solidFill>
+            <a:schemeClr val="bg1">
+              <a:lumMod val="85000"/>
+            </a:schemeClr>
+          </a:solidFill>
+        </p:spPr>
+        <p:style>
+          <a:lnRef idx="3">
+            <a:schemeClr val="lt1"/>
+          </a:lnRef>
+          <a:fillRef idx="1">
+            <a:schemeClr val="accent2"/>
+          </a:fillRef>
+          <a:effectRef idx="1">
+            <a:schemeClr val="accent2"/>
+          </a:effectRef>
+          <a:fontRef idx="minor">
+            <a:schemeClr val="lt1"/>
+          </a:fontRef>
+        </p:style>
+        <p:txBody>
+          <a:bodyPr wrap="square" rtlCol="0" anchor="ctr">
+            <a:noAutofit/>
+          </a:bodyPr>
+          <a:lstStyle/>
+          <a:p>
+            <a:pPr algn="ctr"/>
+            <a:endParaRPr lang="zh-CN" altLang="en-US"/>
+          </a:p>
+        </p:txBody>
+      </p:sp>
+      <p:sp>
+        <p:nvSpPr>
+          <p:cNvPr id="362" name="任意多边形: 形状 361">
+            <a:extLst>
+              <a:ext uri="{FF2B5EF4-FFF2-40B4-BE49-F238E27FC236}">
+                <a16:creationId xmlns:a16="http://schemas.microsoft.com/office/drawing/2014/main" id="{4E4A85CD-C956-4B35-AEEF-74BE1E43659F}"/>
+              </a:ext>
+            </a:extLst>
+          </p:cNvPr>
+          <p:cNvSpPr/>
+          <p:nvPr/>
+        </p:nvSpPr>
+        <p:spPr>
+          <a:xfrm>
+            <a:off x="3088273" y="3059589"/>
+            <a:ext cx="368106" cy="359850"/>
+          </a:xfrm>
+          <a:custGeom>
+            <a:avLst/>
+            <a:gdLst>
+              <a:gd name="connsiteX0" fmla="*/ 0 w 368106"/>
+              <a:gd name="connsiteY0" fmla="*/ 0 h 359850"/>
+              <a:gd name="connsiteX1" fmla="*/ 368106 w 368106"/>
+              <a:gd name="connsiteY1" fmla="*/ 0 h 359850"/>
+              <a:gd name="connsiteX2" fmla="*/ 368106 w 368106"/>
+              <a:gd name="connsiteY2" fmla="*/ 359850 h 359850"/>
+              <a:gd name="connsiteX3" fmla="*/ 0 w 368106"/>
+              <a:gd name="connsiteY3" fmla="*/ 359850 h 359850"/>
+            </a:gdLst>
+            <a:ahLst/>
+            <a:cxnLst>
+              <a:cxn ang="0">
+                <a:pos x="connsiteX0" y="connsiteY0"/>
+              </a:cxn>
+              <a:cxn ang="0">
+                <a:pos x="connsiteX1" y="connsiteY1"/>
+              </a:cxn>
+              <a:cxn ang="0">
+                <a:pos x="connsiteX2" y="connsiteY2"/>
+              </a:cxn>
+              <a:cxn ang="0">
+                <a:pos x="connsiteX3" y="connsiteY3"/>
+              </a:cxn>
+            </a:cxnLst>
+            <a:rect l="l" t="t" r="r" b="b"/>
+            <a:pathLst>
+              <a:path w="368106" h="359850">
+                <a:moveTo>
+                  <a:pt x="0" y="0"/>
+                </a:moveTo>
+                <a:lnTo>
+                  <a:pt x="368106" y="0"/>
+                </a:lnTo>
+                <a:lnTo>
+                  <a:pt x="368106" y="359850"/>
+                </a:lnTo>
+                <a:lnTo>
+                  <a:pt x="0" y="359850"/>
+                </a:lnTo>
+                <a:close/>
+              </a:path>
+            </a:pathLst>
+          </a:custGeom>
+          <a:solidFill>
+            <a:schemeClr val="bg1">
+              <a:lumMod val="85000"/>
+            </a:schemeClr>
+          </a:solidFill>
+        </p:spPr>
+        <p:style>
+          <a:lnRef idx="3">
+            <a:schemeClr val="lt1"/>
+          </a:lnRef>
+          <a:fillRef idx="1">
+            <a:schemeClr val="accent2"/>
+          </a:fillRef>
+          <a:effectRef idx="1">
+            <a:schemeClr val="accent2"/>
+          </a:effectRef>
+          <a:fontRef idx="minor">
+            <a:schemeClr val="lt1"/>
+          </a:fontRef>
+        </p:style>
+        <p:txBody>
+          <a:bodyPr wrap="square" rtlCol="0" anchor="ctr">
+            <a:noAutofit/>
+          </a:bodyPr>
+          <a:lstStyle/>
+          <a:p>
+            <a:pPr algn="ctr"/>
+            <a:endParaRPr lang="zh-CN" altLang="en-US"/>
+          </a:p>
+        </p:txBody>
+      </p:sp>
+      <p:sp>
+        <p:nvSpPr>
+          <p:cNvPr id="365" name="任意多边形: 形状 364">
+            <a:extLst>
+              <a:ext uri="{FF2B5EF4-FFF2-40B4-BE49-F238E27FC236}">
+                <a16:creationId xmlns:a16="http://schemas.microsoft.com/office/drawing/2014/main" id="{2B45C7A8-A918-4ACB-81F9-67A7AB4618AE}"/>
+              </a:ext>
+            </a:extLst>
+          </p:cNvPr>
+          <p:cNvSpPr/>
+          <p:nvPr/>
+        </p:nvSpPr>
+        <p:spPr>
+          <a:xfrm>
+            <a:off x="3456380" y="3059589"/>
+            <a:ext cx="368107" cy="359850"/>
+          </a:xfrm>
+          <a:custGeom>
+            <a:avLst/>
+            <a:gdLst>
+              <a:gd name="connsiteX0" fmla="*/ 0 w 368107"/>
+              <a:gd name="connsiteY0" fmla="*/ 0 h 359850"/>
+              <a:gd name="connsiteX1" fmla="*/ 368107 w 368107"/>
+              <a:gd name="connsiteY1" fmla="*/ 0 h 359850"/>
+              <a:gd name="connsiteX2" fmla="*/ 368107 w 368107"/>
+              <a:gd name="connsiteY2" fmla="*/ 359850 h 359850"/>
+              <a:gd name="connsiteX3" fmla="*/ 0 w 368107"/>
+              <a:gd name="connsiteY3" fmla="*/ 359850 h 359850"/>
+            </a:gdLst>
+            <a:ahLst/>
+            <a:cxnLst>
+              <a:cxn ang="0">
+                <a:pos x="connsiteX0" y="connsiteY0"/>
+              </a:cxn>
+              <a:cxn ang="0">
+                <a:pos x="connsiteX1" y="connsiteY1"/>
+              </a:cxn>
+              <a:cxn ang="0">
+                <a:pos x="connsiteX2" y="connsiteY2"/>
+              </a:cxn>
+              <a:cxn ang="0">
+                <a:pos x="connsiteX3" y="connsiteY3"/>
+              </a:cxn>
+            </a:cxnLst>
+            <a:rect l="l" t="t" r="r" b="b"/>
+            <a:pathLst>
+              <a:path w="368107" h="359850">
+                <a:moveTo>
+                  <a:pt x="0" y="0"/>
+                </a:moveTo>
+                <a:lnTo>
+                  <a:pt x="368107" y="0"/>
+                </a:lnTo>
+                <a:lnTo>
+                  <a:pt x="368107" y="359850"/>
+                </a:lnTo>
+                <a:lnTo>
+                  <a:pt x="0" y="359850"/>
+                </a:lnTo>
+                <a:close/>
+              </a:path>
+            </a:pathLst>
+          </a:custGeom>
+          <a:solidFill>
+            <a:schemeClr val="bg1">
+              <a:lumMod val="85000"/>
+            </a:schemeClr>
+          </a:solidFill>
+        </p:spPr>
+        <p:style>
+          <a:lnRef idx="3">
+            <a:schemeClr val="lt1"/>
+          </a:lnRef>
+          <a:fillRef idx="1">
+            <a:schemeClr val="accent2"/>
+          </a:fillRef>
+          <a:effectRef idx="1">
+            <a:schemeClr val="accent2"/>
+          </a:effectRef>
+          <a:fontRef idx="minor">
+            <a:schemeClr val="lt1"/>
+          </a:fontRef>
+        </p:style>
+        <p:txBody>
+          <a:bodyPr wrap="square" rtlCol="0" anchor="ctr">
+            <a:noAutofit/>
+          </a:bodyPr>
+          <a:lstStyle/>
+          <a:p>
+            <a:pPr algn="ctr"/>
+            <a:endParaRPr lang="zh-CN" altLang="en-US"/>
+          </a:p>
+        </p:txBody>
+      </p:sp>
+      <p:sp>
+        <p:nvSpPr>
+          <p:cNvPr id="368" name="任意多边形: 形状 367">
+            <a:extLst>
+              <a:ext uri="{FF2B5EF4-FFF2-40B4-BE49-F238E27FC236}">
+                <a16:creationId xmlns:a16="http://schemas.microsoft.com/office/drawing/2014/main" id="{5224E100-00F4-4399-9B9C-05EC2344F085}"/>
+              </a:ext>
+            </a:extLst>
+          </p:cNvPr>
+          <p:cNvSpPr/>
+          <p:nvPr/>
+        </p:nvSpPr>
+        <p:spPr>
+          <a:xfrm>
+            <a:off x="879633" y="3419439"/>
+            <a:ext cx="368107" cy="359849"/>
+          </a:xfrm>
+          <a:custGeom>
+            <a:avLst/>
+            <a:gdLst>
+              <a:gd name="connsiteX0" fmla="*/ 0 w 368107"/>
+              <a:gd name="connsiteY0" fmla="*/ 0 h 359849"/>
+              <a:gd name="connsiteX1" fmla="*/ 368107 w 368107"/>
+              <a:gd name="connsiteY1" fmla="*/ 0 h 359849"/>
+              <a:gd name="connsiteX2" fmla="*/ 368107 w 368107"/>
+              <a:gd name="connsiteY2" fmla="*/ 359849 h 359849"/>
+              <a:gd name="connsiteX3" fmla="*/ 0 w 368107"/>
+              <a:gd name="connsiteY3" fmla="*/ 359849 h 359849"/>
+            </a:gdLst>
+            <a:ahLst/>
+            <a:cxnLst>
+              <a:cxn ang="0">
+                <a:pos x="connsiteX0" y="connsiteY0"/>
+              </a:cxn>
+              <a:cxn ang="0">
+                <a:pos x="connsiteX1" y="connsiteY1"/>
+              </a:cxn>
+              <a:cxn ang="0">
+                <a:pos x="connsiteX2" y="connsiteY2"/>
+              </a:cxn>
+              <a:cxn ang="0">
+                <a:pos x="connsiteX3" y="connsiteY3"/>
+              </a:cxn>
+            </a:cxnLst>
+            <a:rect l="l" t="t" r="r" b="b"/>
+            <a:pathLst>
+              <a:path w="368107" h="359849">
+                <a:moveTo>
+                  <a:pt x="0" y="0"/>
+                </a:moveTo>
+                <a:lnTo>
+                  <a:pt x="368107" y="0"/>
+                </a:lnTo>
+                <a:lnTo>
+                  <a:pt x="368107" y="359849"/>
+                </a:lnTo>
+                <a:lnTo>
+                  <a:pt x="0" y="359849"/>
+                </a:lnTo>
+                <a:close/>
+              </a:path>
+            </a:pathLst>
+          </a:custGeom>
+          <a:solidFill>
+            <a:schemeClr val="bg1">
+              <a:lumMod val="85000"/>
+            </a:schemeClr>
+          </a:solidFill>
+        </p:spPr>
+        <p:style>
+          <a:lnRef idx="3">
+            <a:schemeClr val="lt1"/>
+          </a:lnRef>
+          <a:fillRef idx="1">
+            <a:schemeClr val="accent2"/>
+          </a:fillRef>
+          <a:effectRef idx="1">
+            <a:schemeClr val="accent2"/>
+          </a:effectRef>
+          <a:fontRef idx="minor">
+            <a:schemeClr val="lt1"/>
+          </a:fontRef>
+        </p:style>
+        <p:txBody>
+          <a:bodyPr wrap="square" rtlCol="0" anchor="ctr">
+            <a:noAutofit/>
+          </a:bodyPr>
+          <a:lstStyle/>
+          <a:p>
+            <a:pPr algn="ctr"/>
+            <a:endParaRPr lang="zh-CN" altLang="en-US"/>
+          </a:p>
+        </p:txBody>
+      </p:sp>
+      <p:sp>
+        <p:nvSpPr>
+          <p:cNvPr id="371" name="任意多边形: 形状 370">
+            <a:extLst>
+              <a:ext uri="{FF2B5EF4-FFF2-40B4-BE49-F238E27FC236}">
+                <a16:creationId xmlns:a16="http://schemas.microsoft.com/office/drawing/2014/main" id="{FDC257A1-0B47-453E-9A57-8B0567FB2071}"/>
+              </a:ext>
+            </a:extLst>
+          </p:cNvPr>
+          <p:cNvSpPr/>
+          <p:nvPr/>
+        </p:nvSpPr>
+        <p:spPr>
+          <a:xfrm>
+            <a:off x="1247740" y="3419439"/>
+            <a:ext cx="368107" cy="359849"/>
+          </a:xfrm>
+          <a:custGeom>
+            <a:avLst/>
+            <a:gdLst>
+              <a:gd name="connsiteX0" fmla="*/ 0 w 368107"/>
+              <a:gd name="connsiteY0" fmla="*/ 0 h 359849"/>
+              <a:gd name="connsiteX1" fmla="*/ 368107 w 368107"/>
+              <a:gd name="connsiteY1" fmla="*/ 0 h 359849"/>
+              <a:gd name="connsiteX2" fmla="*/ 368107 w 368107"/>
+              <a:gd name="connsiteY2" fmla="*/ 359849 h 359849"/>
+              <a:gd name="connsiteX3" fmla="*/ 0 w 368107"/>
+              <a:gd name="connsiteY3" fmla="*/ 359849 h 359849"/>
+            </a:gdLst>
+            <a:ahLst/>
+            <a:cxnLst>
+              <a:cxn ang="0">
+                <a:pos x="connsiteX0" y="connsiteY0"/>
+              </a:cxn>
+              <a:cxn ang="0">
+                <a:pos x="connsiteX1" y="connsiteY1"/>
+              </a:cxn>
+              <a:cxn ang="0">
+                <a:pos x="connsiteX2" y="connsiteY2"/>
+              </a:cxn>
+              <a:cxn ang="0">
+                <a:pos x="connsiteX3" y="connsiteY3"/>
+              </a:cxn>
+            </a:cxnLst>
+            <a:rect l="l" t="t" r="r" b="b"/>
+            <a:pathLst>
+              <a:path w="368107" h="359849">
+                <a:moveTo>
+                  <a:pt x="0" y="0"/>
+                </a:moveTo>
+                <a:lnTo>
+                  <a:pt x="368107" y="0"/>
+                </a:lnTo>
+                <a:lnTo>
+                  <a:pt x="368107" y="359849"/>
+                </a:lnTo>
+                <a:lnTo>
+                  <a:pt x="0" y="359849"/>
+                </a:lnTo>
+                <a:close/>
+              </a:path>
+            </a:pathLst>
+          </a:custGeom>
+          <a:solidFill>
+            <a:schemeClr val="bg1">
+              <a:lumMod val="85000"/>
+            </a:schemeClr>
+          </a:solidFill>
+        </p:spPr>
+        <p:style>
+          <a:lnRef idx="3">
+            <a:schemeClr val="lt1"/>
+          </a:lnRef>
+          <a:fillRef idx="1">
+            <a:schemeClr val="accent2"/>
+          </a:fillRef>
+          <a:effectRef idx="1">
+            <a:schemeClr val="accent2"/>
+          </a:effectRef>
+          <a:fontRef idx="minor">
+            <a:schemeClr val="lt1"/>
+          </a:fontRef>
+        </p:style>
+        <p:txBody>
+          <a:bodyPr wrap="square" rtlCol="0" anchor="ctr">
+            <a:noAutofit/>
+          </a:bodyPr>
+          <a:lstStyle/>
+          <a:p>
+            <a:pPr algn="ctr"/>
+            <a:endParaRPr lang="zh-CN" altLang="en-US"/>
+          </a:p>
+        </p:txBody>
+      </p:sp>
+      <p:sp>
+        <p:nvSpPr>
+          <p:cNvPr id="374" name="任意多边形: 形状 373">
+            <a:extLst>
+              <a:ext uri="{FF2B5EF4-FFF2-40B4-BE49-F238E27FC236}">
+                <a16:creationId xmlns:a16="http://schemas.microsoft.com/office/drawing/2014/main" id="{44D85D62-B8C1-4834-9AB1-03EB97AB7769}"/>
+              </a:ext>
+            </a:extLst>
+          </p:cNvPr>
+          <p:cNvSpPr/>
+          <p:nvPr/>
+        </p:nvSpPr>
+        <p:spPr>
+          <a:xfrm>
+            <a:off x="1615846" y="3419439"/>
+            <a:ext cx="368107" cy="359849"/>
+          </a:xfrm>
+          <a:custGeom>
+            <a:avLst/>
+            <a:gdLst>
+              <a:gd name="connsiteX0" fmla="*/ 0 w 368107"/>
+              <a:gd name="connsiteY0" fmla="*/ 0 h 359849"/>
+              <a:gd name="connsiteX1" fmla="*/ 368107 w 368107"/>
+              <a:gd name="connsiteY1" fmla="*/ 0 h 359849"/>
+              <a:gd name="connsiteX2" fmla="*/ 368107 w 368107"/>
+              <a:gd name="connsiteY2" fmla="*/ 359849 h 359849"/>
+              <a:gd name="connsiteX3" fmla="*/ 0 w 368107"/>
+              <a:gd name="connsiteY3" fmla="*/ 359849 h 359849"/>
+            </a:gdLst>
+            <a:ahLst/>
+            <a:cxnLst>
+              <a:cxn ang="0">
+                <a:pos x="connsiteX0" y="connsiteY0"/>
+              </a:cxn>
+              <a:cxn ang="0">
+                <a:pos x="connsiteX1" y="connsiteY1"/>
+              </a:cxn>
+              <a:cxn ang="0">
+                <a:pos x="connsiteX2" y="connsiteY2"/>
+              </a:cxn>
+              <a:cxn ang="0">
+                <a:pos x="connsiteX3" y="connsiteY3"/>
+              </a:cxn>
+            </a:cxnLst>
+            <a:rect l="l" t="t" r="r" b="b"/>
+            <a:pathLst>
+              <a:path w="368107" h="359849">
+                <a:moveTo>
+                  <a:pt x="0" y="0"/>
+                </a:moveTo>
+                <a:lnTo>
+                  <a:pt x="368107" y="0"/>
+                </a:lnTo>
+                <a:lnTo>
+                  <a:pt x="368107" y="359849"/>
+                </a:lnTo>
+                <a:lnTo>
+                  <a:pt x="0" y="359849"/>
+                </a:lnTo>
+                <a:close/>
+              </a:path>
+            </a:pathLst>
+          </a:custGeom>
+          <a:solidFill>
+            <a:schemeClr val="bg1">
+              <a:lumMod val="85000"/>
+            </a:schemeClr>
+          </a:solidFill>
+        </p:spPr>
+        <p:style>
+          <a:lnRef idx="3">
+            <a:schemeClr val="lt1"/>
+          </a:lnRef>
+          <a:fillRef idx="1">
+            <a:schemeClr val="accent2"/>
+          </a:fillRef>
+          <a:effectRef idx="1">
+            <a:schemeClr val="accent2"/>
+          </a:effectRef>
+          <a:fontRef idx="minor">
+            <a:schemeClr val="lt1"/>
+          </a:fontRef>
+        </p:style>
+        <p:txBody>
+          <a:bodyPr wrap="square" rtlCol="0" anchor="ctr">
+            <a:noAutofit/>
+          </a:bodyPr>
+          <a:lstStyle/>
+          <a:p>
+            <a:pPr algn="ctr"/>
+            <a:endParaRPr lang="zh-CN" altLang="en-US"/>
+          </a:p>
+        </p:txBody>
+      </p:sp>
+      <p:sp>
+        <p:nvSpPr>
+          <p:cNvPr id="377" name="任意多边形: 形状 376">
+            <a:extLst>
+              <a:ext uri="{FF2B5EF4-FFF2-40B4-BE49-F238E27FC236}">
+                <a16:creationId xmlns:a16="http://schemas.microsoft.com/office/drawing/2014/main" id="{14B68B39-305E-4A8C-9C60-7EC4370CB9F0}"/>
+              </a:ext>
+            </a:extLst>
+          </p:cNvPr>
+          <p:cNvSpPr/>
+          <p:nvPr/>
+        </p:nvSpPr>
+        <p:spPr>
+          <a:xfrm>
+            <a:off x="1983953" y="3419439"/>
+            <a:ext cx="368107" cy="359849"/>
+          </a:xfrm>
+          <a:custGeom>
+            <a:avLst/>
+            <a:gdLst>
+              <a:gd name="connsiteX0" fmla="*/ 0 w 368107"/>
+              <a:gd name="connsiteY0" fmla="*/ 0 h 359849"/>
+              <a:gd name="connsiteX1" fmla="*/ 368107 w 368107"/>
+              <a:gd name="connsiteY1" fmla="*/ 0 h 359849"/>
+              <a:gd name="connsiteX2" fmla="*/ 368107 w 368107"/>
+              <a:gd name="connsiteY2" fmla="*/ 359849 h 359849"/>
+              <a:gd name="connsiteX3" fmla="*/ 0 w 368107"/>
+              <a:gd name="connsiteY3" fmla="*/ 359849 h 359849"/>
+            </a:gdLst>
+            <a:ahLst/>
+            <a:cxnLst>
+              <a:cxn ang="0">
+                <a:pos x="connsiteX0" y="connsiteY0"/>
+              </a:cxn>
+              <a:cxn ang="0">
+                <a:pos x="connsiteX1" y="connsiteY1"/>
+              </a:cxn>
+              <a:cxn ang="0">
+                <a:pos x="connsiteX2" y="connsiteY2"/>
+              </a:cxn>
+              <a:cxn ang="0">
+                <a:pos x="connsiteX3" y="connsiteY3"/>
+              </a:cxn>
+            </a:cxnLst>
+            <a:rect l="l" t="t" r="r" b="b"/>
+            <a:pathLst>
+              <a:path w="368107" h="359849">
+                <a:moveTo>
+                  <a:pt x="0" y="0"/>
+                </a:moveTo>
+                <a:lnTo>
+                  <a:pt x="368107" y="0"/>
+                </a:lnTo>
+                <a:lnTo>
+                  <a:pt x="368107" y="359849"/>
+                </a:lnTo>
+                <a:lnTo>
+                  <a:pt x="0" y="359849"/>
+                </a:lnTo>
+                <a:close/>
+              </a:path>
+            </a:pathLst>
+          </a:custGeom>
+          <a:solidFill>
+            <a:schemeClr val="bg1">
+              <a:lumMod val="85000"/>
+            </a:schemeClr>
+          </a:solidFill>
+        </p:spPr>
+        <p:style>
+          <a:lnRef idx="3">
+            <a:schemeClr val="lt1"/>
+          </a:lnRef>
+          <a:fillRef idx="1">
+            <a:schemeClr val="accent2"/>
+          </a:fillRef>
+          <a:effectRef idx="1">
+            <a:schemeClr val="accent2"/>
+          </a:effectRef>
+          <a:fontRef idx="minor">
+            <a:schemeClr val="lt1"/>
+          </a:fontRef>
+        </p:style>
+        <p:txBody>
+          <a:bodyPr wrap="square" rtlCol="0" anchor="ctr">
+            <a:noAutofit/>
+          </a:bodyPr>
+          <a:lstStyle/>
+          <a:p>
+            <a:pPr algn="ctr"/>
+            <a:endParaRPr lang="zh-CN" altLang="en-US"/>
+          </a:p>
+        </p:txBody>
+      </p:sp>
+      <p:sp>
+        <p:nvSpPr>
+          <p:cNvPr id="380" name="任意多边形: 形状 379">
+            <a:extLst>
+              <a:ext uri="{FF2B5EF4-FFF2-40B4-BE49-F238E27FC236}">
+                <a16:creationId xmlns:a16="http://schemas.microsoft.com/office/drawing/2014/main" id="{1F9C5EBB-E2B2-432D-AFD9-D2ECED666BFD}"/>
+              </a:ext>
+            </a:extLst>
+          </p:cNvPr>
+          <p:cNvSpPr/>
+          <p:nvPr/>
+        </p:nvSpPr>
+        <p:spPr>
+          <a:xfrm>
+            <a:off x="2352060" y="3419439"/>
+            <a:ext cx="368107" cy="359849"/>
+          </a:xfrm>
+          <a:custGeom>
+            <a:avLst/>
+            <a:gdLst>
+              <a:gd name="connsiteX0" fmla="*/ 0 w 368107"/>
+              <a:gd name="connsiteY0" fmla="*/ 0 h 359849"/>
+              <a:gd name="connsiteX1" fmla="*/ 368107 w 368107"/>
+              <a:gd name="connsiteY1" fmla="*/ 0 h 359849"/>
+              <a:gd name="connsiteX2" fmla="*/ 368107 w 368107"/>
+              <a:gd name="connsiteY2" fmla="*/ 359849 h 359849"/>
+              <a:gd name="connsiteX3" fmla="*/ 0 w 368107"/>
+              <a:gd name="connsiteY3" fmla="*/ 359849 h 359849"/>
+            </a:gdLst>
+            <a:ahLst/>
+            <a:cxnLst>
+              <a:cxn ang="0">
+                <a:pos x="connsiteX0" y="connsiteY0"/>
+              </a:cxn>
+              <a:cxn ang="0">
+                <a:pos x="connsiteX1" y="connsiteY1"/>
+              </a:cxn>
+              <a:cxn ang="0">
+                <a:pos x="connsiteX2" y="connsiteY2"/>
+              </a:cxn>
+              <a:cxn ang="0">
+                <a:pos x="connsiteX3" y="connsiteY3"/>
+              </a:cxn>
+            </a:cxnLst>
+            <a:rect l="l" t="t" r="r" b="b"/>
+            <a:pathLst>
+              <a:path w="368107" h="359849">
+                <a:moveTo>
+                  <a:pt x="0" y="0"/>
+                </a:moveTo>
+                <a:lnTo>
+                  <a:pt x="368107" y="0"/>
+                </a:lnTo>
+                <a:lnTo>
+                  <a:pt x="368107" y="359849"/>
+                </a:lnTo>
+                <a:lnTo>
+                  <a:pt x="0" y="359849"/>
+                </a:lnTo>
+                <a:close/>
+              </a:path>
+            </a:pathLst>
+          </a:custGeom>
+          <a:solidFill>
+            <a:schemeClr val="bg1">
+              <a:lumMod val="85000"/>
+            </a:schemeClr>
+          </a:solidFill>
+        </p:spPr>
+        <p:style>
+          <a:lnRef idx="3">
+            <a:schemeClr val="lt1"/>
+          </a:lnRef>
+          <a:fillRef idx="1">
+            <a:schemeClr val="accent2"/>
+          </a:fillRef>
+          <a:effectRef idx="1">
+            <a:schemeClr val="accent2"/>
+          </a:effectRef>
+          <a:fontRef idx="minor">
+            <a:schemeClr val="lt1"/>
+          </a:fontRef>
+        </p:style>
+        <p:txBody>
+          <a:bodyPr wrap="square" rtlCol="0" anchor="ctr">
+            <a:noAutofit/>
+          </a:bodyPr>
+          <a:lstStyle/>
+          <a:p>
+            <a:pPr algn="ctr"/>
+            <a:endParaRPr lang="zh-CN" altLang="en-US"/>
+          </a:p>
+        </p:txBody>
+      </p:sp>
+      <p:sp>
+        <p:nvSpPr>
+          <p:cNvPr id="383" name="任意多边形: 形状 382">
+            <a:extLst>
+              <a:ext uri="{FF2B5EF4-FFF2-40B4-BE49-F238E27FC236}">
+                <a16:creationId xmlns:a16="http://schemas.microsoft.com/office/drawing/2014/main" id="{E85AD113-5910-44F6-A016-54279056CE4D}"/>
+              </a:ext>
+            </a:extLst>
+          </p:cNvPr>
+          <p:cNvSpPr/>
+          <p:nvPr/>
+        </p:nvSpPr>
+        <p:spPr>
+          <a:xfrm>
+            <a:off x="2720166" y="3419439"/>
+            <a:ext cx="368106" cy="359849"/>
+          </a:xfrm>
+          <a:custGeom>
+            <a:avLst/>
+            <a:gdLst>
+              <a:gd name="connsiteX0" fmla="*/ 0 w 368106"/>
+              <a:gd name="connsiteY0" fmla="*/ 0 h 359849"/>
+              <a:gd name="connsiteX1" fmla="*/ 368106 w 368106"/>
+              <a:gd name="connsiteY1" fmla="*/ 0 h 359849"/>
+              <a:gd name="connsiteX2" fmla="*/ 368106 w 368106"/>
+              <a:gd name="connsiteY2" fmla="*/ 359849 h 359849"/>
+              <a:gd name="connsiteX3" fmla="*/ 0 w 368106"/>
+              <a:gd name="connsiteY3" fmla="*/ 359849 h 359849"/>
+            </a:gdLst>
+            <a:ahLst/>
+            <a:cxnLst>
+              <a:cxn ang="0">
+                <a:pos x="connsiteX0" y="connsiteY0"/>
+              </a:cxn>
+              <a:cxn ang="0">
+                <a:pos x="connsiteX1" y="connsiteY1"/>
+              </a:cxn>
+              <a:cxn ang="0">
+                <a:pos x="connsiteX2" y="connsiteY2"/>
+              </a:cxn>
+              <a:cxn ang="0">
+                <a:pos x="connsiteX3" y="connsiteY3"/>
+              </a:cxn>
+            </a:cxnLst>
+            <a:rect l="l" t="t" r="r" b="b"/>
+            <a:pathLst>
+              <a:path w="368106" h="359849">
+                <a:moveTo>
+                  <a:pt x="0" y="0"/>
+                </a:moveTo>
+                <a:lnTo>
+                  <a:pt x="368106" y="0"/>
+                </a:lnTo>
+                <a:lnTo>
+                  <a:pt x="368106" y="359849"/>
+                </a:lnTo>
+                <a:lnTo>
+                  <a:pt x="0" y="359849"/>
+                </a:lnTo>
+                <a:close/>
+              </a:path>
+            </a:pathLst>
+          </a:custGeom>
+          <a:solidFill>
+            <a:schemeClr val="bg1">
+              <a:lumMod val="85000"/>
+            </a:schemeClr>
+          </a:solidFill>
+        </p:spPr>
+        <p:style>
+          <a:lnRef idx="3">
+            <a:schemeClr val="lt1"/>
+          </a:lnRef>
+          <a:fillRef idx="1">
+            <a:schemeClr val="accent2"/>
+          </a:fillRef>
+          <a:effectRef idx="1">
+            <a:schemeClr val="accent2"/>
+          </a:effectRef>
+          <a:fontRef idx="minor">
+            <a:schemeClr val="lt1"/>
+          </a:fontRef>
+        </p:style>
+        <p:txBody>
+          <a:bodyPr wrap="square" rtlCol="0" anchor="ctr">
+            <a:noAutofit/>
+          </a:bodyPr>
+          <a:lstStyle/>
+          <a:p>
+            <a:pPr algn="ctr"/>
+            <a:endParaRPr lang="zh-CN" altLang="en-US"/>
+          </a:p>
+        </p:txBody>
+      </p:sp>
+      <p:sp>
+        <p:nvSpPr>
+          <p:cNvPr id="386" name="任意多边形: 形状 385">
+            <a:extLst>
+              <a:ext uri="{FF2B5EF4-FFF2-40B4-BE49-F238E27FC236}">
+                <a16:creationId xmlns:a16="http://schemas.microsoft.com/office/drawing/2014/main" id="{1D7AC799-F7DB-4B8E-A24F-787DD2AC6026}"/>
+              </a:ext>
+            </a:extLst>
+          </p:cNvPr>
+          <p:cNvSpPr/>
+          <p:nvPr/>
+        </p:nvSpPr>
+        <p:spPr>
+          <a:xfrm>
+            <a:off x="3088273" y="3419439"/>
+            <a:ext cx="368106" cy="359849"/>
+          </a:xfrm>
+          <a:custGeom>
+            <a:avLst/>
+            <a:gdLst>
+              <a:gd name="connsiteX0" fmla="*/ 0 w 368106"/>
+              <a:gd name="connsiteY0" fmla="*/ 0 h 359849"/>
+              <a:gd name="connsiteX1" fmla="*/ 368106 w 368106"/>
+              <a:gd name="connsiteY1" fmla="*/ 0 h 359849"/>
+              <a:gd name="connsiteX2" fmla="*/ 368106 w 368106"/>
+              <a:gd name="connsiteY2" fmla="*/ 359849 h 359849"/>
+              <a:gd name="connsiteX3" fmla="*/ 0 w 368106"/>
+              <a:gd name="connsiteY3" fmla="*/ 359849 h 359849"/>
+            </a:gdLst>
+            <a:ahLst/>
+            <a:cxnLst>
+              <a:cxn ang="0">
+                <a:pos x="connsiteX0" y="connsiteY0"/>
+              </a:cxn>
+              <a:cxn ang="0">
+                <a:pos x="connsiteX1" y="connsiteY1"/>
+              </a:cxn>
+              <a:cxn ang="0">
+                <a:pos x="connsiteX2" y="connsiteY2"/>
+              </a:cxn>
+              <a:cxn ang="0">
+                <a:pos x="connsiteX3" y="connsiteY3"/>
+              </a:cxn>
+            </a:cxnLst>
+            <a:rect l="l" t="t" r="r" b="b"/>
+            <a:pathLst>
+              <a:path w="368106" h="359849">
+                <a:moveTo>
+                  <a:pt x="0" y="0"/>
+                </a:moveTo>
+                <a:lnTo>
+                  <a:pt x="368106" y="0"/>
+                </a:lnTo>
+                <a:lnTo>
+                  <a:pt x="368106" y="359849"/>
+                </a:lnTo>
+                <a:lnTo>
+                  <a:pt x="0" y="359849"/>
+                </a:lnTo>
+                <a:close/>
+              </a:path>
+            </a:pathLst>
+          </a:custGeom>
+          <a:solidFill>
+            <a:schemeClr val="bg1">
+              <a:lumMod val="85000"/>
+            </a:schemeClr>
+          </a:solidFill>
+        </p:spPr>
+        <p:style>
+          <a:lnRef idx="3">
+            <a:schemeClr val="lt1"/>
+          </a:lnRef>
+          <a:fillRef idx="1">
+            <a:schemeClr val="accent2"/>
+          </a:fillRef>
+          <a:effectRef idx="1">
+            <a:schemeClr val="accent2"/>
+          </a:effectRef>
+          <a:fontRef idx="minor">
+            <a:schemeClr val="lt1"/>
+          </a:fontRef>
+        </p:style>
+        <p:txBody>
+          <a:bodyPr wrap="square" rtlCol="0" anchor="ctr">
+            <a:noAutofit/>
+          </a:bodyPr>
+          <a:lstStyle/>
+          <a:p>
+            <a:pPr algn="ctr"/>
+            <a:endParaRPr lang="zh-CN" altLang="en-US"/>
+          </a:p>
+        </p:txBody>
+      </p:sp>
+      <p:sp>
+        <p:nvSpPr>
+          <p:cNvPr id="389" name="任意多边形: 形状 388">
+            <a:extLst>
+              <a:ext uri="{FF2B5EF4-FFF2-40B4-BE49-F238E27FC236}">
+                <a16:creationId xmlns:a16="http://schemas.microsoft.com/office/drawing/2014/main" id="{0BC6D38E-34C4-4E59-BF73-745A96CB463A}"/>
+              </a:ext>
+            </a:extLst>
+          </p:cNvPr>
+          <p:cNvSpPr/>
+          <p:nvPr/>
+        </p:nvSpPr>
+        <p:spPr>
+          <a:xfrm>
+            <a:off x="3456380" y="3419439"/>
+            <a:ext cx="368107" cy="359849"/>
+          </a:xfrm>
+          <a:custGeom>
+            <a:avLst/>
+            <a:gdLst>
+              <a:gd name="connsiteX0" fmla="*/ 0 w 368107"/>
+              <a:gd name="connsiteY0" fmla="*/ 0 h 359849"/>
+              <a:gd name="connsiteX1" fmla="*/ 368107 w 368107"/>
+              <a:gd name="connsiteY1" fmla="*/ 0 h 359849"/>
+              <a:gd name="connsiteX2" fmla="*/ 368107 w 368107"/>
+              <a:gd name="connsiteY2" fmla="*/ 359849 h 359849"/>
+              <a:gd name="connsiteX3" fmla="*/ 0 w 368107"/>
+              <a:gd name="connsiteY3" fmla="*/ 359849 h 359849"/>
+            </a:gdLst>
+            <a:ahLst/>
+            <a:cxnLst>
+              <a:cxn ang="0">
+                <a:pos x="connsiteX0" y="connsiteY0"/>
+              </a:cxn>
+              <a:cxn ang="0">
+                <a:pos x="connsiteX1" y="connsiteY1"/>
+              </a:cxn>
+              <a:cxn ang="0">
+                <a:pos x="connsiteX2" y="connsiteY2"/>
+              </a:cxn>
+              <a:cxn ang="0">
+                <a:pos x="connsiteX3" y="connsiteY3"/>
+              </a:cxn>
+            </a:cxnLst>
+            <a:rect l="l" t="t" r="r" b="b"/>
+            <a:pathLst>
+              <a:path w="368107" h="359849">
+                <a:moveTo>
+                  <a:pt x="0" y="0"/>
+                </a:moveTo>
+                <a:lnTo>
+                  <a:pt x="368107" y="0"/>
+                </a:lnTo>
+                <a:lnTo>
+                  <a:pt x="368107" y="359849"/>
+                </a:lnTo>
+                <a:lnTo>
+                  <a:pt x="0" y="359849"/>
+                </a:lnTo>
+                <a:close/>
+              </a:path>
+            </a:pathLst>
+          </a:custGeom>
+          <a:solidFill>
+            <a:schemeClr val="bg1">
+              <a:lumMod val="85000"/>
+            </a:schemeClr>
+          </a:solidFill>
+        </p:spPr>
+        <p:style>
+          <a:lnRef idx="3">
+            <a:schemeClr val="lt1"/>
+          </a:lnRef>
+          <a:fillRef idx="1">
+            <a:schemeClr val="accent2"/>
+          </a:fillRef>
+          <a:effectRef idx="1">
+            <a:schemeClr val="accent2"/>
+          </a:effectRef>
+          <a:fontRef idx="minor">
+            <a:schemeClr val="lt1"/>
+          </a:fontRef>
+        </p:style>
+        <p:txBody>
+          <a:bodyPr wrap="square" rtlCol="0" anchor="ctr">
+            <a:noAutofit/>
+          </a:bodyPr>
+          <a:lstStyle/>
+          <a:p>
+            <a:pPr algn="ctr"/>
+            <a:endParaRPr lang="zh-CN" altLang="en-US"/>
+          </a:p>
+        </p:txBody>
+      </p:sp>
+      <p:pic>
+        <p:nvPicPr>
+          <p:cNvPr id="391" name="图形 390" descr="一个洒糖屑的甜甜圈">
+            <a:extLst>
+              <a:ext uri="{FF2B5EF4-FFF2-40B4-BE49-F238E27FC236}">
+                <a16:creationId xmlns:a16="http://schemas.microsoft.com/office/drawing/2014/main" id="{A38C972E-E182-4FDD-BDAD-7933394BC78C}"/>
+              </a:ext>
+            </a:extLst>
+          </p:cNvPr>
+          <p:cNvPicPr>
+            <a:picLocks noChangeAspect="1"/>
+          </p:cNvPicPr>
+          <p:nvPr/>
+        </p:nvPicPr>
+        <p:blipFill rotWithShape="1">
+          <a:blip r:embed="rId2">
+            <a:extLst>
+              <a:ext uri="{28A0092B-C50C-407E-A947-70E740481C1C}">
+                <a14:useLocalDpi xmlns:a14="http://schemas.microsoft.com/office/drawing/2010/main" val="0"/>
+              </a:ext>
+              <a:ext uri="{96DAC541-7B7A-43D3-8B79-37D633B846F1}">
+                <asvg:svgBlip xmlns:asvg="http://schemas.microsoft.com/office/drawing/2016/SVG/main" r:embed="rId3"/>
+              </a:ext>
+            </a:extLst>
+          </a:blip>
+          <a:srcRect l="18134" t="17457" r="18037" b="18394"/>
+          <a:stretch/>
+        </p:blipFill>
+        <p:spPr>
+          <a:xfrm>
+            <a:off x="894580" y="903716"/>
+            <a:ext cx="1070964" cy="1076324"/>
+          </a:xfrm>
+          <a:prstGeom prst="rect">
+            <a:avLst/>
+          </a:prstGeom>
+        </p:spPr>
+      </p:pic>
+      <p:sp>
+        <p:nvSpPr>
+          <p:cNvPr id="393" name="文本框 392">
+            <a:extLst>
+              <a:ext uri="{FF2B5EF4-FFF2-40B4-BE49-F238E27FC236}">
+                <a16:creationId xmlns:a16="http://schemas.microsoft.com/office/drawing/2014/main" id="{8B9DB6A2-EADB-4F57-AEBD-3637C6544665}"/>
+              </a:ext>
+            </a:extLst>
+          </p:cNvPr>
+          <p:cNvSpPr txBox="1"/>
+          <p:nvPr/>
+        </p:nvSpPr>
+        <p:spPr>
+          <a:xfrm>
+            <a:off x="643372" y="835504"/>
+            <a:ext cx="211978" cy="2875082"/>
+          </a:xfrm>
+          <a:prstGeom prst="rect">
+            <a:avLst/>
+          </a:prstGeom>
+          <a:noFill/>
+        </p:spPr>
+        <p:txBody>
+          <a:bodyPr wrap="square" rtlCol="0">
+            <a:spAutoFit/>
+          </a:bodyPr>
+          <a:lstStyle/>
+          <a:p>
+            <a:pPr>
+              <a:lnSpc>
+                <a:spcPct val="150000"/>
+              </a:lnSpc>
+              <a:spcBef>
+                <a:spcPts val="600"/>
+              </a:spcBef>
+            </a:pPr>
+            <a:r>
+              <a:rPr lang="en-US" altLang="zh-CN" sz="1400"/>
+              <a:t>1</a:t>
+            </a:r>
+          </a:p>
+          <a:p>
+            <a:pPr>
+              <a:lnSpc>
+                <a:spcPct val="150000"/>
+              </a:lnSpc>
+              <a:spcBef>
+                <a:spcPts val="600"/>
+              </a:spcBef>
+            </a:pPr>
+            <a:r>
+              <a:rPr lang="en-US" altLang="zh-CN" sz="1400"/>
+              <a:t>2</a:t>
+            </a:r>
+          </a:p>
+          <a:p>
+            <a:pPr>
+              <a:lnSpc>
+                <a:spcPct val="150000"/>
+              </a:lnSpc>
+              <a:spcBef>
+                <a:spcPts val="600"/>
+              </a:spcBef>
+            </a:pPr>
+            <a:r>
+              <a:rPr lang="en-US" altLang="zh-CN" sz="1400"/>
+              <a:t>3</a:t>
+            </a:r>
+          </a:p>
+          <a:p>
+            <a:pPr>
+              <a:lnSpc>
+                <a:spcPct val="150000"/>
+              </a:lnSpc>
+              <a:spcBef>
+                <a:spcPts val="600"/>
+              </a:spcBef>
+            </a:pPr>
+            <a:r>
+              <a:rPr lang="en-US" altLang="zh-CN" sz="1400"/>
+              <a:t>45678</a:t>
+            </a:r>
+            <a:endParaRPr lang="zh-CN" altLang="en-US" sz="1400"/>
+          </a:p>
+        </p:txBody>
+      </p:sp>
+      <p:sp>
+        <p:nvSpPr>
+          <p:cNvPr id="394" name="文本框 393">
+            <a:extLst>
+              <a:ext uri="{FF2B5EF4-FFF2-40B4-BE49-F238E27FC236}">
+                <a16:creationId xmlns:a16="http://schemas.microsoft.com/office/drawing/2014/main" id="{43F8C704-5FDC-4E3F-B2FB-EB0BC1AA1A07}"/>
+              </a:ext>
+            </a:extLst>
+          </p:cNvPr>
+          <p:cNvSpPr txBox="1"/>
+          <p:nvPr/>
+        </p:nvSpPr>
+        <p:spPr>
+          <a:xfrm>
+            <a:off x="894581" y="524834"/>
+            <a:ext cx="2929906" cy="382092"/>
+          </a:xfrm>
+          <a:prstGeom prst="rect">
+            <a:avLst/>
+          </a:prstGeom>
+          <a:noFill/>
+        </p:spPr>
+        <p:txBody>
+          <a:bodyPr wrap="square" rtlCol="0">
+            <a:spAutoFit/>
+          </a:bodyPr>
+          <a:lstStyle/>
+          <a:p>
+            <a:pPr algn="dist">
+              <a:lnSpc>
+                <a:spcPct val="150000"/>
+              </a:lnSpc>
+            </a:pPr>
+            <a:r>
+              <a:rPr lang="en-US" altLang="zh-CN" sz="1400"/>
+              <a:t>12345678</a:t>
+            </a:r>
+            <a:endParaRPr lang="zh-CN" altLang="en-US" sz="1400"/>
+          </a:p>
+        </p:txBody>
+      </p:sp>
+      <p:sp>
+        <p:nvSpPr>
+          <p:cNvPr id="395" name="文本框 394">
+            <a:extLst>
+              <a:ext uri="{FF2B5EF4-FFF2-40B4-BE49-F238E27FC236}">
+                <a16:creationId xmlns:a16="http://schemas.microsoft.com/office/drawing/2014/main" id="{2A62D1CE-C13B-4E39-BB91-6931D1785A1E}"/>
+              </a:ext>
+            </a:extLst>
+          </p:cNvPr>
+          <p:cNvSpPr txBox="1"/>
+          <p:nvPr/>
+        </p:nvSpPr>
+        <p:spPr>
+          <a:xfrm>
+            <a:off x="1600899" y="998811"/>
+            <a:ext cx="471731" cy="276999"/>
+          </a:xfrm>
+          <a:prstGeom prst="rect">
+            <a:avLst/>
+          </a:prstGeom>
+          <a:noFill/>
+        </p:spPr>
+        <p:txBody>
+          <a:bodyPr wrap="square" rtlCol="0">
+            <a:spAutoFit/>
+          </a:bodyPr>
+          <a:lstStyle/>
+          <a:p>
+            <a:r>
+              <a:rPr lang="en-US" altLang="zh-CN" sz="1200"/>
+              <a:t>(2,2)</a:t>
+            </a:r>
+            <a:endParaRPr lang="zh-CN" altLang="en-US" sz="1200"/>
+          </a:p>
+        </p:txBody>
+      </p:sp>
+      <p:pic>
+        <p:nvPicPr>
+          <p:cNvPr id="400" name="图形 399" descr="一个洒糖屑的甜甜圈">
+            <a:extLst>
+              <a:ext uri="{FF2B5EF4-FFF2-40B4-BE49-F238E27FC236}">
+                <a16:creationId xmlns:a16="http://schemas.microsoft.com/office/drawing/2014/main" id="{0AB6FF10-D727-4187-910B-A68D7E247A17}"/>
+              </a:ext>
+            </a:extLst>
+          </p:cNvPr>
+          <p:cNvPicPr>
+            <a:picLocks noChangeAspect="1"/>
+          </p:cNvPicPr>
+          <p:nvPr/>
+        </p:nvPicPr>
+        <p:blipFill rotWithShape="1">
+          <a:blip r:embed="rId2">
+            <a:extLst>
+              <a:ext uri="{28A0092B-C50C-407E-A947-70E740481C1C}">
+                <a14:useLocalDpi xmlns:a14="http://schemas.microsoft.com/office/drawing/2010/main" val="0"/>
+              </a:ext>
+              <a:ext uri="{96DAC541-7B7A-43D3-8B79-37D633B846F1}">
+                <asvg:svgBlip xmlns:asvg="http://schemas.microsoft.com/office/drawing/2016/SVG/main" r:embed="rId3"/>
+              </a:ext>
+            </a:extLst>
+          </a:blip>
+          <a:srcRect l="18134" t="17457" r="18037" b="18394"/>
+          <a:stretch/>
+        </p:blipFill>
+        <p:spPr>
+          <a:xfrm>
+            <a:off x="2364943" y="1609746"/>
+            <a:ext cx="1070964" cy="1076324"/>
+          </a:xfrm>
+          <a:prstGeom prst="rect">
+            <a:avLst/>
+          </a:prstGeom>
+        </p:spPr>
+      </p:pic>
+      <p:pic>
+        <p:nvPicPr>
+          <p:cNvPr id="398" name="图片 397">
+            <a:extLst>
+              <a:ext uri="{FF2B5EF4-FFF2-40B4-BE49-F238E27FC236}">
+                <a16:creationId xmlns:a16="http://schemas.microsoft.com/office/drawing/2014/main" id="{9C88C929-3D53-489E-AE1C-90C89816C75A}"/>
+              </a:ext>
+            </a:extLst>
+          </p:cNvPr>
+          <p:cNvPicPr>
+            <a:picLocks noChangeAspect="1"/>
+          </p:cNvPicPr>
+          <p:nvPr/>
+        </p:nvPicPr>
+        <p:blipFill>
+          <a:blip r:embed="rId4">
+            <a:clrChange>
+              <a:clrFrom>
+                <a:srgbClr val="FAFAFA"/>
+              </a:clrFrom>
+              <a:clrTo>
+                <a:srgbClr val="FAFAFA">
+                  <a:alpha val="0"/>
+                </a:srgbClr>
+              </a:clrTo>
+            </a:clrChange>
+          </a:blip>
+          <a:stretch>
+            <a:fillRect/>
+          </a:stretch>
+        </p:blipFill>
+        <p:spPr>
+          <a:xfrm>
+            <a:off x="4047881" y="795898"/>
+            <a:ext cx="2626463" cy="749075"/>
+          </a:xfrm>
+          <a:prstGeom prst="rect">
+            <a:avLst/>
+          </a:prstGeom>
+        </p:spPr>
+      </p:pic>
+      <mc:AlternateContent xmlns:mc="http://schemas.openxmlformats.org/markup-compatibility/2006">
+        <mc:Choice xmlns:a14="http://schemas.microsoft.com/office/drawing/2010/main" Requires="a14">
+          <p:sp>
+            <p:nvSpPr>
+              <p:cNvPr id="399" name="文本框 398">
+                <a:extLst>
+                  <a:ext uri="{FF2B5EF4-FFF2-40B4-BE49-F238E27FC236}">
+                    <a16:creationId xmlns:a16="http://schemas.microsoft.com/office/drawing/2014/main" id="{D7F3E84E-A0D3-48D8-BE0D-DCEF4FC0F39C}"/>
+                  </a:ext>
+                </a:extLst>
+              </p:cNvPr>
+              <p:cNvSpPr txBox="1"/>
+              <p:nvPr/>
+            </p:nvSpPr>
+            <p:spPr>
+              <a:xfrm>
+                <a:off x="3823641" y="1613296"/>
+                <a:ext cx="3336406" cy="2169825"/>
+              </a:xfrm>
+              <a:prstGeom prst="rect">
+                <a:avLst/>
+              </a:prstGeom>
+              <a:noFill/>
+            </p:spPr>
+            <p:txBody>
+              <a:bodyPr wrap="square">
+                <a:spAutoFit/>
+              </a:bodyPr>
+              <a:lstStyle/>
+              <a:p>
+                <a:pPr marL="171450" marR="0" lvl="0" indent="-171450" algn="l" defTabSz="457200" rtl="0" eaLnBrk="1" fontAlgn="auto" latinLnBrk="0" hangingPunct="1">
+                  <a:lnSpc>
+                    <a:spcPct val="100000"/>
+                  </a:lnSpc>
+                  <a:spcBef>
+                    <a:spcPts val="600"/>
+                  </a:spcBef>
+                  <a:spcAft>
+                    <a:spcPts val="0"/>
+                  </a:spcAft>
+                  <a:buClrTx/>
+                  <a:buSzTx/>
+                  <a:buFont typeface="Arial" panose="020B0604020202020204" pitchFamily="34" charset="0"/>
+                  <a:buChar char="•"/>
+                  <a:tabLst/>
+                  <a:defRPr/>
+                </a:pPr>
+                <a:r>
+                  <a:rPr kumimoji="0" lang="zh-CN" altLang="en-US" sz="1000" i="0" u="none" strike="noStrike" kern="1200" cap="none" spc="0" normalizeH="0" baseline="0" noProof="0">
+                    <a:ln>
+                      <a:noFill/>
+                    </a:ln>
+                    <a:effectLst/>
+                    <a:uLnTx/>
+                    <a:uFillTx/>
+                    <a:latin typeface="Microsoft YaHei Light" panose="020B0502040204020203" pitchFamily="34" charset="-122"/>
+                    <a:ea typeface="Microsoft YaHei Light" panose="020B0502040204020203" pitchFamily="34" charset="-122"/>
+                  </a:rPr>
+                  <a:t>假设左边就是整个</a:t>
+                </a:r>
+                <a:r>
+                  <a:rPr kumimoji="0" lang="zh-CN" altLang="en-US" sz="1000" i="0" u="none" strike="noStrike" kern="1200" cap="none" spc="0" normalizeH="0" baseline="0" noProof="0">
+                    <a:ln>
+                      <a:noFill/>
+                    </a:ln>
+                    <a:solidFill>
+                      <a:srgbClr val="FF0000"/>
+                    </a:solidFill>
+                    <a:effectLst/>
+                    <a:uLnTx/>
+                    <a:uFillTx/>
+                    <a:latin typeface="Microsoft YaHei Light" panose="020B0502040204020203" pitchFamily="34" charset="-122"/>
+                    <a:ea typeface="Microsoft YaHei Light" panose="020B0502040204020203" pitchFamily="34" charset="-122"/>
+                  </a:rPr>
+                  <a:t>输入</a:t>
+                </a:r>
+                <a14:m>
+                  <m:oMath xmlns:m="http://schemas.openxmlformats.org/officeDocument/2006/math">
+                    <m:r>
+                      <a:rPr kumimoji="0" lang="en-US" altLang="zh-CN" sz="1000" b="1" i="1" u="none" strike="noStrike" kern="1200" cap="none" spc="0" normalizeH="0" baseline="0" noProof="0" smtClean="0">
+                        <a:ln>
+                          <a:noFill/>
+                        </a:ln>
+                        <a:solidFill>
+                          <a:srgbClr val="FF0000"/>
+                        </a:solidFill>
+                        <a:effectLst/>
+                        <a:uLnTx/>
+                        <a:uFillTx/>
+                        <a:latin typeface="Cambria Math" panose="02040503050406030204" pitchFamily="18" charset="0"/>
+                        <a:ea typeface="Microsoft YaHei Light" panose="020B0502040204020203" pitchFamily="34" charset="-122"/>
+                      </a:rPr>
+                      <m:t>𝑿</m:t>
+                    </m:r>
+                  </m:oMath>
+                </a14:m>
+                <a:r>
+                  <a:rPr kumimoji="0" lang="zh-CN" altLang="en-US" sz="1000" i="0" u="none" strike="noStrike" kern="1200" cap="none" spc="0" normalizeH="0" baseline="0" noProof="0">
+                    <a:ln>
+                      <a:noFill/>
+                    </a:ln>
+                    <a:effectLst/>
+                    <a:uLnTx/>
+                    <a:uFillTx/>
+                    <a:latin typeface="Microsoft YaHei Light" panose="020B0502040204020203" pitchFamily="34" charset="-122"/>
+                    <a:ea typeface="Microsoft YaHei Light" panose="020B0502040204020203" pitchFamily="34" charset="-122"/>
+                  </a:rPr>
+                  <a:t>，是一个</a:t>
+                </a:r>
+                <a14:m>
+                  <m:oMath xmlns:m="http://schemas.openxmlformats.org/officeDocument/2006/math">
+                    <m:r>
+                      <a:rPr kumimoji="0" lang="en-US" altLang="zh-CN" sz="1000" b="0" i="1" u="none" strike="noStrike" kern="1200" cap="none" spc="0" normalizeH="0" baseline="0" noProof="0" smtClean="0">
+                        <a:ln>
+                          <a:noFill/>
+                        </a:ln>
+                        <a:effectLst/>
+                        <a:uLnTx/>
+                        <a:uFillTx/>
+                        <a:latin typeface="Cambria Math" panose="02040503050406030204" pitchFamily="18" charset="0"/>
+                        <a:ea typeface="Microsoft YaHei Light" panose="020B0502040204020203" pitchFamily="34" charset="-122"/>
+                      </a:rPr>
+                      <m:t>8</m:t>
+                    </m:r>
+                    <m:r>
+                      <a:rPr kumimoji="0" lang="en-US" altLang="zh-CN" sz="1000" b="0" i="1" u="none" strike="noStrike" kern="1200" cap="none" spc="0" normalizeH="0" baseline="0" noProof="0" smtClean="0">
+                        <a:ln>
+                          <a:noFill/>
+                        </a:ln>
+                        <a:effectLst/>
+                        <a:uLnTx/>
+                        <a:uFillTx/>
+                        <a:latin typeface="Cambria Math" panose="02040503050406030204" pitchFamily="18" charset="0"/>
+                        <a:ea typeface="Cambria Math" panose="02040503050406030204" pitchFamily="18" charset="0"/>
+                      </a:rPr>
+                      <m:t>×8</m:t>
+                    </m:r>
+                    <m:r>
+                      <a:rPr lang="zh-CN" altLang="en-US" sz="1000" b="0" i="1">
+                        <a:latin typeface="Cambria Math" panose="02040503050406030204" pitchFamily="18" charset="0"/>
+                        <a:ea typeface="Cambria Math" panose="02040503050406030204" pitchFamily="18" charset="0"/>
+                      </a:rPr>
+                      <m:t>的</m:t>
+                    </m:r>
+                  </m:oMath>
+                </a14:m>
+                <a:r>
+                  <a:rPr kumimoji="0" lang="zh-CN" altLang="en-US" sz="1000" i="0" u="none" strike="noStrike" kern="1200" cap="none" spc="0" normalizeH="0" baseline="0" noProof="0">
+                    <a:ln>
+                      <a:noFill/>
+                    </a:ln>
+                    <a:effectLst/>
+                    <a:uLnTx/>
+                    <a:uFillTx/>
+                    <a:latin typeface="Microsoft YaHei Light" panose="020B0502040204020203" pitchFamily="34" charset="-122"/>
+                    <a:ea typeface="Microsoft YaHei Light" panose="020B0502040204020203" pitchFamily="34" charset="-122"/>
+                  </a:rPr>
+                  <a:t>矩阵，</a:t>
+                </a:r>
+                <a:r>
+                  <a:rPr lang="zh-CN" altLang="en-US" sz="1000">
+                    <a:latin typeface="Microsoft YaHei Light" panose="020B0502040204020203" pitchFamily="34" charset="-122"/>
+                    <a:ea typeface="Microsoft YaHei Light" panose="020B0502040204020203" pitchFamily="34" charset="-122"/>
+                  </a:rPr>
+                  <a:t>待检测物是一个</a:t>
+                </a:r>
+                <a:r>
+                  <a:rPr lang="zh-CN" altLang="en-US" sz="1000">
+                    <a:solidFill>
+                      <a:srgbClr val="FF0000"/>
+                    </a:solidFill>
+                    <a:latin typeface="Microsoft YaHei Light" panose="020B0502040204020203" pitchFamily="34" charset="-122"/>
+                    <a:ea typeface="Microsoft YaHei Light" panose="020B0502040204020203" pitchFamily="34" charset="-122"/>
+                  </a:rPr>
+                  <a:t>甜甜圈</a:t>
+                </a:r>
+                <a:r>
+                  <a:rPr lang="zh-CN" altLang="en-US" sz="1000">
+                    <a:latin typeface="Microsoft YaHei Light" panose="020B0502040204020203" pitchFamily="34" charset="-122"/>
+                    <a:ea typeface="Microsoft YaHei Light" panose="020B0502040204020203" pitchFamily="34" charset="-122"/>
+                  </a:rPr>
+                  <a:t>，暂时不要纠结输出是什么</a:t>
+                </a:r>
+                <a:endParaRPr lang="en-US" altLang="zh-CN" sz="1000">
+                  <a:latin typeface="Microsoft YaHei Light" panose="020B0502040204020203" pitchFamily="34" charset="-122"/>
+                  <a:ea typeface="Microsoft YaHei Light" panose="020B0502040204020203" pitchFamily="34" charset="-122"/>
+                </a:endParaRPr>
+              </a:p>
+              <a:p>
+                <a:pPr marL="171450" lvl="0" indent="-171450">
+                  <a:spcBef>
+                    <a:spcPts val="600"/>
+                  </a:spcBef>
+                  <a:buFont typeface="Arial" panose="020B0604020202020204" pitchFamily="34" charset="0"/>
+                  <a:buChar char="•"/>
+                  <a:defRPr/>
+                </a:pPr>
+                <a:r>
+                  <a:rPr lang="zh-CN" altLang="en-US" sz="1000">
+                    <a:latin typeface="Microsoft YaHei Light" panose="020B0502040204020203" pitchFamily="34" charset="-122"/>
+                    <a:ea typeface="Microsoft YaHei Light" panose="020B0502040204020203" pitchFamily="34" charset="-122"/>
+                  </a:rPr>
+                  <a:t>假设，那个</a:t>
+                </a:r>
+                <a14:m>
+                  <m:oMath xmlns:m="http://schemas.openxmlformats.org/officeDocument/2006/math">
+                    <m:r>
+                      <a:rPr lang="en-US" altLang="zh-CN" sz="1000" b="0" i="1" smtClean="0">
+                        <a:solidFill>
+                          <a:schemeClr val="tx1"/>
+                        </a:solidFill>
+                        <a:latin typeface="Cambria Math" panose="02040503050406030204" pitchFamily="18" charset="0"/>
+                        <a:ea typeface="Microsoft YaHei Light" panose="020B0502040204020203" pitchFamily="34" charset="-122"/>
+                      </a:rPr>
+                      <m:t>𝑖</m:t>
+                    </m:r>
+                    <m:r>
+                      <a:rPr lang="en-US" altLang="zh-CN" sz="1000" b="0" i="1" smtClean="0">
+                        <a:solidFill>
+                          <a:schemeClr val="tx1"/>
+                        </a:solidFill>
+                        <a:latin typeface="Cambria Math" panose="02040503050406030204" pitchFamily="18" charset="0"/>
+                        <a:ea typeface="Microsoft YaHei Light" panose="020B0502040204020203" pitchFamily="34" charset="-122"/>
+                      </a:rPr>
+                      <m:t>,</m:t>
+                    </m:r>
+                    <m:r>
+                      <a:rPr lang="en-US" altLang="zh-CN" sz="1000" b="0" i="1" smtClean="0">
+                        <a:solidFill>
+                          <a:schemeClr val="tx1"/>
+                        </a:solidFill>
+                        <a:latin typeface="Cambria Math" panose="02040503050406030204" pitchFamily="18" charset="0"/>
+                        <a:ea typeface="Microsoft YaHei Light" panose="020B0502040204020203" pitchFamily="34" charset="-122"/>
+                      </a:rPr>
+                      <m:t>𝑗</m:t>
+                    </m:r>
+                  </m:oMath>
+                </a14:m>
+                <a:r>
+                  <a:rPr lang="zh-CN" altLang="en-US" sz="1000">
+                    <a:solidFill>
+                      <a:schemeClr val="tx1"/>
+                    </a:solidFill>
+                    <a:latin typeface="Microsoft YaHei Light" panose="020B0502040204020203" pitchFamily="34" charset="-122"/>
+                    <a:ea typeface="Microsoft YaHei Light" panose="020B0502040204020203" pitchFamily="34" charset="-122"/>
+                  </a:rPr>
+                  <a:t>对应的位置刚好就是甜甜圈的中心点</a:t>
+                </a:r>
+                <a:r>
+                  <a:rPr lang="zh-CN" altLang="en-US" sz="1000">
+                    <a:latin typeface="Microsoft YaHei Light" panose="020B0502040204020203" pitchFamily="34" charset="-122"/>
+                    <a:ea typeface="Microsoft YaHei Light" panose="020B0502040204020203" pitchFamily="34" charset="-122"/>
+                  </a:rPr>
+                  <a:t>，即输出的隐藏表示放在了</a:t>
+                </a:r>
+                <a14:m>
+                  <m:oMath xmlns:m="http://schemas.openxmlformats.org/officeDocument/2006/math">
+                    <m:r>
+                      <a:rPr lang="en-US" altLang="zh-CN" sz="1000" b="0" i="1" smtClean="0">
+                        <a:latin typeface="Cambria Math" panose="02040503050406030204" pitchFamily="18" charset="0"/>
+                        <a:ea typeface="Microsoft YaHei Light" panose="020B0502040204020203" pitchFamily="34" charset="-122"/>
+                      </a:rPr>
+                      <m:t>(</m:t>
+                    </m:r>
+                    <m:r>
+                      <a:rPr lang="en-US" altLang="zh-CN" sz="1000" b="0" i="1" smtClean="0">
+                        <a:latin typeface="Cambria Math" panose="02040503050406030204" pitchFamily="18" charset="0"/>
+                        <a:ea typeface="Microsoft YaHei Light" panose="020B0502040204020203" pitchFamily="34" charset="-122"/>
+                      </a:rPr>
+                      <m:t>𝑖</m:t>
+                    </m:r>
+                    <m:r>
+                      <a:rPr lang="en-US" altLang="zh-CN" sz="1000" b="0" i="1" smtClean="0">
+                        <a:latin typeface="Cambria Math" panose="02040503050406030204" pitchFamily="18" charset="0"/>
+                        <a:ea typeface="Microsoft YaHei Light" panose="020B0502040204020203" pitchFamily="34" charset="-122"/>
+                      </a:rPr>
+                      <m:t>,</m:t>
+                    </m:r>
+                    <m:r>
+                      <a:rPr lang="en-US" altLang="zh-CN" sz="1000" b="0" i="1" smtClean="0">
+                        <a:latin typeface="Cambria Math" panose="02040503050406030204" pitchFamily="18" charset="0"/>
+                        <a:ea typeface="Microsoft YaHei Light" panose="020B0502040204020203" pitchFamily="34" charset="-122"/>
+                      </a:rPr>
+                      <m:t>𝑗</m:t>
+                    </m:r>
+                    <m:r>
+                      <a:rPr lang="en-US" altLang="zh-CN" sz="1000" b="0" i="1" smtClean="0">
+                        <a:latin typeface="Cambria Math" panose="02040503050406030204" pitchFamily="18" charset="0"/>
+                        <a:ea typeface="Microsoft YaHei Light" panose="020B0502040204020203" pitchFamily="34" charset="-122"/>
+                      </a:rPr>
+                      <m:t>)</m:t>
+                    </m:r>
+                    <m:r>
+                      <a:rPr lang="zh-CN" altLang="en-US" sz="1000" i="1">
+                        <a:latin typeface="Cambria Math" panose="02040503050406030204" pitchFamily="18" charset="0"/>
+                        <a:ea typeface="Microsoft YaHei Light" panose="020B0502040204020203" pitchFamily="34" charset="-122"/>
+                      </a:rPr>
+                      <m:t>这个</m:t>
+                    </m:r>
+                  </m:oMath>
+                </a14:m>
+                <a:r>
+                  <a:rPr lang="zh-CN" altLang="en-US" sz="1000">
+                    <a:latin typeface="Microsoft YaHei Light" panose="020B0502040204020203" pitchFamily="34" charset="-122"/>
+                    <a:ea typeface="Microsoft YaHei Light" panose="020B0502040204020203" pitchFamily="34" charset="-122"/>
+                  </a:rPr>
+                  <a:t>点上（这里是这样规定的，当然也可以放在别的点</a:t>
+                </a:r>
+                <a:r>
+                  <a:rPr lang="en-US" altLang="zh-CN" sz="1000">
+                    <a:latin typeface="Microsoft YaHei Light" panose="020B0502040204020203" pitchFamily="34" charset="-122"/>
+                    <a:ea typeface="Microsoft YaHei Light" panose="020B0502040204020203" pitchFamily="34" charset="-122"/>
+                  </a:rPr>
+                  <a:t>/</a:t>
+                </a:r>
+                <a:r>
+                  <a:rPr lang="zh-CN" altLang="en-US" sz="1000">
+                    <a:latin typeface="Microsoft YaHei Light" panose="020B0502040204020203" pitchFamily="34" charset="-122"/>
+                    <a:ea typeface="Microsoft YaHei Light" panose="020B0502040204020203" pitchFamily="34" charset="-122"/>
+                  </a:rPr>
+                  <a:t>索引</a:t>
+                </a:r>
+                <a:r>
+                  <a:rPr lang="en-US" altLang="zh-CN" sz="1000">
+                    <a:latin typeface="Microsoft YaHei Light" panose="020B0502040204020203" pitchFamily="34" charset="-122"/>
+                    <a:ea typeface="Microsoft YaHei Light" panose="020B0502040204020203" pitchFamily="34" charset="-122"/>
+                  </a:rPr>
+                  <a:t>/</a:t>
+                </a:r>
+                <a:r>
+                  <a:rPr lang="zh-CN" altLang="en-US" sz="1000">
+                    <a:latin typeface="Microsoft YaHei Light" panose="020B0502040204020203" pitchFamily="34" charset="-122"/>
+                    <a:ea typeface="Microsoft YaHei Light" panose="020B0502040204020203" pitchFamily="34" charset="-122"/>
+                  </a:rPr>
+                  <a:t>位置上）</a:t>
+                </a:r>
+                <a:endParaRPr lang="en-US" altLang="zh-CN" sz="1000">
+                  <a:latin typeface="Microsoft YaHei Light" panose="020B0502040204020203" pitchFamily="34" charset="-122"/>
+                  <a:ea typeface="Microsoft YaHei Light" panose="020B0502040204020203" pitchFamily="34" charset="-122"/>
+                </a:endParaRPr>
+              </a:p>
+              <a:p>
+                <a:pPr marL="171450" lvl="0" indent="-171450">
+                  <a:spcBef>
+                    <a:spcPts val="600"/>
+                  </a:spcBef>
+                  <a:buFont typeface="Arial" panose="020B0604020202020204" pitchFamily="34" charset="0"/>
+                  <a:buChar char="•"/>
+                  <a:defRPr/>
+                </a:pPr>
+                <a:r>
+                  <a:rPr lang="zh-CN" altLang="en-US" sz="1000">
+                    <a:latin typeface="Microsoft YaHei Light" panose="020B0502040204020203" pitchFamily="34" charset="-122"/>
+                    <a:ea typeface="Microsoft YaHei Light" panose="020B0502040204020203" pitchFamily="34" charset="-122"/>
+                  </a:rPr>
+                  <a:t>索引𝑎和𝑏可以为任意值，则就可以让</a:t>
+                </a:r>
+                <a14:m>
+                  <m:oMath xmlns:m="http://schemas.openxmlformats.org/officeDocument/2006/math">
+                    <m:sSub>
+                      <m:sSubPr>
+                        <m:ctrlPr>
+                          <a:rPr lang="en-US" altLang="zh-CN" sz="1000" i="1" smtClean="0">
+                            <a:latin typeface="Cambria Math" panose="02040503050406030204" pitchFamily="18" charset="0"/>
+                            <a:ea typeface="Microsoft YaHei Light" panose="020B0502040204020203" pitchFamily="34" charset="-122"/>
+                          </a:rPr>
+                        </m:ctrlPr>
+                      </m:sSubPr>
+                      <m:e>
+                        <m:r>
+                          <a:rPr lang="en-US" altLang="zh-CN" sz="1000" b="1" i="1">
+                            <a:latin typeface="Cambria Math" panose="02040503050406030204" pitchFamily="18" charset="0"/>
+                            <a:ea typeface="Microsoft YaHei Light" panose="020B0502040204020203" pitchFamily="34" charset="-122"/>
+                          </a:rPr>
+                          <m:t>𝑿</m:t>
+                        </m:r>
+                      </m:e>
+                      <m:sub>
+                        <m:r>
+                          <a:rPr lang="en-US" altLang="zh-CN" sz="1000" b="0" i="1" smtClean="0">
+                            <a:latin typeface="Cambria Math" panose="02040503050406030204" pitchFamily="18" charset="0"/>
+                            <a:ea typeface="Microsoft YaHei Light" panose="020B0502040204020203" pitchFamily="34" charset="-122"/>
+                          </a:rPr>
+                          <m:t>𝑖</m:t>
+                        </m:r>
+                        <m:r>
+                          <a:rPr lang="en-US" altLang="zh-CN" sz="1000" b="0" i="1" smtClean="0">
+                            <a:latin typeface="Cambria Math" panose="02040503050406030204" pitchFamily="18" charset="0"/>
+                            <a:ea typeface="Microsoft YaHei Light" panose="020B0502040204020203" pitchFamily="34" charset="-122"/>
+                          </a:rPr>
+                          <m:t>+</m:t>
+                        </m:r>
+                        <m:r>
+                          <a:rPr lang="en-US" altLang="zh-CN" sz="1000" b="0" i="1" smtClean="0">
+                            <a:latin typeface="Cambria Math" panose="02040503050406030204" pitchFamily="18" charset="0"/>
+                            <a:ea typeface="Microsoft YaHei Light" panose="020B0502040204020203" pitchFamily="34" charset="-122"/>
+                          </a:rPr>
+                          <m:t>𝑎</m:t>
+                        </m:r>
+                        <m:r>
+                          <a:rPr lang="en-US" altLang="zh-CN" sz="1000" b="0" i="1" smtClean="0">
+                            <a:latin typeface="Cambria Math" panose="02040503050406030204" pitchFamily="18" charset="0"/>
+                            <a:ea typeface="Microsoft YaHei Light" panose="020B0502040204020203" pitchFamily="34" charset="-122"/>
+                          </a:rPr>
+                          <m:t>,</m:t>
+                        </m:r>
+                        <m:r>
+                          <a:rPr lang="en-US" altLang="zh-CN" sz="1000" b="0" i="1" smtClean="0">
+                            <a:latin typeface="Cambria Math" panose="02040503050406030204" pitchFamily="18" charset="0"/>
+                            <a:ea typeface="Microsoft YaHei Light" panose="020B0502040204020203" pitchFamily="34" charset="-122"/>
+                          </a:rPr>
+                          <m:t>𝑗</m:t>
+                        </m:r>
+                        <m:r>
+                          <a:rPr lang="en-US" altLang="zh-CN" sz="1000" b="0" i="1" smtClean="0">
+                            <a:latin typeface="Cambria Math" panose="02040503050406030204" pitchFamily="18" charset="0"/>
+                            <a:ea typeface="Microsoft YaHei Light" panose="020B0502040204020203" pitchFamily="34" charset="-122"/>
+                          </a:rPr>
+                          <m:t>+</m:t>
+                        </m:r>
+                        <m:r>
+                          <a:rPr lang="en-US" altLang="zh-CN" sz="1000" b="0" i="1" smtClean="0">
+                            <a:latin typeface="Cambria Math" panose="02040503050406030204" pitchFamily="18" charset="0"/>
+                            <a:ea typeface="Microsoft YaHei Light" panose="020B0502040204020203" pitchFamily="34" charset="-122"/>
+                          </a:rPr>
+                          <m:t>𝑏</m:t>
+                        </m:r>
+                      </m:sub>
+                    </m:sSub>
+                  </m:oMath>
+                </a14:m>
+                <a:r>
+                  <a:rPr lang="zh-CN" altLang="en-US" sz="1000">
+                    <a:latin typeface="Microsoft YaHei Light" panose="020B0502040204020203" pitchFamily="34" charset="-122"/>
+                    <a:ea typeface="Microsoft YaHei Light" panose="020B0502040204020203" pitchFamily="34" charset="-122"/>
+                  </a:rPr>
+                  <a:t>移动覆盖整个图像</a:t>
+                </a:r>
+                <a:endParaRPr lang="en-US" altLang="zh-CN" sz="1000">
+                  <a:latin typeface="Microsoft YaHei Light" panose="020B0502040204020203" pitchFamily="34" charset="-122"/>
+                  <a:ea typeface="Microsoft YaHei Light" panose="020B0502040204020203" pitchFamily="34" charset="-122"/>
+                </a:endParaRPr>
+              </a:p>
+              <a:p>
+                <a:pPr marL="171450" lvl="0" indent="-171450">
+                  <a:spcBef>
+                    <a:spcPts val="600"/>
+                  </a:spcBef>
+                  <a:buFont typeface="Arial" panose="020B0604020202020204" pitchFamily="34" charset="0"/>
+                  <a:buChar char="•"/>
+                  <a:defRPr/>
+                </a:pPr>
+                <a:r>
+                  <a:rPr lang="zh-CN" altLang="en-US" sz="1000">
+                    <a:latin typeface="Microsoft YaHei Light" panose="020B0502040204020203" pitchFamily="34" charset="-122"/>
+                    <a:ea typeface="Microsoft YaHei Light" panose="020B0502040204020203" pitchFamily="34" charset="-122"/>
+                  </a:rPr>
+                  <a:t>那么，当甜甜圈中心从</a:t>
+                </a:r>
+                <a:r>
+                  <a:rPr lang="en-US" altLang="zh-CN" sz="1000">
+                    <a:latin typeface="Microsoft YaHei Light" panose="020B0502040204020203" pitchFamily="34" charset="-122"/>
+                    <a:ea typeface="Microsoft YaHei Light" panose="020B0502040204020203" pitchFamily="34" charset="-122"/>
+                  </a:rPr>
+                  <a:t>(2,2)</a:t>
+                </a:r>
+                <a:r>
+                  <a:rPr lang="zh-CN" altLang="en-US" sz="1000">
+                    <a:latin typeface="Microsoft YaHei Light" panose="020B0502040204020203" pitchFamily="34" charset="-122"/>
+                    <a:ea typeface="Microsoft YaHei Light" panose="020B0502040204020203" pitchFamily="34" charset="-122"/>
+                  </a:rPr>
+                  <a:t>移动到</a:t>
+                </a:r>
+                <a:r>
+                  <a:rPr lang="en-US" altLang="zh-CN" sz="1000">
+                    <a:latin typeface="Microsoft YaHei Light" panose="020B0502040204020203" pitchFamily="34" charset="-122"/>
+                    <a:ea typeface="Microsoft YaHei Light" panose="020B0502040204020203" pitchFamily="34" charset="-122"/>
+                  </a:rPr>
+                  <a:t>(4,6)</a:t>
+                </a:r>
+                <a:r>
+                  <a:rPr lang="zh-CN" altLang="en-US" sz="1000">
+                    <a:latin typeface="Microsoft YaHei Light" panose="020B0502040204020203" pitchFamily="34" charset="-122"/>
+                    <a:ea typeface="Microsoft YaHei Light" panose="020B0502040204020203" pitchFamily="34" charset="-122"/>
+                  </a:rPr>
+                  <a:t>，即</a:t>
+                </a:r>
+                <a14:m>
+                  <m:oMath xmlns:m="http://schemas.openxmlformats.org/officeDocument/2006/math">
+                    <m:r>
+                      <a:rPr lang="en-US" altLang="zh-CN" sz="1000" b="0" i="1" smtClean="0">
+                        <a:latin typeface="Cambria Math" panose="02040503050406030204" pitchFamily="18" charset="0"/>
+                        <a:ea typeface="Microsoft YaHei Light" panose="020B0502040204020203" pitchFamily="34" charset="-122"/>
+                      </a:rPr>
+                      <m:t>𝑖</m:t>
+                    </m:r>
+                    <m:r>
+                      <a:rPr lang="en-US" altLang="zh-CN" sz="1000" b="0" i="1" smtClean="0">
+                        <a:latin typeface="Cambria Math" panose="02040503050406030204" pitchFamily="18" charset="0"/>
+                        <a:ea typeface="Microsoft YaHei Light" panose="020B0502040204020203" pitchFamily="34" charset="-122"/>
+                      </a:rPr>
+                      <m:t>,</m:t>
+                    </m:r>
+                    <m:r>
+                      <a:rPr lang="en-US" altLang="zh-CN" sz="1000" b="0" i="1" smtClean="0">
+                        <a:latin typeface="Cambria Math" panose="02040503050406030204" pitchFamily="18" charset="0"/>
+                        <a:ea typeface="Microsoft YaHei Light" panose="020B0502040204020203" pitchFamily="34" charset="-122"/>
+                      </a:rPr>
+                      <m:t>𝑗</m:t>
+                    </m:r>
+                  </m:oMath>
+                </a14:m>
+                <a:r>
+                  <a:rPr lang="zh-CN" altLang="en-US" sz="1000">
+                    <a:latin typeface="Microsoft YaHei Light" panose="020B0502040204020203" pitchFamily="34" charset="-122"/>
+                    <a:ea typeface="Microsoft YaHei Light" panose="020B0502040204020203" pitchFamily="34" charset="-122"/>
+                  </a:rPr>
+                  <a:t>的值从</a:t>
+                </a:r>
+                <a14:m>
+                  <m:oMath xmlns:m="http://schemas.openxmlformats.org/officeDocument/2006/math">
+                    <m:r>
+                      <a:rPr lang="en-US" altLang="zh-CN" sz="1000" b="0" i="1" smtClean="0">
+                        <a:latin typeface="Cambria Math" panose="02040503050406030204" pitchFamily="18" charset="0"/>
+                        <a:ea typeface="Microsoft YaHei Light" panose="020B0502040204020203" pitchFamily="34" charset="-122"/>
+                      </a:rPr>
+                      <m:t>(2,2)</m:t>
+                    </m:r>
+                  </m:oMath>
+                </a14:m>
+                <a:r>
+                  <a:rPr lang="zh-CN" altLang="en-US" sz="1000">
+                    <a:latin typeface="Microsoft YaHei Light" panose="020B0502040204020203" pitchFamily="34" charset="-122"/>
+                    <a:ea typeface="Microsoft YaHei Light" panose="020B0502040204020203" pitchFamily="34" charset="-122"/>
+                  </a:rPr>
+                  <a:t>变成</a:t>
+                </a:r>
+                <a14:m>
+                  <m:oMath xmlns:m="http://schemas.openxmlformats.org/officeDocument/2006/math">
+                    <m:r>
+                      <a:rPr lang="en-US" altLang="zh-CN" sz="1000" b="0" i="1" smtClean="0">
+                        <a:latin typeface="Cambria Math" panose="02040503050406030204" pitchFamily="18" charset="0"/>
+                        <a:ea typeface="Microsoft YaHei Light" panose="020B0502040204020203" pitchFamily="34" charset="-122"/>
+                      </a:rPr>
+                      <m:t>(4,6)</m:t>
+                    </m:r>
+                  </m:oMath>
+                </a14:m>
+                <a:r>
+                  <a:rPr lang="zh-CN" altLang="en-US" sz="1000">
+                    <a:latin typeface="Microsoft YaHei Light" panose="020B0502040204020203" pitchFamily="34" charset="-122"/>
+                    <a:ea typeface="Microsoft YaHei Light" panose="020B0502040204020203" pitchFamily="34" charset="-122"/>
+                  </a:rPr>
+                  <a:t>，对于甜甜圈这个检测物体来说，该物体的其他像素点相对于</a:t>
+                </a:r>
+                <a14:m>
+                  <m:oMath xmlns:m="http://schemas.openxmlformats.org/officeDocument/2006/math">
+                    <m:r>
+                      <a:rPr lang="en-US" altLang="zh-CN" sz="1000" b="0" i="1" smtClean="0">
+                        <a:latin typeface="Cambria Math" panose="02040503050406030204" pitchFamily="18" charset="0"/>
+                        <a:ea typeface="Microsoft YaHei Light" panose="020B0502040204020203" pitchFamily="34" charset="-122"/>
+                      </a:rPr>
+                      <m:t>(</m:t>
+                    </m:r>
+                    <m:r>
+                      <a:rPr lang="en-US" altLang="zh-CN" sz="1000" b="0" i="1" smtClean="0">
+                        <a:latin typeface="Cambria Math" panose="02040503050406030204" pitchFamily="18" charset="0"/>
+                        <a:ea typeface="Microsoft YaHei Light" panose="020B0502040204020203" pitchFamily="34" charset="-122"/>
+                      </a:rPr>
+                      <m:t>𝑖</m:t>
+                    </m:r>
+                    <m:r>
+                      <a:rPr lang="en-US" altLang="zh-CN" sz="1000" b="0" i="1" smtClean="0">
+                        <a:latin typeface="Cambria Math" panose="02040503050406030204" pitchFamily="18" charset="0"/>
+                        <a:ea typeface="Microsoft YaHei Light" panose="020B0502040204020203" pitchFamily="34" charset="-122"/>
+                      </a:rPr>
+                      <m:t>,</m:t>
+                    </m:r>
+                    <m:r>
+                      <a:rPr lang="en-US" altLang="zh-CN" sz="1000" b="0" i="1" smtClean="0">
+                        <a:latin typeface="Cambria Math" panose="02040503050406030204" pitchFamily="18" charset="0"/>
+                        <a:ea typeface="Microsoft YaHei Light" panose="020B0502040204020203" pitchFamily="34" charset="-122"/>
+                      </a:rPr>
+                      <m:t>𝑗</m:t>
+                    </m:r>
+                    <m:r>
+                      <a:rPr lang="en-US" altLang="zh-CN" sz="1000" b="0" i="1" smtClean="0">
+                        <a:latin typeface="Cambria Math" panose="02040503050406030204" pitchFamily="18" charset="0"/>
+                        <a:ea typeface="Microsoft YaHei Light" panose="020B0502040204020203" pitchFamily="34" charset="-122"/>
+                      </a:rPr>
+                      <m:t>)</m:t>
+                    </m:r>
+                    <m:r>
+                      <a:rPr lang="zh-CN" altLang="en-US" sz="1000" i="1">
+                        <a:latin typeface="Cambria Math" panose="02040503050406030204" pitchFamily="18" charset="0"/>
+                        <a:ea typeface="Microsoft YaHei Light" panose="020B0502040204020203" pitchFamily="34" charset="-122"/>
+                      </a:rPr>
+                      <m:t>的</m:t>
+                    </m:r>
+                  </m:oMath>
+                </a14:m>
+                <a:r>
+                  <a:rPr lang="zh-CN" altLang="en-US" sz="1000">
+                    <a:latin typeface="Microsoft YaHei Light" panose="020B0502040204020203" pitchFamily="34" charset="-122"/>
+                    <a:ea typeface="Microsoft YaHei Light" panose="020B0502040204020203" pitchFamily="34" charset="-122"/>
+                  </a:rPr>
+                  <a:t>位置还是不变的，比如对于红色点来说，检测物体移动前后，其位置表示都是</a:t>
+                </a:r>
+                <a14:m>
+                  <m:oMath xmlns:m="http://schemas.openxmlformats.org/officeDocument/2006/math">
+                    <m:r>
+                      <a:rPr lang="en-US" altLang="zh-CN" sz="1000" b="0" i="1" smtClean="0">
+                        <a:latin typeface="Cambria Math" panose="02040503050406030204" pitchFamily="18" charset="0"/>
+                        <a:ea typeface="Microsoft YaHei Light" panose="020B0502040204020203" pitchFamily="34" charset="-122"/>
+                      </a:rPr>
+                      <m:t>(</m:t>
+                    </m:r>
+                    <m:r>
+                      <a:rPr lang="en-US" altLang="zh-CN" sz="1000" b="0" i="1" smtClean="0">
+                        <a:latin typeface="Cambria Math" panose="02040503050406030204" pitchFamily="18" charset="0"/>
+                        <a:ea typeface="Microsoft YaHei Light" panose="020B0502040204020203" pitchFamily="34" charset="-122"/>
+                      </a:rPr>
+                      <m:t>𝑖</m:t>
+                    </m:r>
+                    <m:r>
+                      <a:rPr lang="en-US" altLang="zh-CN" sz="1000" b="0" i="1" smtClean="0">
+                        <a:latin typeface="Cambria Math" panose="02040503050406030204" pitchFamily="18" charset="0"/>
+                        <a:ea typeface="Microsoft YaHei Light" panose="020B0502040204020203" pitchFamily="34" charset="-122"/>
+                      </a:rPr>
+                      <m:t>,</m:t>
+                    </m:r>
+                    <m:r>
+                      <a:rPr lang="en-US" altLang="zh-CN" sz="1000" b="0" i="1" smtClean="0">
+                        <a:latin typeface="Cambria Math" panose="02040503050406030204" pitchFamily="18" charset="0"/>
+                        <a:ea typeface="Microsoft YaHei Light" panose="020B0502040204020203" pitchFamily="34" charset="-122"/>
+                      </a:rPr>
+                      <m:t>𝑗</m:t>
+                    </m:r>
+                    <m:r>
+                      <a:rPr lang="en-US" altLang="zh-CN" sz="1000" b="0" i="1" smtClean="0">
+                        <a:latin typeface="Cambria Math" panose="02040503050406030204" pitchFamily="18" charset="0"/>
+                        <a:ea typeface="Microsoft YaHei Light" panose="020B0502040204020203" pitchFamily="34" charset="-122"/>
+                      </a:rPr>
+                      <m:t>−1)</m:t>
+                    </m:r>
+                    <m:r>
+                      <a:rPr lang="zh-CN" altLang="en-US" sz="1000" i="1">
+                        <a:latin typeface="Cambria Math" panose="02040503050406030204" pitchFamily="18" charset="0"/>
+                        <a:ea typeface="Microsoft YaHei Light" panose="020B0502040204020203" pitchFamily="34" charset="-122"/>
+                      </a:rPr>
+                      <m:t>，</m:t>
+                    </m:r>
+                  </m:oMath>
+                </a14:m>
+                <a:r>
+                  <a:rPr lang="zh-CN" altLang="en-US" sz="1000">
+                    <a:latin typeface="Microsoft YaHei Light" panose="020B0502040204020203" pitchFamily="34" charset="-122"/>
+                    <a:ea typeface="Microsoft YaHei Light" panose="020B0502040204020203" pitchFamily="34" charset="-122"/>
+                  </a:rPr>
+                  <a:t>相当于</a:t>
+                </a:r>
+                <a14:m>
+                  <m:oMath xmlns:m="http://schemas.openxmlformats.org/officeDocument/2006/math">
+                    <m:r>
+                      <a:rPr lang="en-US" altLang="zh-CN" sz="1000" b="0" i="1" smtClean="0">
+                        <a:latin typeface="Cambria Math" panose="02040503050406030204" pitchFamily="18" charset="0"/>
+                        <a:ea typeface="Microsoft YaHei Light" panose="020B0502040204020203" pitchFamily="34" charset="-122"/>
+                      </a:rPr>
+                      <m:t>𝑎</m:t>
+                    </m:r>
+                    <m:r>
+                      <a:rPr lang="en-US" altLang="zh-CN" sz="1000" b="0" i="1" smtClean="0">
+                        <a:latin typeface="Cambria Math" panose="02040503050406030204" pitchFamily="18" charset="0"/>
+                        <a:ea typeface="Microsoft YaHei Light" panose="020B0502040204020203" pitchFamily="34" charset="-122"/>
+                      </a:rPr>
+                      <m:t>=0,</m:t>
+                    </m:r>
+                    <m:r>
+                      <a:rPr lang="en-US" altLang="zh-CN" sz="1000" b="0" i="1" smtClean="0">
+                        <a:latin typeface="Cambria Math" panose="02040503050406030204" pitchFamily="18" charset="0"/>
+                        <a:ea typeface="Microsoft YaHei Light" panose="020B0502040204020203" pitchFamily="34" charset="-122"/>
+                      </a:rPr>
+                      <m:t>𝑏</m:t>
+                    </m:r>
+                    <m:r>
+                      <a:rPr lang="en-US" altLang="zh-CN" sz="1000" b="0" i="1" smtClean="0">
+                        <a:latin typeface="Cambria Math" panose="02040503050406030204" pitchFamily="18" charset="0"/>
+                        <a:ea typeface="Microsoft YaHei Light" panose="020B0502040204020203" pitchFamily="34" charset="-122"/>
+                      </a:rPr>
+                      <m:t>=−1</m:t>
+                    </m:r>
+                  </m:oMath>
+                </a14:m>
+                <a:r>
+                  <a:rPr lang="zh-CN" altLang="en-US" sz="1000" b="0">
+                    <a:latin typeface="Microsoft YaHei Light" panose="020B0502040204020203" pitchFamily="34" charset="-122"/>
+                    <a:ea typeface="Microsoft YaHei Light" panose="020B0502040204020203" pitchFamily="34" charset="-122"/>
+                  </a:rPr>
+                  <a:t>。</a:t>
+                </a:r>
+                <a:endParaRPr lang="en-US" altLang="zh-CN" sz="1000" b="0">
+                  <a:latin typeface="Microsoft YaHei Light" panose="020B0502040204020203" pitchFamily="34" charset="-122"/>
+                  <a:ea typeface="Microsoft YaHei Light" panose="020B0502040204020203" pitchFamily="34" charset="-122"/>
+                </a:endParaRPr>
+              </a:p>
+            </p:txBody>
+          </p:sp>
+        </mc:Choice>
+        <mc:Fallback>
+          <p:sp>
+            <p:nvSpPr>
+              <p:cNvPr id="399" name="文本框 398">
+                <a:extLst>
+                  <a:ext uri="{FF2B5EF4-FFF2-40B4-BE49-F238E27FC236}">
+                    <a16:creationId xmlns:a16="http://schemas.microsoft.com/office/drawing/2014/main" id="{D7F3E84E-A0D3-48D8-BE0D-DCEF4FC0F39C}"/>
+                  </a:ext>
+                </a:extLst>
+              </p:cNvPr>
+              <p:cNvSpPr txBox="1">
+                <a:spLocks noRot="1" noChangeAspect="1" noMove="1" noResize="1" noEditPoints="1" noAdjustHandles="1" noChangeArrowheads="1" noChangeShapeType="1" noTextEdit="1"/>
+              </p:cNvSpPr>
+              <p:nvPr/>
+            </p:nvSpPr>
+            <p:spPr>
+              <a:xfrm>
+                <a:off x="3823641" y="1613296"/>
+                <a:ext cx="3336406" cy="2169825"/>
+              </a:xfrm>
+              <a:prstGeom prst="rect">
+                <a:avLst/>
+              </a:prstGeom>
+              <a:blipFill>
+                <a:blip r:embed="rId5"/>
+                <a:stretch>
+                  <a:fillRect b="-843"/>
+                </a:stretch>
+              </a:blipFill>
+            </p:spPr>
+            <p:txBody>
+              <a:bodyPr/>
+              <a:lstStyle/>
+              <a:p>
+                <a:r>
+                  <a:rPr lang="zh-CN" altLang="en-US">
+                    <a:noFill/>
+                  </a:rPr>
+                  <a:t> </a:t>
+                </a:r>
+              </a:p>
+            </p:txBody>
+          </p:sp>
+        </mc:Fallback>
+      </mc:AlternateContent>
+      <p:sp>
+        <p:nvSpPr>
+          <p:cNvPr id="396" name="文本框 395">
+            <a:extLst>
+              <a:ext uri="{FF2B5EF4-FFF2-40B4-BE49-F238E27FC236}">
+                <a16:creationId xmlns:a16="http://schemas.microsoft.com/office/drawing/2014/main" id="{19A8CA2B-31C5-47DC-91ED-E006287BD380}"/>
+              </a:ext>
+            </a:extLst>
+          </p:cNvPr>
+          <p:cNvSpPr txBox="1"/>
+          <p:nvPr/>
+        </p:nvSpPr>
+        <p:spPr>
+          <a:xfrm>
+            <a:off x="3069864" y="1793751"/>
+            <a:ext cx="471731" cy="276999"/>
+          </a:xfrm>
+          <a:prstGeom prst="rect">
+            <a:avLst/>
+          </a:prstGeom>
+          <a:noFill/>
+        </p:spPr>
+        <p:txBody>
+          <a:bodyPr wrap="square" rtlCol="0">
+            <a:spAutoFit/>
+          </a:bodyPr>
+          <a:lstStyle/>
+          <a:p>
+            <a:r>
+              <a:rPr lang="en-US" altLang="zh-CN" sz="1200"/>
+              <a:t>(4,6)</a:t>
+            </a:r>
+            <a:endParaRPr lang="zh-CN" altLang="en-US" sz="1200"/>
+          </a:p>
+        </p:txBody>
+      </p:sp>
+      <p:sp>
+        <p:nvSpPr>
+          <p:cNvPr id="401" name="椭圆 400">
+            <a:extLst>
+              <a:ext uri="{FF2B5EF4-FFF2-40B4-BE49-F238E27FC236}">
+                <a16:creationId xmlns:a16="http://schemas.microsoft.com/office/drawing/2014/main" id="{0BF74FC6-E90B-4B2D-82F6-08CDFA55C98E}"/>
+              </a:ext>
+            </a:extLst>
+          </p:cNvPr>
+          <p:cNvSpPr/>
+          <p:nvPr/>
+        </p:nvSpPr>
+        <p:spPr>
+          <a:xfrm>
+            <a:off x="1355943" y="998811"/>
+            <a:ext cx="123562" cy="123562"/>
+          </a:xfrm>
+          <a:prstGeom prst="ellipse">
+            <a:avLst/>
+          </a:prstGeom>
+          <a:solidFill>
+            <a:srgbClr val="FF0000"/>
+          </a:solidFill>
+          <a:ln>
+            <a:solidFill>
+              <a:srgbClr val="FF0000"/>
+            </a:solidFill>
+          </a:ln>
+        </p:spPr>
+        <p:style>
+          <a:lnRef idx="2">
+            <a:schemeClr val="accent1">
+              <a:shade val="50000"/>
+            </a:schemeClr>
+          </a:lnRef>
+          <a:fillRef idx="1">
+            <a:schemeClr val="accent1"/>
+          </a:fillRef>
+          <a:effectRef idx="0">
+            <a:schemeClr val="accent1"/>
+          </a:effectRef>
+          <a:fontRef idx="minor">
+            <a:schemeClr val="lt1"/>
+          </a:fontRef>
+        </p:style>
+        <p:txBody>
+          <a:bodyPr rtlCol="0" anchor="ctr"/>
+          <a:lstStyle/>
+          <a:p>
+            <a:pPr algn="ctr"/>
+            <a:endParaRPr lang="zh-CN" altLang="en-US"/>
+          </a:p>
+        </p:txBody>
+      </p:sp>
+      <p:sp>
+        <p:nvSpPr>
+          <p:cNvPr id="402" name="椭圆 401">
+            <a:extLst>
+              <a:ext uri="{FF2B5EF4-FFF2-40B4-BE49-F238E27FC236}">
+                <a16:creationId xmlns:a16="http://schemas.microsoft.com/office/drawing/2014/main" id="{DDD693A2-A4D3-4420-B14D-2DE4A2195401}"/>
+              </a:ext>
+            </a:extLst>
+          </p:cNvPr>
+          <p:cNvSpPr/>
+          <p:nvPr/>
+        </p:nvSpPr>
+        <p:spPr>
+          <a:xfrm>
+            <a:off x="2842438" y="1721909"/>
+            <a:ext cx="123562" cy="123562"/>
+          </a:xfrm>
+          <a:prstGeom prst="ellipse">
+            <a:avLst/>
+          </a:prstGeom>
+          <a:solidFill>
+            <a:srgbClr val="FF0000"/>
+          </a:solidFill>
+          <a:ln>
+            <a:solidFill>
+              <a:srgbClr val="FF0000"/>
+            </a:solidFill>
+          </a:ln>
+        </p:spPr>
+        <p:style>
+          <a:lnRef idx="2">
+            <a:schemeClr val="accent1">
+              <a:shade val="50000"/>
+            </a:schemeClr>
+          </a:lnRef>
+          <a:fillRef idx="1">
+            <a:schemeClr val="accent1"/>
+          </a:fillRef>
+          <a:effectRef idx="0">
+            <a:schemeClr val="accent1"/>
+          </a:effectRef>
+          <a:fontRef idx="minor">
+            <a:schemeClr val="lt1"/>
+          </a:fontRef>
+        </p:style>
+        <p:txBody>
+          <a:bodyPr rtlCol="0" anchor="ctr"/>
+          <a:lstStyle/>
+          <a:p>
+            <a:pPr algn="ctr"/>
+            <a:endParaRPr lang="zh-CN" altLang="en-US"/>
+          </a:p>
+        </p:txBody>
+      </p:sp>
+    </p:spTree>
+    <p:extLst>
+      <p:ext uri="{BB962C8B-B14F-4D97-AF65-F5344CB8AC3E}">
+        <p14:creationId xmlns:p14="http://schemas.microsoft.com/office/powerpoint/2010/main" val="2167765331"/>
       </p:ext>
     </p:extLst>
   </p:cSld>
